--- a/웹사이트.pptx
+++ b/웹사이트.pptx
@@ -7,8 +7,21 @@
   <p:sldIdLst>
     <p:sldId id="257" r:id="rId2"/>
     <p:sldId id="258" r:id="rId3"/>
-    <p:sldId id="259" r:id="rId4"/>
-    <p:sldId id="260" r:id="rId5"/>
+    <p:sldId id="265" r:id="rId4"/>
+    <p:sldId id="266" r:id="rId5"/>
+    <p:sldId id="264" r:id="rId6"/>
+    <p:sldId id="263" r:id="rId7"/>
+    <p:sldId id="259" r:id="rId8"/>
+    <p:sldId id="260" r:id="rId9"/>
+    <p:sldId id="272" r:id="rId10"/>
+    <p:sldId id="268" r:id="rId11"/>
+    <p:sldId id="256" r:id="rId12"/>
+    <p:sldId id="269" r:id="rId13"/>
+    <p:sldId id="270" r:id="rId14"/>
+    <p:sldId id="271" r:id="rId15"/>
+    <p:sldId id="261" r:id="rId16"/>
+    <p:sldId id="267" r:id="rId17"/>
+    <p:sldId id="262" r:id="rId18"/>
   </p:sldIdLst>
   <p:sldSz cx="12192000" cy="6858000"/>
   <p:notesSz cx="6858000" cy="9144000"/>
@@ -107,6 +120,11 @@
       </a:defRPr>
     </a:lvl9pPr>
   </p:defaultTextStyle>
+  <p:extLst>
+    <p:ext uri="{EFAFB233-063F-42B5-8137-9DF3F51BA10A}">
+      <p15:sldGuideLst xmlns:p15="http://schemas.microsoft.com/office/powerpoint/2012/main"/>
+    </p:ext>
+  </p:extLst>
 </p:presentation>
 </file>
 
@@ -257,7 +275,7 @@
           <a:p>
             <a:fld id="{5F582D14-E517-4138-B6FC-C3D879E1B4B1}" type="datetimeFigureOut">
               <a:rPr lang="ko-KR" altLang="en-US" smtClean="0"/>
-              <a:t>2021-02-03</a:t>
+              <a:t>2021-02-06</a:t>
             </a:fld>
             <a:endParaRPr lang="ko-KR" altLang="en-US"/>
           </a:p>
@@ -455,7 +473,7 @@
           <a:p>
             <a:fld id="{5F582D14-E517-4138-B6FC-C3D879E1B4B1}" type="datetimeFigureOut">
               <a:rPr lang="ko-KR" altLang="en-US" smtClean="0"/>
-              <a:t>2021-02-03</a:t>
+              <a:t>2021-02-06</a:t>
             </a:fld>
             <a:endParaRPr lang="ko-KR" altLang="en-US"/>
           </a:p>
@@ -663,7 +681,7 @@
           <a:p>
             <a:fld id="{5F582D14-E517-4138-B6FC-C3D879E1B4B1}" type="datetimeFigureOut">
               <a:rPr lang="ko-KR" altLang="en-US" smtClean="0"/>
-              <a:t>2021-02-03</a:t>
+              <a:t>2021-02-06</a:t>
             </a:fld>
             <a:endParaRPr lang="ko-KR" altLang="en-US"/>
           </a:p>
@@ -861,7 +879,7 @@
           <a:p>
             <a:fld id="{5F582D14-E517-4138-B6FC-C3D879E1B4B1}" type="datetimeFigureOut">
               <a:rPr lang="ko-KR" altLang="en-US" smtClean="0"/>
-              <a:t>2021-02-03</a:t>
+              <a:t>2021-02-06</a:t>
             </a:fld>
             <a:endParaRPr lang="ko-KR" altLang="en-US"/>
           </a:p>
@@ -1136,7 +1154,7 @@
           <a:p>
             <a:fld id="{5F582D14-E517-4138-B6FC-C3D879E1B4B1}" type="datetimeFigureOut">
               <a:rPr lang="ko-KR" altLang="en-US" smtClean="0"/>
-              <a:t>2021-02-03</a:t>
+              <a:t>2021-02-06</a:t>
             </a:fld>
             <a:endParaRPr lang="ko-KR" altLang="en-US"/>
           </a:p>
@@ -1401,7 +1419,7 @@
           <a:p>
             <a:fld id="{5F582D14-E517-4138-B6FC-C3D879E1B4B1}" type="datetimeFigureOut">
               <a:rPr lang="ko-KR" altLang="en-US" smtClean="0"/>
-              <a:t>2021-02-03</a:t>
+              <a:t>2021-02-06</a:t>
             </a:fld>
             <a:endParaRPr lang="ko-KR" altLang="en-US"/>
           </a:p>
@@ -1813,7 +1831,7 @@
           <a:p>
             <a:fld id="{5F582D14-E517-4138-B6FC-C3D879E1B4B1}" type="datetimeFigureOut">
               <a:rPr lang="ko-KR" altLang="en-US" smtClean="0"/>
-              <a:t>2021-02-03</a:t>
+              <a:t>2021-02-06</a:t>
             </a:fld>
             <a:endParaRPr lang="ko-KR" altLang="en-US"/>
           </a:p>
@@ -1954,7 +1972,7 @@
           <a:p>
             <a:fld id="{5F582D14-E517-4138-B6FC-C3D879E1B4B1}" type="datetimeFigureOut">
               <a:rPr lang="ko-KR" altLang="en-US" smtClean="0"/>
-              <a:t>2021-02-03</a:t>
+              <a:t>2021-02-06</a:t>
             </a:fld>
             <a:endParaRPr lang="ko-KR" altLang="en-US"/>
           </a:p>
@@ -2067,7 +2085,7 @@
           <a:p>
             <a:fld id="{5F582D14-E517-4138-B6FC-C3D879E1B4B1}" type="datetimeFigureOut">
               <a:rPr lang="ko-KR" altLang="en-US" smtClean="0"/>
-              <a:t>2021-02-03</a:t>
+              <a:t>2021-02-06</a:t>
             </a:fld>
             <a:endParaRPr lang="ko-KR" altLang="en-US"/>
           </a:p>
@@ -2378,7 +2396,7 @@
           <a:p>
             <a:fld id="{5F582D14-E517-4138-B6FC-C3D879E1B4B1}" type="datetimeFigureOut">
               <a:rPr lang="ko-KR" altLang="en-US" smtClean="0"/>
-              <a:t>2021-02-03</a:t>
+              <a:t>2021-02-06</a:t>
             </a:fld>
             <a:endParaRPr lang="ko-KR" altLang="en-US"/>
           </a:p>
@@ -2666,7 +2684,7 @@
           <a:p>
             <a:fld id="{5F582D14-E517-4138-B6FC-C3D879E1B4B1}" type="datetimeFigureOut">
               <a:rPr lang="ko-KR" altLang="en-US" smtClean="0"/>
-              <a:t>2021-02-03</a:t>
+              <a:t>2021-02-06</a:t>
             </a:fld>
             <a:endParaRPr lang="ko-KR" altLang="en-US"/>
           </a:p>
@@ -2907,7 +2925,7 @@
           <a:p>
             <a:fld id="{5F582D14-E517-4138-B6FC-C3D879E1B4B1}" type="datetimeFigureOut">
               <a:rPr lang="ko-KR" altLang="en-US" smtClean="0"/>
-              <a:t>2021-02-03</a:t>
+              <a:t>2021-02-06</a:t>
             </a:fld>
             <a:endParaRPr lang="ko-KR" altLang="en-US"/>
           </a:p>
@@ -3606,6 +3624,10 @@
           <a:lstStyle/>
           <a:p>
             <a:r>
+              <a:rPr lang="en-US" altLang="ko-KR" b="1"/>
+              <a:t>1. </a:t>
+            </a:r>
+            <a:r>
               <a:rPr lang="ko-KR" altLang="en-US" b="1"/>
               <a:t>메인 페이지</a:t>
             </a:r>
@@ -3895,6 +3917,4313 @@
     <p:extLst>
       <p:ext uri="{BB962C8B-B14F-4D97-AF65-F5344CB8AC3E}">
         <p14:creationId xmlns:p14="http://schemas.microsoft.com/office/powerpoint/2010/main" val="2997237172"/>
+      </p:ext>
+    </p:extLst>
+  </p:cSld>
+  <p:clrMapOvr>
+    <a:masterClrMapping/>
+  </p:clrMapOvr>
+</p:sld>
+</file>
+
+<file path=ppt/slides/slide10.xml><?xml version="1.0" encoding="utf-8"?>
+<p:sld xmlns:a="http://schemas.openxmlformats.org/drawingml/2006/main" xmlns:r="http://schemas.openxmlformats.org/officeDocument/2006/relationships" xmlns:p="http://schemas.openxmlformats.org/presentationml/2006/main">
+  <p:cSld>
+    <p:spTree>
+      <p:nvGrpSpPr>
+        <p:cNvPr id="1" name=""/>
+        <p:cNvGrpSpPr/>
+        <p:nvPr/>
+      </p:nvGrpSpPr>
+      <p:grpSpPr>
+        <a:xfrm>
+          <a:off x="0" y="0"/>
+          <a:ext cx="0" cy="0"/>
+          <a:chOff x="0" y="0"/>
+          <a:chExt cx="0" cy="0"/>
+        </a:xfrm>
+      </p:grpSpPr>
+      <p:sp>
+        <p:nvSpPr>
+          <p:cNvPr id="3" name="타원 2">
+            <a:extLst>
+              <a:ext uri="{FF2B5EF4-FFF2-40B4-BE49-F238E27FC236}">
+                <a16:creationId xmlns:a16="http://schemas.microsoft.com/office/drawing/2014/main" id="{67C02521-65E6-4B33-B9CD-279E410DDDA8}"/>
+              </a:ext>
+            </a:extLst>
+          </p:cNvPr>
+          <p:cNvSpPr/>
+          <p:nvPr/>
+        </p:nvSpPr>
+        <p:spPr>
+          <a:xfrm>
+            <a:off x="955344" y="2678372"/>
+            <a:ext cx="1692323" cy="1050878"/>
+          </a:xfrm>
+          <a:prstGeom prst="ellipse">
+            <a:avLst/>
+          </a:prstGeom>
+          <a:noFill/>
+        </p:spPr>
+        <p:style>
+          <a:lnRef idx="2">
+            <a:schemeClr val="accent6"/>
+          </a:lnRef>
+          <a:fillRef idx="1">
+            <a:schemeClr val="lt1"/>
+          </a:fillRef>
+          <a:effectRef idx="0">
+            <a:schemeClr val="accent6"/>
+          </a:effectRef>
+          <a:fontRef idx="minor">
+            <a:schemeClr val="dk1"/>
+          </a:fontRef>
+        </p:style>
+        <p:txBody>
+          <a:bodyPr rtlCol="0" anchor="ctr"/>
+          <a:lstStyle/>
+          <a:p>
+            <a:pPr algn="ctr"/>
+            <a:r>
+              <a:rPr lang="ko-KR" altLang="en-US"/>
+              <a:t>메인</a:t>
+            </a:r>
+          </a:p>
+        </p:txBody>
+      </p:sp>
+      <p:sp>
+        <p:nvSpPr>
+          <p:cNvPr id="4" name="타원 3">
+            <a:extLst>
+              <a:ext uri="{FF2B5EF4-FFF2-40B4-BE49-F238E27FC236}">
+                <a16:creationId xmlns:a16="http://schemas.microsoft.com/office/drawing/2014/main" id="{48F9F986-4A29-41CD-8833-019D1C4A14F3}"/>
+              </a:ext>
+            </a:extLst>
+          </p:cNvPr>
+          <p:cNvSpPr/>
+          <p:nvPr/>
+        </p:nvSpPr>
+        <p:spPr>
+          <a:xfrm>
+            <a:off x="3953302" y="1119115"/>
+            <a:ext cx="1692323" cy="1050878"/>
+          </a:xfrm>
+          <a:prstGeom prst="ellipse">
+            <a:avLst/>
+          </a:prstGeom>
+          <a:noFill/>
+        </p:spPr>
+        <p:style>
+          <a:lnRef idx="2">
+            <a:schemeClr val="accent6"/>
+          </a:lnRef>
+          <a:fillRef idx="1">
+            <a:schemeClr val="lt1"/>
+          </a:fillRef>
+          <a:effectRef idx="0">
+            <a:schemeClr val="accent6"/>
+          </a:effectRef>
+          <a:fontRef idx="minor">
+            <a:schemeClr val="dk1"/>
+          </a:fontRef>
+        </p:style>
+        <p:txBody>
+          <a:bodyPr rtlCol="0" anchor="ctr"/>
+          <a:lstStyle/>
+          <a:p>
+            <a:pPr algn="ctr"/>
+            <a:r>
+              <a:rPr lang="ko-KR" altLang="en-US"/>
+              <a:t>검색 </a:t>
+            </a:r>
+          </a:p>
+        </p:txBody>
+      </p:sp>
+      <p:sp>
+        <p:nvSpPr>
+          <p:cNvPr id="5" name="타원 4">
+            <a:extLst>
+              <a:ext uri="{FF2B5EF4-FFF2-40B4-BE49-F238E27FC236}">
+                <a16:creationId xmlns:a16="http://schemas.microsoft.com/office/drawing/2014/main" id="{39D218D8-152B-4350-AB4A-670D19395FCC}"/>
+              </a:ext>
+            </a:extLst>
+          </p:cNvPr>
+          <p:cNvSpPr/>
+          <p:nvPr/>
+        </p:nvSpPr>
+        <p:spPr>
+          <a:xfrm>
+            <a:off x="3953301" y="2678372"/>
+            <a:ext cx="1692323" cy="1050878"/>
+          </a:xfrm>
+          <a:prstGeom prst="ellipse">
+            <a:avLst/>
+          </a:prstGeom>
+          <a:noFill/>
+        </p:spPr>
+        <p:style>
+          <a:lnRef idx="2">
+            <a:schemeClr val="accent6"/>
+          </a:lnRef>
+          <a:fillRef idx="1">
+            <a:schemeClr val="lt1"/>
+          </a:fillRef>
+          <a:effectRef idx="0">
+            <a:schemeClr val="accent6"/>
+          </a:effectRef>
+          <a:fontRef idx="minor">
+            <a:schemeClr val="dk1"/>
+          </a:fontRef>
+        </p:style>
+        <p:txBody>
+          <a:bodyPr rtlCol="0" anchor="ctr"/>
+          <a:lstStyle/>
+          <a:p>
+            <a:pPr algn="ctr"/>
+            <a:r>
+              <a:rPr lang="ko-KR" altLang="en-US"/>
+              <a:t>게시판</a:t>
+            </a:r>
+          </a:p>
+        </p:txBody>
+      </p:sp>
+      <p:sp>
+        <p:nvSpPr>
+          <p:cNvPr id="6" name="타원 5">
+            <a:extLst>
+              <a:ext uri="{FF2B5EF4-FFF2-40B4-BE49-F238E27FC236}">
+                <a16:creationId xmlns:a16="http://schemas.microsoft.com/office/drawing/2014/main" id="{560F9C2B-9E24-482A-98F0-234398C56D68}"/>
+              </a:ext>
+            </a:extLst>
+          </p:cNvPr>
+          <p:cNvSpPr/>
+          <p:nvPr/>
+        </p:nvSpPr>
+        <p:spPr>
+          <a:xfrm>
+            <a:off x="2809164" y="4468503"/>
+            <a:ext cx="1692323" cy="1050878"/>
+          </a:xfrm>
+          <a:prstGeom prst="ellipse">
+            <a:avLst/>
+          </a:prstGeom>
+          <a:noFill/>
+        </p:spPr>
+        <p:style>
+          <a:lnRef idx="2">
+            <a:schemeClr val="accent6"/>
+          </a:lnRef>
+          <a:fillRef idx="1">
+            <a:schemeClr val="lt1"/>
+          </a:fillRef>
+          <a:effectRef idx="0">
+            <a:schemeClr val="accent6"/>
+          </a:effectRef>
+          <a:fontRef idx="minor">
+            <a:schemeClr val="dk1"/>
+          </a:fontRef>
+        </p:style>
+        <p:txBody>
+          <a:bodyPr rtlCol="0" anchor="ctr"/>
+          <a:lstStyle/>
+          <a:p>
+            <a:pPr algn="ctr"/>
+            <a:r>
+              <a:rPr lang="ko-KR" altLang="en-US"/>
+              <a:t>로그인</a:t>
+            </a:r>
+          </a:p>
+        </p:txBody>
+      </p:sp>
+      <p:cxnSp>
+        <p:nvCxnSpPr>
+          <p:cNvPr id="8" name="직선 화살표 연결선 7">
+            <a:extLst>
+              <a:ext uri="{FF2B5EF4-FFF2-40B4-BE49-F238E27FC236}">
+                <a16:creationId xmlns:a16="http://schemas.microsoft.com/office/drawing/2014/main" id="{477B458C-DE9E-4549-A032-95E92BF12971}"/>
+              </a:ext>
+            </a:extLst>
+          </p:cNvPr>
+          <p:cNvCxnSpPr>
+            <a:cxnSpLocks/>
+          </p:cNvCxnSpPr>
+          <p:nvPr/>
+        </p:nvCxnSpPr>
+        <p:spPr>
+          <a:xfrm flipV="1">
+            <a:off x="2488441" y="1939119"/>
+            <a:ext cx="1355678" cy="739253"/>
+          </a:xfrm>
+          <a:prstGeom prst="straightConnector1">
+            <a:avLst/>
+          </a:prstGeom>
+          <a:ln>
+            <a:tailEnd type="triangle"/>
+          </a:ln>
+        </p:spPr>
+        <p:style>
+          <a:lnRef idx="1">
+            <a:schemeClr val="accent1"/>
+          </a:lnRef>
+          <a:fillRef idx="0">
+            <a:schemeClr val="accent1"/>
+          </a:fillRef>
+          <a:effectRef idx="0">
+            <a:schemeClr val="accent1"/>
+          </a:effectRef>
+          <a:fontRef idx="minor">
+            <a:schemeClr val="tx1"/>
+          </a:fontRef>
+        </p:style>
+      </p:cxnSp>
+      <p:cxnSp>
+        <p:nvCxnSpPr>
+          <p:cNvPr id="10" name="직선 화살표 연결선 9">
+            <a:extLst>
+              <a:ext uri="{FF2B5EF4-FFF2-40B4-BE49-F238E27FC236}">
+                <a16:creationId xmlns:a16="http://schemas.microsoft.com/office/drawing/2014/main" id="{993DDCB4-C088-4953-B238-DCBE570C8EA5}"/>
+              </a:ext>
+            </a:extLst>
+          </p:cNvPr>
+          <p:cNvCxnSpPr>
+            <a:cxnSpLocks/>
+          </p:cNvCxnSpPr>
+          <p:nvPr/>
+        </p:nvCxnSpPr>
+        <p:spPr>
+          <a:xfrm flipV="1">
+            <a:off x="2707944" y="3214044"/>
+            <a:ext cx="1185079" cy="1"/>
+          </a:xfrm>
+          <a:prstGeom prst="straightConnector1">
+            <a:avLst/>
+          </a:prstGeom>
+          <a:ln>
+            <a:tailEnd type="triangle"/>
+          </a:ln>
+        </p:spPr>
+        <p:style>
+          <a:lnRef idx="1">
+            <a:schemeClr val="accent1"/>
+          </a:lnRef>
+          <a:fillRef idx="0">
+            <a:schemeClr val="accent1"/>
+          </a:fillRef>
+          <a:effectRef idx="0">
+            <a:schemeClr val="accent1"/>
+          </a:effectRef>
+          <a:fontRef idx="minor">
+            <a:schemeClr val="tx1"/>
+          </a:fontRef>
+        </p:style>
+      </p:cxnSp>
+      <p:cxnSp>
+        <p:nvCxnSpPr>
+          <p:cNvPr id="12" name="직선 화살표 연결선 11">
+            <a:extLst>
+              <a:ext uri="{FF2B5EF4-FFF2-40B4-BE49-F238E27FC236}">
+                <a16:creationId xmlns:a16="http://schemas.microsoft.com/office/drawing/2014/main" id="{2F6E81EB-EEFA-474C-AEA1-CB73682996BE}"/>
+              </a:ext>
+            </a:extLst>
+          </p:cNvPr>
+          <p:cNvCxnSpPr>
+            <a:cxnSpLocks/>
+          </p:cNvCxnSpPr>
+          <p:nvPr/>
+        </p:nvCxnSpPr>
+        <p:spPr>
+          <a:xfrm>
+            <a:off x="2347416" y="3729251"/>
+            <a:ext cx="559557" cy="842748"/>
+          </a:xfrm>
+          <a:prstGeom prst="straightConnector1">
+            <a:avLst/>
+          </a:prstGeom>
+          <a:ln>
+            <a:tailEnd type="triangle"/>
+          </a:ln>
+        </p:spPr>
+        <p:style>
+          <a:lnRef idx="1">
+            <a:schemeClr val="accent1"/>
+          </a:lnRef>
+          <a:fillRef idx="0">
+            <a:schemeClr val="accent1"/>
+          </a:fillRef>
+          <a:effectRef idx="0">
+            <a:schemeClr val="accent1"/>
+          </a:effectRef>
+          <a:fontRef idx="minor">
+            <a:schemeClr val="tx1"/>
+          </a:fontRef>
+        </p:style>
+      </p:cxnSp>
+      <p:sp>
+        <p:nvSpPr>
+          <p:cNvPr id="14" name="TextBox 13">
+            <a:extLst>
+              <a:ext uri="{FF2B5EF4-FFF2-40B4-BE49-F238E27FC236}">
+                <a16:creationId xmlns:a16="http://schemas.microsoft.com/office/drawing/2014/main" id="{05F35898-C4EB-469C-A4A4-C6B80EC2F727}"/>
+              </a:ext>
+            </a:extLst>
+          </p:cNvPr>
+          <p:cNvSpPr txBox="1"/>
+          <p:nvPr/>
+        </p:nvSpPr>
+        <p:spPr>
+          <a:xfrm>
+            <a:off x="191070" y="70693"/>
+            <a:ext cx="3957850" cy="584775"/>
+          </a:xfrm>
+          <a:prstGeom prst="rect">
+            <a:avLst/>
+          </a:prstGeom>
+          <a:noFill/>
+        </p:spPr>
+        <p:txBody>
+          <a:bodyPr wrap="square" rtlCol="0">
+            <a:spAutoFit/>
+          </a:bodyPr>
+          <a:lstStyle/>
+          <a:p>
+            <a:r>
+              <a:rPr lang="ko-KR" altLang="en-US" sz="3200" b="1"/>
+              <a:t>페이지 구조</a:t>
+            </a:r>
+          </a:p>
+        </p:txBody>
+      </p:sp>
+    </p:spTree>
+    <p:extLst>
+      <p:ext uri="{BB962C8B-B14F-4D97-AF65-F5344CB8AC3E}">
+        <p14:creationId xmlns:p14="http://schemas.microsoft.com/office/powerpoint/2010/main" val="3284561963"/>
+      </p:ext>
+    </p:extLst>
+  </p:cSld>
+  <p:clrMapOvr>
+    <a:masterClrMapping/>
+  </p:clrMapOvr>
+</p:sld>
+</file>
+
+<file path=ppt/slides/slide11.xml><?xml version="1.0" encoding="utf-8"?>
+<p:sld xmlns:a="http://schemas.openxmlformats.org/drawingml/2006/main" xmlns:r="http://schemas.openxmlformats.org/officeDocument/2006/relationships" xmlns:p="http://schemas.openxmlformats.org/presentationml/2006/main">
+  <p:cSld>
+    <p:spTree>
+      <p:nvGrpSpPr>
+        <p:cNvPr id="1" name=""/>
+        <p:cNvGrpSpPr/>
+        <p:nvPr/>
+      </p:nvGrpSpPr>
+      <p:grpSpPr>
+        <a:xfrm>
+          <a:off x="0" y="0"/>
+          <a:ext cx="0" cy="0"/>
+          <a:chOff x="0" y="0"/>
+          <a:chExt cx="0" cy="0"/>
+        </a:xfrm>
+      </p:grpSpPr>
+      <p:sp>
+        <p:nvSpPr>
+          <p:cNvPr id="2" name="TextBox 1">
+            <a:extLst>
+              <a:ext uri="{FF2B5EF4-FFF2-40B4-BE49-F238E27FC236}">
+                <a16:creationId xmlns:a16="http://schemas.microsoft.com/office/drawing/2014/main" id="{D23897A6-EA55-4C8C-A9F4-F9A66FEDDF3B}"/>
+              </a:ext>
+            </a:extLst>
+          </p:cNvPr>
+          <p:cNvSpPr txBox="1"/>
+          <p:nvPr/>
+        </p:nvSpPr>
+        <p:spPr>
+          <a:xfrm>
+            <a:off x="492457" y="3099836"/>
+            <a:ext cx="1801504" cy="646331"/>
+          </a:xfrm>
+          <a:prstGeom prst="rect">
+            <a:avLst/>
+          </a:prstGeom>
+          <a:noFill/>
+        </p:spPr>
+        <p:txBody>
+          <a:bodyPr wrap="square" rtlCol="0">
+            <a:spAutoFit/>
+          </a:bodyPr>
+          <a:lstStyle/>
+          <a:p>
+            <a:r>
+              <a:rPr lang="en-US" altLang="ko-KR" b="1"/>
+              <a:t>// </a:t>
+            </a:r>
+            <a:r>
+              <a:rPr lang="ko-KR" altLang="en-US" b="1"/>
+              <a:t>상속 템플릿</a:t>
+            </a:r>
+            <a:endParaRPr lang="en-US" altLang="ko-KR" b="1"/>
+          </a:p>
+          <a:p>
+            <a:r>
+              <a:rPr lang="en-US" altLang="ko-KR" b="1"/>
+              <a:t>base.HTML</a:t>
+            </a:r>
+            <a:endParaRPr lang="ko-KR" altLang="en-US" b="1"/>
+          </a:p>
+        </p:txBody>
+      </p:sp>
+      <p:sp>
+        <p:nvSpPr>
+          <p:cNvPr id="3" name="TextBox 2">
+            <a:extLst>
+              <a:ext uri="{FF2B5EF4-FFF2-40B4-BE49-F238E27FC236}">
+                <a16:creationId xmlns:a16="http://schemas.microsoft.com/office/drawing/2014/main" id="{0248D0D0-8442-48B6-A1F7-6BC587B7DEEA}"/>
+              </a:ext>
+            </a:extLst>
+          </p:cNvPr>
+          <p:cNvSpPr txBox="1"/>
+          <p:nvPr/>
+        </p:nvSpPr>
+        <p:spPr>
+          <a:xfrm>
+            <a:off x="2488442" y="3025203"/>
+            <a:ext cx="4790364" cy="646331"/>
+          </a:xfrm>
+          <a:prstGeom prst="rect">
+            <a:avLst/>
+          </a:prstGeom>
+          <a:noFill/>
+        </p:spPr>
+        <p:txBody>
+          <a:bodyPr wrap="square" rtlCol="0">
+            <a:spAutoFit/>
+          </a:bodyPr>
+          <a:lstStyle/>
+          <a:p>
+            <a:r>
+              <a:rPr lang="en-US" altLang="ko-KR" b="1"/>
+              <a:t>// </a:t>
+            </a:r>
+            <a:r>
+              <a:rPr lang="ko-KR" altLang="en-US" b="1"/>
+              <a:t>메인 페이지</a:t>
+            </a:r>
+            <a:endParaRPr lang="en-US" altLang="ko-KR" b="1"/>
+          </a:p>
+          <a:p>
+            <a:r>
+              <a:rPr lang="en-US" altLang="ko-KR" b="1"/>
+              <a:t>Main.HTML</a:t>
+            </a:r>
+            <a:endParaRPr lang="ko-KR" altLang="en-US" b="1"/>
+          </a:p>
+        </p:txBody>
+      </p:sp>
+      <p:sp>
+        <p:nvSpPr>
+          <p:cNvPr id="4" name="TextBox 3">
+            <a:extLst>
+              <a:ext uri="{FF2B5EF4-FFF2-40B4-BE49-F238E27FC236}">
+                <a16:creationId xmlns:a16="http://schemas.microsoft.com/office/drawing/2014/main" id="{6A994591-743A-426A-B2CE-23BA2AFB1DF4}"/>
+              </a:ext>
+            </a:extLst>
+          </p:cNvPr>
+          <p:cNvSpPr txBox="1"/>
+          <p:nvPr/>
+        </p:nvSpPr>
+        <p:spPr>
+          <a:xfrm>
+            <a:off x="4212610" y="2099724"/>
+            <a:ext cx="4790364" cy="646331"/>
+          </a:xfrm>
+          <a:prstGeom prst="rect">
+            <a:avLst/>
+          </a:prstGeom>
+          <a:noFill/>
+        </p:spPr>
+        <p:txBody>
+          <a:bodyPr wrap="square" rtlCol="0">
+            <a:spAutoFit/>
+          </a:bodyPr>
+          <a:lstStyle/>
+          <a:p>
+            <a:r>
+              <a:rPr lang="en-US" altLang="ko-KR" b="1"/>
+              <a:t>// </a:t>
+            </a:r>
+            <a:r>
+              <a:rPr lang="ko-KR" altLang="en-US" b="1"/>
+              <a:t>숙소 검색</a:t>
+            </a:r>
+            <a:endParaRPr lang="en-US" altLang="ko-KR" b="1"/>
+          </a:p>
+          <a:p>
+            <a:r>
+              <a:rPr lang="en-US" altLang="ko-KR" b="1"/>
+              <a:t>Searching.HTML</a:t>
+            </a:r>
+            <a:endParaRPr lang="ko-KR" altLang="en-US" b="1"/>
+          </a:p>
+        </p:txBody>
+      </p:sp>
+      <p:sp>
+        <p:nvSpPr>
+          <p:cNvPr id="5" name="TextBox 4">
+            <a:extLst>
+              <a:ext uri="{FF2B5EF4-FFF2-40B4-BE49-F238E27FC236}">
+                <a16:creationId xmlns:a16="http://schemas.microsoft.com/office/drawing/2014/main" id="{54B09150-D9B5-4C12-84E6-C061664CFD6F}"/>
+              </a:ext>
+            </a:extLst>
+          </p:cNvPr>
+          <p:cNvSpPr txBox="1"/>
+          <p:nvPr/>
+        </p:nvSpPr>
+        <p:spPr>
+          <a:xfrm>
+            <a:off x="6412152" y="2081843"/>
+            <a:ext cx="4790364" cy="646331"/>
+          </a:xfrm>
+          <a:prstGeom prst="rect">
+            <a:avLst/>
+          </a:prstGeom>
+          <a:noFill/>
+        </p:spPr>
+        <p:txBody>
+          <a:bodyPr wrap="square" rtlCol="0">
+            <a:spAutoFit/>
+          </a:bodyPr>
+          <a:lstStyle/>
+          <a:p>
+            <a:r>
+              <a:rPr lang="en-US" altLang="ko-KR" b="1"/>
+              <a:t>// </a:t>
+            </a:r>
+            <a:r>
+              <a:rPr lang="ko-KR" altLang="en-US" b="1"/>
+              <a:t>숙소 상세보기</a:t>
+            </a:r>
+            <a:endParaRPr lang="en-US" altLang="ko-KR" b="1"/>
+          </a:p>
+          <a:p>
+            <a:r>
+              <a:rPr lang="en-US" altLang="ko-KR" b="1"/>
+              <a:t>Detail.HTML</a:t>
+            </a:r>
+            <a:endParaRPr lang="ko-KR" altLang="en-US" b="1"/>
+          </a:p>
+        </p:txBody>
+      </p:sp>
+      <p:sp>
+        <p:nvSpPr>
+          <p:cNvPr id="6" name="TextBox 5">
+            <a:extLst>
+              <a:ext uri="{FF2B5EF4-FFF2-40B4-BE49-F238E27FC236}">
+                <a16:creationId xmlns:a16="http://schemas.microsoft.com/office/drawing/2014/main" id="{A6E3DA47-92C9-41C6-86CC-B5FF85CCDA67}"/>
+              </a:ext>
+            </a:extLst>
+          </p:cNvPr>
+          <p:cNvSpPr txBox="1"/>
+          <p:nvPr/>
+        </p:nvSpPr>
+        <p:spPr>
+          <a:xfrm>
+            <a:off x="5162168" y="1065054"/>
+            <a:ext cx="4790364" cy="646331"/>
+          </a:xfrm>
+          <a:prstGeom prst="rect">
+            <a:avLst/>
+          </a:prstGeom>
+          <a:noFill/>
+        </p:spPr>
+        <p:txBody>
+          <a:bodyPr wrap="square" rtlCol="0">
+            <a:spAutoFit/>
+          </a:bodyPr>
+          <a:lstStyle/>
+          <a:p>
+            <a:r>
+              <a:rPr lang="en-US" altLang="ko-KR" b="1"/>
+              <a:t>// </a:t>
+            </a:r>
+            <a:r>
+              <a:rPr lang="ko-KR" altLang="en-US" b="1"/>
+              <a:t>지도 리턴</a:t>
+            </a:r>
+            <a:endParaRPr lang="en-US" altLang="ko-KR" b="1"/>
+          </a:p>
+          <a:p>
+            <a:r>
+              <a:rPr lang="en-US" altLang="ko-KR" b="1"/>
+              <a:t>MAP.HTML</a:t>
+            </a:r>
+            <a:endParaRPr lang="ko-KR" altLang="en-US" b="1"/>
+          </a:p>
+        </p:txBody>
+      </p:sp>
+      <p:sp>
+        <p:nvSpPr>
+          <p:cNvPr id="7" name="TextBox 6">
+            <a:extLst>
+              <a:ext uri="{FF2B5EF4-FFF2-40B4-BE49-F238E27FC236}">
+                <a16:creationId xmlns:a16="http://schemas.microsoft.com/office/drawing/2014/main" id="{B3B96863-C01B-4900-BB6C-ECB6E8C56240}"/>
+              </a:ext>
+            </a:extLst>
+          </p:cNvPr>
+          <p:cNvSpPr txBox="1"/>
+          <p:nvPr/>
+        </p:nvSpPr>
+        <p:spPr>
+          <a:xfrm>
+            <a:off x="191070" y="70693"/>
+            <a:ext cx="3957850" cy="584775"/>
+          </a:xfrm>
+          <a:prstGeom prst="rect">
+            <a:avLst/>
+          </a:prstGeom>
+          <a:noFill/>
+        </p:spPr>
+        <p:txBody>
+          <a:bodyPr wrap="square" rtlCol="0">
+            <a:spAutoFit/>
+          </a:bodyPr>
+          <a:lstStyle/>
+          <a:p>
+            <a:r>
+              <a:rPr lang="en-US" altLang="ko-KR" sz="3200" b="1"/>
+              <a:t>Templates</a:t>
+            </a:r>
+            <a:endParaRPr lang="ko-KR" altLang="en-US" sz="3200" b="1"/>
+          </a:p>
+        </p:txBody>
+      </p:sp>
+      <p:sp>
+        <p:nvSpPr>
+          <p:cNvPr id="16" name="TextBox 15">
+            <a:extLst>
+              <a:ext uri="{FF2B5EF4-FFF2-40B4-BE49-F238E27FC236}">
+                <a16:creationId xmlns:a16="http://schemas.microsoft.com/office/drawing/2014/main" id="{46368C03-0912-4E20-A320-F5FA346FD79B}"/>
+              </a:ext>
+            </a:extLst>
+          </p:cNvPr>
+          <p:cNvSpPr txBox="1"/>
+          <p:nvPr/>
+        </p:nvSpPr>
+        <p:spPr>
+          <a:xfrm>
+            <a:off x="3890410" y="4055601"/>
+            <a:ext cx="2521742" cy="646331"/>
+          </a:xfrm>
+          <a:prstGeom prst="rect">
+            <a:avLst/>
+          </a:prstGeom>
+          <a:noFill/>
+        </p:spPr>
+        <p:txBody>
+          <a:bodyPr wrap="square">
+            <a:spAutoFit/>
+          </a:bodyPr>
+          <a:lstStyle/>
+          <a:p>
+            <a:r>
+              <a:rPr lang="en-US" altLang="ko-KR" b="1"/>
+              <a:t>// </a:t>
+            </a:r>
+            <a:r>
+              <a:rPr lang="ko-KR" altLang="en-US" b="1"/>
+              <a:t>게시글 리스트 보기</a:t>
+            </a:r>
+            <a:endParaRPr lang="en-US" altLang="ko-KR" b="1"/>
+          </a:p>
+          <a:p>
+            <a:r>
+              <a:rPr lang="ko-KR" altLang="en-US" b="1"/>
+              <a:t>question_list.html</a:t>
+            </a:r>
+          </a:p>
+        </p:txBody>
+      </p:sp>
+      <p:sp>
+        <p:nvSpPr>
+          <p:cNvPr id="17" name="TextBox 16">
+            <a:extLst>
+              <a:ext uri="{FF2B5EF4-FFF2-40B4-BE49-F238E27FC236}">
+                <a16:creationId xmlns:a16="http://schemas.microsoft.com/office/drawing/2014/main" id="{1A134A27-7D1F-4240-8642-E79FAB0631DD}"/>
+              </a:ext>
+            </a:extLst>
+          </p:cNvPr>
+          <p:cNvSpPr txBox="1"/>
+          <p:nvPr/>
+        </p:nvSpPr>
+        <p:spPr>
+          <a:xfrm>
+            <a:off x="3890410" y="4837262"/>
+            <a:ext cx="5650436" cy="646331"/>
+          </a:xfrm>
+          <a:prstGeom prst="rect">
+            <a:avLst/>
+          </a:prstGeom>
+          <a:noFill/>
+        </p:spPr>
+        <p:txBody>
+          <a:bodyPr wrap="square">
+            <a:spAutoFit/>
+          </a:bodyPr>
+          <a:lstStyle/>
+          <a:p>
+            <a:r>
+              <a:rPr lang="en-US" altLang="ko-KR" b="1"/>
+              <a:t>// </a:t>
+            </a:r>
+            <a:r>
+              <a:rPr lang="ko-KR" altLang="en-US" b="1"/>
+              <a:t>게시글 등록하기</a:t>
+            </a:r>
+            <a:endParaRPr lang="en-US" altLang="ko-KR" b="1"/>
+          </a:p>
+          <a:p>
+            <a:r>
+              <a:rPr lang="ko-KR" altLang="en-US" b="1"/>
+              <a:t>question_form.html</a:t>
+            </a:r>
+          </a:p>
+        </p:txBody>
+      </p:sp>
+      <p:sp>
+        <p:nvSpPr>
+          <p:cNvPr id="18" name="TextBox 17">
+            <a:extLst>
+              <a:ext uri="{FF2B5EF4-FFF2-40B4-BE49-F238E27FC236}">
+                <a16:creationId xmlns:a16="http://schemas.microsoft.com/office/drawing/2014/main" id="{9ED2A8C6-EFF5-4CFF-8FD7-D5D20858DE0D}"/>
+              </a:ext>
+            </a:extLst>
+          </p:cNvPr>
+          <p:cNvSpPr txBox="1"/>
+          <p:nvPr/>
+        </p:nvSpPr>
+        <p:spPr>
+          <a:xfrm>
+            <a:off x="6461592" y="4016794"/>
+            <a:ext cx="2625648" cy="646331"/>
+          </a:xfrm>
+          <a:prstGeom prst="rect">
+            <a:avLst/>
+          </a:prstGeom>
+          <a:noFill/>
+        </p:spPr>
+        <p:txBody>
+          <a:bodyPr wrap="square">
+            <a:spAutoFit/>
+          </a:bodyPr>
+          <a:lstStyle/>
+          <a:p>
+            <a:r>
+              <a:rPr lang="en-US" altLang="ko-KR" b="1"/>
+              <a:t>// </a:t>
+            </a:r>
+            <a:r>
+              <a:rPr lang="ko-KR" altLang="en-US" b="1"/>
+              <a:t>게시글 상세보기</a:t>
+            </a:r>
+            <a:endParaRPr lang="en-US" altLang="ko-KR" b="1"/>
+          </a:p>
+          <a:p>
+            <a:r>
+              <a:rPr lang="ko-KR" altLang="en-US" b="1"/>
+              <a:t>question_detail.html</a:t>
+            </a:r>
+          </a:p>
+        </p:txBody>
+      </p:sp>
+      <p:sp>
+        <p:nvSpPr>
+          <p:cNvPr id="19" name="TextBox 18">
+            <a:extLst>
+              <a:ext uri="{FF2B5EF4-FFF2-40B4-BE49-F238E27FC236}">
+                <a16:creationId xmlns:a16="http://schemas.microsoft.com/office/drawing/2014/main" id="{A55C5D8C-3938-478B-BAE8-D41F659D6EEC}"/>
+              </a:ext>
+            </a:extLst>
+          </p:cNvPr>
+          <p:cNvSpPr txBox="1"/>
+          <p:nvPr/>
+        </p:nvSpPr>
+        <p:spPr>
+          <a:xfrm>
+            <a:off x="3890410" y="6399309"/>
+            <a:ext cx="1424195" cy="646331"/>
+          </a:xfrm>
+          <a:prstGeom prst="rect">
+            <a:avLst/>
+          </a:prstGeom>
+          <a:noFill/>
+        </p:spPr>
+        <p:txBody>
+          <a:bodyPr wrap="square">
+            <a:spAutoFit/>
+          </a:bodyPr>
+          <a:lstStyle/>
+          <a:p>
+            <a:r>
+              <a:rPr lang="en-US" altLang="ko-KR" b="1"/>
+              <a:t>// </a:t>
+            </a:r>
+            <a:r>
+              <a:rPr lang="ko-KR" altLang="en-US" b="1"/>
+              <a:t>로그인</a:t>
+            </a:r>
+            <a:endParaRPr lang="en-US" altLang="ko-KR" b="1"/>
+          </a:p>
+          <a:p>
+            <a:r>
+              <a:rPr lang="ko-KR" altLang="en-US" b="1"/>
+              <a:t>login.html</a:t>
+            </a:r>
+          </a:p>
+        </p:txBody>
+      </p:sp>
+      <p:sp>
+        <p:nvSpPr>
+          <p:cNvPr id="20" name="TextBox 19">
+            <a:extLst>
+              <a:ext uri="{FF2B5EF4-FFF2-40B4-BE49-F238E27FC236}">
+                <a16:creationId xmlns:a16="http://schemas.microsoft.com/office/drawing/2014/main" id="{D966605B-86ED-46D8-8341-F65D5C918D65}"/>
+              </a:ext>
+            </a:extLst>
+          </p:cNvPr>
+          <p:cNvSpPr txBox="1"/>
+          <p:nvPr/>
+        </p:nvSpPr>
+        <p:spPr>
+          <a:xfrm>
+            <a:off x="3890410" y="7159137"/>
+            <a:ext cx="5650436" cy="646331"/>
+          </a:xfrm>
+          <a:prstGeom prst="rect">
+            <a:avLst/>
+          </a:prstGeom>
+          <a:noFill/>
+        </p:spPr>
+        <p:txBody>
+          <a:bodyPr wrap="square">
+            <a:spAutoFit/>
+          </a:bodyPr>
+          <a:lstStyle/>
+          <a:p>
+            <a:r>
+              <a:rPr lang="en-US" altLang="ko-KR" b="1"/>
+              <a:t>// </a:t>
+            </a:r>
+            <a:r>
+              <a:rPr lang="ko-KR" altLang="en-US" b="1"/>
+              <a:t>카테고리 선택</a:t>
+            </a:r>
+            <a:endParaRPr lang="en-US" altLang="ko-KR" b="1"/>
+          </a:p>
+          <a:p>
+            <a:r>
+              <a:rPr lang="ko-KR" altLang="en-US" b="1"/>
+              <a:t>beerbnb.html</a:t>
+            </a:r>
+          </a:p>
+        </p:txBody>
+      </p:sp>
+      <p:sp>
+        <p:nvSpPr>
+          <p:cNvPr id="22" name="TextBox 21">
+            <a:extLst>
+              <a:ext uri="{FF2B5EF4-FFF2-40B4-BE49-F238E27FC236}">
+                <a16:creationId xmlns:a16="http://schemas.microsoft.com/office/drawing/2014/main" id="{2C5D6302-6B82-4E13-81FD-F7AD18A30891}"/>
+              </a:ext>
+            </a:extLst>
+          </p:cNvPr>
+          <p:cNvSpPr txBox="1"/>
+          <p:nvPr/>
+        </p:nvSpPr>
+        <p:spPr>
+          <a:xfrm>
+            <a:off x="9996673" y="3116021"/>
+            <a:ext cx="2082322" cy="646331"/>
+          </a:xfrm>
+          <a:prstGeom prst="rect">
+            <a:avLst/>
+          </a:prstGeom>
+          <a:noFill/>
+        </p:spPr>
+        <p:txBody>
+          <a:bodyPr wrap="square">
+            <a:spAutoFit/>
+          </a:bodyPr>
+          <a:lstStyle/>
+          <a:p>
+            <a:r>
+              <a:rPr lang="en-US" altLang="ko-KR" b="1"/>
+              <a:t>// </a:t>
+            </a:r>
+            <a:r>
+              <a:rPr lang="ko-KR" altLang="en-US" b="1"/>
+              <a:t>에러</a:t>
+            </a:r>
+            <a:endParaRPr lang="en-US" altLang="ko-KR" b="1"/>
+          </a:p>
+          <a:p>
+            <a:r>
+              <a:rPr lang="ko-KR" altLang="en-US" b="1"/>
+              <a:t>form_errors.html</a:t>
+            </a:r>
+          </a:p>
+        </p:txBody>
+      </p:sp>
+      <p:sp>
+        <p:nvSpPr>
+          <p:cNvPr id="23" name="TextBox 22">
+            <a:extLst>
+              <a:ext uri="{FF2B5EF4-FFF2-40B4-BE49-F238E27FC236}">
+                <a16:creationId xmlns:a16="http://schemas.microsoft.com/office/drawing/2014/main" id="{80B76547-0EAD-4D19-A011-AC78FC3351C4}"/>
+              </a:ext>
+            </a:extLst>
+          </p:cNvPr>
+          <p:cNvSpPr txBox="1"/>
+          <p:nvPr/>
+        </p:nvSpPr>
+        <p:spPr>
+          <a:xfrm>
+            <a:off x="3890410" y="5635605"/>
+            <a:ext cx="3110891" cy="646331"/>
+          </a:xfrm>
+          <a:prstGeom prst="rect">
+            <a:avLst/>
+          </a:prstGeom>
+          <a:noFill/>
+        </p:spPr>
+        <p:txBody>
+          <a:bodyPr wrap="square">
+            <a:spAutoFit/>
+          </a:bodyPr>
+          <a:lstStyle/>
+          <a:p>
+            <a:r>
+              <a:rPr lang="en-US" altLang="ko-KR" b="1"/>
+              <a:t>// </a:t>
+            </a:r>
+            <a:r>
+              <a:rPr lang="ko-KR" altLang="en-US" b="1"/>
+              <a:t>로그인</a:t>
+            </a:r>
+            <a:r>
+              <a:rPr lang="en-US" altLang="ko-KR" b="1"/>
+              <a:t>?</a:t>
+            </a:r>
+          </a:p>
+          <a:p>
+            <a:r>
+              <a:rPr lang="ko-KR" altLang="en-US" b="1"/>
+              <a:t>navbar.html</a:t>
+            </a:r>
+          </a:p>
+        </p:txBody>
+      </p:sp>
+    </p:spTree>
+    <p:extLst>
+      <p:ext uri="{BB962C8B-B14F-4D97-AF65-F5344CB8AC3E}">
+        <p14:creationId xmlns:p14="http://schemas.microsoft.com/office/powerpoint/2010/main" val="3516476692"/>
+      </p:ext>
+    </p:extLst>
+  </p:cSld>
+  <p:clrMapOvr>
+    <a:masterClrMapping/>
+  </p:clrMapOvr>
+</p:sld>
+</file>
+
+<file path=ppt/slides/slide12.xml><?xml version="1.0" encoding="utf-8"?>
+<p:sld xmlns:a="http://schemas.openxmlformats.org/drawingml/2006/main" xmlns:r="http://schemas.openxmlformats.org/officeDocument/2006/relationships" xmlns:p="http://schemas.openxmlformats.org/presentationml/2006/main">
+  <p:cSld>
+    <p:spTree>
+      <p:nvGrpSpPr>
+        <p:cNvPr id="1" name=""/>
+        <p:cNvGrpSpPr/>
+        <p:nvPr/>
+      </p:nvGrpSpPr>
+      <p:grpSpPr>
+        <a:xfrm>
+          <a:off x="0" y="0"/>
+          <a:ext cx="0" cy="0"/>
+          <a:chOff x="0" y="0"/>
+          <a:chExt cx="0" cy="0"/>
+        </a:xfrm>
+      </p:grpSpPr>
+      <p:sp>
+        <p:nvSpPr>
+          <p:cNvPr id="2" name="TextBox 1">
+            <a:extLst>
+              <a:ext uri="{FF2B5EF4-FFF2-40B4-BE49-F238E27FC236}">
+                <a16:creationId xmlns:a16="http://schemas.microsoft.com/office/drawing/2014/main" id="{36870A1B-092E-41FA-B39A-E0CE5058CACE}"/>
+              </a:ext>
+            </a:extLst>
+          </p:cNvPr>
+          <p:cNvSpPr txBox="1"/>
+          <p:nvPr/>
+        </p:nvSpPr>
+        <p:spPr>
+          <a:xfrm>
+            <a:off x="396923" y="274749"/>
+            <a:ext cx="6181298" cy="646331"/>
+          </a:xfrm>
+          <a:prstGeom prst="rect">
+            <a:avLst/>
+          </a:prstGeom>
+          <a:noFill/>
+        </p:spPr>
+        <p:txBody>
+          <a:bodyPr wrap="square" rtlCol="0">
+            <a:spAutoFit/>
+          </a:bodyPr>
+          <a:lstStyle/>
+          <a:p>
+            <a:r>
+              <a:rPr lang="en-US" altLang="ko-KR" b="1"/>
+              <a:t>// </a:t>
+            </a:r>
+            <a:r>
+              <a:rPr lang="ko-KR" altLang="en-US" b="1"/>
+              <a:t>상속 템플릿 </a:t>
+            </a:r>
+            <a:r>
+              <a:rPr lang="en-US" altLang="ko-KR" b="1"/>
+              <a:t>- </a:t>
+            </a:r>
+            <a:r>
+              <a:rPr lang="ko-KR" altLang="en-US" b="1"/>
+              <a:t>어느 </a:t>
+            </a:r>
+            <a:r>
+              <a:rPr lang="en-US" altLang="ko-KR" b="1"/>
+              <a:t>url </a:t>
+            </a:r>
+            <a:r>
+              <a:rPr lang="ko-KR" altLang="en-US" b="1"/>
+              <a:t>이든 공통적으로 존재</a:t>
+            </a:r>
+            <a:endParaRPr lang="en-US" altLang="ko-KR" b="1"/>
+          </a:p>
+          <a:p>
+            <a:r>
+              <a:rPr lang="en-US" altLang="ko-KR" b="1"/>
+              <a:t>base.HTML</a:t>
+            </a:r>
+            <a:endParaRPr lang="ko-KR" altLang="en-US" b="1"/>
+          </a:p>
+        </p:txBody>
+      </p:sp>
+      <p:sp>
+        <p:nvSpPr>
+          <p:cNvPr id="3" name="직사각형 2">
+            <a:extLst>
+              <a:ext uri="{FF2B5EF4-FFF2-40B4-BE49-F238E27FC236}">
+                <a16:creationId xmlns:a16="http://schemas.microsoft.com/office/drawing/2014/main" id="{3CB6B74D-25D1-4D46-A1F8-DA7D17B6DB41}"/>
+              </a:ext>
+            </a:extLst>
+          </p:cNvPr>
+          <p:cNvSpPr/>
+          <p:nvPr/>
+        </p:nvSpPr>
+        <p:spPr>
+          <a:xfrm>
+            <a:off x="1187354" y="1160058"/>
+            <a:ext cx="8161362" cy="5274861"/>
+          </a:xfrm>
+          <a:prstGeom prst="rect">
+            <a:avLst/>
+          </a:prstGeom>
+          <a:noFill/>
+          <a:ln w="57150">
+            <a:solidFill>
+              <a:srgbClr val="92D050"/>
+            </a:solidFill>
+          </a:ln>
+        </p:spPr>
+        <p:style>
+          <a:lnRef idx="2">
+            <a:schemeClr val="accent1">
+              <a:shade val="50000"/>
+            </a:schemeClr>
+          </a:lnRef>
+          <a:fillRef idx="1">
+            <a:schemeClr val="accent1"/>
+          </a:fillRef>
+          <a:effectRef idx="0">
+            <a:schemeClr val="accent1"/>
+          </a:effectRef>
+          <a:fontRef idx="minor">
+            <a:schemeClr val="lt1"/>
+          </a:fontRef>
+        </p:style>
+        <p:txBody>
+          <a:bodyPr rtlCol="0" anchor="ctr"/>
+          <a:lstStyle/>
+          <a:p>
+            <a:pPr algn="ctr"/>
+            <a:endParaRPr lang="ko-KR" altLang="en-US"/>
+          </a:p>
+        </p:txBody>
+      </p:sp>
+      <p:sp>
+        <p:nvSpPr>
+          <p:cNvPr id="4" name="직사각형 3">
+            <a:extLst>
+              <a:ext uri="{FF2B5EF4-FFF2-40B4-BE49-F238E27FC236}">
+                <a16:creationId xmlns:a16="http://schemas.microsoft.com/office/drawing/2014/main" id="{20019447-DCBB-4D37-9C13-D3292FEEE8B8}"/>
+              </a:ext>
+            </a:extLst>
+          </p:cNvPr>
+          <p:cNvSpPr/>
+          <p:nvPr/>
+        </p:nvSpPr>
+        <p:spPr>
+          <a:xfrm>
+            <a:off x="1297675" y="1310186"/>
+            <a:ext cx="7914564" cy="750626"/>
+          </a:xfrm>
+          <a:prstGeom prst="rect">
+            <a:avLst/>
+          </a:prstGeom>
+          <a:noFill/>
+          <a:ln w="57150">
+            <a:solidFill>
+              <a:srgbClr val="FF0000"/>
+            </a:solidFill>
+          </a:ln>
+        </p:spPr>
+        <p:style>
+          <a:lnRef idx="2">
+            <a:schemeClr val="accent1">
+              <a:shade val="50000"/>
+            </a:schemeClr>
+          </a:lnRef>
+          <a:fillRef idx="1">
+            <a:schemeClr val="accent1"/>
+          </a:fillRef>
+          <a:effectRef idx="0">
+            <a:schemeClr val="accent1"/>
+          </a:effectRef>
+          <a:fontRef idx="minor">
+            <a:schemeClr val="lt1"/>
+          </a:fontRef>
+        </p:style>
+        <p:txBody>
+          <a:bodyPr rtlCol="0" anchor="ctr"/>
+          <a:lstStyle/>
+          <a:p>
+            <a:pPr algn="ctr"/>
+            <a:endParaRPr lang="ko-KR" altLang="en-US">
+              <a:solidFill>
+                <a:srgbClr val="FF0000"/>
+              </a:solidFill>
+            </a:endParaRPr>
+          </a:p>
+        </p:txBody>
+      </p:sp>
+      <p:sp>
+        <p:nvSpPr>
+          <p:cNvPr id="5" name="직사각형 4">
+            <a:extLst>
+              <a:ext uri="{FF2B5EF4-FFF2-40B4-BE49-F238E27FC236}">
+                <a16:creationId xmlns:a16="http://schemas.microsoft.com/office/drawing/2014/main" id="{5ACA4443-8ED9-4950-9962-248F88DDD786}"/>
+              </a:ext>
+            </a:extLst>
+          </p:cNvPr>
+          <p:cNvSpPr/>
+          <p:nvPr/>
+        </p:nvSpPr>
+        <p:spPr>
+          <a:xfrm>
+            <a:off x="1297675" y="5547814"/>
+            <a:ext cx="7914564" cy="750626"/>
+          </a:xfrm>
+          <a:prstGeom prst="rect">
+            <a:avLst/>
+          </a:prstGeom>
+          <a:noFill/>
+          <a:ln w="57150">
+            <a:solidFill>
+              <a:srgbClr val="FF0000"/>
+            </a:solidFill>
+          </a:ln>
+        </p:spPr>
+        <p:style>
+          <a:lnRef idx="2">
+            <a:schemeClr val="accent1">
+              <a:shade val="50000"/>
+            </a:schemeClr>
+          </a:lnRef>
+          <a:fillRef idx="1">
+            <a:schemeClr val="accent1"/>
+          </a:fillRef>
+          <a:effectRef idx="0">
+            <a:schemeClr val="accent1"/>
+          </a:effectRef>
+          <a:fontRef idx="minor">
+            <a:schemeClr val="lt1"/>
+          </a:fontRef>
+        </p:style>
+        <p:txBody>
+          <a:bodyPr rtlCol="0" anchor="ctr"/>
+          <a:lstStyle/>
+          <a:p>
+            <a:pPr algn="ctr"/>
+            <a:endParaRPr lang="ko-KR" altLang="en-US">
+              <a:solidFill>
+                <a:srgbClr val="FF0000"/>
+              </a:solidFill>
+            </a:endParaRPr>
+          </a:p>
+        </p:txBody>
+      </p:sp>
+      <p:sp>
+        <p:nvSpPr>
+          <p:cNvPr id="6" name="직사각형 5">
+            <a:extLst>
+              <a:ext uri="{FF2B5EF4-FFF2-40B4-BE49-F238E27FC236}">
+                <a16:creationId xmlns:a16="http://schemas.microsoft.com/office/drawing/2014/main" id="{729977FD-B4B5-4FEE-A45C-451EC4942D86}"/>
+              </a:ext>
+            </a:extLst>
+          </p:cNvPr>
+          <p:cNvSpPr/>
+          <p:nvPr/>
+        </p:nvSpPr>
+        <p:spPr>
+          <a:xfrm rot="5400000">
+            <a:off x="82598" y="3403837"/>
+            <a:ext cx="3180780" cy="750626"/>
+          </a:xfrm>
+          <a:prstGeom prst="rect">
+            <a:avLst/>
+          </a:prstGeom>
+          <a:noFill/>
+          <a:ln w="57150">
+            <a:solidFill>
+              <a:srgbClr val="FF0000"/>
+            </a:solidFill>
+          </a:ln>
+        </p:spPr>
+        <p:style>
+          <a:lnRef idx="2">
+            <a:schemeClr val="accent1">
+              <a:shade val="50000"/>
+            </a:schemeClr>
+          </a:lnRef>
+          <a:fillRef idx="1">
+            <a:schemeClr val="accent1"/>
+          </a:fillRef>
+          <a:effectRef idx="0">
+            <a:schemeClr val="accent1"/>
+          </a:effectRef>
+          <a:fontRef idx="minor">
+            <a:schemeClr val="lt1"/>
+          </a:fontRef>
+        </p:style>
+        <p:txBody>
+          <a:bodyPr rtlCol="0" anchor="ctr"/>
+          <a:lstStyle/>
+          <a:p>
+            <a:pPr algn="ctr"/>
+            <a:endParaRPr lang="ko-KR" altLang="en-US">
+              <a:solidFill>
+                <a:srgbClr val="FF0000"/>
+              </a:solidFill>
+            </a:endParaRPr>
+          </a:p>
+        </p:txBody>
+      </p:sp>
+      <p:sp>
+        <p:nvSpPr>
+          <p:cNvPr id="7" name="직사각형 6">
+            <a:extLst>
+              <a:ext uri="{FF2B5EF4-FFF2-40B4-BE49-F238E27FC236}">
+                <a16:creationId xmlns:a16="http://schemas.microsoft.com/office/drawing/2014/main" id="{08D40A02-1B4E-4111-B8F3-5DCF68397C41}"/>
+              </a:ext>
+            </a:extLst>
+          </p:cNvPr>
+          <p:cNvSpPr/>
+          <p:nvPr/>
+        </p:nvSpPr>
+        <p:spPr>
+          <a:xfrm rot="5400000">
+            <a:off x="7246536" y="3426017"/>
+            <a:ext cx="3180780" cy="750626"/>
+          </a:xfrm>
+          <a:prstGeom prst="rect">
+            <a:avLst/>
+          </a:prstGeom>
+          <a:noFill/>
+          <a:ln w="57150">
+            <a:solidFill>
+              <a:srgbClr val="FF0000"/>
+            </a:solidFill>
+          </a:ln>
+        </p:spPr>
+        <p:style>
+          <a:lnRef idx="2">
+            <a:schemeClr val="accent1">
+              <a:shade val="50000"/>
+            </a:schemeClr>
+          </a:lnRef>
+          <a:fillRef idx="1">
+            <a:schemeClr val="accent1"/>
+          </a:fillRef>
+          <a:effectRef idx="0">
+            <a:schemeClr val="accent1"/>
+          </a:effectRef>
+          <a:fontRef idx="minor">
+            <a:schemeClr val="lt1"/>
+          </a:fontRef>
+        </p:style>
+        <p:txBody>
+          <a:bodyPr rtlCol="0" anchor="ctr"/>
+          <a:lstStyle/>
+          <a:p>
+            <a:pPr algn="ctr"/>
+            <a:endParaRPr lang="ko-KR" altLang="en-US">
+              <a:solidFill>
+                <a:srgbClr val="FF0000"/>
+              </a:solidFill>
+            </a:endParaRPr>
+          </a:p>
+        </p:txBody>
+      </p:sp>
+      <p:sp>
+        <p:nvSpPr>
+          <p:cNvPr id="8" name="직사각형 7">
+            <a:extLst>
+              <a:ext uri="{FF2B5EF4-FFF2-40B4-BE49-F238E27FC236}">
+                <a16:creationId xmlns:a16="http://schemas.microsoft.com/office/drawing/2014/main" id="{4ECB4731-1105-4B96-9E25-A536FDEB9E69}"/>
+              </a:ext>
+            </a:extLst>
+          </p:cNvPr>
+          <p:cNvSpPr/>
+          <p:nvPr/>
+        </p:nvSpPr>
+        <p:spPr>
+          <a:xfrm>
+            <a:off x="2158622" y="2210940"/>
+            <a:ext cx="2719602" cy="478093"/>
+          </a:xfrm>
+          <a:prstGeom prst="rect">
+            <a:avLst/>
+          </a:prstGeom>
+          <a:noFill/>
+          <a:ln w="57150">
+            <a:solidFill>
+              <a:srgbClr val="FF0000"/>
+            </a:solidFill>
+          </a:ln>
+        </p:spPr>
+        <p:style>
+          <a:lnRef idx="2">
+            <a:schemeClr val="accent1">
+              <a:shade val="50000"/>
+            </a:schemeClr>
+          </a:lnRef>
+          <a:fillRef idx="1">
+            <a:schemeClr val="accent1"/>
+          </a:fillRef>
+          <a:effectRef idx="0">
+            <a:schemeClr val="accent1"/>
+          </a:effectRef>
+          <a:fontRef idx="minor">
+            <a:schemeClr val="lt1"/>
+          </a:fontRef>
+        </p:style>
+        <p:txBody>
+          <a:bodyPr rtlCol="0" anchor="ctr"/>
+          <a:lstStyle/>
+          <a:p>
+            <a:pPr algn="ctr"/>
+            <a:r>
+              <a:rPr lang="ko-KR" altLang="en-US">
+                <a:solidFill>
+                  <a:srgbClr val="FF0000"/>
+                </a:solidFill>
+              </a:rPr>
+              <a:t>숙소 검색 바</a:t>
+            </a:r>
+          </a:p>
+        </p:txBody>
+      </p:sp>
+      <p:sp>
+        <p:nvSpPr>
+          <p:cNvPr id="9" name="TextBox 8">
+            <a:extLst>
+              <a:ext uri="{FF2B5EF4-FFF2-40B4-BE49-F238E27FC236}">
+                <a16:creationId xmlns:a16="http://schemas.microsoft.com/office/drawing/2014/main" id="{FD96C749-5C77-46CB-AC12-0FB305FAF6D8}"/>
+              </a:ext>
+            </a:extLst>
+          </p:cNvPr>
+          <p:cNvSpPr txBox="1"/>
+          <p:nvPr/>
+        </p:nvSpPr>
+        <p:spPr>
+          <a:xfrm>
+            <a:off x="4012442" y="1496931"/>
+            <a:ext cx="2838734" cy="369332"/>
+          </a:xfrm>
+          <a:prstGeom prst="rect">
+            <a:avLst/>
+          </a:prstGeom>
+          <a:noFill/>
+        </p:spPr>
+        <p:txBody>
+          <a:bodyPr wrap="square" rtlCol="0">
+            <a:spAutoFit/>
+          </a:bodyPr>
+          <a:lstStyle/>
+          <a:p>
+            <a:r>
+              <a:rPr lang="ko-KR" altLang="en-US"/>
+              <a:t>사이트 이름</a:t>
+            </a:r>
+            <a:r>
+              <a:rPr lang="en-US" altLang="ko-KR"/>
+              <a:t>/</a:t>
+            </a:r>
+            <a:r>
+              <a:rPr lang="ko-KR" altLang="en-US"/>
+              <a:t>소개 등등</a:t>
+            </a:r>
+          </a:p>
+        </p:txBody>
+      </p:sp>
+      <p:sp>
+        <p:nvSpPr>
+          <p:cNvPr id="11" name="직사각형 10">
+            <a:extLst>
+              <a:ext uri="{FF2B5EF4-FFF2-40B4-BE49-F238E27FC236}">
+                <a16:creationId xmlns:a16="http://schemas.microsoft.com/office/drawing/2014/main" id="{C1E713E1-90FF-4C20-B01D-BD364982205D}"/>
+              </a:ext>
+            </a:extLst>
+          </p:cNvPr>
+          <p:cNvSpPr/>
+          <p:nvPr/>
+        </p:nvSpPr>
+        <p:spPr>
+          <a:xfrm>
+            <a:off x="4988545" y="2226441"/>
+            <a:ext cx="2040052" cy="478093"/>
+          </a:xfrm>
+          <a:prstGeom prst="rect">
+            <a:avLst/>
+          </a:prstGeom>
+          <a:noFill/>
+          <a:ln w="57150">
+            <a:solidFill>
+              <a:srgbClr val="FF0000"/>
+            </a:solidFill>
+          </a:ln>
+        </p:spPr>
+        <p:style>
+          <a:lnRef idx="2">
+            <a:schemeClr val="accent1">
+              <a:shade val="50000"/>
+            </a:schemeClr>
+          </a:lnRef>
+          <a:fillRef idx="1">
+            <a:schemeClr val="accent1"/>
+          </a:fillRef>
+          <a:effectRef idx="0">
+            <a:schemeClr val="accent1"/>
+          </a:effectRef>
+          <a:fontRef idx="minor">
+            <a:schemeClr val="lt1"/>
+          </a:fontRef>
+        </p:style>
+        <p:txBody>
+          <a:bodyPr rtlCol="0" anchor="ctr"/>
+          <a:lstStyle/>
+          <a:p>
+            <a:pPr algn="ctr"/>
+            <a:r>
+              <a:rPr lang="ko-KR" altLang="en-US">
+                <a:solidFill>
+                  <a:srgbClr val="FF0000"/>
+                </a:solidFill>
+              </a:rPr>
+              <a:t>로그인</a:t>
+            </a:r>
+            <a:r>
+              <a:rPr lang="en-US" altLang="ko-KR">
+                <a:solidFill>
+                  <a:srgbClr val="FF0000"/>
+                </a:solidFill>
+              </a:rPr>
+              <a:t>/</a:t>
+            </a:r>
+            <a:r>
+              <a:rPr lang="ko-KR" altLang="en-US">
+                <a:solidFill>
+                  <a:srgbClr val="FF0000"/>
+                </a:solidFill>
+              </a:rPr>
+              <a:t>로그아웃</a:t>
+            </a:r>
+          </a:p>
+        </p:txBody>
+      </p:sp>
+      <p:sp>
+        <p:nvSpPr>
+          <p:cNvPr id="12" name="직사각형 11">
+            <a:extLst>
+              <a:ext uri="{FF2B5EF4-FFF2-40B4-BE49-F238E27FC236}">
+                <a16:creationId xmlns:a16="http://schemas.microsoft.com/office/drawing/2014/main" id="{7086C816-9CCF-4DBA-9402-B8F812D14A9B}"/>
+              </a:ext>
+            </a:extLst>
+          </p:cNvPr>
+          <p:cNvSpPr/>
+          <p:nvPr/>
+        </p:nvSpPr>
+        <p:spPr>
+          <a:xfrm>
+            <a:off x="7111622" y="2231425"/>
+            <a:ext cx="1289426" cy="478093"/>
+          </a:xfrm>
+          <a:prstGeom prst="rect">
+            <a:avLst/>
+          </a:prstGeom>
+          <a:noFill/>
+          <a:ln w="57150">
+            <a:solidFill>
+              <a:srgbClr val="FF0000"/>
+            </a:solidFill>
+          </a:ln>
+        </p:spPr>
+        <p:style>
+          <a:lnRef idx="2">
+            <a:schemeClr val="accent1">
+              <a:shade val="50000"/>
+            </a:schemeClr>
+          </a:lnRef>
+          <a:fillRef idx="1">
+            <a:schemeClr val="accent1"/>
+          </a:fillRef>
+          <a:effectRef idx="0">
+            <a:schemeClr val="accent1"/>
+          </a:effectRef>
+          <a:fontRef idx="minor">
+            <a:schemeClr val="lt1"/>
+          </a:fontRef>
+        </p:style>
+        <p:txBody>
+          <a:bodyPr rtlCol="0" anchor="ctr"/>
+          <a:lstStyle/>
+          <a:p>
+            <a:pPr algn="ctr"/>
+            <a:r>
+              <a:rPr lang="ko-KR" altLang="en-US">
+                <a:solidFill>
+                  <a:srgbClr val="FF0000"/>
+                </a:solidFill>
+              </a:rPr>
+              <a:t>게시판</a:t>
+            </a:r>
+          </a:p>
+        </p:txBody>
+      </p:sp>
+      <p:sp>
+        <p:nvSpPr>
+          <p:cNvPr id="13" name="TextBox 12">
+            <a:extLst>
+              <a:ext uri="{FF2B5EF4-FFF2-40B4-BE49-F238E27FC236}">
+                <a16:creationId xmlns:a16="http://schemas.microsoft.com/office/drawing/2014/main" id="{3969ADFC-DF3F-4045-892A-EB5821BC7E1A}"/>
+              </a:ext>
+            </a:extLst>
+          </p:cNvPr>
+          <p:cNvSpPr txBox="1"/>
+          <p:nvPr/>
+        </p:nvSpPr>
+        <p:spPr>
+          <a:xfrm>
+            <a:off x="3729395" y="5760791"/>
+            <a:ext cx="2838734" cy="369332"/>
+          </a:xfrm>
+          <a:prstGeom prst="rect">
+            <a:avLst/>
+          </a:prstGeom>
+          <a:noFill/>
+        </p:spPr>
+        <p:txBody>
+          <a:bodyPr wrap="square" rtlCol="0">
+            <a:spAutoFit/>
+          </a:bodyPr>
+          <a:lstStyle/>
+          <a:p>
+            <a:r>
+              <a:rPr lang="ko-KR" altLang="en-US"/>
+              <a:t>대충 사진 </a:t>
+            </a:r>
+            <a:r>
+              <a:rPr lang="en-US" altLang="ko-KR"/>
+              <a:t>+ </a:t>
+            </a:r>
+            <a:r>
+              <a:rPr lang="ko-KR" altLang="en-US"/>
+              <a:t>저작권</a:t>
+            </a:r>
+            <a:r>
+              <a:rPr lang="en-US" altLang="ko-KR"/>
+              <a:t>? </a:t>
+            </a:r>
+            <a:endParaRPr lang="ko-KR" altLang="en-US"/>
+          </a:p>
+        </p:txBody>
+      </p:sp>
+      <p:sp>
+        <p:nvSpPr>
+          <p:cNvPr id="14" name="TextBox 13">
+            <a:extLst>
+              <a:ext uri="{FF2B5EF4-FFF2-40B4-BE49-F238E27FC236}">
+                <a16:creationId xmlns:a16="http://schemas.microsoft.com/office/drawing/2014/main" id="{91B4120A-E553-41E4-A085-84DE376E2932}"/>
+              </a:ext>
+            </a:extLst>
+          </p:cNvPr>
+          <p:cNvSpPr txBox="1"/>
+          <p:nvPr/>
+        </p:nvSpPr>
+        <p:spPr>
+          <a:xfrm>
+            <a:off x="1271239" y="3202844"/>
+            <a:ext cx="750626" cy="923330"/>
+          </a:xfrm>
+          <a:prstGeom prst="rect">
+            <a:avLst/>
+          </a:prstGeom>
+          <a:noFill/>
+        </p:spPr>
+        <p:txBody>
+          <a:bodyPr wrap="square" rtlCol="0">
+            <a:spAutoFit/>
+          </a:bodyPr>
+          <a:lstStyle/>
+          <a:p>
+            <a:r>
+              <a:rPr lang="ko-KR" altLang="en-US"/>
+              <a:t>대충 여백</a:t>
+            </a:r>
+            <a:endParaRPr lang="en-US" altLang="ko-KR"/>
+          </a:p>
+          <a:p>
+            <a:r>
+              <a:rPr lang="ko-KR" altLang="en-US"/>
+              <a:t>사진</a:t>
+            </a:r>
+          </a:p>
+        </p:txBody>
+      </p:sp>
+      <p:sp>
+        <p:nvSpPr>
+          <p:cNvPr id="15" name="TextBox 14">
+            <a:extLst>
+              <a:ext uri="{FF2B5EF4-FFF2-40B4-BE49-F238E27FC236}">
+                <a16:creationId xmlns:a16="http://schemas.microsoft.com/office/drawing/2014/main" id="{5B47A488-88B3-476D-81A3-F1F4E63EC72D}"/>
+              </a:ext>
+            </a:extLst>
+          </p:cNvPr>
+          <p:cNvSpPr txBox="1"/>
+          <p:nvPr/>
+        </p:nvSpPr>
+        <p:spPr>
+          <a:xfrm>
+            <a:off x="8482932" y="3202844"/>
+            <a:ext cx="750626" cy="923330"/>
+          </a:xfrm>
+          <a:prstGeom prst="rect">
+            <a:avLst/>
+          </a:prstGeom>
+          <a:noFill/>
+        </p:spPr>
+        <p:txBody>
+          <a:bodyPr wrap="square" rtlCol="0">
+            <a:spAutoFit/>
+          </a:bodyPr>
+          <a:lstStyle/>
+          <a:p>
+            <a:r>
+              <a:rPr lang="ko-KR" altLang="en-US"/>
+              <a:t>대충 여백</a:t>
+            </a:r>
+            <a:endParaRPr lang="en-US" altLang="ko-KR"/>
+          </a:p>
+          <a:p>
+            <a:r>
+              <a:rPr lang="ko-KR" altLang="en-US"/>
+              <a:t>사진</a:t>
+            </a:r>
+          </a:p>
+        </p:txBody>
+      </p:sp>
+    </p:spTree>
+    <p:extLst>
+      <p:ext uri="{BB962C8B-B14F-4D97-AF65-F5344CB8AC3E}">
+        <p14:creationId xmlns:p14="http://schemas.microsoft.com/office/powerpoint/2010/main" val="1094705444"/>
+      </p:ext>
+    </p:extLst>
+  </p:cSld>
+  <p:clrMapOvr>
+    <a:masterClrMapping/>
+  </p:clrMapOvr>
+</p:sld>
+</file>
+
+<file path=ppt/slides/slide13.xml><?xml version="1.0" encoding="utf-8"?>
+<p:sld xmlns:a="http://schemas.openxmlformats.org/drawingml/2006/main" xmlns:r="http://schemas.openxmlformats.org/officeDocument/2006/relationships" xmlns:p="http://schemas.openxmlformats.org/presentationml/2006/main">
+  <p:cSld>
+    <p:spTree>
+      <p:nvGrpSpPr>
+        <p:cNvPr id="1" name=""/>
+        <p:cNvGrpSpPr/>
+        <p:nvPr/>
+      </p:nvGrpSpPr>
+      <p:grpSpPr>
+        <a:xfrm>
+          <a:off x="0" y="0"/>
+          <a:ext cx="0" cy="0"/>
+          <a:chOff x="0" y="0"/>
+          <a:chExt cx="0" cy="0"/>
+        </a:xfrm>
+      </p:grpSpPr>
+      <p:sp>
+        <p:nvSpPr>
+          <p:cNvPr id="2" name="TextBox 1">
+            <a:extLst>
+              <a:ext uri="{FF2B5EF4-FFF2-40B4-BE49-F238E27FC236}">
+                <a16:creationId xmlns:a16="http://schemas.microsoft.com/office/drawing/2014/main" id="{1107FF34-34E0-495C-AD0D-97719755F3F8}"/>
+              </a:ext>
+            </a:extLst>
+          </p:cNvPr>
+          <p:cNvSpPr txBox="1"/>
+          <p:nvPr/>
+        </p:nvSpPr>
+        <p:spPr>
+          <a:xfrm>
+            <a:off x="304801" y="309299"/>
+            <a:ext cx="4790364" cy="646331"/>
+          </a:xfrm>
+          <a:prstGeom prst="rect">
+            <a:avLst/>
+          </a:prstGeom>
+          <a:noFill/>
+        </p:spPr>
+        <p:txBody>
+          <a:bodyPr wrap="square" rtlCol="0">
+            <a:spAutoFit/>
+          </a:bodyPr>
+          <a:lstStyle/>
+          <a:p>
+            <a:r>
+              <a:rPr lang="en-US" altLang="ko-KR" b="1"/>
+              <a:t>// </a:t>
+            </a:r>
+            <a:r>
+              <a:rPr lang="ko-KR" altLang="en-US" b="1"/>
+              <a:t>메인 페이지</a:t>
+            </a:r>
+            <a:endParaRPr lang="en-US" altLang="ko-KR" b="1"/>
+          </a:p>
+          <a:p>
+            <a:r>
+              <a:rPr lang="en-US" altLang="ko-KR" b="1"/>
+              <a:t>Main.HTML</a:t>
+            </a:r>
+            <a:endParaRPr lang="ko-KR" altLang="en-US" b="1"/>
+          </a:p>
+        </p:txBody>
+      </p:sp>
+      <p:sp>
+        <p:nvSpPr>
+          <p:cNvPr id="3" name="직사각형 2">
+            <a:extLst>
+              <a:ext uri="{FF2B5EF4-FFF2-40B4-BE49-F238E27FC236}">
+                <a16:creationId xmlns:a16="http://schemas.microsoft.com/office/drawing/2014/main" id="{7506D7B3-6A94-4008-B5E3-D3DD9C0C0781}"/>
+              </a:ext>
+            </a:extLst>
+          </p:cNvPr>
+          <p:cNvSpPr/>
+          <p:nvPr/>
+        </p:nvSpPr>
+        <p:spPr>
+          <a:xfrm>
+            <a:off x="1187354" y="1160058"/>
+            <a:ext cx="8161362" cy="5274861"/>
+          </a:xfrm>
+          <a:prstGeom prst="rect">
+            <a:avLst/>
+          </a:prstGeom>
+          <a:noFill/>
+          <a:ln w="57150">
+            <a:solidFill>
+              <a:srgbClr val="92D050"/>
+            </a:solidFill>
+          </a:ln>
+        </p:spPr>
+        <p:style>
+          <a:lnRef idx="2">
+            <a:schemeClr val="accent1">
+              <a:shade val="50000"/>
+            </a:schemeClr>
+          </a:lnRef>
+          <a:fillRef idx="1">
+            <a:schemeClr val="accent1"/>
+          </a:fillRef>
+          <a:effectRef idx="0">
+            <a:schemeClr val="accent1"/>
+          </a:effectRef>
+          <a:fontRef idx="minor">
+            <a:schemeClr val="lt1"/>
+          </a:fontRef>
+        </p:style>
+        <p:txBody>
+          <a:bodyPr rtlCol="0" anchor="ctr"/>
+          <a:lstStyle/>
+          <a:p>
+            <a:pPr algn="ctr"/>
+            <a:endParaRPr lang="ko-KR" altLang="en-US"/>
+          </a:p>
+        </p:txBody>
+      </p:sp>
+      <p:sp>
+        <p:nvSpPr>
+          <p:cNvPr id="4" name="직사각형 3">
+            <a:extLst>
+              <a:ext uri="{FF2B5EF4-FFF2-40B4-BE49-F238E27FC236}">
+                <a16:creationId xmlns:a16="http://schemas.microsoft.com/office/drawing/2014/main" id="{5BBF4AE5-9EA5-4EE2-829D-0D8D30D05252}"/>
+              </a:ext>
+            </a:extLst>
+          </p:cNvPr>
+          <p:cNvSpPr/>
+          <p:nvPr/>
+        </p:nvSpPr>
+        <p:spPr>
+          <a:xfrm>
+            <a:off x="1297675" y="1310186"/>
+            <a:ext cx="7914564" cy="750626"/>
+          </a:xfrm>
+          <a:prstGeom prst="rect">
+            <a:avLst/>
+          </a:prstGeom>
+          <a:noFill/>
+          <a:ln w="57150">
+            <a:solidFill>
+              <a:srgbClr val="FF0000"/>
+            </a:solidFill>
+          </a:ln>
+        </p:spPr>
+        <p:style>
+          <a:lnRef idx="2">
+            <a:schemeClr val="accent1">
+              <a:shade val="50000"/>
+            </a:schemeClr>
+          </a:lnRef>
+          <a:fillRef idx="1">
+            <a:schemeClr val="accent1"/>
+          </a:fillRef>
+          <a:effectRef idx="0">
+            <a:schemeClr val="accent1"/>
+          </a:effectRef>
+          <a:fontRef idx="minor">
+            <a:schemeClr val="lt1"/>
+          </a:fontRef>
+        </p:style>
+        <p:txBody>
+          <a:bodyPr rtlCol="0" anchor="ctr"/>
+          <a:lstStyle/>
+          <a:p>
+            <a:pPr algn="ctr"/>
+            <a:endParaRPr lang="ko-KR" altLang="en-US">
+              <a:solidFill>
+                <a:srgbClr val="FF0000"/>
+              </a:solidFill>
+            </a:endParaRPr>
+          </a:p>
+        </p:txBody>
+      </p:sp>
+      <p:sp>
+        <p:nvSpPr>
+          <p:cNvPr id="5" name="직사각형 4">
+            <a:extLst>
+              <a:ext uri="{FF2B5EF4-FFF2-40B4-BE49-F238E27FC236}">
+                <a16:creationId xmlns:a16="http://schemas.microsoft.com/office/drawing/2014/main" id="{A5098081-B603-4CD1-B3F9-BDB6EDF06CD9}"/>
+              </a:ext>
+            </a:extLst>
+          </p:cNvPr>
+          <p:cNvSpPr/>
+          <p:nvPr/>
+        </p:nvSpPr>
+        <p:spPr>
+          <a:xfrm>
+            <a:off x="1297675" y="5547814"/>
+            <a:ext cx="7914564" cy="750626"/>
+          </a:xfrm>
+          <a:prstGeom prst="rect">
+            <a:avLst/>
+          </a:prstGeom>
+          <a:noFill/>
+          <a:ln w="57150">
+            <a:solidFill>
+              <a:srgbClr val="FF0000"/>
+            </a:solidFill>
+          </a:ln>
+        </p:spPr>
+        <p:style>
+          <a:lnRef idx="2">
+            <a:schemeClr val="accent1">
+              <a:shade val="50000"/>
+            </a:schemeClr>
+          </a:lnRef>
+          <a:fillRef idx="1">
+            <a:schemeClr val="accent1"/>
+          </a:fillRef>
+          <a:effectRef idx="0">
+            <a:schemeClr val="accent1"/>
+          </a:effectRef>
+          <a:fontRef idx="minor">
+            <a:schemeClr val="lt1"/>
+          </a:fontRef>
+        </p:style>
+        <p:txBody>
+          <a:bodyPr rtlCol="0" anchor="ctr"/>
+          <a:lstStyle/>
+          <a:p>
+            <a:pPr algn="ctr"/>
+            <a:endParaRPr lang="ko-KR" altLang="en-US">
+              <a:solidFill>
+                <a:srgbClr val="FF0000"/>
+              </a:solidFill>
+            </a:endParaRPr>
+          </a:p>
+        </p:txBody>
+      </p:sp>
+      <p:sp>
+        <p:nvSpPr>
+          <p:cNvPr id="6" name="직사각형 5">
+            <a:extLst>
+              <a:ext uri="{FF2B5EF4-FFF2-40B4-BE49-F238E27FC236}">
+                <a16:creationId xmlns:a16="http://schemas.microsoft.com/office/drawing/2014/main" id="{815B8FB3-2BE7-4455-9189-3CDD1AF6A086}"/>
+              </a:ext>
+            </a:extLst>
+          </p:cNvPr>
+          <p:cNvSpPr/>
+          <p:nvPr/>
+        </p:nvSpPr>
+        <p:spPr>
+          <a:xfrm rot="5400000">
+            <a:off x="82598" y="3403837"/>
+            <a:ext cx="3180780" cy="750626"/>
+          </a:xfrm>
+          <a:prstGeom prst="rect">
+            <a:avLst/>
+          </a:prstGeom>
+          <a:noFill/>
+          <a:ln w="57150">
+            <a:solidFill>
+              <a:srgbClr val="FF0000"/>
+            </a:solidFill>
+          </a:ln>
+        </p:spPr>
+        <p:style>
+          <a:lnRef idx="2">
+            <a:schemeClr val="accent1">
+              <a:shade val="50000"/>
+            </a:schemeClr>
+          </a:lnRef>
+          <a:fillRef idx="1">
+            <a:schemeClr val="accent1"/>
+          </a:fillRef>
+          <a:effectRef idx="0">
+            <a:schemeClr val="accent1"/>
+          </a:effectRef>
+          <a:fontRef idx="minor">
+            <a:schemeClr val="lt1"/>
+          </a:fontRef>
+        </p:style>
+        <p:txBody>
+          <a:bodyPr rtlCol="0" anchor="ctr"/>
+          <a:lstStyle/>
+          <a:p>
+            <a:pPr algn="ctr"/>
+            <a:endParaRPr lang="ko-KR" altLang="en-US">
+              <a:solidFill>
+                <a:srgbClr val="FF0000"/>
+              </a:solidFill>
+            </a:endParaRPr>
+          </a:p>
+        </p:txBody>
+      </p:sp>
+      <p:sp>
+        <p:nvSpPr>
+          <p:cNvPr id="7" name="직사각형 6">
+            <a:extLst>
+              <a:ext uri="{FF2B5EF4-FFF2-40B4-BE49-F238E27FC236}">
+                <a16:creationId xmlns:a16="http://schemas.microsoft.com/office/drawing/2014/main" id="{4D418622-AFEC-4A5E-B14C-6506FEB81937}"/>
+              </a:ext>
+            </a:extLst>
+          </p:cNvPr>
+          <p:cNvSpPr/>
+          <p:nvPr/>
+        </p:nvSpPr>
+        <p:spPr>
+          <a:xfrm rot="5400000">
+            <a:off x="7246536" y="3426017"/>
+            <a:ext cx="3180780" cy="750626"/>
+          </a:xfrm>
+          <a:prstGeom prst="rect">
+            <a:avLst/>
+          </a:prstGeom>
+          <a:noFill/>
+          <a:ln w="57150">
+            <a:solidFill>
+              <a:srgbClr val="FF0000"/>
+            </a:solidFill>
+          </a:ln>
+        </p:spPr>
+        <p:style>
+          <a:lnRef idx="2">
+            <a:schemeClr val="accent1">
+              <a:shade val="50000"/>
+            </a:schemeClr>
+          </a:lnRef>
+          <a:fillRef idx="1">
+            <a:schemeClr val="accent1"/>
+          </a:fillRef>
+          <a:effectRef idx="0">
+            <a:schemeClr val="accent1"/>
+          </a:effectRef>
+          <a:fontRef idx="minor">
+            <a:schemeClr val="lt1"/>
+          </a:fontRef>
+        </p:style>
+        <p:txBody>
+          <a:bodyPr rtlCol="0" anchor="ctr"/>
+          <a:lstStyle/>
+          <a:p>
+            <a:pPr algn="ctr"/>
+            <a:endParaRPr lang="ko-KR" altLang="en-US">
+              <a:solidFill>
+                <a:srgbClr val="FF0000"/>
+              </a:solidFill>
+            </a:endParaRPr>
+          </a:p>
+        </p:txBody>
+      </p:sp>
+      <p:sp>
+        <p:nvSpPr>
+          <p:cNvPr id="8" name="직사각형 7">
+            <a:extLst>
+              <a:ext uri="{FF2B5EF4-FFF2-40B4-BE49-F238E27FC236}">
+                <a16:creationId xmlns:a16="http://schemas.microsoft.com/office/drawing/2014/main" id="{13B05C0B-4DCC-41F5-AB41-1E68259AA40E}"/>
+              </a:ext>
+            </a:extLst>
+          </p:cNvPr>
+          <p:cNvSpPr/>
+          <p:nvPr/>
+        </p:nvSpPr>
+        <p:spPr>
+          <a:xfrm>
+            <a:off x="2158622" y="2210940"/>
+            <a:ext cx="2719602" cy="478093"/>
+          </a:xfrm>
+          <a:prstGeom prst="rect">
+            <a:avLst/>
+          </a:prstGeom>
+          <a:noFill/>
+          <a:ln w="57150">
+            <a:solidFill>
+              <a:srgbClr val="FF0000"/>
+            </a:solidFill>
+          </a:ln>
+        </p:spPr>
+        <p:style>
+          <a:lnRef idx="2">
+            <a:schemeClr val="accent1">
+              <a:shade val="50000"/>
+            </a:schemeClr>
+          </a:lnRef>
+          <a:fillRef idx="1">
+            <a:schemeClr val="accent1"/>
+          </a:fillRef>
+          <a:effectRef idx="0">
+            <a:schemeClr val="accent1"/>
+          </a:effectRef>
+          <a:fontRef idx="minor">
+            <a:schemeClr val="lt1"/>
+          </a:fontRef>
+        </p:style>
+        <p:txBody>
+          <a:bodyPr rtlCol="0" anchor="ctr"/>
+          <a:lstStyle/>
+          <a:p>
+            <a:pPr algn="ctr"/>
+            <a:r>
+              <a:rPr lang="ko-KR" altLang="en-US">
+                <a:solidFill>
+                  <a:srgbClr val="FF0000"/>
+                </a:solidFill>
+              </a:rPr>
+              <a:t>숙소 검색 바</a:t>
+            </a:r>
+          </a:p>
+        </p:txBody>
+      </p:sp>
+      <p:sp>
+        <p:nvSpPr>
+          <p:cNvPr id="9" name="TextBox 8">
+            <a:extLst>
+              <a:ext uri="{FF2B5EF4-FFF2-40B4-BE49-F238E27FC236}">
+                <a16:creationId xmlns:a16="http://schemas.microsoft.com/office/drawing/2014/main" id="{774DE57B-9DAC-47E1-AE7A-517BCD273455}"/>
+              </a:ext>
+            </a:extLst>
+          </p:cNvPr>
+          <p:cNvSpPr txBox="1"/>
+          <p:nvPr/>
+        </p:nvSpPr>
+        <p:spPr>
+          <a:xfrm>
+            <a:off x="4012442" y="1496931"/>
+            <a:ext cx="2838734" cy="369332"/>
+          </a:xfrm>
+          <a:prstGeom prst="rect">
+            <a:avLst/>
+          </a:prstGeom>
+          <a:noFill/>
+        </p:spPr>
+        <p:txBody>
+          <a:bodyPr wrap="square" rtlCol="0">
+            <a:spAutoFit/>
+          </a:bodyPr>
+          <a:lstStyle/>
+          <a:p>
+            <a:r>
+              <a:rPr lang="ko-KR" altLang="en-US"/>
+              <a:t>사이트 이름</a:t>
+            </a:r>
+            <a:r>
+              <a:rPr lang="en-US" altLang="ko-KR"/>
+              <a:t>/</a:t>
+            </a:r>
+            <a:r>
+              <a:rPr lang="ko-KR" altLang="en-US"/>
+              <a:t>소개 등등</a:t>
+            </a:r>
+          </a:p>
+        </p:txBody>
+      </p:sp>
+      <p:sp>
+        <p:nvSpPr>
+          <p:cNvPr id="10" name="직사각형 9">
+            <a:extLst>
+              <a:ext uri="{FF2B5EF4-FFF2-40B4-BE49-F238E27FC236}">
+                <a16:creationId xmlns:a16="http://schemas.microsoft.com/office/drawing/2014/main" id="{0CE691BC-9E88-49B7-8B20-AD6FC272223B}"/>
+              </a:ext>
+            </a:extLst>
+          </p:cNvPr>
+          <p:cNvSpPr/>
+          <p:nvPr/>
+        </p:nvSpPr>
+        <p:spPr>
+          <a:xfrm>
+            <a:off x="4988545" y="2226441"/>
+            <a:ext cx="2040052" cy="478093"/>
+          </a:xfrm>
+          <a:prstGeom prst="rect">
+            <a:avLst/>
+          </a:prstGeom>
+          <a:noFill/>
+          <a:ln w="57150">
+            <a:solidFill>
+              <a:srgbClr val="FF0000"/>
+            </a:solidFill>
+          </a:ln>
+        </p:spPr>
+        <p:style>
+          <a:lnRef idx="2">
+            <a:schemeClr val="accent1">
+              <a:shade val="50000"/>
+            </a:schemeClr>
+          </a:lnRef>
+          <a:fillRef idx="1">
+            <a:schemeClr val="accent1"/>
+          </a:fillRef>
+          <a:effectRef idx="0">
+            <a:schemeClr val="accent1"/>
+          </a:effectRef>
+          <a:fontRef idx="minor">
+            <a:schemeClr val="lt1"/>
+          </a:fontRef>
+        </p:style>
+        <p:txBody>
+          <a:bodyPr rtlCol="0" anchor="ctr"/>
+          <a:lstStyle/>
+          <a:p>
+            <a:pPr algn="ctr"/>
+            <a:r>
+              <a:rPr lang="ko-KR" altLang="en-US">
+                <a:solidFill>
+                  <a:srgbClr val="FF0000"/>
+                </a:solidFill>
+              </a:rPr>
+              <a:t>로그인</a:t>
+            </a:r>
+            <a:r>
+              <a:rPr lang="en-US" altLang="ko-KR">
+                <a:solidFill>
+                  <a:srgbClr val="FF0000"/>
+                </a:solidFill>
+              </a:rPr>
+              <a:t>/</a:t>
+            </a:r>
+            <a:r>
+              <a:rPr lang="ko-KR" altLang="en-US">
+                <a:solidFill>
+                  <a:srgbClr val="FF0000"/>
+                </a:solidFill>
+              </a:rPr>
+              <a:t>로그아웃</a:t>
+            </a:r>
+          </a:p>
+        </p:txBody>
+      </p:sp>
+      <p:sp>
+        <p:nvSpPr>
+          <p:cNvPr id="11" name="직사각형 10">
+            <a:extLst>
+              <a:ext uri="{FF2B5EF4-FFF2-40B4-BE49-F238E27FC236}">
+                <a16:creationId xmlns:a16="http://schemas.microsoft.com/office/drawing/2014/main" id="{07DA6C09-8D73-4E28-9324-98BC1180F25F}"/>
+              </a:ext>
+            </a:extLst>
+          </p:cNvPr>
+          <p:cNvSpPr/>
+          <p:nvPr/>
+        </p:nvSpPr>
+        <p:spPr>
+          <a:xfrm>
+            <a:off x="7111622" y="2231425"/>
+            <a:ext cx="1289426" cy="478093"/>
+          </a:xfrm>
+          <a:prstGeom prst="rect">
+            <a:avLst/>
+          </a:prstGeom>
+          <a:noFill/>
+          <a:ln w="57150">
+            <a:solidFill>
+              <a:srgbClr val="FF0000"/>
+            </a:solidFill>
+          </a:ln>
+        </p:spPr>
+        <p:style>
+          <a:lnRef idx="2">
+            <a:schemeClr val="accent1">
+              <a:shade val="50000"/>
+            </a:schemeClr>
+          </a:lnRef>
+          <a:fillRef idx="1">
+            <a:schemeClr val="accent1"/>
+          </a:fillRef>
+          <a:effectRef idx="0">
+            <a:schemeClr val="accent1"/>
+          </a:effectRef>
+          <a:fontRef idx="minor">
+            <a:schemeClr val="lt1"/>
+          </a:fontRef>
+        </p:style>
+        <p:txBody>
+          <a:bodyPr rtlCol="0" anchor="ctr"/>
+          <a:lstStyle/>
+          <a:p>
+            <a:pPr algn="ctr"/>
+            <a:r>
+              <a:rPr lang="ko-KR" altLang="en-US">
+                <a:solidFill>
+                  <a:srgbClr val="FF0000"/>
+                </a:solidFill>
+              </a:rPr>
+              <a:t>게시판</a:t>
+            </a:r>
+          </a:p>
+        </p:txBody>
+      </p:sp>
+      <p:sp>
+        <p:nvSpPr>
+          <p:cNvPr id="12" name="TextBox 11">
+            <a:extLst>
+              <a:ext uri="{FF2B5EF4-FFF2-40B4-BE49-F238E27FC236}">
+                <a16:creationId xmlns:a16="http://schemas.microsoft.com/office/drawing/2014/main" id="{5016E58D-C4C1-4F1C-8FD9-40B2E1A00BA7}"/>
+              </a:ext>
+            </a:extLst>
+          </p:cNvPr>
+          <p:cNvSpPr txBox="1"/>
+          <p:nvPr/>
+        </p:nvSpPr>
+        <p:spPr>
+          <a:xfrm>
+            <a:off x="3729395" y="5760791"/>
+            <a:ext cx="2838734" cy="369332"/>
+          </a:xfrm>
+          <a:prstGeom prst="rect">
+            <a:avLst/>
+          </a:prstGeom>
+          <a:noFill/>
+        </p:spPr>
+        <p:txBody>
+          <a:bodyPr wrap="square" rtlCol="0">
+            <a:spAutoFit/>
+          </a:bodyPr>
+          <a:lstStyle/>
+          <a:p>
+            <a:r>
+              <a:rPr lang="ko-KR" altLang="en-US"/>
+              <a:t>대충 사진 </a:t>
+            </a:r>
+            <a:r>
+              <a:rPr lang="en-US" altLang="ko-KR"/>
+              <a:t>+ </a:t>
+            </a:r>
+            <a:r>
+              <a:rPr lang="ko-KR" altLang="en-US"/>
+              <a:t>저작권</a:t>
+            </a:r>
+            <a:r>
+              <a:rPr lang="en-US" altLang="ko-KR"/>
+              <a:t>? </a:t>
+            </a:r>
+            <a:endParaRPr lang="ko-KR" altLang="en-US"/>
+          </a:p>
+        </p:txBody>
+      </p:sp>
+      <p:sp>
+        <p:nvSpPr>
+          <p:cNvPr id="13" name="TextBox 12">
+            <a:extLst>
+              <a:ext uri="{FF2B5EF4-FFF2-40B4-BE49-F238E27FC236}">
+                <a16:creationId xmlns:a16="http://schemas.microsoft.com/office/drawing/2014/main" id="{B1120D06-F2BA-4487-B457-53A57CD6E78D}"/>
+              </a:ext>
+            </a:extLst>
+          </p:cNvPr>
+          <p:cNvSpPr txBox="1"/>
+          <p:nvPr/>
+        </p:nvSpPr>
+        <p:spPr>
+          <a:xfrm>
+            <a:off x="1271239" y="3202844"/>
+            <a:ext cx="750626" cy="923330"/>
+          </a:xfrm>
+          <a:prstGeom prst="rect">
+            <a:avLst/>
+          </a:prstGeom>
+          <a:noFill/>
+        </p:spPr>
+        <p:txBody>
+          <a:bodyPr wrap="square" rtlCol="0">
+            <a:spAutoFit/>
+          </a:bodyPr>
+          <a:lstStyle/>
+          <a:p>
+            <a:r>
+              <a:rPr lang="ko-KR" altLang="en-US"/>
+              <a:t>대충 여백</a:t>
+            </a:r>
+            <a:endParaRPr lang="en-US" altLang="ko-KR"/>
+          </a:p>
+          <a:p>
+            <a:r>
+              <a:rPr lang="ko-KR" altLang="en-US"/>
+              <a:t>사진</a:t>
+            </a:r>
+          </a:p>
+        </p:txBody>
+      </p:sp>
+      <p:sp>
+        <p:nvSpPr>
+          <p:cNvPr id="14" name="TextBox 13">
+            <a:extLst>
+              <a:ext uri="{FF2B5EF4-FFF2-40B4-BE49-F238E27FC236}">
+                <a16:creationId xmlns:a16="http://schemas.microsoft.com/office/drawing/2014/main" id="{0033ED73-24DA-460D-8EFA-5468542D7F86}"/>
+              </a:ext>
+            </a:extLst>
+          </p:cNvPr>
+          <p:cNvSpPr txBox="1"/>
+          <p:nvPr/>
+        </p:nvSpPr>
+        <p:spPr>
+          <a:xfrm>
+            <a:off x="8482932" y="3202844"/>
+            <a:ext cx="750626" cy="923330"/>
+          </a:xfrm>
+          <a:prstGeom prst="rect">
+            <a:avLst/>
+          </a:prstGeom>
+          <a:noFill/>
+        </p:spPr>
+        <p:txBody>
+          <a:bodyPr wrap="square" rtlCol="0">
+            <a:spAutoFit/>
+          </a:bodyPr>
+          <a:lstStyle/>
+          <a:p>
+            <a:r>
+              <a:rPr lang="ko-KR" altLang="en-US"/>
+              <a:t>대충 여백</a:t>
+            </a:r>
+            <a:endParaRPr lang="en-US" altLang="ko-KR"/>
+          </a:p>
+          <a:p>
+            <a:r>
+              <a:rPr lang="ko-KR" altLang="en-US"/>
+              <a:t>사진</a:t>
+            </a:r>
+          </a:p>
+        </p:txBody>
+      </p:sp>
+      <p:sp>
+        <p:nvSpPr>
+          <p:cNvPr id="15" name="직사각형 14">
+            <a:extLst>
+              <a:ext uri="{FF2B5EF4-FFF2-40B4-BE49-F238E27FC236}">
+                <a16:creationId xmlns:a16="http://schemas.microsoft.com/office/drawing/2014/main" id="{3B1134AC-E1AF-4B6F-8F30-9B4BC4CE04A2}"/>
+              </a:ext>
+            </a:extLst>
+          </p:cNvPr>
+          <p:cNvSpPr/>
+          <p:nvPr/>
+        </p:nvSpPr>
+        <p:spPr>
+          <a:xfrm>
+            <a:off x="2083005" y="2926995"/>
+            <a:ext cx="6281952" cy="1361537"/>
+          </a:xfrm>
+          <a:prstGeom prst="rect">
+            <a:avLst/>
+          </a:prstGeom>
+          <a:noFill/>
+          <a:ln w="57150">
+            <a:solidFill>
+              <a:schemeClr val="accent4"/>
+            </a:solidFill>
+          </a:ln>
+        </p:spPr>
+        <p:style>
+          <a:lnRef idx="2">
+            <a:schemeClr val="accent1">
+              <a:shade val="50000"/>
+            </a:schemeClr>
+          </a:lnRef>
+          <a:fillRef idx="1">
+            <a:schemeClr val="accent1"/>
+          </a:fillRef>
+          <a:effectRef idx="0">
+            <a:schemeClr val="accent1"/>
+          </a:effectRef>
+          <a:fontRef idx="minor">
+            <a:schemeClr val="lt1"/>
+          </a:fontRef>
+        </p:style>
+        <p:txBody>
+          <a:bodyPr rtlCol="0" anchor="ctr"/>
+          <a:lstStyle/>
+          <a:p>
+            <a:pPr algn="ctr"/>
+            <a:endParaRPr lang="ko-KR" altLang="en-US">
+              <a:solidFill>
+                <a:srgbClr val="FF0000"/>
+              </a:solidFill>
+            </a:endParaRPr>
+          </a:p>
+        </p:txBody>
+      </p:sp>
+      <p:sp>
+        <p:nvSpPr>
+          <p:cNvPr id="16" name="TextBox 15">
+            <a:extLst>
+              <a:ext uri="{FF2B5EF4-FFF2-40B4-BE49-F238E27FC236}">
+                <a16:creationId xmlns:a16="http://schemas.microsoft.com/office/drawing/2014/main" id="{C7779565-F379-4189-96C0-426DB9225016}"/>
+              </a:ext>
+            </a:extLst>
+          </p:cNvPr>
+          <p:cNvSpPr txBox="1"/>
+          <p:nvPr/>
+        </p:nvSpPr>
+        <p:spPr>
+          <a:xfrm>
+            <a:off x="3699111" y="3434981"/>
+            <a:ext cx="3329486" cy="369332"/>
+          </a:xfrm>
+          <a:prstGeom prst="rect">
+            <a:avLst/>
+          </a:prstGeom>
+          <a:noFill/>
+        </p:spPr>
+        <p:txBody>
+          <a:bodyPr wrap="square" rtlCol="0">
+            <a:spAutoFit/>
+          </a:bodyPr>
+          <a:lstStyle/>
+          <a:p>
+            <a:r>
+              <a:rPr lang="ko-KR" altLang="en-US"/>
+              <a:t>여행가고 싶게 만드는 사진</a:t>
+            </a:r>
+          </a:p>
+        </p:txBody>
+      </p:sp>
+      <p:sp>
+        <p:nvSpPr>
+          <p:cNvPr id="17" name="직사각형 16">
+            <a:extLst>
+              <a:ext uri="{FF2B5EF4-FFF2-40B4-BE49-F238E27FC236}">
+                <a16:creationId xmlns:a16="http://schemas.microsoft.com/office/drawing/2014/main" id="{D24CFF1E-80A6-41A4-ABB2-92230F5D29CF}"/>
+              </a:ext>
+            </a:extLst>
+          </p:cNvPr>
+          <p:cNvSpPr/>
+          <p:nvPr/>
+        </p:nvSpPr>
+        <p:spPr>
+          <a:xfrm>
+            <a:off x="2113981" y="4459577"/>
+            <a:ext cx="6281952" cy="901492"/>
+          </a:xfrm>
+          <a:prstGeom prst="rect">
+            <a:avLst/>
+          </a:prstGeom>
+          <a:noFill/>
+          <a:ln w="57150">
+            <a:solidFill>
+              <a:schemeClr val="accent4"/>
+            </a:solidFill>
+          </a:ln>
+        </p:spPr>
+        <p:style>
+          <a:lnRef idx="2">
+            <a:schemeClr val="accent1">
+              <a:shade val="50000"/>
+            </a:schemeClr>
+          </a:lnRef>
+          <a:fillRef idx="1">
+            <a:schemeClr val="accent1"/>
+          </a:fillRef>
+          <a:effectRef idx="0">
+            <a:schemeClr val="accent1"/>
+          </a:effectRef>
+          <a:fontRef idx="minor">
+            <a:schemeClr val="lt1"/>
+          </a:fontRef>
+        </p:style>
+        <p:txBody>
+          <a:bodyPr rtlCol="0" anchor="ctr"/>
+          <a:lstStyle/>
+          <a:p>
+            <a:pPr algn="ctr"/>
+            <a:endParaRPr lang="ko-KR" altLang="en-US">
+              <a:solidFill>
+                <a:srgbClr val="FF0000"/>
+              </a:solidFill>
+            </a:endParaRPr>
+          </a:p>
+        </p:txBody>
+      </p:sp>
+      <p:sp>
+        <p:nvSpPr>
+          <p:cNvPr id="18" name="TextBox 17">
+            <a:extLst>
+              <a:ext uri="{FF2B5EF4-FFF2-40B4-BE49-F238E27FC236}">
+                <a16:creationId xmlns:a16="http://schemas.microsoft.com/office/drawing/2014/main" id="{EF6E82A2-8627-4337-8F40-3570801CBF6F}"/>
+              </a:ext>
+            </a:extLst>
+          </p:cNvPr>
+          <p:cNvSpPr txBox="1"/>
+          <p:nvPr/>
+        </p:nvSpPr>
+        <p:spPr>
+          <a:xfrm>
+            <a:off x="4442347" y="4673121"/>
+            <a:ext cx="3329486" cy="369332"/>
+          </a:xfrm>
+          <a:prstGeom prst="rect">
+            <a:avLst/>
+          </a:prstGeom>
+          <a:noFill/>
+        </p:spPr>
+        <p:txBody>
+          <a:bodyPr wrap="square" rtlCol="0">
+            <a:spAutoFit/>
+          </a:bodyPr>
+          <a:lstStyle/>
+          <a:p>
+            <a:r>
+              <a:rPr lang="ko-KR" altLang="en-US"/>
+              <a:t>빠른 검색</a:t>
+            </a:r>
+          </a:p>
+        </p:txBody>
+      </p:sp>
+    </p:spTree>
+    <p:extLst>
+      <p:ext uri="{BB962C8B-B14F-4D97-AF65-F5344CB8AC3E}">
+        <p14:creationId xmlns:p14="http://schemas.microsoft.com/office/powerpoint/2010/main" val="619164710"/>
+      </p:ext>
+    </p:extLst>
+  </p:cSld>
+  <p:clrMapOvr>
+    <a:masterClrMapping/>
+  </p:clrMapOvr>
+</p:sld>
+</file>
+
+<file path=ppt/slides/slide14.xml><?xml version="1.0" encoding="utf-8"?>
+<p:sld xmlns:a="http://schemas.openxmlformats.org/drawingml/2006/main" xmlns:r="http://schemas.openxmlformats.org/officeDocument/2006/relationships" xmlns:p="http://schemas.openxmlformats.org/presentationml/2006/main">
+  <p:cSld>
+    <p:spTree>
+      <p:nvGrpSpPr>
+        <p:cNvPr id="1" name=""/>
+        <p:cNvGrpSpPr/>
+        <p:nvPr/>
+      </p:nvGrpSpPr>
+      <p:grpSpPr>
+        <a:xfrm>
+          <a:off x="0" y="0"/>
+          <a:ext cx="0" cy="0"/>
+          <a:chOff x="0" y="0"/>
+          <a:chExt cx="0" cy="0"/>
+        </a:xfrm>
+      </p:grpSpPr>
+      <p:sp>
+        <p:nvSpPr>
+          <p:cNvPr id="2" name="TextBox 1">
+            <a:extLst>
+              <a:ext uri="{FF2B5EF4-FFF2-40B4-BE49-F238E27FC236}">
+                <a16:creationId xmlns:a16="http://schemas.microsoft.com/office/drawing/2014/main" id="{1107FF34-34E0-495C-AD0D-97719755F3F8}"/>
+              </a:ext>
+            </a:extLst>
+          </p:cNvPr>
+          <p:cNvSpPr txBox="1"/>
+          <p:nvPr/>
+        </p:nvSpPr>
+        <p:spPr>
+          <a:xfrm>
+            <a:off x="304801" y="309299"/>
+            <a:ext cx="4790364" cy="646331"/>
+          </a:xfrm>
+          <a:prstGeom prst="rect">
+            <a:avLst/>
+          </a:prstGeom>
+          <a:noFill/>
+        </p:spPr>
+        <p:txBody>
+          <a:bodyPr wrap="square" rtlCol="0">
+            <a:spAutoFit/>
+          </a:bodyPr>
+          <a:lstStyle/>
+          <a:p>
+            <a:r>
+              <a:rPr lang="en-US" altLang="ko-KR" b="1"/>
+              <a:t>// </a:t>
+            </a:r>
+            <a:r>
+              <a:rPr lang="ko-KR" altLang="en-US" b="1"/>
+              <a:t>메인 페이지</a:t>
+            </a:r>
+            <a:endParaRPr lang="en-US" altLang="ko-KR" b="1"/>
+          </a:p>
+          <a:p>
+            <a:r>
+              <a:rPr lang="en-US" altLang="ko-KR" b="1"/>
+              <a:t>Main.HTML</a:t>
+            </a:r>
+            <a:endParaRPr lang="ko-KR" altLang="en-US" b="1"/>
+          </a:p>
+        </p:txBody>
+      </p:sp>
+      <p:sp>
+        <p:nvSpPr>
+          <p:cNvPr id="3" name="직사각형 2">
+            <a:extLst>
+              <a:ext uri="{FF2B5EF4-FFF2-40B4-BE49-F238E27FC236}">
+                <a16:creationId xmlns:a16="http://schemas.microsoft.com/office/drawing/2014/main" id="{7506D7B3-6A94-4008-B5E3-D3DD9C0C0781}"/>
+              </a:ext>
+            </a:extLst>
+          </p:cNvPr>
+          <p:cNvSpPr/>
+          <p:nvPr/>
+        </p:nvSpPr>
+        <p:spPr>
+          <a:xfrm>
+            <a:off x="1187354" y="1160058"/>
+            <a:ext cx="8161362" cy="5274861"/>
+          </a:xfrm>
+          <a:prstGeom prst="rect">
+            <a:avLst/>
+          </a:prstGeom>
+          <a:noFill/>
+          <a:ln w="57150">
+            <a:solidFill>
+              <a:srgbClr val="92D050"/>
+            </a:solidFill>
+          </a:ln>
+        </p:spPr>
+        <p:style>
+          <a:lnRef idx="2">
+            <a:schemeClr val="accent1">
+              <a:shade val="50000"/>
+            </a:schemeClr>
+          </a:lnRef>
+          <a:fillRef idx="1">
+            <a:schemeClr val="accent1"/>
+          </a:fillRef>
+          <a:effectRef idx="0">
+            <a:schemeClr val="accent1"/>
+          </a:effectRef>
+          <a:fontRef idx="minor">
+            <a:schemeClr val="lt1"/>
+          </a:fontRef>
+        </p:style>
+        <p:txBody>
+          <a:bodyPr rtlCol="0" anchor="ctr"/>
+          <a:lstStyle/>
+          <a:p>
+            <a:pPr algn="ctr"/>
+            <a:endParaRPr lang="ko-KR" altLang="en-US"/>
+          </a:p>
+        </p:txBody>
+      </p:sp>
+      <p:sp>
+        <p:nvSpPr>
+          <p:cNvPr id="4" name="직사각형 3">
+            <a:extLst>
+              <a:ext uri="{FF2B5EF4-FFF2-40B4-BE49-F238E27FC236}">
+                <a16:creationId xmlns:a16="http://schemas.microsoft.com/office/drawing/2014/main" id="{5BBF4AE5-9EA5-4EE2-829D-0D8D30D05252}"/>
+              </a:ext>
+            </a:extLst>
+          </p:cNvPr>
+          <p:cNvSpPr/>
+          <p:nvPr/>
+        </p:nvSpPr>
+        <p:spPr>
+          <a:xfrm>
+            <a:off x="1297675" y="1310186"/>
+            <a:ext cx="7914564" cy="750626"/>
+          </a:xfrm>
+          <a:prstGeom prst="rect">
+            <a:avLst/>
+          </a:prstGeom>
+          <a:noFill/>
+          <a:ln w="57150">
+            <a:solidFill>
+              <a:srgbClr val="FF0000"/>
+            </a:solidFill>
+          </a:ln>
+        </p:spPr>
+        <p:style>
+          <a:lnRef idx="2">
+            <a:schemeClr val="accent1">
+              <a:shade val="50000"/>
+            </a:schemeClr>
+          </a:lnRef>
+          <a:fillRef idx="1">
+            <a:schemeClr val="accent1"/>
+          </a:fillRef>
+          <a:effectRef idx="0">
+            <a:schemeClr val="accent1"/>
+          </a:effectRef>
+          <a:fontRef idx="minor">
+            <a:schemeClr val="lt1"/>
+          </a:fontRef>
+        </p:style>
+        <p:txBody>
+          <a:bodyPr rtlCol="0" anchor="ctr"/>
+          <a:lstStyle/>
+          <a:p>
+            <a:pPr algn="ctr"/>
+            <a:endParaRPr lang="ko-KR" altLang="en-US">
+              <a:solidFill>
+                <a:srgbClr val="FF0000"/>
+              </a:solidFill>
+            </a:endParaRPr>
+          </a:p>
+        </p:txBody>
+      </p:sp>
+      <p:sp>
+        <p:nvSpPr>
+          <p:cNvPr id="5" name="직사각형 4">
+            <a:extLst>
+              <a:ext uri="{FF2B5EF4-FFF2-40B4-BE49-F238E27FC236}">
+                <a16:creationId xmlns:a16="http://schemas.microsoft.com/office/drawing/2014/main" id="{A5098081-B603-4CD1-B3F9-BDB6EDF06CD9}"/>
+              </a:ext>
+            </a:extLst>
+          </p:cNvPr>
+          <p:cNvSpPr/>
+          <p:nvPr/>
+        </p:nvSpPr>
+        <p:spPr>
+          <a:xfrm>
+            <a:off x="1297675" y="5547814"/>
+            <a:ext cx="7914564" cy="750626"/>
+          </a:xfrm>
+          <a:prstGeom prst="rect">
+            <a:avLst/>
+          </a:prstGeom>
+          <a:noFill/>
+          <a:ln w="57150">
+            <a:solidFill>
+              <a:srgbClr val="FF0000"/>
+            </a:solidFill>
+          </a:ln>
+        </p:spPr>
+        <p:style>
+          <a:lnRef idx="2">
+            <a:schemeClr val="accent1">
+              <a:shade val="50000"/>
+            </a:schemeClr>
+          </a:lnRef>
+          <a:fillRef idx="1">
+            <a:schemeClr val="accent1"/>
+          </a:fillRef>
+          <a:effectRef idx="0">
+            <a:schemeClr val="accent1"/>
+          </a:effectRef>
+          <a:fontRef idx="minor">
+            <a:schemeClr val="lt1"/>
+          </a:fontRef>
+        </p:style>
+        <p:txBody>
+          <a:bodyPr rtlCol="0" anchor="ctr"/>
+          <a:lstStyle/>
+          <a:p>
+            <a:pPr algn="ctr"/>
+            <a:endParaRPr lang="ko-KR" altLang="en-US">
+              <a:solidFill>
+                <a:srgbClr val="FF0000"/>
+              </a:solidFill>
+            </a:endParaRPr>
+          </a:p>
+        </p:txBody>
+      </p:sp>
+      <p:sp>
+        <p:nvSpPr>
+          <p:cNvPr id="6" name="직사각형 5">
+            <a:extLst>
+              <a:ext uri="{FF2B5EF4-FFF2-40B4-BE49-F238E27FC236}">
+                <a16:creationId xmlns:a16="http://schemas.microsoft.com/office/drawing/2014/main" id="{815B8FB3-2BE7-4455-9189-3CDD1AF6A086}"/>
+              </a:ext>
+            </a:extLst>
+          </p:cNvPr>
+          <p:cNvSpPr/>
+          <p:nvPr/>
+        </p:nvSpPr>
+        <p:spPr>
+          <a:xfrm rot="5400000">
+            <a:off x="82598" y="3403837"/>
+            <a:ext cx="3180780" cy="750626"/>
+          </a:xfrm>
+          <a:prstGeom prst="rect">
+            <a:avLst/>
+          </a:prstGeom>
+          <a:noFill/>
+          <a:ln w="57150">
+            <a:solidFill>
+              <a:srgbClr val="FF0000"/>
+            </a:solidFill>
+          </a:ln>
+        </p:spPr>
+        <p:style>
+          <a:lnRef idx="2">
+            <a:schemeClr val="accent1">
+              <a:shade val="50000"/>
+            </a:schemeClr>
+          </a:lnRef>
+          <a:fillRef idx="1">
+            <a:schemeClr val="accent1"/>
+          </a:fillRef>
+          <a:effectRef idx="0">
+            <a:schemeClr val="accent1"/>
+          </a:effectRef>
+          <a:fontRef idx="minor">
+            <a:schemeClr val="lt1"/>
+          </a:fontRef>
+        </p:style>
+        <p:txBody>
+          <a:bodyPr rtlCol="0" anchor="ctr"/>
+          <a:lstStyle/>
+          <a:p>
+            <a:pPr algn="ctr"/>
+            <a:endParaRPr lang="ko-KR" altLang="en-US">
+              <a:solidFill>
+                <a:srgbClr val="FF0000"/>
+              </a:solidFill>
+            </a:endParaRPr>
+          </a:p>
+        </p:txBody>
+      </p:sp>
+      <p:sp>
+        <p:nvSpPr>
+          <p:cNvPr id="7" name="직사각형 6">
+            <a:extLst>
+              <a:ext uri="{FF2B5EF4-FFF2-40B4-BE49-F238E27FC236}">
+                <a16:creationId xmlns:a16="http://schemas.microsoft.com/office/drawing/2014/main" id="{4D418622-AFEC-4A5E-B14C-6506FEB81937}"/>
+              </a:ext>
+            </a:extLst>
+          </p:cNvPr>
+          <p:cNvSpPr/>
+          <p:nvPr/>
+        </p:nvSpPr>
+        <p:spPr>
+          <a:xfrm rot="5400000">
+            <a:off x="7246536" y="3426017"/>
+            <a:ext cx="3180780" cy="750626"/>
+          </a:xfrm>
+          <a:prstGeom prst="rect">
+            <a:avLst/>
+          </a:prstGeom>
+          <a:noFill/>
+          <a:ln w="57150">
+            <a:solidFill>
+              <a:srgbClr val="FF0000"/>
+            </a:solidFill>
+          </a:ln>
+        </p:spPr>
+        <p:style>
+          <a:lnRef idx="2">
+            <a:schemeClr val="accent1">
+              <a:shade val="50000"/>
+            </a:schemeClr>
+          </a:lnRef>
+          <a:fillRef idx="1">
+            <a:schemeClr val="accent1"/>
+          </a:fillRef>
+          <a:effectRef idx="0">
+            <a:schemeClr val="accent1"/>
+          </a:effectRef>
+          <a:fontRef idx="minor">
+            <a:schemeClr val="lt1"/>
+          </a:fontRef>
+        </p:style>
+        <p:txBody>
+          <a:bodyPr rtlCol="0" anchor="ctr"/>
+          <a:lstStyle/>
+          <a:p>
+            <a:pPr algn="ctr"/>
+            <a:endParaRPr lang="ko-KR" altLang="en-US">
+              <a:solidFill>
+                <a:srgbClr val="FF0000"/>
+              </a:solidFill>
+            </a:endParaRPr>
+          </a:p>
+        </p:txBody>
+      </p:sp>
+      <p:sp>
+        <p:nvSpPr>
+          <p:cNvPr id="8" name="직사각형 7">
+            <a:extLst>
+              <a:ext uri="{FF2B5EF4-FFF2-40B4-BE49-F238E27FC236}">
+                <a16:creationId xmlns:a16="http://schemas.microsoft.com/office/drawing/2014/main" id="{13B05C0B-4DCC-41F5-AB41-1E68259AA40E}"/>
+              </a:ext>
+            </a:extLst>
+          </p:cNvPr>
+          <p:cNvSpPr/>
+          <p:nvPr/>
+        </p:nvSpPr>
+        <p:spPr>
+          <a:xfrm>
+            <a:off x="2158622" y="2210940"/>
+            <a:ext cx="2719602" cy="478093"/>
+          </a:xfrm>
+          <a:prstGeom prst="rect">
+            <a:avLst/>
+          </a:prstGeom>
+          <a:noFill/>
+          <a:ln w="57150">
+            <a:solidFill>
+              <a:srgbClr val="FF0000"/>
+            </a:solidFill>
+          </a:ln>
+        </p:spPr>
+        <p:style>
+          <a:lnRef idx="2">
+            <a:schemeClr val="accent1">
+              <a:shade val="50000"/>
+            </a:schemeClr>
+          </a:lnRef>
+          <a:fillRef idx="1">
+            <a:schemeClr val="accent1"/>
+          </a:fillRef>
+          <a:effectRef idx="0">
+            <a:schemeClr val="accent1"/>
+          </a:effectRef>
+          <a:fontRef idx="minor">
+            <a:schemeClr val="lt1"/>
+          </a:fontRef>
+        </p:style>
+        <p:txBody>
+          <a:bodyPr rtlCol="0" anchor="ctr"/>
+          <a:lstStyle/>
+          <a:p>
+            <a:pPr algn="ctr"/>
+            <a:r>
+              <a:rPr lang="ko-KR" altLang="en-US">
+                <a:solidFill>
+                  <a:srgbClr val="FF0000"/>
+                </a:solidFill>
+              </a:rPr>
+              <a:t>숙소 검색 바</a:t>
+            </a:r>
+          </a:p>
+        </p:txBody>
+      </p:sp>
+      <p:sp>
+        <p:nvSpPr>
+          <p:cNvPr id="9" name="TextBox 8">
+            <a:extLst>
+              <a:ext uri="{FF2B5EF4-FFF2-40B4-BE49-F238E27FC236}">
+                <a16:creationId xmlns:a16="http://schemas.microsoft.com/office/drawing/2014/main" id="{774DE57B-9DAC-47E1-AE7A-517BCD273455}"/>
+              </a:ext>
+            </a:extLst>
+          </p:cNvPr>
+          <p:cNvSpPr txBox="1"/>
+          <p:nvPr/>
+        </p:nvSpPr>
+        <p:spPr>
+          <a:xfrm>
+            <a:off x="4012442" y="1496931"/>
+            <a:ext cx="2838734" cy="369332"/>
+          </a:xfrm>
+          <a:prstGeom prst="rect">
+            <a:avLst/>
+          </a:prstGeom>
+          <a:noFill/>
+        </p:spPr>
+        <p:txBody>
+          <a:bodyPr wrap="square" rtlCol="0">
+            <a:spAutoFit/>
+          </a:bodyPr>
+          <a:lstStyle/>
+          <a:p>
+            <a:r>
+              <a:rPr lang="ko-KR" altLang="en-US"/>
+              <a:t>사이트 이름</a:t>
+            </a:r>
+            <a:r>
+              <a:rPr lang="en-US" altLang="ko-KR"/>
+              <a:t>/</a:t>
+            </a:r>
+            <a:r>
+              <a:rPr lang="ko-KR" altLang="en-US"/>
+              <a:t>소개 등등</a:t>
+            </a:r>
+          </a:p>
+        </p:txBody>
+      </p:sp>
+      <p:sp>
+        <p:nvSpPr>
+          <p:cNvPr id="10" name="직사각형 9">
+            <a:extLst>
+              <a:ext uri="{FF2B5EF4-FFF2-40B4-BE49-F238E27FC236}">
+                <a16:creationId xmlns:a16="http://schemas.microsoft.com/office/drawing/2014/main" id="{0CE691BC-9E88-49B7-8B20-AD6FC272223B}"/>
+              </a:ext>
+            </a:extLst>
+          </p:cNvPr>
+          <p:cNvSpPr/>
+          <p:nvPr/>
+        </p:nvSpPr>
+        <p:spPr>
+          <a:xfrm>
+            <a:off x="4988545" y="2226441"/>
+            <a:ext cx="2040052" cy="478093"/>
+          </a:xfrm>
+          <a:prstGeom prst="rect">
+            <a:avLst/>
+          </a:prstGeom>
+          <a:noFill/>
+          <a:ln w="57150">
+            <a:solidFill>
+              <a:srgbClr val="FF0000"/>
+            </a:solidFill>
+          </a:ln>
+        </p:spPr>
+        <p:style>
+          <a:lnRef idx="2">
+            <a:schemeClr val="accent1">
+              <a:shade val="50000"/>
+            </a:schemeClr>
+          </a:lnRef>
+          <a:fillRef idx="1">
+            <a:schemeClr val="accent1"/>
+          </a:fillRef>
+          <a:effectRef idx="0">
+            <a:schemeClr val="accent1"/>
+          </a:effectRef>
+          <a:fontRef idx="minor">
+            <a:schemeClr val="lt1"/>
+          </a:fontRef>
+        </p:style>
+        <p:txBody>
+          <a:bodyPr rtlCol="0" anchor="ctr"/>
+          <a:lstStyle/>
+          <a:p>
+            <a:pPr algn="ctr"/>
+            <a:r>
+              <a:rPr lang="ko-KR" altLang="en-US">
+                <a:solidFill>
+                  <a:srgbClr val="FF0000"/>
+                </a:solidFill>
+              </a:rPr>
+              <a:t>로그인</a:t>
+            </a:r>
+            <a:r>
+              <a:rPr lang="en-US" altLang="ko-KR">
+                <a:solidFill>
+                  <a:srgbClr val="FF0000"/>
+                </a:solidFill>
+              </a:rPr>
+              <a:t>/</a:t>
+            </a:r>
+            <a:r>
+              <a:rPr lang="ko-KR" altLang="en-US">
+                <a:solidFill>
+                  <a:srgbClr val="FF0000"/>
+                </a:solidFill>
+              </a:rPr>
+              <a:t>로그아웃</a:t>
+            </a:r>
+          </a:p>
+        </p:txBody>
+      </p:sp>
+      <p:sp>
+        <p:nvSpPr>
+          <p:cNvPr id="11" name="직사각형 10">
+            <a:extLst>
+              <a:ext uri="{FF2B5EF4-FFF2-40B4-BE49-F238E27FC236}">
+                <a16:creationId xmlns:a16="http://schemas.microsoft.com/office/drawing/2014/main" id="{07DA6C09-8D73-4E28-9324-98BC1180F25F}"/>
+              </a:ext>
+            </a:extLst>
+          </p:cNvPr>
+          <p:cNvSpPr/>
+          <p:nvPr/>
+        </p:nvSpPr>
+        <p:spPr>
+          <a:xfrm>
+            <a:off x="7111622" y="2231425"/>
+            <a:ext cx="1289426" cy="478093"/>
+          </a:xfrm>
+          <a:prstGeom prst="rect">
+            <a:avLst/>
+          </a:prstGeom>
+          <a:noFill/>
+          <a:ln w="57150">
+            <a:solidFill>
+              <a:srgbClr val="FF0000"/>
+            </a:solidFill>
+          </a:ln>
+        </p:spPr>
+        <p:style>
+          <a:lnRef idx="2">
+            <a:schemeClr val="accent1">
+              <a:shade val="50000"/>
+            </a:schemeClr>
+          </a:lnRef>
+          <a:fillRef idx="1">
+            <a:schemeClr val="accent1"/>
+          </a:fillRef>
+          <a:effectRef idx="0">
+            <a:schemeClr val="accent1"/>
+          </a:effectRef>
+          <a:fontRef idx="minor">
+            <a:schemeClr val="lt1"/>
+          </a:fontRef>
+        </p:style>
+        <p:txBody>
+          <a:bodyPr rtlCol="0" anchor="ctr"/>
+          <a:lstStyle/>
+          <a:p>
+            <a:pPr algn="ctr"/>
+            <a:r>
+              <a:rPr lang="ko-KR" altLang="en-US">
+                <a:solidFill>
+                  <a:srgbClr val="FF0000"/>
+                </a:solidFill>
+              </a:rPr>
+              <a:t>게시판</a:t>
+            </a:r>
+          </a:p>
+        </p:txBody>
+      </p:sp>
+      <p:sp>
+        <p:nvSpPr>
+          <p:cNvPr id="12" name="TextBox 11">
+            <a:extLst>
+              <a:ext uri="{FF2B5EF4-FFF2-40B4-BE49-F238E27FC236}">
+                <a16:creationId xmlns:a16="http://schemas.microsoft.com/office/drawing/2014/main" id="{5016E58D-C4C1-4F1C-8FD9-40B2E1A00BA7}"/>
+              </a:ext>
+            </a:extLst>
+          </p:cNvPr>
+          <p:cNvSpPr txBox="1"/>
+          <p:nvPr/>
+        </p:nvSpPr>
+        <p:spPr>
+          <a:xfrm>
+            <a:off x="3729395" y="5760791"/>
+            <a:ext cx="2838734" cy="369332"/>
+          </a:xfrm>
+          <a:prstGeom prst="rect">
+            <a:avLst/>
+          </a:prstGeom>
+          <a:noFill/>
+        </p:spPr>
+        <p:txBody>
+          <a:bodyPr wrap="square" rtlCol="0">
+            <a:spAutoFit/>
+          </a:bodyPr>
+          <a:lstStyle/>
+          <a:p>
+            <a:r>
+              <a:rPr lang="ko-KR" altLang="en-US"/>
+              <a:t>대충 사진 </a:t>
+            </a:r>
+            <a:r>
+              <a:rPr lang="en-US" altLang="ko-KR"/>
+              <a:t>+ </a:t>
+            </a:r>
+            <a:r>
+              <a:rPr lang="ko-KR" altLang="en-US"/>
+              <a:t>저작권</a:t>
+            </a:r>
+            <a:r>
+              <a:rPr lang="en-US" altLang="ko-KR"/>
+              <a:t>? </a:t>
+            </a:r>
+            <a:endParaRPr lang="ko-KR" altLang="en-US"/>
+          </a:p>
+        </p:txBody>
+      </p:sp>
+      <p:sp>
+        <p:nvSpPr>
+          <p:cNvPr id="13" name="TextBox 12">
+            <a:extLst>
+              <a:ext uri="{FF2B5EF4-FFF2-40B4-BE49-F238E27FC236}">
+                <a16:creationId xmlns:a16="http://schemas.microsoft.com/office/drawing/2014/main" id="{B1120D06-F2BA-4487-B457-53A57CD6E78D}"/>
+              </a:ext>
+            </a:extLst>
+          </p:cNvPr>
+          <p:cNvSpPr txBox="1"/>
+          <p:nvPr/>
+        </p:nvSpPr>
+        <p:spPr>
+          <a:xfrm>
+            <a:off x="1271239" y="3202844"/>
+            <a:ext cx="750626" cy="923330"/>
+          </a:xfrm>
+          <a:prstGeom prst="rect">
+            <a:avLst/>
+          </a:prstGeom>
+          <a:noFill/>
+        </p:spPr>
+        <p:txBody>
+          <a:bodyPr wrap="square" rtlCol="0">
+            <a:spAutoFit/>
+          </a:bodyPr>
+          <a:lstStyle/>
+          <a:p>
+            <a:r>
+              <a:rPr lang="ko-KR" altLang="en-US"/>
+              <a:t>대충 여백</a:t>
+            </a:r>
+            <a:endParaRPr lang="en-US" altLang="ko-KR"/>
+          </a:p>
+          <a:p>
+            <a:r>
+              <a:rPr lang="ko-KR" altLang="en-US"/>
+              <a:t>사진</a:t>
+            </a:r>
+          </a:p>
+        </p:txBody>
+      </p:sp>
+      <p:sp>
+        <p:nvSpPr>
+          <p:cNvPr id="14" name="TextBox 13">
+            <a:extLst>
+              <a:ext uri="{FF2B5EF4-FFF2-40B4-BE49-F238E27FC236}">
+                <a16:creationId xmlns:a16="http://schemas.microsoft.com/office/drawing/2014/main" id="{0033ED73-24DA-460D-8EFA-5468542D7F86}"/>
+              </a:ext>
+            </a:extLst>
+          </p:cNvPr>
+          <p:cNvSpPr txBox="1"/>
+          <p:nvPr/>
+        </p:nvSpPr>
+        <p:spPr>
+          <a:xfrm>
+            <a:off x="8482932" y="3202844"/>
+            <a:ext cx="750626" cy="923330"/>
+          </a:xfrm>
+          <a:prstGeom prst="rect">
+            <a:avLst/>
+          </a:prstGeom>
+          <a:noFill/>
+        </p:spPr>
+        <p:txBody>
+          <a:bodyPr wrap="square" rtlCol="0">
+            <a:spAutoFit/>
+          </a:bodyPr>
+          <a:lstStyle/>
+          <a:p>
+            <a:r>
+              <a:rPr lang="ko-KR" altLang="en-US"/>
+              <a:t>대충 여백</a:t>
+            </a:r>
+            <a:endParaRPr lang="en-US" altLang="ko-KR"/>
+          </a:p>
+          <a:p>
+            <a:r>
+              <a:rPr lang="ko-KR" altLang="en-US"/>
+              <a:t>사진</a:t>
+            </a:r>
+          </a:p>
+        </p:txBody>
+      </p:sp>
+      <p:sp>
+        <p:nvSpPr>
+          <p:cNvPr id="15" name="직사각형 14">
+            <a:extLst>
+              <a:ext uri="{FF2B5EF4-FFF2-40B4-BE49-F238E27FC236}">
+                <a16:creationId xmlns:a16="http://schemas.microsoft.com/office/drawing/2014/main" id="{3B1134AC-E1AF-4B6F-8F30-9B4BC4CE04A2}"/>
+              </a:ext>
+            </a:extLst>
+          </p:cNvPr>
+          <p:cNvSpPr/>
+          <p:nvPr/>
+        </p:nvSpPr>
+        <p:spPr>
+          <a:xfrm>
+            <a:off x="2083005" y="2926995"/>
+            <a:ext cx="6281952" cy="1361537"/>
+          </a:xfrm>
+          <a:prstGeom prst="rect">
+            <a:avLst/>
+          </a:prstGeom>
+          <a:noFill/>
+          <a:ln w="57150">
+            <a:solidFill>
+              <a:schemeClr val="accent4"/>
+            </a:solidFill>
+          </a:ln>
+        </p:spPr>
+        <p:style>
+          <a:lnRef idx="2">
+            <a:schemeClr val="accent1">
+              <a:shade val="50000"/>
+            </a:schemeClr>
+          </a:lnRef>
+          <a:fillRef idx="1">
+            <a:schemeClr val="accent1"/>
+          </a:fillRef>
+          <a:effectRef idx="0">
+            <a:schemeClr val="accent1"/>
+          </a:effectRef>
+          <a:fontRef idx="minor">
+            <a:schemeClr val="lt1"/>
+          </a:fontRef>
+        </p:style>
+        <p:txBody>
+          <a:bodyPr rtlCol="0" anchor="ctr"/>
+          <a:lstStyle/>
+          <a:p>
+            <a:pPr algn="ctr"/>
+            <a:endParaRPr lang="ko-KR" altLang="en-US">
+              <a:solidFill>
+                <a:srgbClr val="FF0000"/>
+              </a:solidFill>
+            </a:endParaRPr>
+          </a:p>
+        </p:txBody>
+      </p:sp>
+      <p:sp>
+        <p:nvSpPr>
+          <p:cNvPr id="16" name="TextBox 15">
+            <a:extLst>
+              <a:ext uri="{FF2B5EF4-FFF2-40B4-BE49-F238E27FC236}">
+                <a16:creationId xmlns:a16="http://schemas.microsoft.com/office/drawing/2014/main" id="{C7779565-F379-4189-96C0-426DB9225016}"/>
+              </a:ext>
+            </a:extLst>
+          </p:cNvPr>
+          <p:cNvSpPr txBox="1"/>
+          <p:nvPr/>
+        </p:nvSpPr>
+        <p:spPr>
+          <a:xfrm>
+            <a:off x="3699111" y="3434981"/>
+            <a:ext cx="3329486" cy="369332"/>
+          </a:xfrm>
+          <a:prstGeom prst="rect">
+            <a:avLst/>
+          </a:prstGeom>
+          <a:noFill/>
+        </p:spPr>
+        <p:txBody>
+          <a:bodyPr wrap="square" rtlCol="0">
+            <a:spAutoFit/>
+          </a:bodyPr>
+          <a:lstStyle/>
+          <a:p>
+            <a:r>
+              <a:rPr lang="ko-KR" altLang="en-US"/>
+              <a:t>여행가고 싶게 만드는 사진</a:t>
+            </a:r>
+          </a:p>
+        </p:txBody>
+      </p:sp>
+      <p:sp>
+        <p:nvSpPr>
+          <p:cNvPr id="17" name="직사각형 16">
+            <a:extLst>
+              <a:ext uri="{FF2B5EF4-FFF2-40B4-BE49-F238E27FC236}">
+                <a16:creationId xmlns:a16="http://schemas.microsoft.com/office/drawing/2014/main" id="{D24CFF1E-80A6-41A4-ABB2-92230F5D29CF}"/>
+              </a:ext>
+            </a:extLst>
+          </p:cNvPr>
+          <p:cNvSpPr/>
+          <p:nvPr/>
+        </p:nvSpPr>
+        <p:spPr>
+          <a:xfrm>
+            <a:off x="2113981" y="4459577"/>
+            <a:ext cx="6281952" cy="901492"/>
+          </a:xfrm>
+          <a:prstGeom prst="rect">
+            <a:avLst/>
+          </a:prstGeom>
+          <a:noFill/>
+          <a:ln w="57150">
+            <a:solidFill>
+              <a:schemeClr val="accent4"/>
+            </a:solidFill>
+          </a:ln>
+        </p:spPr>
+        <p:style>
+          <a:lnRef idx="2">
+            <a:schemeClr val="accent1">
+              <a:shade val="50000"/>
+            </a:schemeClr>
+          </a:lnRef>
+          <a:fillRef idx="1">
+            <a:schemeClr val="accent1"/>
+          </a:fillRef>
+          <a:effectRef idx="0">
+            <a:schemeClr val="accent1"/>
+          </a:effectRef>
+          <a:fontRef idx="minor">
+            <a:schemeClr val="lt1"/>
+          </a:fontRef>
+        </p:style>
+        <p:txBody>
+          <a:bodyPr rtlCol="0" anchor="ctr"/>
+          <a:lstStyle/>
+          <a:p>
+            <a:pPr algn="ctr"/>
+            <a:endParaRPr lang="ko-KR" altLang="en-US">
+              <a:solidFill>
+                <a:srgbClr val="FF0000"/>
+              </a:solidFill>
+            </a:endParaRPr>
+          </a:p>
+        </p:txBody>
+      </p:sp>
+      <p:sp>
+        <p:nvSpPr>
+          <p:cNvPr id="18" name="TextBox 17">
+            <a:extLst>
+              <a:ext uri="{FF2B5EF4-FFF2-40B4-BE49-F238E27FC236}">
+                <a16:creationId xmlns:a16="http://schemas.microsoft.com/office/drawing/2014/main" id="{EF6E82A2-8627-4337-8F40-3570801CBF6F}"/>
+              </a:ext>
+            </a:extLst>
+          </p:cNvPr>
+          <p:cNvSpPr txBox="1"/>
+          <p:nvPr/>
+        </p:nvSpPr>
+        <p:spPr>
+          <a:xfrm>
+            <a:off x="4442347" y="4673121"/>
+            <a:ext cx="3329486" cy="369332"/>
+          </a:xfrm>
+          <a:prstGeom prst="rect">
+            <a:avLst/>
+          </a:prstGeom>
+          <a:noFill/>
+        </p:spPr>
+        <p:txBody>
+          <a:bodyPr wrap="square" rtlCol="0">
+            <a:spAutoFit/>
+          </a:bodyPr>
+          <a:lstStyle/>
+          <a:p>
+            <a:r>
+              <a:rPr lang="ko-KR" altLang="en-US"/>
+              <a:t>빠른 검색</a:t>
+            </a:r>
+          </a:p>
+        </p:txBody>
+      </p:sp>
+    </p:spTree>
+    <p:extLst>
+      <p:ext uri="{BB962C8B-B14F-4D97-AF65-F5344CB8AC3E}">
+        <p14:creationId xmlns:p14="http://schemas.microsoft.com/office/powerpoint/2010/main" val="2133621018"/>
+      </p:ext>
+    </p:extLst>
+  </p:cSld>
+  <p:clrMapOvr>
+    <a:masterClrMapping/>
+  </p:clrMapOvr>
+</p:sld>
+</file>
+
+<file path=ppt/slides/slide15.xml><?xml version="1.0" encoding="utf-8"?>
+<p:sld xmlns:a="http://schemas.openxmlformats.org/drawingml/2006/main" xmlns:r="http://schemas.openxmlformats.org/officeDocument/2006/relationships" xmlns:p="http://schemas.openxmlformats.org/presentationml/2006/main">
+  <p:cSld>
+    <p:spTree>
+      <p:nvGrpSpPr>
+        <p:cNvPr id="1" name=""/>
+        <p:cNvGrpSpPr/>
+        <p:nvPr/>
+      </p:nvGrpSpPr>
+      <p:grpSpPr>
+        <a:xfrm>
+          <a:off x="0" y="0"/>
+          <a:ext cx="0" cy="0"/>
+          <a:chOff x="0" y="0"/>
+          <a:chExt cx="0" cy="0"/>
+        </a:xfrm>
+      </p:grpSpPr>
+      <p:sp>
+        <p:nvSpPr>
+          <p:cNvPr id="3" name="TextBox 2">
+            <a:extLst>
+              <a:ext uri="{FF2B5EF4-FFF2-40B4-BE49-F238E27FC236}">
+                <a16:creationId xmlns:a16="http://schemas.microsoft.com/office/drawing/2014/main" id="{34F0BA0C-0903-4E58-9DA0-52EEFBC205B6}"/>
+              </a:ext>
+            </a:extLst>
+          </p:cNvPr>
+          <p:cNvSpPr txBox="1"/>
+          <p:nvPr/>
+        </p:nvSpPr>
+        <p:spPr>
+          <a:xfrm>
+            <a:off x="1819439" y="4322062"/>
+            <a:ext cx="2719821" cy="646331"/>
+          </a:xfrm>
+          <a:prstGeom prst="rect">
+            <a:avLst/>
+          </a:prstGeom>
+          <a:noFill/>
+        </p:spPr>
+        <p:txBody>
+          <a:bodyPr wrap="square">
+            <a:spAutoFit/>
+          </a:bodyPr>
+          <a:lstStyle/>
+          <a:p>
+            <a:r>
+              <a:rPr lang="en-US" altLang="ko-KR" b="1"/>
+              <a:t>// </a:t>
+            </a:r>
+            <a:r>
+              <a:rPr lang="ko-KR" altLang="en-US" b="1"/>
+              <a:t>게시글 리스트 보기</a:t>
+            </a:r>
+            <a:endParaRPr lang="en-US" altLang="ko-KR" b="1"/>
+          </a:p>
+          <a:p>
+            <a:r>
+              <a:rPr lang="ko-KR" altLang="en-US" b="1"/>
+              <a:t>question_list.html</a:t>
+            </a:r>
+          </a:p>
+        </p:txBody>
+      </p:sp>
+      <p:sp>
+        <p:nvSpPr>
+          <p:cNvPr id="5" name="TextBox 4">
+            <a:extLst>
+              <a:ext uri="{FF2B5EF4-FFF2-40B4-BE49-F238E27FC236}">
+                <a16:creationId xmlns:a16="http://schemas.microsoft.com/office/drawing/2014/main" id="{896936C3-2651-436B-91FB-8207E5D44C3C}"/>
+              </a:ext>
+            </a:extLst>
+          </p:cNvPr>
+          <p:cNvSpPr txBox="1"/>
+          <p:nvPr/>
+        </p:nvSpPr>
+        <p:spPr>
+          <a:xfrm>
+            <a:off x="1819439" y="3263452"/>
+            <a:ext cx="6094268" cy="646331"/>
+          </a:xfrm>
+          <a:prstGeom prst="rect">
+            <a:avLst/>
+          </a:prstGeom>
+          <a:noFill/>
+        </p:spPr>
+        <p:txBody>
+          <a:bodyPr wrap="square">
+            <a:spAutoFit/>
+          </a:bodyPr>
+          <a:lstStyle/>
+          <a:p>
+            <a:r>
+              <a:rPr lang="en-US" altLang="ko-KR" b="1"/>
+              <a:t>// </a:t>
+            </a:r>
+            <a:r>
+              <a:rPr lang="ko-KR" altLang="en-US" b="1"/>
+              <a:t>게시글 등록하기</a:t>
+            </a:r>
+            <a:endParaRPr lang="en-US" altLang="ko-KR" b="1"/>
+          </a:p>
+          <a:p>
+            <a:r>
+              <a:rPr lang="ko-KR" altLang="en-US" b="1"/>
+              <a:t>question_form.html</a:t>
+            </a:r>
+          </a:p>
+        </p:txBody>
+      </p:sp>
+      <p:sp>
+        <p:nvSpPr>
+          <p:cNvPr id="7" name="TextBox 6">
+            <a:extLst>
+              <a:ext uri="{FF2B5EF4-FFF2-40B4-BE49-F238E27FC236}">
+                <a16:creationId xmlns:a16="http://schemas.microsoft.com/office/drawing/2014/main" id="{9865AD8D-E7B2-45F5-BDE9-166072A65F42}"/>
+              </a:ext>
+            </a:extLst>
+          </p:cNvPr>
+          <p:cNvSpPr txBox="1"/>
+          <p:nvPr/>
+        </p:nvSpPr>
+        <p:spPr>
+          <a:xfrm>
+            <a:off x="1819439" y="5061813"/>
+            <a:ext cx="6094268" cy="646331"/>
+          </a:xfrm>
+          <a:prstGeom prst="rect">
+            <a:avLst/>
+          </a:prstGeom>
+          <a:noFill/>
+        </p:spPr>
+        <p:txBody>
+          <a:bodyPr wrap="square">
+            <a:spAutoFit/>
+          </a:bodyPr>
+          <a:lstStyle/>
+          <a:p>
+            <a:r>
+              <a:rPr lang="en-US" altLang="ko-KR" b="1"/>
+              <a:t>// </a:t>
+            </a:r>
+            <a:r>
+              <a:rPr lang="ko-KR" altLang="en-US" b="1"/>
+              <a:t>게시글 상세보기</a:t>
+            </a:r>
+            <a:endParaRPr lang="en-US" altLang="ko-KR" b="1"/>
+          </a:p>
+          <a:p>
+            <a:r>
+              <a:rPr lang="ko-KR" altLang="en-US" b="1"/>
+              <a:t>question_detail.html</a:t>
+            </a:r>
+          </a:p>
+        </p:txBody>
+      </p:sp>
+      <p:sp>
+        <p:nvSpPr>
+          <p:cNvPr id="9" name="TextBox 8">
+            <a:extLst>
+              <a:ext uri="{FF2B5EF4-FFF2-40B4-BE49-F238E27FC236}">
+                <a16:creationId xmlns:a16="http://schemas.microsoft.com/office/drawing/2014/main" id="{CC8295F9-FE1D-4E98-B2F5-002CD42BD6BD}"/>
+              </a:ext>
+            </a:extLst>
+          </p:cNvPr>
+          <p:cNvSpPr txBox="1"/>
+          <p:nvPr/>
+        </p:nvSpPr>
+        <p:spPr>
+          <a:xfrm>
+            <a:off x="8268617" y="2656065"/>
+            <a:ext cx="1536063" cy="646331"/>
+          </a:xfrm>
+          <a:prstGeom prst="rect">
+            <a:avLst/>
+          </a:prstGeom>
+          <a:noFill/>
+        </p:spPr>
+        <p:txBody>
+          <a:bodyPr wrap="square">
+            <a:spAutoFit/>
+          </a:bodyPr>
+          <a:lstStyle/>
+          <a:p>
+            <a:r>
+              <a:rPr lang="en-US" altLang="ko-KR" b="1"/>
+              <a:t>// </a:t>
+            </a:r>
+            <a:r>
+              <a:rPr lang="ko-KR" altLang="en-US" b="1"/>
+              <a:t>로그인</a:t>
+            </a:r>
+            <a:endParaRPr lang="en-US" altLang="ko-KR" b="1"/>
+          </a:p>
+          <a:p>
+            <a:r>
+              <a:rPr lang="ko-KR" altLang="en-US" b="1"/>
+              <a:t>login.html</a:t>
+            </a:r>
+          </a:p>
+        </p:txBody>
+      </p:sp>
+      <p:sp>
+        <p:nvSpPr>
+          <p:cNvPr id="13" name="TextBox 12">
+            <a:extLst>
+              <a:ext uri="{FF2B5EF4-FFF2-40B4-BE49-F238E27FC236}">
+                <a16:creationId xmlns:a16="http://schemas.microsoft.com/office/drawing/2014/main" id="{A6DCF28E-B723-48A5-9662-88906EC936DC}"/>
+              </a:ext>
+            </a:extLst>
+          </p:cNvPr>
+          <p:cNvSpPr txBox="1"/>
+          <p:nvPr/>
+        </p:nvSpPr>
+        <p:spPr>
+          <a:xfrm>
+            <a:off x="8239912" y="4738648"/>
+            <a:ext cx="6094268" cy="646331"/>
+          </a:xfrm>
+          <a:prstGeom prst="rect">
+            <a:avLst/>
+          </a:prstGeom>
+          <a:noFill/>
+        </p:spPr>
+        <p:txBody>
+          <a:bodyPr wrap="square">
+            <a:spAutoFit/>
+          </a:bodyPr>
+          <a:lstStyle/>
+          <a:p>
+            <a:r>
+              <a:rPr lang="en-US" altLang="ko-KR" b="1"/>
+              <a:t>// </a:t>
+            </a:r>
+            <a:r>
+              <a:rPr lang="ko-KR" altLang="en-US" b="1"/>
+              <a:t>카테고리 선택</a:t>
+            </a:r>
+            <a:endParaRPr lang="en-US" altLang="ko-KR" b="1"/>
+          </a:p>
+          <a:p>
+            <a:r>
+              <a:rPr lang="ko-KR" altLang="en-US" b="1"/>
+              <a:t>beerbnb.html</a:t>
+            </a:r>
+          </a:p>
+        </p:txBody>
+      </p:sp>
+      <p:sp>
+        <p:nvSpPr>
+          <p:cNvPr id="15" name="TextBox 14">
+            <a:extLst>
+              <a:ext uri="{FF2B5EF4-FFF2-40B4-BE49-F238E27FC236}">
+                <a16:creationId xmlns:a16="http://schemas.microsoft.com/office/drawing/2014/main" id="{82F389A4-379F-4983-9A7F-D947A33B1A30}"/>
+              </a:ext>
+            </a:extLst>
+          </p:cNvPr>
+          <p:cNvSpPr txBox="1"/>
+          <p:nvPr/>
+        </p:nvSpPr>
+        <p:spPr>
+          <a:xfrm>
+            <a:off x="1819439" y="2523701"/>
+            <a:ext cx="6094268" cy="646331"/>
+          </a:xfrm>
+          <a:prstGeom prst="rect">
+            <a:avLst/>
+          </a:prstGeom>
+          <a:noFill/>
+        </p:spPr>
+        <p:txBody>
+          <a:bodyPr wrap="square">
+            <a:spAutoFit/>
+          </a:bodyPr>
+          <a:lstStyle/>
+          <a:p>
+            <a:r>
+              <a:rPr lang="en-US" altLang="ko-KR" b="1"/>
+              <a:t>// </a:t>
+            </a:r>
+            <a:r>
+              <a:rPr lang="ko-KR" altLang="en-US" b="1"/>
+              <a:t>상위 상속 템플릿</a:t>
+            </a:r>
+            <a:endParaRPr lang="en-US" altLang="ko-KR" b="1"/>
+          </a:p>
+          <a:p>
+            <a:r>
+              <a:rPr lang="ko-KR" altLang="en-US" b="1"/>
+              <a:t>base.html</a:t>
+            </a:r>
+          </a:p>
+        </p:txBody>
+      </p:sp>
+      <p:sp>
+        <p:nvSpPr>
+          <p:cNvPr id="17" name="TextBox 16">
+            <a:extLst>
+              <a:ext uri="{FF2B5EF4-FFF2-40B4-BE49-F238E27FC236}">
+                <a16:creationId xmlns:a16="http://schemas.microsoft.com/office/drawing/2014/main" id="{DA86FCB9-3D08-4F16-A067-7C8ABD8C8915}"/>
+              </a:ext>
+            </a:extLst>
+          </p:cNvPr>
+          <p:cNvSpPr txBox="1"/>
+          <p:nvPr/>
+        </p:nvSpPr>
+        <p:spPr>
+          <a:xfrm>
+            <a:off x="8268617" y="3583458"/>
+            <a:ext cx="2245885" cy="646331"/>
+          </a:xfrm>
+          <a:prstGeom prst="rect">
+            <a:avLst/>
+          </a:prstGeom>
+          <a:noFill/>
+        </p:spPr>
+        <p:txBody>
+          <a:bodyPr wrap="square">
+            <a:spAutoFit/>
+          </a:bodyPr>
+          <a:lstStyle/>
+          <a:p>
+            <a:r>
+              <a:rPr lang="en-US" altLang="ko-KR" b="1"/>
+              <a:t>// </a:t>
+            </a:r>
+            <a:r>
+              <a:rPr lang="ko-KR" altLang="en-US" b="1"/>
+              <a:t>에러</a:t>
+            </a:r>
+            <a:endParaRPr lang="en-US" altLang="ko-KR" b="1"/>
+          </a:p>
+          <a:p>
+            <a:r>
+              <a:rPr lang="ko-KR" altLang="en-US" b="1"/>
+              <a:t>form_errors.html</a:t>
+            </a:r>
+          </a:p>
+        </p:txBody>
+      </p:sp>
+      <p:sp>
+        <p:nvSpPr>
+          <p:cNvPr id="19" name="TextBox 18">
+            <a:extLst>
+              <a:ext uri="{FF2B5EF4-FFF2-40B4-BE49-F238E27FC236}">
+                <a16:creationId xmlns:a16="http://schemas.microsoft.com/office/drawing/2014/main" id="{51DE15BA-BD1F-407D-9D56-64261DAD8E80}"/>
+              </a:ext>
+            </a:extLst>
+          </p:cNvPr>
+          <p:cNvSpPr txBox="1"/>
+          <p:nvPr/>
+        </p:nvSpPr>
+        <p:spPr>
+          <a:xfrm>
+            <a:off x="8239912" y="1842985"/>
+            <a:ext cx="6714460" cy="646331"/>
+          </a:xfrm>
+          <a:prstGeom prst="rect">
+            <a:avLst/>
+          </a:prstGeom>
+          <a:noFill/>
+        </p:spPr>
+        <p:txBody>
+          <a:bodyPr wrap="square">
+            <a:spAutoFit/>
+          </a:bodyPr>
+          <a:lstStyle/>
+          <a:p>
+            <a:r>
+              <a:rPr lang="en-US" altLang="ko-KR" b="1"/>
+              <a:t>// </a:t>
+            </a:r>
+            <a:r>
+              <a:rPr lang="ko-KR" altLang="en-US" b="1"/>
+              <a:t>로그인</a:t>
+            </a:r>
+            <a:r>
+              <a:rPr lang="en-US" altLang="ko-KR" b="1"/>
+              <a:t>?</a:t>
+            </a:r>
+          </a:p>
+          <a:p>
+            <a:r>
+              <a:rPr lang="ko-KR" altLang="en-US" b="1"/>
+              <a:t>navbar.html</a:t>
+            </a:r>
+          </a:p>
+        </p:txBody>
+      </p:sp>
+      <p:sp>
+        <p:nvSpPr>
+          <p:cNvPr id="20" name="TextBox 19">
+            <a:extLst>
+              <a:ext uri="{FF2B5EF4-FFF2-40B4-BE49-F238E27FC236}">
+                <a16:creationId xmlns:a16="http://schemas.microsoft.com/office/drawing/2014/main" id="{5204B588-F9E6-4B24-BD4E-CC0DC2531842}"/>
+              </a:ext>
+            </a:extLst>
+          </p:cNvPr>
+          <p:cNvSpPr txBox="1"/>
+          <p:nvPr/>
+        </p:nvSpPr>
+        <p:spPr>
+          <a:xfrm>
+            <a:off x="380196" y="202019"/>
+            <a:ext cx="8083320" cy="707886"/>
+          </a:xfrm>
+          <a:prstGeom prst="rect">
+            <a:avLst/>
+          </a:prstGeom>
+          <a:noFill/>
+        </p:spPr>
+        <p:txBody>
+          <a:bodyPr wrap="square" rtlCol="0">
+            <a:spAutoFit/>
+          </a:bodyPr>
+          <a:lstStyle/>
+          <a:p>
+            <a:r>
+              <a:rPr lang="en-US" altLang="ko-KR" sz="4000" b="1">
+                <a:solidFill>
+                  <a:schemeClr val="accent6"/>
+                </a:solidFill>
+              </a:rPr>
+              <a:t>HTML (TEMPLATES)</a:t>
+            </a:r>
+            <a:endParaRPr lang="ko-KR" altLang="en-US" sz="4000" b="1">
+              <a:solidFill>
+                <a:schemeClr val="accent6"/>
+              </a:solidFill>
+            </a:endParaRPr>
+          </a:p>
+        </p:txBody>
+      </p:sp>
+    </p:spTree>
+    <p:extLst>
+      <p:ext uri="{BB962C8B-B14F-4D97-AF65-F5344CB8AC3E}">
+        <p14:creationId xmlns:p14="http://schemas.microsoft.com/office/powerpoint/2010/main" val="2307903051"/>
+      </p:ext>
+    </p:extLst>
+  </p:cSld>
+  <p:clrMapOvr>
+    <a:masterClrMapping/>
+  </p:clrMapOvr>
+</p:sld>
+</file>
+
+<file path=ppt/slides/slide16.xml><?xml version="1.0" encoding="utf-8"?>
+<p:sld xmlns:a="http://schemas.openxmlformats.org/drawingml/2006/main" xmlns:r="http://schemas.openxmlformats.org/officeDocument/2006/relationships" xmlns:p="http://schemas.openxmlformats.org/presentationml/2006/main">
+  <p:cSld>
+    <p:spTree>
+      <p:nvGrpSpPr>
+        <p:cNvPr id="1" name=""/>
+        <p:cNvGrpSpPr/>
+        <p:nvPr/>
+      </p:nvGrpSpPr>
+      <p:grpSpPr>
+        <a:xfrm>
+          <a:off x="0" y="0"/>
+          <a:ext cx="0" cy="0"/>
+          <a:chOff x="0" y="0"/>
+          <a:chExt cx="0" cy="0"/>
+        </a:xfrm>
+      </p:grpSpPr>
+    </p:spTree>
+    <p:extLst>
+      <p:ext uri="{BB962C8B-B14F-4D97-AF65-F5344CB8AC3E}">
+        <p14:creationId xmlns:p14="http://schemas.microsoft.com/office/powerpoint/2010/main" val="1926762474"/>
+      </p:ext>
+    </p:extLst>
+  </p:cSld>
+  <p:clrMapOvr>
+    <a:masterClrMapping/>
+  </p:clrMapOvr>
+</p:sld>
+</file>
+
+<file path=ppt/slides/slide17.xml><?xml version="1.0" encoding="utf-8"?>
+<p:sld xmlns:a="http://schemas.openxmlformats.org/drawingml/2006/main" xmlns:r="http://schemas.openxmlformats.org/officeDocument/2006/relationships" xmlns:p="http://schemas.openxmlformats.org/presentationml/2006/main">
+  <p:cSld>
+    <p:spTree>
+      <p:nvGrpSpPr>
+        <p:cNvPr id="1" name=""/>
+        <p:cNvGrpSpPr/>
+        <p:nvPr/>
+      </p:nvGrpSpPr>
+      <p:grpSpPr>
+        <a:xfrm>
+          <a:off x="0" y="0"/>
+          <a:ext cx="0" cy="0"/>
+          <a:chOff x="0" y="0"/>
+          <a:chExt cx="0" cy="0"/>
+        </a:xfrm>
+      </p:grpSpPr>
+      <p:sp>
+        <p:nvSpPr>
+          <p:cNvPr id="2" name="TextBox 1">
+            <a:extLst>
+              <a:ext uri="{FF2B5EF4-FFF2-40B4-BE49-F238E27FC236}">
+                <a16:creationId xmlns:a16="http://schemas.microsoft.com/office/drawing/2014/main" id="{9A3DD8B1-9F45-4E6B-9A45-4194DB5459A8}"/>
+              </a:ext>
+            </a:extLst>
+          </p:cNvPr>
+          <p:cNvSpPr txBox="1"/>
+          <p:nvPr/>
+        </p:nvSpPr>
+        <p:spPr>
+          <a:xfrm>
+            <a:off x="380196" y="202019"/>
+            <a:ext cx="8083320" cy="707886"/>
+          </a:xfrm>
+          <a:prstGeom prst="rect">
+            <a:avLst/>
+          </a:prstGeom>
+          <a:noFill/>
+        </p:spPr>
+        <p:txBody>
+          <a:bodyPr wrap="square" rtlCol="0">
+            <a:spAutoFit/>
+          </a:bodyPr>
+          <a:lstStyle/>
+          <a:p>
+            <a:r>
+              <a:rPr lang="en-US" altLang="ko-KR" sz="4000" b="1">
+                <a:solidFill>
+                  <a:schemeClr val="accent6"/>
+                </a:solidFill>
+              </a:rPr>
+              <a:t>VIEW</a:t>
+            </a:r>
+            <a:endParaRPr lang="ko-KR" altLang="en-US" sz="4000" b="1">
+              <a:solidFill>
+                <a:schemeClr val="accent6"/>
+              </a:solidFill>
+            </a:endParaRPr>
+          </a:p>
+        </p:txBody>
+      </p:sp>
+      <p:sp>
+        <p:nvSpPr>
+          <p:cNvPr id="3" name="TextBox 2">
+            <a:extLst>
+              <a:ext uri="{FF2B5EF4-FFF2-40B4-BE49-F238E27FC236}">
+                <a16:creationId xmlns:a16="http://schemas.microsoft.com/office/drawing/2014/main" id="{E5BFE24D-6DBA-4AB9-BF9D-6133E1020883}"/>
+              </a:ext>
+            </a:extLst>
+          </p:cNvPr>
+          <p:cNvSpPr txBox="1"/>
+          <p:nvPr/>
+        </p:nvSpPr>
+        <p:spPr>
+          <a:xfrm>
+            <a:off x="721552" y="1584580"/>
+            <a:ext cx="6094268" cy="923330"/>
+          </a:xfrm>
+          <a:prstGeom prst="rect">
+            <a:avLst/>
+          </a:prstGeom>
+          <a:noFill/>
+        </p:spPr>
+        <p:txBody>
+          <a:bodyPr wrap="square">
+            <a:spAutoFit/>
+          </a:bodyPr>
+          <a:lstStyle/>
+          <a:p>
+            <a:endParaRPr lang="en-US" altLang="ko-KR" b="1"/>
+          </a:p>
+          <a:p>
+            <a:r>
+              <a:rPr lang="en-US" altLang="ko-KR" b="1"/>
+              <a:t>i</a:t>
+            </a:r>
+            <a:r>
+              <a:rPr lang="en-US" altLang="ko-KR" b="1">
+                <a:solidFill>
+                  <a:schemeClr val="accent1"/>
+                </a:solidFill>
+              </a:rPr>
+              <a:t>ndex</a:t>
+            </a:r>
+            <a:r>
+              <a:rPr lang="en-US" altLang="ko-KR" b="1"/>
+              <a:t>	// </a:t>
+            </a:r>
+            <a:r>
+              <a:rPr lang="ko-KR" altLang="en-US" b="1"/>
+              <a:t>페이지 읽기 관련</a:t>
+            </a:r>
+            <a:endParaRPr lang="en-US" altLang="ko-KR" b="1"/>
+          </a:p>
+          <a:p>
+            <a:r>
+              <a:rPr lang="en-US" altLang="ko-KR" b="1"/>
+              <a:t>-&gt; question_list.html</a:t>
+            </a:r>
+          </a:p>
+        </p:txBody>
+      </p:sp>
+      <p:sp>
+        <p:nvSpPr>
+          <p:cNvPr id="4" name="TextBox 3">
+            <a:extLst>
+              <a:ext uri="{FF2B5EF4-FFF2-40B4-BE49-F238E27FC236}">
+                <a16:creationId xmlns:a16="http://schemas.microsoft.com/office/drawing/2014/main" id="{12002A29-14B2-45B1-B287-4B803DEBA7DF}"/>
+              </a:ext>
+            </a:extLst>
+          </p:cNvPr>
+          <p:cNvSpPr txBox="1"/>
+          <p:nvPr/>
+        </p:nvSpPr>
+        <p:spPr>
+          <a:xfrm>
+            <a:off x="721552" y="2505670"/>
+            <a:ext cx="6094268" cy="923330"/>
+          </a:xfrm>
+          <a:prstGeom prst="rect">
+            <a:avLst/>
+          </a:prstGeom>
+          <a:noFill/>
+        </p:spPr>
+        <p:txBody>
+          <a:bodyPr wrap="square">
+            <a:spAutoFit/>
+          </a:bodyPr>
+          <a:lstStyle/>
+          <a:p>
+            <a:endParaRPr lang="en-US" altLang="ko-KR" b="1"/>
+          </a:p>
+          <a:p>
+            <a:r>
+              <a:rPr lang="en-US" altLang="ko-KR" b="1">
+                <a:solidFill>
+                  <a:schemeClr val="accent1"/>
+                </a:solidFill>
+              </a:rPr>
+              <a:t>detail(Question , pk=question_id)</a:t>
+            </a:r>
+          </a:p>
+          <a:p>
+            <a:r>
+              <a:rPr lang="en-US" altLang="ko-KR" b="1"/>
+              <a:t>-&gt; question_detail.html / context = question</a:t>
+            </a:r>
+          </a:p>
+        </p:txBody>
+      </p:sp>
+      <p:sp>
+        <p:nvSpPr>
+          <p:cNvPr id="7" name="TextBox 6">
+            <a:extLst>
+              <a:ext uri="{FF2B5EF4-FFF2-40B4-BE49-F238E27FC236}">
+                <a16:creationId xmlns:a16="http://schemas.microsoft.com/office/drawing/2014/main" id="{60F32D13-FF41-49A6-AB15-6AFB2CB7E80B}"/>
+              </a:ext>
+            </a:extLst>
+          </p:cNvPr>
+          <p:cNvSpPr txBox="1"/>
+          <p:nvPr/>
+        </p:nvSpPr>
+        <p:spPr>
+          <a:xfrm>
+            <a:off x="721552" y="3804482"/>
+            <a:ext cx="6094268" cy="923330"/>
+          </a:xfrm>
+          <a:prstGeom prst="rect">
+            <a:avLst/>
+          </a:prstGeom>
+          <a:noFill/>
+        </p:spPr>
+        <p:txBody>
+          <a:bodyPr wrap="square">
+            <a:spAutoFit/>
+          </a:bodyPr>
+          <a:lstStyle/>
+          <a:p>
+            <a:endParaRPr lang="en-US" altLang="ko-KR" b="1"/>
+          </a:p>
+          <a:p>
+            <a:r>
+              <a:rPr lang="en-US" altLang="ko-KR" b="1">
+                <a:solidFill>
+                  <a:schemeClr val="accent1"/>
+                </a:solidFill>
+              </a:rPr>
+              <a:t>answer_create(question_id)</a:t>
+            </a:r>
+          </a:p>
+          <a:p>
+            <a:r>
+              <a:rPr lang="en-US" altLang="ko-KR" b="1"/>
+              <a:t>-&gt; question_detail.html / question_id = question_id</a:t>
+            </a:r>
+          </a:p>
+        </p:txBody>
+      </p:sp>
+      <p:sp>
+        <p:nvSpPr>
+          <p:cNvPr id="8" name="TextBox 7">
+            <a:extLst>
+              <a:ext uri="{FF2B5EF4-FFF2-40B4-BE49-F238E27FC236}">
+                <a16:creationId xmlns:a16="http://schemas.microsoft.com/office/drawing/2014/main" id="{58C7FA27-7186-422A-B0FD-DAF56645BA13}"/>
+              </a:ext>
+            </a:extLst>
+          </p:cNvPr>
+          <p:cNvSpPr txBox="1"/>
+          <p:nvPr/>
+        </p:nvSpPr>
+        <p:spPr>
+          <a:xfrm>
+            <a:off x="583152" y="4745680"/>
+            <a:ext cx="6094268" cy="923330"/>
+          </a:xfrm>
+          <a:prstGeom prst="rect">
+            <a:avLst/>
+          </a:prstGeom>
+          <a:noFill/>
+        </p:spPr>
+        <p:txBody>
+          <a:bodyPr wrap="square">
+            <a:spAutoFit/>
+          </a:bodyPr>
+          <a:lstStyle/>
+          <a:p>
+            <a:endParaRPr lang="en-US" altLang="ko-KR" b="1">
+              <a:solidFill>
+                <a:schemeClr val="accent1"/>
+              </a:solidFill>
+            </a:endParaRPr>
+          </a:p>
+          <a:p>
+            <a:r>
+              <a:rPr lang="en-US" altLang="ko-KR" b="1">
+                <a:solidFill>
+                  <a:schemeClr val="accent1"/>
+                </a:solidFill>
+              </a:rPr>
+              <a:t>question_create()</a:t>
+            </a:r>
+          </a:p>
+          <a:p>
+            <a:r>
+              <a:rPr lang="en-US" altLang="ko-KR" b="1"/>
+              <a:t>-&gt; question_form.html / context = form</a:t>
+            </a:r>
+          </a:p>
+        </p:txBody>
+      </p:sp>
+    </p:spTree>
+    <p:extLst>
+      <p:ext uri="{BB962C8B-B14F-4D97-AF65-F5344CB8AC3E}">
+        <p14:creationId xmlns:p14="http://schemas.microsoft.com/office/powerpoint/2010/main" val="3755364104"/>
       </p:ext>
     </p:extLst>
   </p:cSld>
@@ -3985,6 +8314,10 @@
           </a:bodyPr>
           <a:lstStyle/>
           <a:p>
+            <a:r>
+              <a:rPr lang="en-US" altLang="ko-KR" b="1"/>
+              <a:t>2. </a:t>
+            </a:r>
             <a:r>
               <a:rPr lang="ko-KR" altLang="en-US" b="1"/>
               <a:t>검색 페이지</a:t>
@@ -4724,12 +9057,48 @@
           <a:chExt cx="0" cy="0"/>
         </a:xfrm>
       </p:grpSpPr>
-      <p:sp>
-        <p:nvSpPr>
-          <p:cNvPr id="3" name="TextBox 2">
-            <a:extLst>
-              <a:ext uri="{FF2B5EF4-FFF2-40B4-BE49-F238E27FC236}">
-                <a16:creationId xmlns:a16="http://schemas.microsoft.com/office/drawing/2014/main" id="{37F1B991-CFC4-47E8-9346-0918B1382BCA}"/>
+      <p:pic>
+        <p:nvPicPr>
+          <p:cNvPr id="3" name="그림 2">
+            <a:extLst>
+              <a:ext uri="{FF2B5EF4-FFF2-40B4-BE49-F238E27FC236}">
+                <a16:creationId xmlns:a16="http://schemas.microsoft.com/office/drawing/2014/main" id="{7F3E8BC5-0B37-4890-A89F-18081F659977}"/>
+              </a:ext>
+            </a:extLst>
+          </p:cNvPr>
+          <p:cNvPicPr>
+            <a:picLocks noChangeAspect="1"/>
+          </p:cNvPicPr>
+          <p:nvPr/>
+        </p:nvPicPr>
+        <p:blipFill>
+          <a:blip r:embed="rId2">
+            <a:extLst>
+              <a:ext uri="{28A0092B-C50C-407E-A947-70E740481C1C}">
+                <a14:useLocalDpi xmlns:a14="http://schemas.microsoft.com/office/drawing/2010/main" val="0"/>
+              </a:ext>
+            </a:extLst>
+          </a:blip>
+          <a:stretch>
+            <a:fillRect/>
+          </a:stretch>
+        </p:blipFill>
+        <p:spPr>
+          <a:xfrm>
+            <a:off x="421604" y="839248"/>
+            <a:ext cx="8409130" cy="5636615"/>
+          </a:xfrm>
+          <a:prstGeom prst="rect">
+            <a:avLst/>
+          </a:prstGeom>
+        </p:spPr>
+      </p:pic>
+      <p:sp>
+        <p:nvSpPr>
+          <p:cNvPr id="4" name="TextBox 3">
+            <a:extLst>
+              <a:ext uri="{FF2B5EF4-FFF2-40B4-BE49-F238E27FC236}">
+                <a16:creationId xmlns:a16="http://schemas.microsoft.com/office/drawing/2014/main" id="{782C93D1-21AB-424F-8245-6356B931FEB5}"/>
               </a:ext>
             </a:extLst>
           </p:cNvPr>
@@ -4738,8 +9107,8 @@
         </p:nvSpPr>
         <p:spPr>
           <a:xfrm>
-            <a:off x="370114" y="1077686"/>
-            <a:ext cx="6825343" cy="369332"/>
+            <a:off x="557071" y="231339"/>
+            <a:ext cx="3417058" cy="369332"/>
           </a:xfrm>
           <a:prstGeom prst="rect">
             <a:avLst/>
@@ -4753,67 +9122,18 @@
           <a:lstStyle/>
           <a:p>
             <a:r>
-              <a:rPr lang="ko-KR" altLang="en-US" b="1">
-                <a:solidFill>
-                  <a:schemeClr val="accent6"/>
-                </a:solidFill>
-              </a:rPr>
-              <a:t>로그인 관련 페이지들 </a:t>
-            </a:r>
-            <a:r>
-              <a:rPr lang="en-US" altLang="ko-KR" b="1">
-                <a:solidFill>
-                  <a:schemeClr val="accent6"/>
-                </a:solidFill>
-              </a:rPr>
-              <a:t>(</a:t>
-            </a:r>
-            <a:r>
-              <a:rPr lang="ko-KR" altLang="en-US" b="1">
-                <a:solidFill>
-                  <a:schemeClr val="accent6"/>
-                </a:solidFill>
-              </a:rPr>
-              <a:t>회원가입</a:t>
-            </a:r>
-            <a:r>
-              <a:rPr lang="en-US" altLang="ko-KR" b="1">
-                <a:solidFill>
-                  <a:schemeClr val="accent6"/>
-                </a:solidFill>
-              </a:rPr>
-              <a:t>/</a:t>
-            </a:r>
-            <a:r>
-              <a:rPr lang="ko-KR" altLang="en-US" b="1">
-                <a:solidFill>
-                  <a:schemeClr val="accent6"/>
-                </a:solidFill>
-              </a:rPr>
-              <a:t>로그인창 등</a:t>
-            </a:r>
-            <a:r>
-              <a:rPr lang="en-US" altLang="ko-KR" b="1">
-                <a:solidFill>
-                  <a:schemeClr val="accent6"/>
-                </a:solidFill>
-              </a:rPr>
-              <a:t>)</a:t>
-            </a:r>
-            <a:endParaRPr lang="ko-KR" altLang="en-US" b="1">
-              <a:solidFill>
-                <a:schemeClr val="accent6"/>
-              </a:solidFill>
-            </a:endParaRPr>
-          </a:p>
-        </p:txBody>
-      </p:sp>
-      <p:sp>
-        <p:nvSpPr>
-          <p:cNvPr id="4" name="TextBox 3">
-            <a:extLst>
-              <a:ext uri="{FF2B5EF4-FFF2-40B4-BE49-F238E27FC236}">
-                <a16:creationId xmlns:a16="http://schemas.microsoft.com/office/drawing/2014/main" id="{3E3E6FDB-BB59-46D9-9059-D38635FC398D}"/>
+              <a:rPr lang="ko-KR" altLang="en-US" b="1"/>
+              <a:t>숙소 정보 테이블</a:t>
+            </a:r>
+          </a:p>
+        </p:txBody>
+      </p:sp>
+      <p:sp>
+        <p:nvSpPr>
+          <p:cNvPr id="5" name="TextBox 4">
+            <a:extLst>
+              <a:ext uri="{FF2B5EF4-FFF2-40B4-BE49-F238E27FC236}">
+                <a16:creationId xmlns:a16="http://schemas.microsoft.com/office/drawing/2014/main" id="{191BBDB8-570A-43CF-BA1E-643E7214D958}"/>
               </a:ext>
             </a:extLst>
           </p:cNvPr>
@@ -4822,8 +9142,8 @@
         </p:nvSpPr>
         <p:spPr>
           <a:xfrm>
-            <a:off x="370114" y="1665516"/>
-            <a:ext cx="8719458" cy="369332"/>
+            <a:off x="9093200" y="1066799"/>
+            <a:ext cx="3098800" cy="2031325"/>
           </a:xfrm>
           <a:prstGeom prst="rect">
             <a:avLst/>
@@ -4837,83 +9157,55 @@
           <a:lstStyle/>
           <a:p>
             <a:r>
-              <a:rPr lang="ko-KR" altLang="en-US" b="1">
-                <a:solidFill>
-                  <a:schemeClr val="accent6"/>
-                </a:solidFill>
-              </a:rPr>
-              <a:t>커뮤니티 게시판 페이지 </a:t>
-            </a:r>
-            <a:r>
-              <a:rPr lang="en-US" altLang="ko-KR" b="1">
-                <a:solidFill>
-                  <a:schemeClr val="accent6"/>
-                </a:solidFill>
-              </a:rPr>
-              <a:t>(</a:t>
-            </a:r>
-            <a:r>
-              <a:rPr lang="ko-KR" altLang="en-US" b="1">
-                <a:solidFill>
-                  <a:schemeClr val="accent6"/>
-                </a:solidFill>
-              </a:rPr>
-              <a:t>호스트 게시판 </a:t>
-            </a:r>
-            <a:r>
-              <a:rPr lang="en-US" altLang="ko-KR" b="1">
-                <a:solidFill>
-                  <a:schemeClr val="accent6"/>
-                </a:solidFill>
-              </a:rPr>
-              <a:t>, </a:t>
-            </a:r>
-            <a:r>
-              <a:rPr lang="ko-KR" altLang="en-US" b="1">
-                <a:solidFill>
-                  <a:schemeClr val="accent6"/>
-                </a:solidFill>
-              </a:rPr>
-              <a:t>자유 게시판 </a:t>
-            </a:r>
-            <a:r>
-              <a:rPr lang="en-US" altLang="ko-KR" b="1">
-                <a:solidFill>
-                  <a:schemeClr val="accent6"/>
-                </a:solidFill>
-              </a:rPr>
-              <a:t>, </a:t>
-            </a:r>
-            <a:r>
-              <a:rPr lang="ko-KR" altLang="en-US" b="1">
-                <a:solidFill>
-                  <a:schemeClr val="accent6"/>
-                </a:solidFill>
-              </a:rPr>
-              <a:t>정보 게시판 등등</a:t>
-            </a:r>
-            <a:r>
-              <a:rPr lang="en-US" altLang="ko-KR" b="1">
-                <a:solidFill>
-                  <a:schemeClr val="accent6"/>
-                </a:solidFill>
-              </a:rPr>
-              <a:t>)</a:t>
-            </a:r>
-            <a:endParaRPr lang="ko-KR" altLang="en-US" b="1">
-              <a:solidFill>
-                <a:schemeClr val="accent6"/>
-              </a:solidFill>
-            </a:endParaRPr>
-          </a:p>
-        </p:txBody>
-      </p:sp>
-      <p:sp>
-        <p:nvSpPr>
-          <p:cNvPr id="5" name="TextBox 4">
-            <a:extLst>
-              <a:ext uri="{FF2B5EF4-FFF2-40B4-BE49-F238E27FC236}">
-                <a16:creationId xmlns:a16="http://schemas.microsoft.com/office/drawing/2014/main" id="{1BA72A77-DABC-4DE4-B44F-7C623F2382EC}"/>
+              <a:rPr lang="en-US" altLang="ko-KR"/>
+              <a:t>1. roomID // int</a:t>
+            </a:r>
+          </a:p>
+          <a:p>
+            <a:r>
+              <a:rPr lang="en-US" altLang="ko-KR"/>
+              <a:t>2. room_name // char</a:t>
+            </a:r>
+          </a:p>
+          <a:p>
+            <a:r>
+              <a:rPr lang="en-US" altLang="ko-KR"/>
+              <a:t>3. location // char</a:t>
+            </a:r>
+          </a:p>
+          <a:p>
+            <a:r>
+              <a:rPr lang="en-US" altLang="ko-KR"/>
+              <a:t>4. latitude // char</a:t>
+            </a:r>
+          </a:p>
+          <a:p>
+            <a:r>
+              <a:rPr lang="en-US" altLang="ko-KR"/>
+              <a:t>5. longitude // char</a:t>
+            </a:r>
+          </a:p>
+          <a:p>
+            <a:r>
+              <a:rPr lang="en-US" altLang="ko-KR"/>
+              <a:t>6. link // char</a:t>
+            </a:r>
+          </a:p>
+          <a:p>
+            <a:r>
+              <a:rPr lang="en-US" altLang="ko-KR"/>
+              <a:t>7. image-link // char</a:t>
+            </a:r>
+            <a:endParaRPr lang="ko-KR" altLang="en-US"/>
+          </a:p>
+        </p:txBody>
+      </p:sp>
+      <p:sp>
+        <p:nvSpPr>
+          <p:cNvPr id="6" name="TextBox 5">
+            <a:extLst>
+              <a:ext uri="{FF2B5EF4-FFF2-40B4-BE49-F238E27FC236}">
+                <a16:creationId xmlns:a16="http://schemas.microsoft.com/office/drawing/2014/main" id="{5243BF2B-FEDA-4C69-90E5-19E8C9708941}"/>
               </a:ext>
             </a:extLst>
           </p:cNvPr>
@@ -4922,8 +9214,8 @@
         </p:nvSpPr>
         <p:spPr>
           <a:xfrm>
-            <a:off x="370114" y="287676"/>
-            <a:ext cx="2294767" cy="369332"/>
+            <a:off x="9093200" y="3390545"/>
+            <a:ext cx="3276600" cy="1200329"/>
           </a:xfrm>
           <a:prstGeom prst="rect">
             <a:avLst/>
@@ -4937,16 +9229,57 @@
           <a:lstStyle/>
           <a:p>
             <a:r>
-              <a:rPr lang="ko-KR" altLang="en-US" b="1"/>
-              <a:t>추가 구현 </a:t>
-            </a:r>
+              <a:rPr lang="en-US" altLang="ko-KR"/>
+              <a:t>8. </a:t>
+            </a:r>
+            <a:r>
+              <a:rPr lang="ko-KR" altLang="en-US"/>
+              <a:t>지역 정보 </a:t>
+            </a:r>
+            <a:r>
+              <a:rPr lang="en-US" altLang="ko-KR"/>
+              <a:t>(ex </a:t>
+            </a:r>
+            <a:r>
+              <a:rPr lang="ko-KR" altLang="en-US"/>
+              <a:t>서울</a:t>
+            </a:r>
+            <a:r>
+              <a:rPr lang="en-US" altLang="ko-KR"/>
+              <a:t>)</a:t>
+            </a:r>
+          </a:p>
+          <a:p>
+            <a:r>
+              <a:rPr lang="en-US" altLang="ko-KR"/>
+              <a:t>9. </a:t>
+            </a:r>
+            <a:r>
+              <a:rPr lang="ko-KR" altLang="en-US"/>
+              <a:t>가격 정보</a:t>
+            </a:r>
+            <a:endParaRPr lang="en-US" altLang="ko-KR"/>
+          </a:p>
+          <a:p>
+            <a:r>
+              <a:rPr lang="en-US" altLang="ko-KR"/>
+              <a:t>10. </a:t>
+            </a:r>
+            <a:r>
+              <a:rPr lang="ko-KR" altLang="en-US"/>
+              <a:t>평점</a:t>
+            </a:r>
+            <a:endParaRPr lang="en-US" altLang="ko-KR"/>
+          </a:p>
+          <a:p>
+            <a:endParaRPr lang="ko-KR" altLang="en-US"/>
           </a:p>
         </p:txBody>
       </p:sp>
     </p:spTree>
     <p:extLst>
       <p:ext uri="{BB962C8B-B14F-4D97-AF65-F5344CB8AC3E}">
-        <p14:creationId xmlns:p14="http://schemas.microsoft.com/office/powerpoint/2010/main" val="4156559885"/>
+        <p14:creationId xmlns:p14="http://schemas.microsoft.com/office/powerpoint/2010/main" val="2659804327"/>
       </p:ext>
     </p:extLst>
   </p:cSld>
@@ -4973,6 +9306,753 @@
           <a:chExt cx="0" cy="0"/>
         </a:xfrm>
       </p:grpSpPr>
+      <p:pic>
+        <p:nvPicPr>
+          <p:cNvPr id="9" name="그림 8">
+            <a:extLst>
+              <a:ext uri="{FF2B5EF4-FFF2-40B4-BE49-F238E27FC236}">
+                <a16:creationId xmlns:a16="http://schemas.microsoft.com/office/drawing/2014/main" id="{776AC5AD-43F8-4255-8D65-84D09ABA36D5}"/>
+              </a:ext>
+            </a:extLst>
+          </p:cNvPr>
+          <p:cNvPicPr>
+            <a:picLocks noChangeAspect="1"/>
+          </p:cNvPicPr>
+          <p:nvPr/>
+        </p:nvPicPr>
+        <p:blipFill>
+          <a:blip r:embed="rId2">
+            <a:extLst>
+              <a:ext uri="{28A0092B-C50C-407E-A947-70E740481C1C}">
+                <a14:useLocalDpi xmlns:a14="http://schemas.microsoft.com/office/drawing/2010/main" val="0"/>
+              </a:ext>
+            </a:extLst>
+          </a:blip>
+          <a:stretch>
+            <a:fillRect/>
+          </a:stretch>
+        </p:blipFill>
+        <p:spPr>
+          <a:xfrm>
+            <a:off x="330201" y="62768"/>
+            <a:ext cx="3069035" cy="4255852"/>
+          </a:xfrm>
+          <a:prstGeom prst="rect">
+            <a:avLst/>
+          </a:prstGeom>
+        </p:spPr>
+      </p:pic>
+      <p:pic>
+        <p:nvPicPr>
+          <p:cNvPr id="3" name="그림 2">
+            <a:extLst>
+              <a:ext uri="{FF2B5EF4-FFF2-40B4-BE49-F238E27FC236}">
+                <a16:creationId xmlns:a16="http://schemas.microsoft.com/office/drawing/2014/main" id="{02F76A0F-C370-4CC0-B555-7350C04D88A7}"/>
+              </a:ext>
+            </a:extLst>
+          </p:cNvPr>
+          <p:cNvPicPr>
+            <a:picLocks noChangeAspect="1"/>
+          </p:cNvPicPr>
+          <p:nvPr/>
+        </p:nvPicPr>
+        <p:blipFill>
+          <a:blip r:embed="rId3">
+            <a:extLst>
+              <a:ext uri="{28A0092B-C50C-407E-A947-70E740481C1C}">
+                <a14:useLocalDpi xmlns:a14="http://schemas.microsoft.com/office/drawing/2010/main" val="0"/>
+              </a:ext>
+            </a:extLst>
+          </a:blip>
+          <a:stretch>
+            <a:fillRect/>
+          </a:stretch>
+        </p:blipFill>
+        <p:spPr>
+          <a:xfrm>
+            <a:off x="4299962" y="161915"/>
+            <a:ext cx="6687559" cy="4057558"/>
+          </a:xfrm>
+          <a:prstGeom prst="rect">
+            <a:avLst/>
+          </a:prstGeom>
+        </p:spPr>
+      </p:pic>
+      <p:pic>
+        <p:nvPicPr>
+          <p:cNvPr id="5" name="그림 4">
+            <a:extLst>
+              <a:ext uri="{FF2B5EF4-FFF2-40B4-BE49-F238E27FC236}">
+                <a16:creationId xmlns:a16="http://schemas.microsoft.com/office/drawing/2014/main" id="{F1B9579D-E384-4A88-A025-C9A57E66FED6}"/>
+              </a:ext>
+            </a:extLst>
+          </p:cNvPr>
+          <p:cNvPicPr>
+            <a:picLocks noChangeAspect="1"/>
+          </p:cNvPicPr>
+          <p:nvPr/>
+        </p:nvPicPr>
+        <p:blipFill>
+          <a:blip r:embed="rId4">
+            <a:extLst>
+              <a:ext uri="{28A0092B-C50C-407E-A947-70E740481C1C}">
+                <a14:useLocalDpi xmlns:a14="http://schemas.microsoft.com/office/drawing/2010/main" val="0"/>
+              </a:ext>
+            </a:extLst>
+          </a:blip>
+          <a:stretch>
+            <a:fillRect/>
+          </a:stretch>
+        </p:blipFill>
+        <p:spPr>
+          <a:xfrm>
+            <a:off x="2704969" y="3014443"/>
+            <a:ext cx="7757619" cy="3764165"/>
+          </a:xfrm>
+          <a:prstGeom prst="rect">
+            <a:avLst/>
+          </a:prstGeom>
+        </p:spPr>
+      </p:pic>
+    </p:spTree>
+    <p:extLst>
+      <p:ext uri="{BB962C8B-B14F-4D97-AF65-F5344CB8AC3E}">
+        <p14:creationId xmlns:p14="http://schemas.microsoft.com/office/powerpoint/2010/main" val="315894950"/>
+      </p:ext>
+    </p:extLst>
+  </p:cSld>
+  <p:clrMapOvr>
+    <a:masterClrMapping/>
+  </p:clrMapOvr>
+</p:sld>
+</file>
+
+<file path=ppt/slides/slide5.xml><?xml version="1.0" encoding="utf-8"?>
+<p:sld xmlns:a="http://schemas.openxmlformats.org/drawingml/2006/main" xmlns:r="http://schemas.openxmlformats.org/officeDocument/2006/relationships" xmlns:p="http://schemas.openxmlformats.org/presentationml/2006/main">
+  <p:cSld>
+    <p:spTree>
+      <p:nvGrpSpPr>
+        <p:cNvPr id="1" name=""/>
+        <p:cNvGrpSpPr/>
+        <p:nvPr/>
+      </p:nvGrpSpPr>
+      <p:grpSpPr>
+        <a:xfrm>
+          <a:off x="0" y="0"/>
+          <a:ext cx="0" cy="0"/>
+          <a:chOff x="0" y="0"/>
+          <a:chExt cx="0" cy="0"/>
+        </a:xfrm>
+      </p:grpSpPr>
+      <p:pic>
+        <p:nvPicPr>
+          <p:cNvPr id="5" name="그림 4">
+            <a:extLst>
+              <a:ext uri="{FF2B5EF4-FFF2-40B4-BE49-F238E27FC236}">
+                <a16:creationId xmlns:a16="http://schemas.microsoft.com/office/drawing/2014/main" id="{07D556DE-BBB2-4975-9112-168FE2B0A3BE}"/>
+              </a:ext>
+            </a:extLst>
+          </p:cNvPr>
+          <p:cNvPicPr>
+            <a:picLocks noChangeAspect="1"/>
+          </p:cNvPicPr>
+          <p:nvPr/>
+        </p:nvPicPr>
+        <p:blipFill>
+          <a:blip r:embed="rId2">
+            <a:extLst>
+              <a:ext uri="{28A0092B-C50C-407E-A947-70E740481C1C}">
+                <a14:useLocalDpi xmlns:a14="http://schemas.microsoft.com/office/drawing/2010/main" val="0"/>
+              </a:ext>
+            </a:extLst>
+          </a:blip>
+          <a:stretch>
+            <a:fillRect/>
+          </a:stretch>
+        </p:blipFill>
+        <p:spPr>
+          <a:xfrm>
+            <a:off x="524932" y="488400"/>
+            <a:ext cx="7031225" cy="1763733"/>
+          </a:xfrm>
+          <a:prstGeom prst="rect">
+            <a:avLst/>
+          </a:prstGeom>
+        </p:spPr>
+      </p:pic>
+      <p:pic>
+        <p:nvPicPr>
+          <p:cNvPr id="7" name="그림 6">
+            <a:extLst>
+              <a:ext uri="{FF2B5EF4-FFF2-40B4-BE49-F238E27FC236}">
+                <a16:creationId xmlns:a16="http://schemas.microsoft.com/office/drawing/2014/main" id="{5D79D432-9B3E-4937-B01D-24436AA13B8C}"/>
+              </a:ext>
+            </a:extLst>
+          </p:cNvPr>
+          <p:cNvPicPr>
+            <a:picLocks noChangeAspect="1"/>
+          </p:cNvPicPr>
+          <p:nvPr/>
+        </p:nvPicPr>
+        <p:blipFill>
+          <a:blip r:embed="rId3">
+            <a:extLst>
+              <a:ext uri="{28A0092B-C50C-407E-A947-70E740481C1C}">
+                <a14:useLocalDpi xmlns:a14="http://schemas.microsoft.com/office/drawing/2010/main" val="0"/>
+              </a:ext>
+            </a:extLst>
+          </a:blip>
+          <a:stretch>
+            <a:fillRect/>
+          </a:stretch>
+        </p:blipFill>
+        <p:spPr>
+          <a:xfrm>
+            <a:off x="-203200" y="3137572"/>
+            <a:ext cx="5544774" cy="3088094"/>
+          </a:xfrm>
+          <a:prstGeom prst="rect">
+            <a:avLst/>
+          </a:prstGeom>
+        </p:spPr>
+      </p:pic>
+      <p:pic>
+        <p:nvPicPr>
+          <p:cNvPr id="9" name="그림 8">
+            <a:extLst>
+              <a:ext uri="{FF2B5EF4-FFF2-40B4-BE49-F238E27FC236}">
+                <a16:creationId xmlns:a16="http://schemas.microsoft.com/office/drawing/2014/main" id="{AEE3A590-F9BA-4873-B739-C06A0D09E308}"/>
+              </a:ext>
+            </a:extLst>
+          </p:cNvPr>
+          <p:cNvPicPr>
+            <a:picLocks noChangeAspect="1"/>
+          </p:cNvPicPr>
+          <p:nvPr/>
+        </p:nvPicPr>
+        <p:blipFill>
+          <a:blip r:embed="rId4">
+            <a:extLst>
+              <a:ext uri="{28A0092B-C50C-407E-A947-70E740481C1C}">
+                <a14:useLocalDpi xmlns:a14="http://schemas.microsoft.com/office/drawing/2010/main" val="0"/>
+              </a:ext>
+            </a:extLst>
+          </a:blip>
+          <a:stretch>
+            <a:fillRect/>
+          </a:stretch>
+        </p:blipFill>
+        <p:spPr>
+          <a:xfrm>
+            <a:off x="5655734" y="2592554"/>
+            <a:ext cx="7120467" cy="3836313"/>
+          </a:xfrm>
+          <a:prstGeom prst="rect">
+            <a:avLst/>
+          </a:prstGeom>
+        </p:spPr>
+      </p:pic>
+      <p:sp>
+        <p:nvSpPr>
+          <p:cNvPr id="10" name="TextBox 9">
+            <a:extLst>
+              <a:ext uri="{FF2B5EF4-FFF2-40B4-BE49-F238E27FC236}">
+                <a16:creationId xmlns:a16="http://schemas.microsoft.com/office/drawing/2014/main" id="{14A814B0-D98A-44AC-8E4F-F7E210F3CCEC}"/>
+              </a:ext>
+            </a:extLst>
+          </p:cNvPr>
+          <p:cNvSpPr txBox="1"/>
+          <p:nvPr/>
+        </p:nvSpPr>
+        <p:spPr>
+          <a:xfrm>
+            <a:off x="1803399" y="2768240"/>
+            <a:ext cx="1337734" cy="369332"/>
+          </a:xfrm>
+          <a:prstGeom prst="rect">
+            <a:avLst/>
+          </a:prstGeom>
+          <a:noFill/>
+        </p:spPr>
+        <p:txBody>
+          <a:bodyPr wrap="square" rtlCol="0">
+            <a:spAutoFit/>
+          </a:bodyPr>
+          <a:lstStyle/>
+          <a:p>
+            <a:r>
+              <a:rPr lang="ko-KR" altLang="en-US"/>
+              <a:t>게시판</a:t>
+            </a:r>
+          </a:p>
+        </p:txBody>
+      </p:sp>
+      <p:sp>
+        <p:nvSpPr>
+          <p:cNvPr id="11" name="TextBox 10">
+            <a:extLst>
+              <a:ext uri="{FF2B5EF4-FFF2-40B4-BE49-F238E27FC236}">
+                <a16:creationId xmlns:a16="http://schemas.microsoft.com/office/drawing/2014/main" id="{DF7AE059-0931-49B6-8573-25B3FF01213E}"/>
+              </a:ext>
+            </a:extLst>
+          </p:cNvPr>
+          <p:cNvSpPr txBox="1"/>
+          <p:nvPr/>
+        </p:nvSpPr>
+        <p:spPr>
+          <a:xfrm>
+            <a:off x="6568347" y="3059668"/>
+            <a:ext cx="1337734" cy="369332"/>
+          </a:xfrm>
+          <a:prstGeom prst="rect">
+            <a:avLst/>
+          </a:prstGeom>
+          <a:noFill/>
+        </p:spPr>
+        <p:txBody>
+          <a:bodyPr wrap="square" rtlCol="0">
+            <a:spAutoFit/>
+          </a:bodyPr>
+          <a:lstStyle/>
+          <a:p>
+            <a:r>
+              <a:rPr lang="ko-KR" altLang="en-US"/>
+              <a:t>질문등록</a:t>
+            </a:r>
+          </a:p>
+        </p:txBody>
+      </p:sp>
+      <p:sp>
+        <p:nvSpPr>
+          <p:cNvPr id="12" name="TextBox 11">
+            <a:extLst>
+              <a:ext uri="{FF2B5EF4-FFF2-40B4-BE49-F238E27FC236}">
+                <a16:creationId xmlns:a16="http://schemas.microsoft.com/office/drawing/2014/main" id="{AA7FDA23-FB14-4ECA-9120-DD355860C193}"/>
+              </a:ext>
+            </a:extLst>
+          </p:cNvPr>
+          <p:cNvSpPr txBox="1"/>
+          <p:nvPr/>
+        </p:nvSpPr>
+        <p:spPr>
+          <a:xfrm>
+            <a:off x="3371677" y="52401"/>
+            <a:ext cx="1665990" cy="369332"/>
+          </a:xfrm>
+          <a:prstGeom prst="rect">
+            <a:avLst/>
+          </a:prstGeom>
+          <a:noFill/>
+        </p:spPr>
+        <p:txBody>
+          <a:bodyPr wrap="square" rtlCol="0">
+            <a:spAutoFit/>
+          </a:bodyPr>
+          <a:lstStyle/>
+          <a:p>
+            <a:r>
+              <a:rPr lang="ko-KR" altLang="en-US"/>
+              <a:t>로그인 기능</a:t>
+            </a:r>
+          </a:p>
+        </p:txBody>
+      </p:sp>
+    </p:spTree>
+    <p:extLst>
+      <p:ext uri="{BB962C8B-B14F-4D97-AF65-F5344CB8AC3E}">
+        <p14:creationId xmlns:p14="http://schemas.microsoft.com/office/powerpoint/2010/main" val="2288549700"/>
+      </p:ext>
+    </p:extLst>
+  </p:cSld>
+  <p:clrMapOvr>
+    <a:masterClrMapping/>
+  </p:clrMapOvr>
+</p:sld>
+</file>
+
+<file path=ppt/slides/slide6.xml><?xml version="1.0" encoding="utf-8"?>
+<p:sld xmlns:a="http://schemas.openxmlformats.org/drawingml/2006/main" xmlns:r="http://schemas.openxmlformats.org/officeDocument/2006/relationships" xmlns:p="http://schemas.openxmlformats.org/presentationml/2006/main">
+  <p:cSld>
+    <p:spTree>
+      <p:nvGrpSpPr>
+        <p:cNvPr id="1" name=""/>
+        <p:cNvGrpSpPr/>
+        <p:nvPr/>
+      </p:nvGrpSpPr>
+      <p:grpSpPr>
+        <a:xfrm>
+          <a:off x="0" y="0"/>
+          <a:ext cx="0" cy="0"/>
+          <a:chOff x="0" y="0"/>
+          <a:chExt cx="0" cy="0"/>
+        </a:xfrm>
+      </p:grpSpPr>
+      <p:pic>
+        <p:nvPicPr>
+          <p:cNvPr id="3" name="그림 2">
+            <a:extLst>
+              <a:ext uri="{FF2B5EF4-FFF2-40B4-BE49-F238E27FC236}">
+                <a16:creationId xmlns:a16="http://schemas.microsoft.com/office/drawing/2014/main" id="{60CE07C1-5785-4224-9444-27F9C78C0B60}"/>
+              </a:ext>
+            </a:extLst>
+          </p:cNvPr>
+          <p:cNvPicPr>
+            <a:picLocks noChangeAspect="1"/>
+          </p:cNvPicPr>
+          <p:nvPr/>
+        </p:nvPicPr>
+        <p:blipFill>
+          <a:blip r:embed="rId2">
+            <a:extLst>
+              <a:ext uri="{28A0092B-C50C-407E-A947-70E740481C1C}">
+                <a14:useLocalDpi xmlns:a14="http://schemas.microsoft.com/office/drawing/2010/main" val="0"/>
+              </a:ext>
+            </a:extLst>
+          </a:blip>
+          <a:stretch>
+            <a:fillRect/>
+          </a:stretch>
+        </p:blipFill>
+        <p:spPr>
+          <a:xfrm>
+            <a:off x="2425491" y="895446"/>
+            <a:ext cx="5008242" cy="5234420"/>
+          </a:xfrm>
+          <a:prstGeom prst="rect">
+            <a:avLst/>
+          </a:prstGeom>
+        </p:spPr>
+      </p:pic>
+      <p:sp>
+        <p:nvSpPr>
+          <p:cNvPr id="4" name="TextBox 3">
+            <a:extLst>
+              <a:ext uri="{FF2B5EF4-FFF2-40B4-BE49-F238E27FC236}">
+                <a16:creationId xmlns:a16="http://schemas.microsoft.com/office/drawing/2014/main" id="{416158C3-5A80-4B09-B792-B250083E07AB}"/>
+              </a:ext>
+            </a:extLst>
+          </p:cNvPr>
+          <p:cNvSpPr txBox="1"/>
+          <p:nvPr/>
+        </p:nvSpPr>
+        <p:spPr>
+          <a:xfrm>
+            <a:off x="3708400" y="358802"/>
+            <a:ext cx="2683934" cy="369332"/>
+          </a:xfrm>
+          <a:prstGeom prst="rect">
+            <a:avLst/>
+          </a:prstGeom>
+          <a:noFill/>
+        </p:spPr>
+        <p:txBody>
+          <a:bodyPr wrap="square" rtlCol="0">
+            <a:spAutoFit/>
+          </a:bodyPr>
+          <a:lstStyle/>
+          <a:p>
+            <a:r>
+              <a:rPr lang="ko-KR" altLang="en-US" b="1"/>
+              <a:t>위도</a:t>
+            </a:r>
+            <a:r>
+              <a:rPr lang="en-US" altLang="ko-KR" b="1"/>
+              <a:t>.</a:t>
+            </a:r>
+            <a:r>
+              <a:rPr lang="ko-KR" altLang="en-US" b="1"/>
+              <a:t>경도 </a:t>
+            </a:r>
+            <a:r>
+              <a:rPr lang="en-US" altLang="ko-KR" b="1"/>
+              <a:t>-&gt; </a:t>
+            </a:r>
+            <a:r>
+              <a:rPr lang="ko-KR" altLang="en-US" b="1"/>
+              <a:t>지도 마킹</a:t>
+            </a:r>
+          </a:p>
+        </p:txBody>
+      </p:sp>
+    </p:spTree>
+    <p:extLst>
+      <p:ext uri="{BB962C8B-B14F-4D97-AF65-F5344CB8AC3E}">
+        <p14:creationId xmlns:p14="http://schemas.microsoft.com/office/powerpoint/2010/main" val="3779089622"/>
+      </p:ext>
+    </p:extLst>
+  </p:cSld>
+  <p:clrMapOvr>
+    <a:masterClrMapping/>
+  </p:clrMapOvr>
+</p:sld>
+</file>
+
+<file path=ppt/slides/slide7.xml><?xml version="1.0" encoding="utf-8"?>
+<p:sld xmlns:a="http://schemas.openxmlformats.org/drawingml/2006/main" xmlns:r="http://schemas.openxmlformats.org/officeDocument/2006/relationships" xmlns:p="http://schemas.openxmlformats.org/presentationml/2006/main">
+  <p:cSld>
+    <p:spTree>
+      <p:nvGrpSpPr>
+        <p:cNvPr id="1" name=""/>
+        <p:cNvGrpSpPr/>
+        <p:nvPr/>
+      </p:nvGrpSpPr>
+      <p:grpSpPr>
+        <a:xfrm>
+          <a:off x="0" y="0"/>
+          <a:ext cx="0" cy="0"/>
+          <a:chOff x="0" y="0"/>
+          <a:chExt cx="0" cy="0"/>
+        </a:xfrm>
+      </p:grpSpPr>
+      <p:sp>
+        <p:nvSpPr>
+          <p:cNvPr id="3" name="TextBox 2">
+            <a:extLst>
+              <a:ext uri="{FF2B5EF4-FFF2-40B4-BE49-F238E27FC236}">
+                <a16:creationId xmlns:a16="http://schemas.microsoft.com/office/drawing/2014/main" id="{37F1B991-CFC4-47E8-9346-0918B1382BCA}"/>
+              </a:ext>
+            </a:extLst>
+          </p:cNvPr>
+          <p:cNvSpPr txBox="1"/>
+          <p:nvPr/>
+        </p:nvSpPr>
+        <p:spPr>
+          <a:xfrm>
+            <a:off x="370114" y="1077686"/>
+            <a:ext cx="6825343" cy="369332"/>
+          </a:xfrm>
+          <a:prstGeom prst="rect">
+            <a:avLst/>
+          </a:prstGeom>
+          <a:noFill/>
+        </p:spPr>
+        <p:txBody>
+          <a:bodyPr wrap="square" rtlCol="0">
+            <a:spAutoFit/>
+          </a:bodyPr>
+          <a:lstStyle/>
+          <a:p>
+            <a:r>
+              <a:rPr lang="ko-KR" altLang="en-US" b="1">
+                <a:solidFill>
+                  <a:schemeClr val="accent6"/>
+                </a:solidFill>
+              </a:rPr>
+              <a:t>로그인 관련 페이지들 </a:t>
+            </a:r>
+            <a:r>
+              <a:rPr lang="en-US" altLang="ko-KR" b="1">
+                <a:solidFill>
+                  <a:schemeClr val="accent6"/>
+                </a:solidFill>
+              </a:rPr>
+              <a:t>(</a:t>
+            </a:r>
+            <a:r>
+              <a:rPr lang="ko-KR" altLang="en-US" b="1">
+                <a:solidFill>
+                  <a:schemeClr val="accent6"/>
+                </a:solidFill>
+              </a:rPr>
+              <a:t>회원가입</a:t>
+            </a:r>
+            <a:r>
+              <a:rPr lang="en-US" altLang="ko-KR" b="1">
+                <a:solidFill>
+                  <a:schemeClr val="accent6"/>
+                </a:solidFill>
+              </a:rPr>
+              <a:t>/</a:t>
+            </a:r>
+            <a:r>
+              <a:rPr lang="ko-KR" altLang="en-US" b="1">
+                <a:solidFill>
+                  <a:schemeClr val="accent6"/>
+                </a:solidFill>
+              </a:rPr>
+              <a:t>로그인창 등</a:t>
+            </a:r>
+            <a:r>
+              <a:rPr lang="en-US" altLang="ko-KR" b="1">
+                <a:solidFill>
+                  <a:schemeClr val="accent6"/>
+                </a:solidFill>
+              </a:rPr>
+              <a:t>)</a:t>
+            </a:r>
+            <a:endParaRPr lang="ko-KR" altLang="en-US" b="1">
+              <a:solidFill>
+                <a:schemeClr val="accent6"/>
+              </a:solidFill>
+            </a:endParaRPr>
+          </a:p>
+        </p:txBody>
+      </p:sp>
+      <p:sp>
+        <p:nvSpPr>
+          <p:cNvPr id="4" name="TextBox 3">
+            <a:extLst>
+              <a:ext uri="{FF2B5EF4-FFF2-40B4-BE49-F238E27FC236}">
+                <a16:creationId xmlns:a16="http://schemas.microsoft.com/office/drawing/2014/main" id="{3E3E6FDB-BB59-46D9-9059-D38635FC398D}"/>
+              </a:ext>
+            </a:extLst>
+          </p:cNvPr>
+          <p:cNvSpPr txBox="1"/>
+          <p:nvPr/>
+        </p:nvSpPr>
+        <p:spPr>
+          <a:xfrm>
+            <a:off x="370114" y="1665516"/>
+            <a:ext cx="8719458" cy="369332"/>
+          </a:xfrm>
+          <a:prstGeom prst="rect">
+            <a:avLst/>
+          </a:prstGeom>
+          <a:noFill/>
+        </p:spPr>
+        <p:txBody>
+          <a:bodyPr wrap="square" rtlCol="0">
+            <a:spAutoFit/>
+          </a:bodyPr>
+          <a:lstStyle/>
+          <a:p>
+            <a:r>
+              <a:rPr lang="ko-KR" altLang="en-US" b="1">
+                <a:solidFill>
+                  <a:schemeClr val="accent6"/>
+                </a:solidFill>
+              </a:rPr>
+              <a:t>커뮤니티 게시판 페이지 </a:t>
+            </a:r>
+            <a:r>
+              <a:rPr lang="en-US" altLang="ko-KR" b="1">
+                <a:solidFill>
+                  <a:schemeClr val="accent6"/>
+                </a:solidFill>
+              </a:rPr>
+              <a:t>(</a:t>
+            </a:r>
+            <a:r>
+              <a:rPr lang="ko-KR" altLang="en-US" b="1">
+                <a:solidFill>
+                  <a:schemeClr val="accent6"/>
+                </a:solidFill>
+              </a:rPr>
+              <a:t>호스트 게시판 </a:t>
+            </a:r>
+            <a:r>
+              <a:rPr lang="en-US" altLang="ko-KR" b="1">
+                <a:solidFill>
+                  <a:schemeClr val="accent6"/>
+                </a:solidFill>
+              </a:rPr>
+              <a:t>, </a:t>
+            </a:r>
+            <a:r>
+              <a:rPr lang="ko-KR" altLang="en-US" b="1">
+                <a:solidFill>
+                  <a:schemeClr val="accent6"/>
+                </a:solidFill>
+              </a:rPr>
+              <a:t>자유 게시판 </a:t>
+            </a:r>
+            <a:r>
+              <a:rPr lang="en-US" altLang="ko-KR" b="1">
+                <a:solidFill>
+                  <a:schemeClr val="accent6"/>
+                </a:solidFill>
+              </a:rPr>
+              <a:t>, </a:t>
+            </a:r>
+            <a:r>
+              <a:rPr lang="ko-KR" altLang="en-US" b="1">
+                <a:solidFill>
+                  <a:schemeClr val="accent6"/>
+                </a:solidFill>
+              </a:rPr>
+              <a:t>정보 게시판 등등</a:t>
+            </a:r>
+            <a:r>
+              <a:rPr lang="en-US" altLang="ko-KR" b="1">
+                <a:solidFill>
+                  <a:schemeClr val="accent6"/>
+                </a:solidFill>
+              </a:rPr>
+              <a:t>)</a:t>
+            </a:r>
+            <a:endParaRPr lang="ko-KR" altLang="en-US" b="1">
+              <a:solidFill>
+                <a:schemeClr val="accent6"/>
+              </a:solidFill>
+            </a:endParaRPr>
+          </a:p>
+        </p:txBody>
+      </p:sp>
+      <p:sp>
+        <p:nvSpPr>
+          <p:cNvPr id="5" name="TextBox 4">
+            <a:extLst>
+              <a:ext uri="{FF2B5EF4-FFF2-40B4-BE49-F238E27FC236}">
+                <a16:creationId xmlns:a16="http://schemas.microsoft.com/office/drawing/2014/main" id="{1BA72A77-DABC-4DE4-B44F-7C623F2382EC}"/>
+              </a:ext>
+            </a:extLst>
+          </p:cNvPr>
+          <p:cNvSpPr txBox="1"/>
+          <p:nvPr/>
+        </p:nvSpPr>
+        <p:spPr>
+          <a:xfrm>
+            <a:off x="370114" y="287676"/>
+            <a:ext cx="2294767" cy="369332"/>
+          </a:xfrm>
+          <a:prstGeom prst="rect">
+            <a:avLst/>
+          </a:prstGeom>
+          <a:noFill/>
+        </p:spPr>
+        <p:txBody>
+          <a:bodyPr wrap="square" rtlCol="0">
+            <a:spAutoFit/>
+          </a:bodyPr>
+          <a:lstStyle/>
+          <a:p>
+            <a:r>
+              <a:rPr lang="ko-KR" altLang="en-US" b="1"/>
+              <a:t>추가 구현 </a:t>
+            </a:r>
+          </a:p>
+        </p:txBody>
+      </p:sp>
+    </p:spTree>
+    <p:extLst>
+      <p:ext uri="{BB962C8B-B14F-4D97-AF65-F5344CB8AC3E}">
+        <p14:creationId xmlns:p14="http://schemas.microsoft.com/office/powerpoint/2010/main" val="4156559885"/>
+      </p:ext>
+    </p:extLst>
+  </p:cSld>
+  <p:clrMapOvr>
+    <a:masterClrMapping/>
+  </p:clrMapOvr>
+</p:sld>
+</file>
+
+<file path=ppt/slides/slide8.xml><?xml version="1.0" encoding="utf-8"?>
+<p:sld xmlns:a="http://schemas.openxmlformats.org/drawingml/2006/main" xmlns:r="http://schemas.openxmlformats.org/officeDocument/2006/relationships" xmlns:p="http://schemas.openxmlformats.org/presentationml/2006/main">
+  <p:cSld>
+    <p:spTree>
+      <p:nvGrpSpPr>
+        <p:cNvPr id="1" name=""/>
+        <p:cNvGrpSpPr/>
+        <p:nvPr/>
+      </p:nvGrpSpPr>
+      <p:grpSpPr>
+        <a:xfrm>
+          <a:off x="0" y="0"/>
+          <a:ext cx="0" cy="0"/>
+          <a:chOff x="0" y="0"/>
+          <a:chExt cx="0" cy="0"/>
+        </a:xfrm>
+      </p:grpSpPr>
       <p:sp>
         <p:nvSpPr>
           <p:cNvPr id="2" name="TextBox 1">
@@ -5202,6 +10282,113 @@
     <p:extLst>
       <p:ext uri="{BB962C8B-B14F-4D97-AF65-F5344CB8AC3E}">
         <p14:creationId xmlns:p14="http://schemas.microsoft.com/office/powerpoint/2010/main" val="3060152809"/>
+      </p:ext>
+    </p:extLst>
+  </p:cSld>
+  <p:clrMapOvr>
+    <a:masterClrMapping/>
+  </p:clrMapOvr>
+</p:sld>
+</file>
+
+<file path=ppt/slides/slide9.xml><?xml version="1.0" encoding="utf-8"?>
+<p:sld xmlns:a="http://schemas.openxmlformats.org/drawingml/2006/main" xmlns:r="http://schemas.openxmlformats.org/officeDocument/2006/relationships" xmlns:p="http://schemas.openxmlformats.org/presentationml/2006/main">
+  <p:cSld>
+    <p:spTree>
+      <p:nvGrpSpPr>
+        <p:cNvPr id="1" name=""/>
+        <p:cNvGrpSpPr/>
+        <p:nvPr/>
+      </p:nvGrpSpPr>
+      <p:grpSpPr>
+        <a:xfrm>
+          <a:off x="0" y="0"/>
+          <a:ext cx="0" cy="0"/>
+          <a:chOff x="0" y="0"/>
+          <a:chExt cx="0" cy="0"/>
+        </a:xfrm>
+      </p:grpSpPr>
+      <p:sp>
+        <p:nvSpPr>
+          <p:cNvPr id="2" name="TextBox 1">
+            <a:extLst>
+              <a:ext uri="{FF2B5EF4-FFF2-40B4-BE49-F238E27FC236}">
+                <a16:creationId xmlns:a16="http://schemas.microsoft.com/office/drawing/2014/main" id="{95A77225-3B67-4D07-A975-0918C3929710}"/>
+              </a:ext>
+            </a:extLst>
+          </p:cNvPr>
+          <p:cNvSpPr txBox="1"/>
+          <p:nvPr/>
+        </p:nvSpPr>
+        <p:spPr>
+          <a:xfrm>
+            <a:off x="2306471" y="1528550"/>
+            <a:ext cx="5349923" cy="2585323"/>
+          </a:xfrm>
+          <a:prstGeom prst="rect">
+            <a:avLst/>
+          </a:prstGeom>
+          <a:noFill/>
+        </p:spPr>
+        <p:txBody>
+          <a:bodyPr wrap="square" rtlCol="0">
+            <a:spAutoFit/>
+          </a:bodyPr>
+          <a:lstStyle/>
+          <a:p>
+            <a:r>
+              <a:rPr lang="en-US" altLang="ko-KR"/>
+              <a:t>- models.py</a:t>
+            </a:r>
+          </a:p>
+          <a:p>
+            <a:endParaRPr lang="en-US" altLang="ko-KR"/>
+          </a:p>
+          <a:p>
+            <a:r>
+              <a:rPr lang="en-US" altLang="ko-KR"/>
+              <a:t>- </a:t>
+            </a:r>
+            <a:r>
+              <a:rPr lang="ko-KR" altLang="en-US"/>
+              <a:t>페이지 구조</a:t>
+            </a:r>
+            <a:endParaRPr lang="en-US" altLang="ko-KR"/>
+          </a:p>
+          <a:p>
+            <a:endParaRPr lang="en-US" altLang="ko-KR"/>
+          </a:p>
+          <a:p>
+            <a:r>
+              <a:rPr lang="en-US" altLang="ko-KR"/>
+              <a:t>- urls.py</a:t>
+            </a:r>
+          </a:p>
+          <a:p>
+            <a:endParaRPr lang="en-US" altLang="ko-KR"/>
+          </a:p>
+          <a:p>
+            <a:r>
+              <a:rPr lang="en-US" altLang="ko-KR"/>
+              <a:t>- templates</a:t>
+            </a:r>
+          </a:p>
+          <a:p>
+            <a:endParaRPr lang="en-US" altLang="ko-KR"/>
+          </a:p>
+          <a:p>
+            <a:r>
+              <a:rPr lang="en-US" altLang="ko-KR"/>
+              <a:t>- view.py</a:t>
+            </a:r>
+            <a:endParaRPr lang="ko-KR" altLang="en-US"/>
+          </a:p>
+        </p:txBody>
+      </p:sp>
+    </p:spTree>
+    <p:extLst>
+      <p:ext uri="{BB962C8B-B14F-4D97-AF65-F5344CB8AC3E}">
+        <p14:creationId xmlns:p14="http://schemas.microsoft.com/office/powerpoint/2010/main" val="2909733363"/>
       </p:ext>
     </p:extLst>
   </p:cSld>

--- a/웹사이트.pptx
+++ b/웹사이트.pptx
@@ -13,15 +13,17 @@
     <p:sldId id="263" r:id="rId7"/>
     <p:sldId id="259" r:id="rId8"/>
     <p:sldId id="260" r:id="rId9"/>
-    <p:sldId id="272" r:id="rId10"/>
-    <p:sldId id="268" r:id="rId11"/>
-    <p:sldId id="256" r:id="rId12"/>
-    <p:sldId id="269" r:id="rId13"/>
-    <p:sldId id="270" r:id="rId14"/>
-    <p:sldId id="271" r:id="rId15"/>
-    <p:sldId id="261" r:id="rId16"/>
-    <p:sldId id="267" r:id="rId17"/>
-    <p:sldId id="262" r:id="rId18"/>
+    <p:sldId id="273" r:id="rId10"/>
+    <p:sldId id="274" r:id="rId11"/>
+    <p:sldId id="276" r:id="rId12"/>
+    <p:sldId id="268" r:id="rId13"/>
+    <p:sldId id="256" r:id="rId14"/>
+    <p:sldId id="269" r:id="rId15"/>
+    <p:sldId id="270" r:id="rId16"/>
+    <p:sldId id="271" r:id="rId17"/>
+    <p:sldId id="261" r:id="rId18"/>
+    <p:sldId id="267" r:id="rId19"/>
+    <p:sldId id="262" r:id="rId20"/>
   </p:sldIdLst>
   <p:sldSz cx="12192000" cy="6858000"/>
   <p:notesSz cx="6858000" cy="9144000"/>
@@ -275,7 +277,7 @@
           <a:p>
             <a:fld id="{5F582D14-E517-4138-B6FC-C3D879E1B4B1}" type="datetimeFigureOut">
               <a:rPr lang="ko-KR" altLang="en-US" smtClean="0"/>
-              <a:t>2021-02-06</a:t>
+              <a:t>2021-02-08</a:t>
             </a:fld>
             <a:endParaRPr lang="ko-KR" altLang="en-US"/>
           </a:p>
@@ -473,7 +475,7 @@
           <a:p>
             <a:fld id="{5F582D14-E517-4138-B6FC-C3D879E1B4B1}" type="datetimeFigureOut">
               <a:rPr lang="ko-KR" altLang="en-US" smtClean="0"/>
-              <a:t>2021-02-06</a:t>
+              <a:t>2021-02-08</a:t>
             </a:fld>
             <a:endParaRPr lang="ko-KR" altLang="en-US"/>
           </a:p>
@@ -681,7 +683,7 @@
           <a:p>
             <a:fld id="{5F582D14-E517-4138-B6FC-C3D879E1B4B1}" type="datetimeFigureOut">
               <a:rPr lang="ko-KR" altLang="en-US" smtClean="0"/>
-              <a:t>2021-02-06</a:t>
+              <a:t>2021-02-08</a:t>
             </a:fld>
             <a:endParaRPr lang="ko-KR" altLang="en-US"/>
           </a:p>
@@ -879,7 +881,7 @@
           <a:p>
             <a:fld id="{5F582D14-E517-4138-B6FC-C3D879E1B4B1}" type="datetimeFigureOut">
               <a:rPr lang="ko-KR" altLang="en-US" smtClean="0"/>
-              <a:t>2021-02-06</a:t>
+              <a:t>2021-02-08</a:t>
             </a:fld>
             <a:endParaRPr lang="ko-KR" altLang="en-US"/>
           </a:p>
@@ -1154,7 +1156,7 @@
           <a:p>
             <a:fld id="{5F582D14-E517-4138-B6FC-C3D879E1B4B1}" type="datetimeFigureOut">
               <a:rPr lang="ko-KR" altLang="en-US" smtClean="0"/>
-              <a:t>2021-02-06</a:t>
+              <a:t>2021-02-08</a:t>
             </a:fld>
             <a:endParaRPr lang="ko-KR" altLang="en-US"/>
           </a:p>
@@ -1419,7 +1421,7 @@
           <a:p>
             <a:fld id="{5F582D14-E517-4138-B6FC-C3D879E1B4B1}" type="datetimeFigureOut">
               <a:rPr lang="ko-KR" altLang="en-US" smtClean="0"/>
-              <a:t>2021-02-06</a:t>
+              <a:t>2021-02-08</a:t>
             </a:fld>
             <a:endParaRPr lang="ko-KR" altLang="en-US"/>
           </a:p>
@@ -1831,7 +1833,7 @@
           <a:p>
             <a:fld id="{5F582D14-E517-4138-B6FC-C3D879E1B4B1}" type="datetimeFigureOut">
               <a:rPr lang="ko-KR" altLang="en-US" smtClean="0"/>
-              <a:t>2021-02-06</a:t>
+              <a:t>2021-02-08</a:t>
             </a:fld>
             <a:endParaRPr lang="ko-KR" altLang="en-US"/>
           </a:p>
@@ -1972,7 +1974,7 @@
           <a:p>
             <a:fld id="{5F582D14-E517-4138-B6FC-C3D879E1B4B1}" type="datetimeFigureOut">
               <a:rPr lang="ko-KR" altLang="en-US" smtClean="0"/>
-              <a:t>2021-02-06</a:t>
+              <a:t>2021-02-08</a:t>
             </a:fld>
             <a:endParaRPr lang="ko-KR" altLang="en-US"/>
           </a:p>
@@ -2085,7 +2087,7 @@
           <a:p>
             <a:fld id="{5F582D14-E517-4138-B6FC-C3D879E1B4B1}" type="datetimeFigureOut">
               <a:rPr lang="ko-KR" altLang="en-US" smtClean="0"/>
-              <a:t>2021-02-06</a:t>
+              <a:t>2021-02-08</a:t>
             </a:fld>
             <a:endParaRPr lang="ko-KR" altLang="en-US"/>
           </a:p>
@@ -2396,7 +2398,7 @@
           <a:p>
             <a:fld id="{5F582D14-E517-4138-B6FC-C3D879E1B4B1}" type="datetimeFigureOut">
               <a:rPr lang="ko-KR" altLang="en-US" smtClean="0"/>
-              <a:t>2021-02-06</a:t>
+              <a:t>2021-02-08</a:t>
             </a:fld>
             <a:endParaRPr lang="ko-KR" altLang="en-US"/>
           </a:p>
@@ -2684,7 +2686,7 @@
           <a:p>
             <a:fld id="{5F582D14-E517-4138-B6FC-C3D879E1B4B1}" type="datetimeFigureOut">
               <a:rPr lang="ko-KR" altLang="en-US" smtClean="0"/>
-              <a:t>2021-02-06</a:t>
+              <a:t>2021-02-08</a:t>
             </a:fld>
             <a:endParaRPr lang="ko-KR" altLang="en-US"/>
           </a:p>
@@ -2925,7 +2927,7 @@
           <a:p>
             <a:fld id="{5F582D14-E517-4138-B6FC-C3D879E1B4B1}" type="datetimeFigureOut">
               <a:rPr lang="ko-KR" altLang="en-US" smtClean="0"/>
-              <a:t>2021-02-06</a:t>
+              <a:t>2021-02-08</a:t>
             </a:fld>
             <a:endParaRPr lang="ko-KR" altLang="en-US"/>
           </a:p>
@@ -3945,10 +3947,10 @@
       </p:grpSpPr>
       <p:sp>
         <p:nvSpPr>
-          <p:cNvPr id="3" name="타원 2">
-            <a:extLst>
-              <a:ext uri="{FF2B5EF4-FFF2-40B4-BE49-F238E27FC236}">
-                <a16:creationId xmlns:a16="http://schemas.microsoft.com/office/drawing/2014/main" id="{67C02521-65E6-4B33-B9CD-279E410DDDA8}"/>
+          <p:cNvPr id="8" name="직사각형 7">
+            <a:extLst>
+              <a:ext uri="{FF2B5EF4-FFF2-40B4-BE49-F238E27FC236}">
+                <a16:creationId xmlns:a16="http://schemas.microsoft.com/office/drawing/2014/main" id="{E74D5A6F-52F8-4719-8AE0-9E1672AAB79E}"/>
               </a:ext>
             </a:extLst>
           </p:cNvPr>
@@ -3957,313 +3959,94 @@
         </p:nvSpPr>
         <p:spPr>
           <a:xfrm>
-            <a:off x="955344" y="2678372"/>
-            <a:ext cx="1692323" cy="1050878"/>
-          </a:xfrm>
-          <a:prstGeom prst="ellipse">
-            <a:avLst/>
-          </a:prstGeom>
-          <a:noFill/>
+            <a:off x="-1" y="0"/>
+            <a:ext cx="5885895" cy="6858000"/>
+          </a:xfrm>
+          <a:prstGeom prst="rect">
+            <a:avLst/>
+          </a:prstGeom>
+          <a:noFill/>
+          <a:ln w="28575"/>
         </p:spPr>
         <p:style>
           <a:lnRef idx="2">
-            <a:schemeClr val="accent6"/>
+            <a:schemeClr val="accent1">
+              <a:shade val="50000"/>
+            </a:schemeClr>
           </a:lnRef>
           <a:fillRef idx="1">
-            <a:schemeClr val="lt1"/>
-          </a:fillRef>
-          <a:effectRef idx="0">
-            <a:schemeClr val="accent6"/>
-          </a:effectRef>
-          <a:fontRef idx="minor">
-            <a:schemeClr val="dk1"/>
-          </a:fontRef>
-        </p:style>
-        <p:txBody>
-          <a:bodyPr rtlCol="0" anchor="ctr"/>
-          <a:lstStyle/>
-          <a:p>
-            <a:pPr algn="ctr"/>
-            <a:r>
-              <a:rPr lang="ko-KR" altLang="en-US"/>
-              <a:t>메인</a:t>
-            </a:r>
-          </a:p>
-        </p:txBody>
-      </p:sp>
-      <p:sp>
-        <p:nvSpPr>
-          <p:cNvPr id="4" name="타원 3">
-            <a:extLst>
-              <a:ext uri="{FF2B5EF4-FFF2-40B4-BE49-F238E27FC236}">
-                <a16:creationId xmlns:a16="http://schemas.microsoft.com/office/drawing/2014/main" id="{48F9F986-4A29-41CD-8833-019D1C4A14F3}"/>
-              </a:ext>
-            </a:extLst>
-          </p:cNvPr>
-          <p:cNvSpPr/>
-          <p:nvPr/>
-        </p:nvSpPr>
-        <p:spPr>
-          <a:xfrm>
-            <a:off x="3953302" y="1119115"/>
-            <a:ext cx="1692323" cy="1050878"/>
-          </a:xfrm>
-          <a:prstGeom prst="ellipse">
-            <a:avLst/>
-          </a:prstGeom>
-          <a:noFill/>
-        </p:spPr>
-        <p:style>
-          <a:lnRef idx="2">
-            <a:schemeClr val="accent6"/>
-          </a:lnRef>
-          <a:fillRef idx="1">
-            <a:schemeClr val="lt1"/>
-          </a:fillRef>
-          <a:effectRef idx="0">
-            <a:schemeClr val="accent6"/>
-          </a:effectRef>
-          <a:fontRef idx="minor">
-            <a:schemeClr val="dk1"/>
-          </a:fontRef>
-        </p:style>
-        <p:txBody>
-          <a:bodyPr rtlCol="0" anchor="ctr"/>
-          <a:lstStyle/>
-          <a:p>
-            <a:pPr algn="ctr"/>
-            <a:r>
-              <a:rPr lang="ko-KR" altLang="en-US"/>
-              <a:t>검색 </a:t>
-            </a:r>
-          </a:p>
-        </p:txBody>
-      </p:sp>
-      <p:sp>
-        <p:nvSpPr>
-          <p:cNvPr id="5" name="타원 4">
-            <a:extLst>
-              <a:ext uri="{FF2B5EF4-FFF2-40B4-BE49-F238E27FC236}">
-                <a16:creationId xmlns:a16="http://schemas.microsoft.com/office/drawing/2014/main" id="{39D218D8-152B-4350-AB4A-670D19395FCC}"/>
-              </a:ext>
-            </a:extLst>
-          </p:cNvPr>
-          <p:cNvSpPr/>
-          <p:nvPr/>
-        </p:nvSpPr>
-        <p:spPr>
-          <a:xfrm>
-            <a:off x="3953301" y="2678372"/>
-            <a:ext cx="1692323" cy="1050878"/>
-          </a:xfrm>
-          <a:prstGeom prst="ellipse">
-            <a:avLst/>
-          </a:prstGeom>
-          <a:noFill/>
-        </p:spPr>
-        <p:style>
-          <a:lnRef idx="2">
-            <a:schemeClr val="accent6"/>
-          </a:lnRef>
-          <a:fillRef idx="1">
-            <a:schemeClr val="lt1"/>
-          </a:fillRef>
-          <a:effectRef idx="0">
-            <a:schemeClr val="accent6"/>
-          </a:effectRef>
-          <a:fontRef idx="minor">
-            <a:schemeClr val="dk1"/>
-          </a:fontRef>
-        </p:style>
-        <p:txBody>
-          <a:bodyPr rtlCol="0" anchor="ctr"/>
-          <a:lstStyle/>
-          <a:p>
-            <a:pPr algn="ctr"/>
-            <a:r>
-              <a:rPr lang="ko-KR" altLang="en-US"/>
-              <a:t>게시판</a:t>
-            </a:r>
-          </a:p>
-        </p:txBody>
-      </p:sp>
-      <p:sp>
-        <p:nvSpPr>
-          <p:cNvPr id="6" name="타원 5">
-            <a:extLst>
-              <a:ext uri="{FF2B5EF4-FFF2-40B4-BE49-F238E27FC236}">
-                <a16:creationId xmlns:a16="http://schemas.microsoft.com/office/drawing/2014/main" id="{560F9C2B-9E24-482A-98F0-234398C56D68}"/>
-              </a:ext>
-            </a:extLst>
-          </p:cNvPr>
-          <p:cNvSpPr/>
-          <p:nvPr/>
-        </p:nvSpPr>
-        <p:spPr>
-          <a:xfrm>
-            <a:off x="2809164" y="4468503"/>
-            <a:ext cx="1692323" cy="1050878"/>
-          </a:xfrm>
-          <a:prstGeom prst="ellipse">
-            <a:avLst/>
-          </a:prstGeom>
-          <a:noFill/>
-        </p:spPr>
-        <p:style>
-          <a:lnRef idx="2">
-            <a:schemeClr val="accent6"/>
-          </a:lnRef>
-          <a:fillRef idx="1">
-            <a:schemeClr val="lt1"/>
-          </a:fillRef>
-          <a:effectRef idx="0">
-            <a:schemeClr val="accent6"/>
-          </a:effectRef>
-          <a:fontRef idx="minor">
-            <a:schemeClr val="dk1"/>
-          </a:fontRef>
-        </p:style>
-        <p:txBody>
-          <a:bodyPr rtlCol="0" anchor="ctr"/>
-          <a:lstStyle/>
-          <a:p>
-            <a:pPr algn="ctr"/>
-            <a:r>
-              <a:rPr lang="ko-KR" altLang="en-US"/>
-              <a:t>로그인</a:t>
-            </a:r>
-          </a:p>
-        </p:txBody>
-      </p:sp>
-      <p:cxnSp>
-        <p:nvCxnSpPr>
-          <p:cNvPr id="8" name="직선 화살표 연결선 7">
-            <a:extLst>
-              <a:ext uri="{FF2B5EF4-FFF2-40B4-BE49-F238E27FC236}">
-                <a16:creationId xmlns:a16="http://schemas.microsoft.com/office/drawing/2014/main" id="{477B458C-DE9E-4549-A032-95E92BF12971}"/>
-              </a:ext>
-            </a:extLst>
-          </p:cNvPr>
-          <p:cNvCxnSpPr>
-            <a:cxnSpLocks/>
-          </p:cNvCxnSpPr>
-          <p:nvPr/>
-        </p:nvCxnSpPr>
-        <p:spPr>
-          <a:xfrm flipV="1">
-            <a:off x="2488441" y="1939119"/>
-            <a:ext cx="1355678" cy="739253"/>
-          </a:xfrm>
-          <a:prstGeom prst="straightConnector1">
-            <a:avLst/>
-          </a:prstGeom>
-          <a:ln>
-            <a:tailEnd type="triangle"/>
-          </a:ln>
-        </p:spPr>
-        <p:style>
-          <a:lnRef idx="1">
-            <a:schemeClr val="accent1"/>
-          </a:lnRef>
-          <a:fillRef idx="0">
             <a:schemeClr val="accent1"/>
           </a:fillRef>
           <a:effectRef idx="0">
             <a:schemeClr val="accent1"/>
           </a:effectRef>
           <a:fontRef idx="minor">
-            <a:schemeClr val="tx1"/>
+            <a:schemeClr val="lt1"/>
           </a:fontRef>
         </p:style>
-      </p:cxnSp>
-      <p:cxnSp>
-        <p:nvCxnSpPr>
-          <p:cNvPr id="10" name="직선 화살표 연결선 9">
-            <a:extLst>
-              <a:ext uri="{FF2B5EF4-FFF2-40B4-BE49-F238E27FC236}">
-                <a16:creationId xmlns:a16="http://schemas.microsoft.com/office/drawing/2014/main" id="{993DDCB4-C088-4953-B238-DCBE570C8EA5}"/>
-              </a:ext>
-            </a:extLst>
-          </p:cNvPr>
-          <p:cNvCxnSpPr>
-            <a:cxnSpLocks/>
-          </p:cNvCxnSpPr>
-          <p:nvPr/>
-        </p:nvCxnSpPr>
-        <p:spPr>
-          <a:xfrm flipV="1">
-            <a:off x="2707944" y="3214044"/>
-            <a:ext cx="1185079" cy="1"/>
-          </a:xfrm>
-          <a:prstGeom prst="straightConnector1">
-            <a:avLst/>
-          </a:prstGeom>
-          <a:ln>
-            <a:tailEnd type="triangle"/>
-          </a:ln>
+        <p:txBody>
+          <a:bodyPr rtlCol="0" anchor="ctr"/>
+          <a:lstStyle/>
+          <a:p>
+            <a:pPr algn="ctr"/>
+            <a:endParaRPr lang="ko-KR" altLang="en-US"/>
+          </a:p>
+        </p:txBody>
+      </p:sp>
+      <p:sp>
+        <p:nvSpPr>
+          <p:cNvPr id="9" name="직사각형 8">
+            <a:extLst>
+              <a:ext uri="{FF2B5EF4-FFF2-40B4-BE49-F238E27FC236}">
+                <a16:creationId xmlns:a16="http://schemas.microsoft.com/office/drawing/2014/main" id="{003B923E-21E3-451F-8F83-CC2A5C8F7DBB}"/>
+              </a:ext>
+            </a:extLst>
+          </p:cNvPr>
+          <p:cNvSpPr/>
+          <p:nvPr/>
+        </p:nvSpPr>
+        <p:spPr>
+          <a:xfrm>
+            <a:off x="5885894" y="0"/>
+            <a:ext cx="6306106" cy="6858000"/>
+          </a:xfrm>
+          <a:prstGeom prst="rect">
+            <a:avLst/>
+          </a:prstGeom>
+          <a:noFill/>
+          <a:ln w="28575"/>
         </p:spPr>
         <p:style>
-          <a:lnRef idx="1">
-            <a:schemeClr val="accent1"/>
+          <a:lnRef idx="2">
+            <a:schemeClr val="accent1">
+              <a:shade val="50000"/>
+            </a:schemeClr>
           </a:lnRef>
-          <a:fillRef idx="0">
+          <a:fillRef idx="1">
             <a:schemeClr val="accent1"/>
           </a:fillRef>
           <a:effectRef idx="0">
             <a:schemeClr val="accent1"/>
           </a:effectRef>
           <a:fontRef idx="minor">
-            <a:schemeClr val="tx1"/>
+            <a:schemeClr val="lt1"/>
           </a:fontRef>
         </p:style>
-      </p:cxnSp>
-      <p:cxnSp>
-        <p:nvCxnSpPr>
-          <p:cNvPr id="12" name="직선 화살표 연결선 11">
-            <a:extLst>
-              <a:ext uri="{FF2B5EF4-FFF2-40B4-BE49-F238E27FC236}">
-                <a16:creationId xmlns:a16="http://schemas.microsoft.com/office/drawing/2014/main" id="{2F6E81EB-EEFA-474C-AEA1-CB73682996BE}"/>
-              </a:ext>
-            </a:extLst>
-          </p:cNvPr>
-          <p:cNvCxnSpPr>
-            <a:cxnSpLocks/>
-          </p:cNvCxnSpPr>
-          <p:nvPr/>
-        </p:nvCxnSpPr>
-        <p:spPr>
-          <a:xfrm>
-            <a:off x="2347416" y="3729251"/>
-            <a:ext cx="559557" cy="842748"/>
-          </a:xfrm>
-          <a:prstGeom prst="straightConnector1">
-            <a:avLst/>
-          </a:prstGeom>
-          <a:ln>
-            <a:tailEnd type="triangle"/>
-          </a:ln>
-        </p:spPr>
-        <p:style>
-          <a:lnRef idx="1">
-            <a:schemeClr val="accent1"/>
-          </a:lnRef>
-          <a:fillRef idx="0">
-            <a:schemeClr val="accent1"/>
-          </a:fillRef>
-          <a:effectRef idx="0">
-            <a:schemeClr val="accent1"/>
-          </a:effectRef>
-          <a:fontRef idx="minor">
-            <a:schemeClr val="tx1"/>
-          </a:fontRef>
-        </p:style>
-      </p:cxnSp>
-      <p:sp>
-        <p:nvSpPr>
-          <p:cNvPr id="14" name="TextBox 13">
-            <a:extLst>
-              <a:ext uri="{FF2B5EF4-FFF2-40B4-BE49-F238E27FC236}">
-                <a16:creationId xmlns:a16="http://schemas.microsoft.com/office/drawing/2014/main" id="{05F35898-C4EB-469C-A4A4-C6B80EC2F727}"/>
+        <p:txBody>
+          <a:bodyPr rtlCol="0" anchor="ctr"/>
+          <a:lstStyle/>
+          <a:p>
+            <a:pPr algn="ctr"/>
+            <a:endParaRPr lang="ko-KR" altLang="en-US"/>
+          </a:p>
+        </p:txBody>
+      </p:sp>
+      <p:sp>
+        <p:nvSpPr>
+          <p:cNvPr id="12" name="TextBox 11">
+            <a:extLst>
+              <a:ext uri="{FF2B5EF4-FFF2-40B4-BE49-F238E27FC236}">
+                <a16:creationId xmlns:a16="http://schemas.microsoft.com/office/drawing/2014/main" id="{81D3DC9D-52CE-48E1-B4A2-58CCE5BF720A}"/>
               </a:ext>
             </a:extLst>
           </p:cNvPr>
@@ -4272,8 +4055,8 @@
         </p:nvSpPr>
         <p:spPr>
           <a:xfrm>
-            <a:off x="191070" y="70693"/>
-            <a:ext cx="3957850" cy="584775"/>
+            <a:off x="292963" y="337352"/>
+            <a:ext cx="2530136" cy="369332"/>
           </a:xfrm>
           <a:prstGeom prst="rect">
             <a:avLst/>
@@ -4287,16 +4070,495 @@
           <a:lstStyle/>
           <a:p>
             <a:r>
-              <a:rPr lang="ko-KR" altLang="en-US" sz="3200" b="1"/>
-              <a:t>페이지 구조</a:t>
-            </a:r>
+              <a:rPr lang="en-US" altLang="ko-KR" b="1">
+                <a:solidFill>
+                  <a:schemeClr val="accent1"/>
+                </a:solidFill>
+              </a:rPr>
+              <a:t>Models.py</a:t>
+            </a:r>
+            <a:endParaRPr lang="ko-KR" altLang="en-US" b="1">
+              <a:solidFill>
+                <a:schemeClr val="accent1"/>
+              </a:solidFill>
+            </a:endParaRPr>
+          </a:p>
+        </p:txBody>
+      </p:sp>
+      <p:sp>
+        <p:nvSpPr>
+          <p:cNvPr id="13" name="TextBox 12">
+            <a:extLst>
+              <a:ext uri="{FF2B5EF4-FFF2-40B4-BE49-F238E27FC236}">
+                <a16:creationId xmlns:a16="http://schemas.microsoft.com/office/drawing/2014/main" id="{774B4926-E4E9-495F-98D3-52EE15FE5AAD}"/>
+              </a:ext>
+            </a:extLst>
+          </p:cNvPr>
+          <p:cNvSpPr txBox="1"/>
+          <p:nvPr/>
+        </p:nvSpPr>
+        <p:spPr>
+          <a:xfrm>
+            <a:off x="6116712" y="337352"/>
+            <a:ext cx="2530136" cy="369332"/>
+          </a:xfrm>
+          <a:prstGeom prst="rect">
+            <a:avLst/>
+          </a:prstGeom>
+          <a:noFill/>
+        </p:spPr>
+        <p:txBody>
+          <a:bodyPr wrap="square" rtlCol="0">
+            <a:spAutoFit/>
+          </a:bodyPr>
+          <a:lstStyle/>
+          <a:p>
+            <a:r>
+              <a:rPr lang="en-US" altLang="ko-KR" b="1">
+                <a:solidFill>
+                  <a:schemeClr val="accent1"/>
+                </a:solidFill>
+              </a:rPr>
+              <a:t>urls.py</a:t>
+            </a:r>
+            <a:endParaRPr lang="ko-KR" altLang="en-US" b="1">
+              <a:solidFill>
+                <a:schemeClr val="accent1"/>
+              </a:solidFill>
+            </a:endParaRPr>
+          </a:p>
+        </p:txBody>
+      </p:sp>
+      <p:sp>
+        <p:nvSpPr>
+          <p:cNvPr id="15" name="TextBox 14">
+            <a:extLst>
+              <a:ext uri="{FF2B5EF4-FFF2-40B4-BE49-F238E27FC236}">
+                <a16:creationId xmlns:a16="http://schemas.microsoft.com/office/drawing/2014/main" id="{B5E449C8-AF74-44B7-9620-A37BD0CF5F1D}"/>
+              </a:ext>
+            </a:extLst>
+          </p:cNvPr>
+          <p:cNvSpPr txBox="1"/>
+          <p:nvPr/>
+        </p:nvSpPr>
+        <p:spPr>
+          <a:xfrm>
+            <a:off x="292963" y="1044036"/>
+            <a:ext cx="4776187" cy="2554545"/>
+          </a:xfrm>
+          <a:prstGeom prst="rect">
+            <a:avLst/>
+          </a:prstGeom>
+          <a:noFill/>
+        </p:spPr>
+        <p:txBody>
+          <a:bodyPr wrap="square">
+            <a:spAutoFit/>
+          </a:bodyPr>
+          <a:lstStyle/>
+          <a:p>
+            <a:r>
+              <a:rPr lang="en-US" altLang="ko-KR" sz="1600" b="1">
+                <a:solidFill>
+                  <a:srgbClr val="569CD6"/>
+                </a:solidFill>
+                <a:effectLst/>
+                <a:latin typeface="Consolas" panose="020B0609020204030204" pitchFamily="49" charset="0"/>
+              </a:rPr>
+              <a:t>class</a:t>
+            </a:r>
+            <a:r>
+              <a:rPr lang="en-US" altLang="ko-KR" sz="1600" b="1">
+                <a:solidFill>
+                  <a:srgbClr val="D4D4D4"/>
+                </a:solidFill>
+                <a:effectLst/>
+                <a:latin typeface="Consolas" panose="020B0609020204030204" pitchFamily="49" charset="0"/>
+              </a:rPr>
+              <a:t> </a:t>
+            </a:r>
+            <a:r>
+              <a:rPr lang="en-US" altLang="ko-KR" sz="1600" b="1">
+                <a:solidFill>
+                  <a:srgbClr val="4EC9B0"/>
+                </a:solidFill>
+                <a:effectLst/>
+                <a:latin typeface="Consolas" panose="020B0609020204030204" pitchFamily="49" charset="0"/>
+              </a:rPr>
+              <a:t>Accomodation</a:t>
+            </a:r>
+            <a:r>
+              <a:rPr lang="en-US" altLang="ko-KR" sz="1600" b="1">
+                <a:solidFill>
+                  <a:srgbClr val="D4D4D4"/>
+                </a:solidFill>
+                <a:effectLst/>
+                <a:latin typeface="Consolas" panose="020B0609020204030204" pitchFamily="49" charset="0"/>
+              </a:rPr>
+              <a:t>(</a:t>
+            </a:r>
+            <a:r>
+              <a:rPr lang="en-US" altLang="ko-KR" sz="1600" b="1">
+                <a:solidFill>
+                  <a:srgbClr val="4EC9B0"/>
+                </a:solidFill>
+                <a:effectLst/>
+                <a:latin typeface="Consolas" panose="020B0609020204030204" pitchFamily="49" charset="0"/>
+              </a:rPr>
+              <a:t>models</a:t>
+            </a:r>
+            <a:r>
+              <a:rPr lang="en-US" altLang="ko-KR" sz="1600" b="1">
+                <a:solidFill>
+                  <a:srgbClr val="D4D4D4"/>
+                </a:solidFill>
+                <a:effectLst/>
+                <a:latin typeface="Consolas" panose="020B0609020204030204" pitchFamily="49" charset="0"/>
+              </a:rPr>
+              <a:t>.</a:t>
+            </a:r>
+            <a:r>
+              <a:rPr lang="en-US" altLang="ko-KR" sz="1600" b="1">
+                <a:solidFill>
+                  <a:srgbClr val="4EC9B0"/>
+                </a:solidFill>
+                <a:effectLst/>
+                <a:latin typeface="Consolas" panose="020B0609020204030204" pitchFamily="49" charset="0"/>
+              </a:rPr>
+              <a:t>Model</a:t>
+            </a:r>
+            <a:r>
+              <a:rPr lang="en-US" altLang="ko-KR" sz="1600" b="1">
+                <a:solidFill>
+                  <a:srgbClr val="D4D4D4"/>
+                </a:solidFill>
+                <a:effectLst/>
+                <a:latin typeface="Consolas" panose="020B0609020204030204" pitchFamily="49" charset="0"/>
+              </a:rPr>
+              <a:t>):</a:t>
+            </a:r>
+          </a:p>
+          <a:p>
+            <a:r>
+              <a:rPr lang="en-US" altLang="ko-KR" sz="1600" b="0">
+                <a:effectLst/>
+                <a:latin typeface="Consolas" panose="020B0609020204030204" pitchFamily="49" charset="0"/>
+              </a:rPr>
+              <a:t>    roomID = models.TextField()</a:t>
+            </a:r>
+          </a:p>
+          <a:p>
+            <a:r>
+              <a:rPr lang="en-US" altLang="ko-KR" sz="1600" b="0">
+                <a:effectLst/>
+                <a:latin typeface="Consolas" panose="020B0609020204030204" pitchFamily="49" charset="0"/>
+              </a:rPr>
+              <a:t>    room_name = models.TextField()</a:t>
+            </a:r>
+          </a:p>
+          <a:p>
+            <a:r>
+              <a:rPr lang="en-US" altLang="ko-KR" sz="1600" b="0">
+                <a:effectLst/>
+                <a:latin typeface="Consolas" panose="020B0609020204030204" pitchFamily="49" charset="0"/>
+              </a:rPr>
+              <a:t>    location = models.TextField()</a:t>
+            </a:r>
+          </a:p>
+          <a:p>
+            <a:r>
+              <a:rPr lang="en-US" altLang="ko-KR" sz="1600" b="0">
+                <a:effectLst/>
+                <a:latin typeface="Consolas" panose="020B0609020204030204" pitchFamily="49" charset="0"/>
+              </a:rPr>
+              <a:t>    latitude = models.TextField()</a:t>
+            </a:r>
+          </a:p>
+          <a:p>
+            <a:r>
+              <a:rPr lang="en-US" altLang="ko-KR" sz="1600" b="0">
+                <a:effectLst/>
+                <a:latin typeface="Consolas" panose="020B0609020204030204" pitchFamily="49" charset="0"/>
+              </a:rPr>
+              <a:t>    longitude = models.TextField()</a:t>
+            </a:r>
+          </a:p>
+          <a:p>
+            <a:r>
+              <a:rPr lang="en-US" altLang="ko-KR" sz="1600" b="0">
+                <a:effectLst/>
+                <a:latin typeface="Consolas" panose="020B0609020204030204" pitchFamily="49" charset="0"/>
+              </a:rPr>
+              <a:t>    link = models.URLField()</a:t>
+            </a:r>
+          </a:p>
+          <a:p>
+            <a:r>
+              <a:rPr lang="en-US" altLang="ko-KR" sz="1600" b="0">
+                <a:effectLst/>
+                <a:latin typeface="Consolas" panose="020B0609020204030204" pitchFamily="49" charset="0"/>
+              </a:rPr>
+              <a:t>    image_link = models.URLField()</a:t>
+            </a:r>
+          </a:p>
+          <a:p>
+            <a:br>
+              <a:rPr lang="en-US" altLang="ko-KR" sz="1600" b="0">
+                <a:solidFill>
+                  <a:srgbClr val="D4D4D4"/>
+                </a:solidFill>
+                <a:effectLst/>
+                <a:latin typeface="Consolas" panose="020B0609020204030204" pitchFamily="49" charset="0"/>
+              </a:rPr>
+            </a:br>
+            <a:endParaRPr lang="en-US" altLang="ko-KR" sz="1600" b="0">
+              <a:solidFill>
+                <a:srgbClr val="D4D4D4"/>
+              </a:solidFill>
+              <a:effectLst/>
+              <a:latin typeface="Consolas" panose="020B0609020204030204" pitchFamily="49" charset="0"/>
+            </a:endParaRPr>
+          </a:p>
+        </p:txBody>
+      </p:sp>
+      <p:sp>
+        <p:nvSpPr>
+          <p:cNvPr id="21" name="TextBox 20">
+            <a:extLst>
+              <a:ext uri="{FF2B5EF4-FFF2-40B4-BE49-F238E27FC236}">
+                <a16:creationId xmlns:a16="http://schemas.microsoft.com/office/drawing/2014/main" id="{1D95B41F-7F4E-4F23-89E8-ABD418D5299B}"/>
+              </a:ext>
+            </a:extLst>
+          </p:cNvPr>
+          <p:cNvSpPr txBox="1"/>
+          <p:nvPr/>
+        </p:nvSpPr>
+        <p:spPr>
+          <a:xfrm>
+            <a:off x="7632071" y="4463703"/>
+            <a:ext cx="1316618" cy="369332"/>
+          </a:xfrm>
+          <a:prstGeom prst="rect">
+            <a:avLst/>
+          </a:prstGeom>
+          <a:noFill/>
+        </p:spPr>
+        <p:txBody>
+          <a:bodyPr wrap="square" rtlCol="0">
+            <a:spAutoFit/>
+          </a:bodyPr>
+          <a:lstStyle/>
+          <a:p>
+            <a:r>
+              <a:rPr lang="en-US" altLang="ko-KR"/>
+              <a:t>' </a:t>
+            </a:r>
+            <a:endParaRPr lang="ko-KR" altLang="en-US"/>
+          </a:p>
+        </p:txBody>
+      </p:sp>
+      <p:sp>
+        <p:nvSpPr>
+          <p:cNvPr id="23" name="TextBox 22">
+            <a:extLst>
+              <a:ext uri="{FF2B5EF4-FFF2-40B4-BE49-F238E27FC236}">
+                <a16:creationId xmlns:a16="http://schemas.microsoft.com/office/drawing/2014/main" id="{187BF39D-BD4D-4904-AD99-6BA2F8A7D528}"/>
+              </a:ext>
+            </a:extLst>
+          </p:cNvPr>
+          <p:cNvSpPr txBox="1"/>
+          <p:nvPr/>
+        </p:nvSpPr>
+        <p:spPr>
+          <a:xfrm>
+            <a:off x="6159298" y="1862772"/>
+            <a:ext cx="2359880" cy="369332"/>
+          </a:xfrm>
+          <a:prstGeom prst="rect">
+            <a:avLst/>
+          </a:prstGeom>
+          <a:noFill/>
+        </p:spPr>
+        <p:txBody>
+          <a:bodyPr wrap="square">
+            <a:spAutoFit/>
+          </a:bodyPr>
+          <a:lstStyle/>
+          <a:p>
+            <a:r>
+              <a:rPr lang="en-US" altLang="ko-KR" sz="1800" b="0">
+                <a:solidFill>
+                  <a:srgbClr val="CE9178"/>
+                </a:solidFill>
+                <a:effectLst/>
+                <a:latin typeface="Consolas" panose="020B0609020204030204" pitchFamily="49" charset="0"/>
+              </a:rPr>
+              <a:t>'info/searching/'</a:t>
+            </a:r>
+            <a:r>
+              <a:rPr lang="en-US" altLang="ko-KR" sz="1800" b="0">
+                <a:solidFill>
+                  <a:srgbClr val="D4D4D4"/>
+                </a:solidFill>
+                <a:effectLst/>
+                <a:latin typeface="Consolas" panose="020B0609020204030204" pitchFamily="49" charset="0"/>
+              </a:rPr>
+              <a:t> </a:t>
+            </a:r>
+            <a:endParaRPr lang="ko-KR" altLang="en-US"/>
+          </a:p>
+        </p:txBody>
+      </p:sp>
+      <p:sp>
+        <p:nvSpPr>
+          <p:cNvPr id="25" name="TextBox 24">
+            <a:extLst>
+              <a:ext uri="{FF2B5EF4-FFF2-40B4-BE49-F238E27FC236}">
+                <a16:creationId xmlns:a16="http://schemas.microsoft.com/office/drawing/2014/main" id="{FC837B70-D4E2-45D7-81A7-C1F1E6D9578E}"/>
+              </a:ext>
+            </a:extLst>
+          </p:cNvPr>
+          <p:cNvSpPr txBox="1"/>
+          <p:nvPr/>
+        </p:nvSpPr>
+        <p:spPr>
+          <a:xfrm>
+            <a:off x="6152222" y="2250265"/>
+            <a:ext cx="7586802" cy="369332"/>
+          </a:xfrm>
+          <a:prstGeom prst="rect">
+            <a:avLst/>
+          </a:prstGeom>
+          <a:noFill/>
+        </p:spPr>
+        <p:txBody>
+          <a:bodyPr wrap="square">
+            <a:spAutoFit/>
+          </a:bodyPr>
+          <a:lstStyle/>
+          <a:p>
+            <a:r>
+              <a:rPr lang="en-US" altLang="ko-KR" sz="1800" b="0">
+                <a:solidFill>
+                  <a:srgbClr val="CE9178"/>
+                </a:solidFill>
+                <a:effectLst/>
+                <a:latin typeface="Consolas" panose="020B0609020204030204" pitchFamily="49" charset="0"/>
+              </a:rPr>
+              <a:t>'info/searching/detail/&lt;int:Accomodation_id&gt;'</a:t>
+            </a:r>
+            <a:r>
+              <a:rPr lang="en-US" altLang="ko-KR" sz="1800" b="0">
+                <a:solidFill>
+                  <a:srgbClr val="D4D4D4"/>
+                </a:solidFill>
+                <a:effectLst/>
+                <a:latin typeface="Consolas" panose="020B0609020204030204" pitchFamily="49" charset="0"/>
+              </a:rPr>
+              <a:t> </a:t>
+            </a:r>
+            <a:endParaRPr lang="ko-KR" altLang="en-US"/>
+          </a:p>
+        </p:txBody>
+      </p:sp>
+      <p:sp>
+        <p:nvSpPr>
+          <p:cNvPr id="27" name="TextBox 26">
+            <a:extLst>
+              <a:ext uri="{FF2B5EF4-FFF2-40B4-BE49-F238E27FC236}">
+                <a16:creationId xmlns:a16="http://schemas.microsoft.com/office/drawing/2014/main" id="{600313EE-654B-4569-A1A0-22B4C76FA212}"/>
+              </a:ext>
+            </a:extLst>
+          </p:cNvPr>
+          <p:cNvSpPr txBox="1"/>
+          <p:nvPr/>
+        </p:nvSpPr>
+        <p:spPr>
+          <a:xfrm>
+            <a:off x="6159298" y="2637758"/>
+            <a:ext cx="7586802" cy="369332"/>
+          </a:xfrm>
+          <a:prstGeom prst="rect">
+            <a:avLst/>
+          </a:prstGeom>
+          <a:noFill/>
+        </p:spPr>
+        <p:txBody>
+          <a:bodyPr wrap="square">
+            <a:spAutoFit/>
+          </a:bodyPr>
+          <a:lstStyle/>
+          <a:p>
+            <a:r>
+              <a:rPr lang="en-US" altLang="ko-KR" sz="1800" b="0">
+                <a:solidFill>
+                  <a:srgbClr val="CE9178"/>
+                </a:solidFill>
+                <a:effectLst/>
+                <a:latin typeface="Consolas" panose="020B0609020204030204" pitchFamily="49" charset="0"/>
+              </a:rPr>
+              <a:t>'info/searching/map'</a:t>
+            </a:r>
+            <a:r>
+              <a:rPr lang="en-US" altLang="ko-KR" sz="1800" b="0">
+                <a:solidFill>
+                  <a:srgbClr val="D4D4D4"/>
+                </a:solidFill>
+                <a:effectLst/>
+                <a:latin typeface="Consolas" panose="020B0609020204030204" pitchFamily="49" charset="0"/>
+              </a:rPr>
+              <a:t> </a:t>
+            </a:r>
+            <a:endParaRPr lang="ko-KR" altLang="en-US"/>
+          </a:p>
+        </p:txBody>
+      </p:sp>
+      <p:sp>
+        <p:nvSpPr>
+          <p:cNvPr id="29" name="TextBox 28">
+            <a:extLst>
+              <a:ext uri="{FF2B5EF4-FFF2-40B4-BE49-F238E27FC236}">
+                <a16:creationId xmlns:a16="http://schemas.microsoft.com/office/drawing/2014/main" id="{2A072BF7-62D9-48D7-8430-59BF53E07C00}"/>
+              </a:ext>
+            </a:extLst>
+          </p:cNvPr>
+          <p:cNvSpPr txBox="1"/>
+          <p:nvPr/>
+        </p:nvSpPr>
+        <p:spPr>
+          <a:xfrm>
+            <a:off x="6300910" y="1044036"/>
+            <a:ext cx="679009" cy="369332"/>
+          </a:xfrm>
+          <a:prstGeom prst="rect">
+            <a:avLst/>
+          </a:prstGeom>
+          <a:noFill/>
+        </p:spPr>
+        <p:txBody>
+          <a:bodyPr wrap="square">
+            <a:spAutoFit/>
+          </a:bodyPr>
+          <a:lstStyle/>
+          <a:p>
+            <a:r>
+              <a:rPr lang="en-US" altLang="ko-KR" sz="1800" b="0">
+                <a:solidFill>
+                  <a:srgbClr val="CE9178"/>
+                </a:solidFill>
+                <a:effectLst/>
+                <a:latin typeface="Consolas" panose="020B0609020204030204" pitchFamily="49" charset="0"/>
+              </a:rPr>
+              <a:t>''</a:t>
+            </a:r>
+            <a:endParaRPr lang="ko-KR" altLang="en-US"/>
           </a:p>
         </p:txBody>
       </p:sp>
     </p:spTree>
     <p:extLst>
       <p:ext uri="{BB962C8B-B14F-4D97-AF65-F5344CB8AC3E}">
-        <p14:creationId xmlns:p14="http://schemas.microsoft.com/office/powerpoint/2010/main" val="3284561963"/>
+        <p14:creationId xmlns:p14="http://schemas.microsoft.com/office/powerpoint/2010/main" val="3261457629"/>
       </p:ext>
     </p:extLst>
   </p:cSld>
@@ -4328,7 +4590,7 @@
           <p:cNvPr id="2" name="TextBox 1">
             <a:extLst>
               <a:ext uri="{FF2B5EF4-FFF2-40B4-BE49-F238E27FC236}">
-                <a16:creationId xmlns:a16="http://schemas.microsoft.com/office/drawing/2014/main" id="{D23897A6-EA55-4C8C-A9F4-F9A66FEDDF3B}"/>
+                <a16:creationId xmlns:a16="http://schemas.microsoft.com/office/drawing/2014/main" id="{C590FB86-89FB-47DA-B38F-CD4986BC6301}"/>
               </a:ext>
             </a:extLst>
           </p:cNvPr>
@@ -4337,8 +4599,8 @@
         </p:nvSpPr>
         <p:spPr>
           <a:xfrm>
-            <a:off x="492457" y="3099836"/>
-            <a:ext cx="1801504" cy="646331"/>
+            <a:off x="781235" y="706684"/>
+            <a:ext cx="4882719" cy="4524315"/>
           </a:xfrm>
           <a:prstGeom prst="rect">
             <a:avLst/>
@@ -4351,20 +4613,83 @@
           </a:bodyPr>
           <a:lstStyle/>
           <a:p>
+            <a:endParaRPr lang="en-US" altLang="ko-KR"/>
+          </a:p>
+          <a:p>
+            <a:endParaRPr lang="en-US" altLang="ko-KR"/>
+          </a:p>
+          <a:p>
             <a:r>
               <a:rPr lang="en-US" altLang="ko-KR" b="1"/>
-              <a:t>// </a:t>
-            </a:r>
-            <a:r>
-              <a:rPr lang="ko-KR" altLang="en-US" b="1"/>
-              <a:t>상속 템플릿</a:t>
-            </a:r>
-            <a:endParaRPr lang="en-US" altLang="ko-KR" b="1"/>
+              <a:t>/Templates</a:t>
+            </a:r>
+          </a:p>
+          <a:p>
+            <a:endParaRPr lang="en-US" altLang="ko-KR"/>
+          </a:p>
+          <a:p>
+            <a:r>
+              <a:rPr lang="en-US" altLang="ko-KR"/>
+              <a:t>	base.html</a:t>
+            </a:r>
+          </a:p>
+          <a:p>
+            <a:endParaRPr lang="en-US" altLang="ko-KR"/>
           </a:p>
           <a:p>
             <a:r>
               <a:rPr lang="en-US" altLang="ko-KR" b="1"/>
-              <a:t>base.HTML</a:t>
+              <a:t>	/info</a:t>
+            </a:r>
+          </a:p>
+          <a:p>
+            <a:r>
+              <a:rPr lang="en-US" altLang="ko-KR"/>
+              <a:t>		search.html</a:t>
+            </a:r>
+          </a:p>
+          <a:p>
+            <a:r>
+              <a:rPr lang="en-US" altLang="ko-KR"/>
+              <a:t>		map.html</a:t>
+            </a:r>
+          </a:p>
+          <a:p>
+            <a:r>
+              <a:rPr lang="en-US" altLang="ko-KR"/>
+              <a:t>		detail.html</a:t>
+            </a:r>
+          </a:p>
+          <a:p>
+            <a:endParaRPr lang="en-US" altLang="ko-KR"/>
+          </a:p>
+          <a:p>
+            <a:endParaRPr lang="en-US" altLang="ko-KR"/>
+          </a:p>
+          <a:p>
+            <a:r>
+              <a:rPr lang="en-US" altLang="ko-KR"/>
+              <a:t>	</a:t>
+            </a:r>
+            <a:r>
+              <a:rPr lang="en-US" altLang="ko-KR" b="1"/>
+              <a:t>/board</a:t>
+            </a:r>
+          </a:p>
+          <a:p>
+            <a:endParaRPr lang="en-US" altLang="ko-KR"/>
+          </a:p>
+          <a:p>
+            <a:endParaRPr lang="en-US" altLang="ko-KR"/>
+          </a:p>
+          <a:p>
+            <a:r>
+              <a:rPr lang="en-US" altLang="ko-KR"/>
+              <a:t>	</a:t>
+            </a:r>
+            <a:r>
+              <a:rPr lang="en-US" altLang="ko-KR" b="1"/>
+              <a:t>/login</a:t>
             </a:r>
             <a:endParaRPr lang="ko-KR" altLang="en-US" b="1"/>
           </a:p>
@@ -4375,7 +4700,7 @@
           <p:cNvPr id="3" name="TextBox 2">
             <a:extLst>
               <a:ext uri="{FF2B5EF4-FFF2-40B4-BE49-F238E27FC236}">
-                <a16:creationId xmlns:a16="http://schemas.microsoft.com/office/drawing/2014/main" id="{0248D0D0-8442-48B6-A1F7-6BC587B7DEEA}"/>
+                <a16:creationId xmlns:a16="http://schemas.microsoft.com/office/drawing/2014/main" id="{AB417C62-DB27-431A-9F47-A2FF3DF7A4EC}"/>
               </a:ext>
             </a:extLst>
           </p:cNvPr>
@@ -4384,8 +4709,8 @@
         </p:nvSpPr>
         <p:spPr>
           <a:xfrm>
-            <a:off x="2488442" y="3025203"/>
-            <a:ext cx="4790364" cy="646331"/>
+            <a:off x="292963" y="337352"/>
+            <a:ext cx="2530136" cy="369332"/>
           </a:xfrm>
           <a:prstGeom prst="rect">
             <a:avLst/>
@@ -4399,21 +4724,21 @@
           <a:lstStyle/>
           <a:p>
             <a:r>
-              <a:rPr lang="en-US" altLang="ko-KR" b="1"/>
-              <a:t>// </a:t>
-            </a:r>
-            <a:r>
-              <a:rPr lang="ko-KR" altLang="en-US" b="1"/>
-              <a:t>메인 페이지</a:t>
-            </a:r>
-            <a:endParaRPr lang="en-US" altLang="ko-KR" b="1"/>
-          </a:p>
-          <a:p>
-            <a:r>
-              <a:rPr lang="en-US" altLang="ko-KR" b="1"/>
-              <a:t>Main.HTML</a:t>
-            </a:r>
-            <a:endParaRPr lang="ko-KR" altLang="en-US" b="1"/>
+              <a:rPr lang="en-US" altLang="ko-KR" b="1">
+                <a:solidFill>
+                  <a:schemeClr val="accent1"/>
+                </a:solidFill>
+              </a:rPr>
+              <a:t>Templates </a:t>
+            </a:r>
+            <a:r>
+              <a:rPr lang="ko-KR" altLang="en-US" b="1">
+                <a:solidFill>
+                  <a:schemeClr val="accent1"/>
+                </a:solidFill>
+              </a:rPr>
+              <a:t>디렉토리</a:t>
+            </a:r>
           </a:p>
         </p:txBody>
       </p:sp>
@@ -4422,7 +4747,7 @@
           <p:cNvPr id="4" name="TextBox 3">
             <a:extLst>
               <a:ext uri="{FF2B5EF4-FFF2-40B4-BE49-F238E27FC236}">
-                <a16:creationId xmlns:a16="http://schemas.microsoft.com/office/drawing/2014/main" id="{6A994591-743A-426A-B2CE-23BA2AFB1DF4}"/>
+                <a16:creationId xmlns:a16="http://schemas.microsoft.com/office/drawing/2014/main" id="{0139B7B8-CCF0-4E37-860A-947F53D9EFA1}"/>
               </a:ext>
             </a:extLst>
           </p:cNvPr>
@@ -4431,8 +4756,8 @@
         </p:nvSpPr>
         <p:spPr>
           <a:xfrm>
-            <a:off x="4212610" y="2099724"/>
-            <a:ext cx="4790364" cy="646331"/>
+            <a:off x="6116712" y="337352"/>
+            <a:ext cx="2530136" cy="369332"/>
           </a:xfrm>
           <a:prstGeom prst="rect">
             <a:avLst/>
@@ -4446,30 +4771,123 @@
           <a:lstStyle/>
           <a:p>
             <a:r>
-              <a:rPr lang="en-US" altLang="ko-KR" b="1"/>
-              <a:t>// </a:t>
-            </a:r>
-            <a:r>
-              <a:rPr lang="ko-KR" altLang="en-US" b="1"/>
-              <a:t>숙소 검색</a:t>
-            </a:r>
-            <a:endParaRPr lang="en-US" altLang="ko-KR" b="1"/>
-          </a:p>
-          <a:p>
-            <a:r>
-              <a:rPr lang="en-US" altLang="ko-KR" b="1"/>
-              <a:t>Searching.HTML</a:t>
-            </a:r>
-            <a:endParaRPr lang="ko-KR" altLang="en-US" b="1"/>
-          </a:p>
-        </p:txBody>
-      </p:sp>
-      <p:sp>
-        <p:nvSpPr>
-          <p:cNvPr id="5" name="TextBox 4">
-            <a:extLst>
-              <a:ext uri="{FF2B5EF4-FFF2-40B4-BE49-F238E27FC236}">
-                <a16:creationId xmlns:a16="http://schemas.microsoft.com/office/drawing/2014/main" id="{54B09150-D9B5-4C12-84E6-C061664CFD6F}"/>
+              <a:rPr lang="en-US" altLang="ko-KR" b="1">
+                <a:solidFill>
+                  <a:schemeClr val="accent1"/>
+                </a:solidFill>
+              </a:rPr>
+              <a:t>View.py</a:t>
+            </a:r>
+            <a:endParaRPr lang="ko-KR" altLang="en-US" b="1">
+              <a:solidFill>
+                <a:schemeClr val="accent1"/>
+              </a:solidFill>
+            </a:endParaRPr>
+          </a:p>
+        </p:txBody>
+      </p:sp>
+      <p:sp>
+        <p:nvSpPr>
+          <p:cNvPr id="8" name="직사각형 7">
+            <a:extLst>
+              <a:ext uri="{FF2B5EF4-FFF2-40B4-BE49-F238E27FC236}">
+                <a16:creationId xmlns:a16="http://schemas.microsoft.com/office/drawing/2014/main" id="{E74D5A6F-52F8-4719-8AE0-9E1672AAB79E}"/>
+              </a:ext>
+            </a:extLst>
+          </p:cNvPr>
+          <p:cNvSpPr/>
+          <p:nvPr/>
+        </p:nvSpPr>
+        <p:spPr>
+          <a:xfrm>
+            <a:off x="-1" y="0"/>
+            <a:ext cx="5885895" cy="6858000"/>
+          </a:xfrm>
+          <a:prstGeom prst="rect">
+            <a:avLst/>
+          </a:prstGeom>
+          <a:noFill/>
+          <a:ln w="28575"/>
+        </p:spPr>
+        <p:style>
+          <a:lnRef idx="2">
+            <a:schemeClr val="accent1">
+              <a:shade val="50000"/>
+            </a:schemeClr>
+          </a:lnRef>
+          <a:fillRef idx="1">
+            <a:schemeClr val="accent1"/>
+          </a:fillRef>
+          <a:effectRef idx="0">
+            <a:schemeClr val="accent1"/>
+          </a:effectRef>
+          <a:fontRef idx="minor">
+            <a:schemeClr val="lt1"/>
+          </a:fontRef>
+        </p:style>
+        <p:txBody>
+          <a:bodyPr rtlCol="0" anchor="ctr"/>
+          <a:lstStyle/>
+          <a:p>
+            <a:pPr algn="ctr"/>
+            <a:endParaRPr lang="ko-KR" altLang="en-US"/>
+          </a:p>
+        </p:txBody>
+      </p:sp>
+      <p:sp>
+        <p:nvSpPr>
+          <p:cNvPr id="9" name="직사각형 8">
+            <a:extLst>
+              <a:ext uri="{FF2B5EF4-FFF2-40B4-BE49-F238E27FC236}">
+                <a16:creationId xmlns:a16="http://schemas.microsoft.com/office/drawing/2014/main" id="{003B923E-21E3-451F-8F83-CC2A5C8F7DBB}"/>
+              </a:ext>
+            </a:extLst>
+          </p:cNvPr>
+          <p:cNvSpPr/>
+          <p:nvPr/>
+        </p:nvSpPr>
+        <p:spPr>
+          <a:xfrm>
+            <a:off x="5885894" y="0"/>
+            <a:ext cx="6306106" cy="6858000"/>
+          </a:xfrm>
+          <a:prstGeom prst="rect">
+            <a:avLst/>
+          </a:prstGeom>
+          <a:noFill/>
+          <a:ln w="28575"/>
+        </p:spPr>
+        <p:style>
+          <a:lnRef idx="2">
+            <a:schemeClr val="accent1">
+              <a:shade val="50000"/>
+            </a:schemeClr>
+          </a:lnRef>
+          <a:fillRef idx="1">
+            <a:schemeClr val="accent1"/>
+          </a:fillRef>
+          <a:effectRef idx="0">
+            <a:schemeClr val="accent1"/>
+          </a:effectRef>
+          <a:fontRef idx="minor">
+            <a:schemeClr val="lt1"/>
+          </a:fontRef>
+        </p:style>
+        <p:txBody>
+          <a:bodyPr rtlCol="0" anchor="ctr"/>
+          <a:lstStyle/>
+          <a:p>
+            <a:pPr algn="ctr"/>
+            <a:endParaRPr lang="ko-KR" altLang="en-US"/>
+          </a:p>
+        </p:txBody>
+      </p:sp>
+      <p:sp>
+        <p:nvSpPr>
+          <p:cNvPr id="10" name="TextBox 9">
+            <a:extLst>
+              <a:ext uri="{FF2B5EF4-FFF2-40B4-BE49-F238E27FC236}">
+                <a16:creationId xmlns:a16="http://schemas.microsoft.com/office/drawing/2014/main" id="{89F0A888-D1DA-4CF2-99BD-EA2E00FFDF5B}"/>
               </a:ext>
             </a:extLst>
           </p:cNvPr>
@@ -4478,8 +4896,8 @@
         </p:nvSpPr>
         <p:spPr>
           <a:xfrm>
-            <a:off x="6412152" y="2081843"/>
-            <a:ext cx="4790364" cy="646331"/>
+            <a:off x="6528046" y="795460"/>
+            <a:ext cx="4882719" cy="4801314"/>
           </a:xfrm>
           <a:prstGeom prst="rect">
             <a:avLst/>
@@ -4492,437 +4910,86 @@
           </a:bodyPr>
           <a:lstStyle/>
           <a:p>
+            <a:endParaRPr lang="en-US" altLang="ko-KR" b="1"/>
+          </a:p>
+          <a:p>
+            <a:endParaRPr lang="en-US" altLang="ko-KR" b="1"/>
+          </a:p>
+          <a:p>
             <a:r>
               <a:rPr lang="en-US" altLang="ko-KR" b="1"/>
-              <a:t>// </a:t>
-            </a:r>
-            <a:r>
-              <a:rPr lang="ko-KR" altLang="en-US" b="1"/>
-              <a:t>숙소 상세보기</a:t>
-            </a:r>
+              <a:t>base()</a:t>
+            </a:r>
+          </a:p>
+          <a:p>
             <a:endParaRPr lang="en-US" altLang="ko-KR" b="1"/>
           </a:p>
           <a:p>
+            <a:endParaRPr lang="en-US" altLang="ko-KR" b="1"/>
+          </a:p>
+          <a:p>
             <a:r>
               <a:rPr lang="en-US" altLang="ko-KR" b="1"/>
-              <a:t>Detail.HTML</a:t>
-            </a:r>
+              <a:t>class Info_View():</a:t>
+            </a:r>
+          </a:p>
+          <a:p>
+            <a:endParaRPr lang="en-US" altLang="ko-KR" b="1"/>
+          </a:p>
+          <a:p>
+            <a:r>
+              <a:rPr lang="en-US" altLang="ko-KR" b="1"/>
+              <a:t>	def searching()</a:t>
+            </a:r>
+          </a:p>
+          <a:p>
+            <a:r>
+              <a:rPr lang="en-US" altLang="ko-KR" b="1"/>
+              <a:t>	def detail()</a:t>
+            </a:r>
+          </a:p>
+          <a:p>
+            <a:r>
+              <a:rPr lang="en-US" altLang="ko-KR" b="1"/>
+              <a:t>	def map()</a:t>
+            </a:r>
+          </a:p>
+          <a:p>
+            <a:endParaRPr lang="en-US" altLang="ko-KR" b="1"/>
+          </a:p>
+          <a:p>
+            <a:endParaRPr lang="en-US" altLang="ko-KR" b="1"/>
+          </a:p>
+          <a:p>
+            <a:r>
+              <a:rPr lang="en-US" altLang="ko-KR" b="1"/>
+              <a:t>class Board_View():</a:t>
+            </a:r>
+          </a:p>
+          <a:p>
+            <a:r>
+              <a:rPr lang="en-US" altLang="ko-KR" b="1"/>
+              <a:t>	def view_func1</a:t>
+            </a:r>
+          </a:p>
+          <a:p>
+            <a:r>
+              <a:rPr lang="en-US" altLang="ko-KR" b="1"/>
+              <a:t>	def view_func2</a:t>
+            </a:r>
+          </a:p>
+          <a:p>
+            <a:endParaRPr lang="en-US" altLang="ko-KR" b="1"/>
+          </a:p>
+          <a:p>
             <a:endParaRPr lang="ko-KR" altLang="en-US" b="1"/>
-          </a:p>
-        </p:txBody>
-      </p:sp>
-      <p:sp>
-        <p:nvSpPr>
-          <p:cNvPr id="6" name="TextBox 5">
-            <a:extLst>
-              <a:ext uri="{FF2B5EF4-FFF2-40B4-BE49-F238E27FC236}">
-                <a16:creationId xmlns:a16="http://schemas.microsoft.com/office/drawing/2014/main" id="{A6E3DA47-92C9-41C6-86CC-B5FF85CCDA67}"/>
-              </a:ext>
-            </a:extLst>
-          </p:cNvPr>
-          <p:cNvSpPr txBox="1"/>
-          <p:nvPr/>
-        </p:nvSpPr>
-        <p:spPr>
-          <a:xfrm>
-            <a:off x="5162168" y="1065054"/>
-            <a:ext cx="4790364" cy="646331"/>
-          </a:xfrm>
-          <a:prstGeom prst="rect">
-            <a:avLst/>
-          </a:prstGeom>
-          <a:noFill/>
-        </p:spPr>
-        <p:txBody>
-          <a:bodyPr wrap="square" rtlCol="0">
-            <a:spAutoFit/>
-          </a:bodyPr>
-          <a:lstStyle/>
-          <a:p>
-            <a:r>
-              <a:rPr lang="en-US" altLang="ko-KR" b="1"/>
-              <a:t>// </a:t>
-            </a:r>
-            <a:r>
-              <a:rPr lang="ko-KR" altLang="en-US" b="1"/>
-              <a:t>지도 리턴</a:t>
-            </a:r>
-            <a:endParaRPr lang="en-US" altLang="ko-KR" b="1"/>
-          </a:p>
-          <a:p>
-            <a:r>
-              <a:rPr lang="en-US" altLang="ko-KR" b="1"/>
-              <a:t>MAP.HTML</a:t>
-            </a:r>
-            <a:endParaRPr lang="ko-KR" altLang="en-US" b="1"/>
-          </a:p>
-        </p:txBody>
-      </p:sp>
-      <p:sp>
-        <p:nvSpPr>
-          <p:cNvPr id="7" name="TextBox 6">
-            <a:extLst>
-              <a:ext uri="{FF2B5EF4-FFF2-40B4-BE49-F238E27FC236}">
-                <a16:creationId xmlns:a16="http://schemas.microsoft.com/office/drawing/2014/main" id="{B3B96863-C01B-4900-BB6C-ECB6E8C56240}"/>
-              </a:ext>
-            </a:extLst>
-          </p:cNvPr>
-          <p:cNvSpPr txBox="1"/>
-          <p:nvPr/>
-        </p:nvSpPr>
-        <p:spPr>
-          <a:xfrm>
-            <a:off x="191070" y="70693"/>
-            <a:ext cx="3957850" cy="584775"/>
-          </a:xfrm>
-          <a:prstGeom prst="rect">
-            <a:avLst/>
-          </a:prstGeom>
-          <a:noFill/>
-        </p:spPr>
-        <p:txBody>
-          <a:bodyPr wrap="square" rtlCol="0">
-            <a:spAutoFit/>
-          </a:bodyPr>
-          <a:lstStyle/>
-          <a:p>
-            <a:r>
-              <a:rPr lang="en-US" altLang="ko-KR" sz="3200" b="1"/>
-              <a:t>Templates</a:t>
-            </a:r>
-            <a:endParaRPr lang="ko-KR" altLang="en-US" sz="3200" b="1"/>
-          </a:p>
-        </p:txBody>
-      </p:sp>
-      <p:sp>
-        <p:nvSpPr>
-          <p:cNvPr id="16" name="TextBox 15">
-            <a:extLst>
-              <a:ext uri="{FF2B5EF4-FFF2-40B4-BE49-F238E27FC236}">
-                <a16:creationId xmlns:a16="http://schemas.microsoft.com/office/drawing/2014/main" id="{46368C03-0912-4E20-A320-F5FA346FD79B}"/>
-              </a:ext>
-            </a:extLst>
-          </p:cNvPr>
-          <p:cNvSpPr txBox="1"/>
-          <p:nvPr/>
-        </p:nvSpPr>
-        <p:spPr>
-          <a:xfrm>
-            <a:off x="3890410" y="4055601"/>
-            <a:ext cx="2521742" cy="646331"/>
-          </a:xfrm>
-          <a:prstGeom prst="rect">
-            <a:avLst/>
-          </a:prstGeom>
-          <a:noFill/>
-        </p:spPr>
-        <p:txBody>
-          <a:bodyPr wrap="square">
-            <a:spAutoFit/>
-          </a:bodyPr>
-          <a:lstStyle/>
-          <a:p>
-            <a:r>
-              <a:rPr lang="en-US" altLang="ko-KR" b="1"/>
-              <a:t>// </a:t>
-            </a:r>
-            <a:r>
-              <a:rPr lang="ko-KR" altLang="en-US" b="1"/>
-              <a:t>게시글 리스트 보기</a:t>
-            </a:r>
-            <a:endParaRPr lang="en-US" altLang="ko-KR" b="1"/>
-          </a:p>
-          <a:p>
-            <a:r>
-              <a:rPr lang="ko-KR" altLang="en-US" b="1"/>
-              <a:t>question_list.html</a:t>
-            </a:r>
-          </a:p>
-        </p:txBody>
-      </p:sp>
-      <p:sp>
-        <p:nvSpPr>
-          <p:cNvPr id="17" name="TextBox 16">
-            <a:extLst>
-              <a:ext uri="{FF2B5EF4-FFF2-40B4-BE49-F238E27FC236}">
-                <a16:creationId xmlns:a16="http://schemas.microsoft.com/office/drawing/2014/main" id="{1A134A27-7D1F-4240-8642-E79FAB0631DD}"/>
-              </a:ext>
-            </a:extLst>
-          </p:cNvPr>
-          <p:cNvSpPr txBox="1"/>
-          <p:nvPr/>
-        </p:nvSpPr>
-        <p:spPr>
-          <a:xfrm>
-            <a:off x="3890410" y="4837262"/>
-            <a:ext cx="5650436" cy="646331"/>
-          </a:xfrm>
-          <a:prstGeom prst="rect">
-            <a:avLst/>
-          </a:prstGeom>
-          <a:noFill/>
-        </p:spPr>
-        <p:txBody>
-          <a:bodyPr wrap="square">
-            <a:spAutoFit/>
-          </a:bodyPr>
-          <a:lstStyle/>
-          <a:p>
-            <a:r>
-              <a:rPr lang="en-US" altLang="ko-KR" b="1"/>
-              <a:t>// </a:t>
-            </a:r>
-            <a:r>
-              <a:rPr lang="ko-KR" altLang="en-US" b="1"/>
-              <a:t>게시글 등록하기</a:t>
-            </a:r>
-            <a:endParaRPr lang="en-US" altLang="ko-KR" b="1"/>
-          </a:p>
-          <a:p>
-            <a:r>
-              <a:rPr lang="ko-KR" altLang="en-US" b="1"/>
-              <a:t>question_form.html</a:t>
-            </a:r>
-          </a:p>
-        </p:txBody>
-      </p:sp>
-      <p:sp>
-        <p:nvSpPr>
-          <p:cNvPr id="18" name="TextBox 17">
-            <a:extLst>
-              <a:ext uri="{FF2B5EF4-FFF2-40B4-BE49-F238E27FC236}">
-                <a16:creationId xmlns:a16="http://schemas.microsoft.com/office/drawing/2014/main" id="{9ED2A8C6-EFF5-4CFF-8FD7-D5D20858DE0D}"/>
-              </a:ext>
-            </a:extLst>
-          </p:cNvPr>
-          <p:cNvSpPr txBox="1"/>
-          <p:nvPr/>
-        </p:nvSpPr>
-        <p:spPr>
-          <a:xfrm>
-            <a:off x="6461592" y="4016794"/>
-            <a:ext cx="2625648" cy="646331"/>
-          </a:xfrm>
-          <a:prstGeom prst="rect">
-            <a:avLst/>
-          </a:prstGeom>
-          <a:noFill/>
-        </p:spPr>
-        <p:txBody>
-          <a:bodyPr wrap="square">
-            <a:spAutoFit/>
-          </a:bodyPr>
-          <a:lstStyle/>
-          <a:p>
-            <a:r>
-              <a:rPr lang="en-US" altLang="ko-KR" b="1"/>
-              <a:t>// </a:t>
-            </a:r>
-            <a:r>
-              <a:rPr lang="ko-KR" altLang="en-US" b="1"/>
-              <a:t>게시글 상세보기</a:t>
-            </a:r>
-            <a:endParaRPr lang="en-US" altLang="ko-KR" b="1"/>
-          </a:p>
-          <a:p>
-            <a:r>
-              <a:rPr lang="ko-KR" altLang="en-US" b="1"/>
-              <a:t>question_detail.html</a:t>
-            </a:r>
-          </a:p>
-        </p:txBody>
-      </p:sp>
-      <p:sp>
-        <p:nvSpPr>
-          <p:cNvPr id="19" name="TextBox 18">
-            <a:extLst>
-              <a:ext uri="{FF2B5EF4-FFF2-40B4-BE49-F238E27FC236}">
-                <a16:creationId xmlns:a16="http://schemas.microsoft.com/office/drawing/2014/main" id="{A55C5D8C-3938-478B-BAE8-D41F659D6EEC}"/>
-              </a:ext>
-            </a:extLst>
-          </p:cNvPr>
-          <p:cNvSpPr txBox="1"/>
-          <p:nvPr/>
-        </p:nvSpPr>
-        <p:spPr>
-          <a:xfrm>
-            <a:off x="3890410" y="6399309"/>
-            <a:ext cx="1424195" cy="646331"/>
-          </a:xfrm>
-          <a:prstGeom prst="rect">
-            <a:avLst/>
-          </a:prstGeom>
-          <a:noFill/>
-        </p:spPr>
-        <p:txBody>
-          <a:bodyPr wrap="square">
-            <a:spAutoFit/>
-          </a:bodyPr>
-          <a:lstStyle/>
-          <a:p>
-            <a:r>
-              <a:rPr lang="en-US" altLang="ko-KR" b="1"/>
-              <a:t>// </a:t>
-            </a:r>
-            <a:r>
-              <a:rPr lang="ko-KR" altLang="en-US" b="1"/>
-              <a:t>로그인</a:t>
-            </a:r>
-            <a:endParaRPr lang="en-US" altLang="ko-KR" b="1"/>
-          </a:p>
-          <a:p>
-            <a:r>
-              <a:rPr lang="ko-KR" altLang="en-US" b="1"/>
-              <a:t>login.html</a:t>
-            </a:r>
-          </a:p>
-        </p:txBody>
-      </p:sp>
-      <p:sp>
-        <p:nvSpPr>
-          <p:cNvPr id="20" name="TextBox 19">
-            <a:extLst>
-              <a:ext uri="{FF2B5EF4-FFF2-40B4-BE49-F238E27FC236}">
-                <a16:creationId xmlns:a16="http://schemas.microsoft.com/office/drawing/2014/main" id="{D966605B-86ED-46D8-8341-F65D5C918D65}"/>
-              </a:ext>
-            </a:extLst>
-          </p:cNvPr>
-          <p:cNvSpPr txBox="1"/>
-          <p:nvPr/>
-        </p:nvSpPr>
-        <p:spPr>
-          <a:xfrm>
-            <a:off x="3890410" y="7159137"/>
-            <a:ext cx="5650436" cy="646331"/>
-          </a:xfrm>
-          <a:prstGeom prst="rect">
-            <a:avLst/>
-          </a:prstGeom>
-          <a:noFill/>
-        </p:spPr>
-        <p:txBody>
-          <a:bodyPr wrap="square">
-            <a:spAutoFit/>
-          </a:bodyPr>
-          <a:lstStyle/>
-          <a:p>
-            <a:r>
-              <a:rPr lang="en-US" altLang="ko-KR" b="1"/>
-              <a:t>// </a:t>
-            </a:r>
-            <a:r>
-              <a:rPr lang="ko-KR" altLang="en-US" b="1"/>
-              <a:t>카테고리 선택</a:t>
-            </a:r>
-            <a:endParaRPr lang="en-US" altLang="ko-KR" b="1"/>
-          </a:p>
-          <a:p>
-            <a:r>
-              <a:rPr lang="ko-KR" altLang="en-US" b="1"/>
-              <a:t>beerbnb.html</a:t>
-            </a:r>
-          </a:p>
-        </p:txBody>
-      </p:sp>
-      <p:sp>
-        <p:nvSpPr>
-          <p:cNvPr id="22" name="TextBox 21">
-            <a:extLst>
-              <a:ext uri="{FF2B5EF4-FFF2-40B4-BE49-F238E27FC236}">
-                <a16:creationId xmlns:a16="http://schemas.microsoft.com/office/drawing/2014/main" id="{2C5D6302-6B82-4E13-81FD-F7AD18A30891}"/>
-              </a:ext>
-            </a:extLst>
-          </p:cNvPr>
-          <p:cNvSpPr txBox="1"/>
-          <p:nvPr/>
-        </p:nvSpPr>
-        <p:spPr>
-          <a:xfrm>
-            <a:off x="9996673" y="3116021"/>
-            <a:ext cx="2082322" cy="646331"/>
-          </a:xfrm>
-          <a:prstGeom prst="rect">
-            <a:avLst/>
-          </a:prstGeom>
-          <a:noFill/>
-        </p:spPr>
-        <p:txBody>
-          <a:bodyPr wrap="square">
-            <a:spAutoFit/>
-          </a:bodyPr>
-          <a:lstStyle/>
-          <a:p>
-            <a:r>
-              <a:rPr lang="en-US" altLang="ko-KR" b="1"/>
-              <a:t>// </a:t>
-            </a:r>
-            <a:r>
-              <a:rPr lang="ko-KR" altLang="en-US" b="1"/>
-              <a:t>에러</a:t>
-            </a:r>
-            <a:endParaRPr lang="en-US" altLang="ko-KR" b="1"/>
-          </a:p>
-          <a:p>
-            <a:r>
-              <a:rPr lang="ko-KR" altLang="en-US" b="1"/>
-              <a:t>form_errors.html</a:t>
-            </a:r>
-          </a:p>
-        </p:txBody>
-      </p:sp>
-      <p:sp>
-        <p:nvSpPr>
-          <p:cNvPr id="23" name="TextBox 22">
-            <a:extLst>
-              <a:ext uri="{FF2B5EF4-FFF2-40B4-BE49-F238E27FC236}">
-                <a16:creationId xmlns:a16="http://schemas.microsoft.com/office/drawing/2014/main" id="{80B76547-0EAD-4D19-A011-AC78FC3351C4}"/>
-              </a:ext>
-            </a:extLst>
-          </p:cNvPr>
-          <p:cNvSpPr txBox="1"/>
-          <p:nvPr/>
-        </p:nvSpPr>
-        <p:spPr>
-          <a:xfrm>
-            <a:off x="3890410" y="5635605"/>
-            <a:ext cx="3110891" cy="646331"/>
-          </a:xfrm>
-          <a:prstGeom prst="rect">
-            <a:avLst/>
-          </a:prstGeom>
-          <a:noFill/>
-        </p:spPr>
-        <p:txBody>
-          <a:bodyPr wrap="square">
-            <a:spAutoFit/>
-          </a:bodyPr>
-          <a:lstStyle/>
-          <a:p>
-            <a:r>
-              <a:rPr lang="en-US" altLang="ko-KR" b="1"/>
-              <a:t>// </a:t>
-            </a:r>
-            <a:r>
-              <a:rPr lang="ko-KR" altLang="en-US" b="1"/>
-              <a:t>로그인</a:t>
-            </a:r>
-            <a:r>
-              <a:rPr lang="en-US" altLang="ko-KR" b="1"/>
-              <a:t>?</a:t>
-            </a:r>
-          </a:p>
-          <a:p>
-            <a:r>
-              <a:rPr lang="ko-KR" altLang="en-US" b="1"/>
-              <a:t>navbar.html</a:t>
-            </a:r>
           </a:p>
         </p:txBody>
       </p:sp>
     </p:spTree>
     <p:extLst>
       <p:ext uri="{BB962C8B-B14F-4D97-AF65-F5344CB8AC3E}">
-        <p14:creationId xmlns:p14="http://schemas.microsoft.com/office/powerpoint/2010/main" val="3516476692"/>
+        <p14:creationId xmlns:p14="http://schemas.microsoft.com/office/powerpoint/2010/main" val="2579445577"/>
       </p:ext>
     </p:extLst>
   </p:cSld>
@@ -4951,73 +5018,10 @@
       </p:grpSpPr>
       <p:sp>
         <p:nvSpPr>
-          <p:cNvPr id="2" name="TextBox 1">
-            <a:extLst>
-              <a:ext uri="{FF2B5EF4-FFF2-40B4-BE49-F238E27FC236}">
-                <a16:creationId xmlns:a16="http://schemas.microsoft.com/office/drawing/2014/main" id="{36870A1B-092E-41FA-B39A-E0CE5058CACE}"/>
-              </a:ext>
-            </a:extLst>
-          </p:cNvPr>
-          <p:cNvSpPr txBox="1"/>
-          <p:nvPr/>
-        </p:nvSpPr>
-        <p:spPr>
-          <a:xfrm>
-            <a:off x="396923" y="274749"/>
-            <a:ext cx="6181298" cy="646331"/>
-          </a:xfrm>
-          <a:prstGeom prst="rect">
-            <a:avLst/>
-          </a:prstGeom>
-          <a:noFill/>
-        </p:spPr>
-        <p:txBody>
-          <a:bodyPr wrap="square" rtlCol="0">
-            <a:spAutoFit/>
-          </a:bodyPr>
-          <a:lstStyle/>
-          <a:p>
-            <a:r>
-              <a:rPr lang="en-US" altLang="ko-KR" b="1"/>
-              <a:t>// </a:t>
-            </a:r>
-            <a:r>
-              <a:rPr lang="ko-KR" altLang="en-US" b="1"/>
-              <a:t>상속 템플릿 </a:t>
-            </a:r>
-            <a:r>
-              <a:rPr lang="en-US" altLang="ko-KR" b="1"/>
-              <a:t>- </a:t>
-            </a:r>
-            <a:r>
-              <a:rPr lang="ko-KR" altLang="en-US" b="1"/>
-              <a:t>어느 </a:t>
-            </a:r>
-            <a:r>
-              <a:rPr lang="en-US" altLang="ko-KR" b="1"/>
-              <a:t>url </a:t>
-            </a:r>
-            <a:r>
-              <a:rPr lang="ko-KR" altLang="en-US" b="1"/>
-              <a:t>이든 공통적으로 존재</a:t>
-            </a:r>
-            <a:endParaRPr lang="en-US" altLang="ko-KR" b="1"/>
-          </a:p>
-          <a:p>
-            <a:r>
-              <a:rPr lang="en-US" altLang="ko-KR" b="1"/>
-              <a:t>base.HTML</a:t>
-            </a:r>
-            <a:endParaRPr lang="ko-KR" altLang="en-US" b="1"/>
-          </a:p>
-        </p:txBody>
-      </p:sp>
-      <p:sp>
-        <p:nvSpPr>
-          <p:cNvPr id="3" name="직사각형 2">
-            <a:extLst>
-              <a:ext uri="{FF2B5EF4-FFF2-40B4-BE49-F238E27FC236}">
-                <a16:creationId xmlns:a16="http://schemas.microsoft.com/office/drawing/2014/main" id="{3CB6B74D-25D1-4D46-A1F8-DA7D17B6DB41}"/>
+          <p:cNvPr id="3" name="타원 2">
+            <a:extLst>
+              <a:ext uri="{FF2B5EF4-FFF2-40B4-BE49-F238E27FC236}">
+                <a16:creationId xmlns:a16="http://schemas.microsoft.com/office/drawing/2014/main" id="{67C02521-65E6-4B33-B9CD-279E410DDDA8}"/>
               </a:ext>
             </a:extLst>
           </p:cNvPr>
@@ -5026,333 +5030,313 @@
         </p:nvSpPr>
         <p:spPr>
           <a:xfrm>
-            <a:off x="1187354" y="1160058"/>
-            <a:ext cx="8161362" cy="5274861"/>
-          </a:xfrm>
-          <a:prstGeom prst="rect">
-            <a:avLst/>
-          </a:prstGeom>
-          <a:noFill/>
-          <a:ln w="57150">
-            <a:solidFill>
-              <a:srgbClr val="92D050"/>
-            </a:solidFill>
-          </a:ln>
+            <a:off x="955344" y="2678372"/>
+            <a:ext cx="1692323" cy="1050878"/>
+          </a:xfrm>
+          <a:prstGeom prst="ellipse">
+            <a:avLst/>
+          </a:prstGeom>
+          <a:noFill/>
         </p:spPr>
         <p:style>
           <a:lnRef idx="2">
-            <a:schemeClr val="accent1">
-              <a:shade val="50000"/>
-            </a:schemeClr>
+            <a:schemeClr val="accent6"/>
           </a:lnRef>
           <a:fillRef idx="1">
+            <a:schemeClr val="lt1"/>
+          </a:fillRef>
+          <a:effectRef idx="0">
+            <a:schemeClr val="accent6"/>
+          </a:effectRef>
+          <a:fontRef idx="minor">
+            <a:schemeClr val="dk1"/>
+          </a:fontRef>
+        </p:style>
+        <p:txBody>
+          <a:bodyPr rtlCol="0" anchor="ctr"/>
+          <a:lstStyle/>
+          <a:p>
+            <a:pPr algn="ctr"/>
+            <a:r>
+              <a:rPr lang="ko-KR" altLang="en-US"/>
+              <a:t>메인</a:t>
+            </a:r>
+          </a:p>
+        </p:txBody>
+      </p:sp>
+      <p:sp>
+        <p:nvSpPr>
+          <p:cNvPr id="4" name="타원 3">
+            <a:extLst>
+              <a:ext uri="{FF2B5EF4-FFF2-40B4-BE49-F238E27FC236}">
+                <a16:creationId xmlns:a16="http://schemas.microsoft.com/office/drawing/2014/main" id="{48F9F986-4A29-41CD-8833-019D1C4A14F3}"/>
+              </a:ext>
+            </a:extLst>
+          </p:cNvPr>
+          <p:cNvSpPr/>
+          <p:nvPr/>
+        </p:nvSpPr>
+        <p:spPr>
+          <a:xfrm>
+            <a:off x="3953302" y="1119115"/>
+            <a:ext cx="1692323" cy="1050878"/>
+          </a:xfrm>
+          <a:prstGeom prst="ellipse">
+            <a:avLst/>
+          </a:prstGeom>
+          <a:noFill/>
+        </p:spPr>
+        <p:style>
+          <a:lnRef idx="2">
+            <a:schemeClr val="accent6"/>
+          </a:lnRef>
+          <a:fillRef idx="1">
+            <a:schemeClr val="lt1"/>
+          </a:fillRef>
+          <a:effectRef idx="0">
+            <a:schemeClr val="accent6"/>
+          </a:effectRef>
+          <a:fontRef idx="minor">
+            <a:schemeClr val="dk1"/>
+          </a:fontRef>
+        </p:style>
+        <p:txBody>
+          <a:bodyPr rtlCol="0" anchor="ctr"/>
+          <a:lstStyle/>
+          <a:p>
+            <a:pPr algn="ctr"/>
+            <a:r>
+              <a:rPr lang="ko-KR" altLang="en-US"/>
+              <a:t>검색 </a:t>
+            </a:r>
+          </a:p>
+        </p:txBody>
+      </p:sp>
+      <p:sp>
+        <p:nvSpPr>
+          <p:cNvPr id="5" name="타원 4">
+            <a:extLst>
+              <a:ext uri="{FF2B5EF4-FFF2-40B4-BE49-F238E27FC236}">
+                <a16:creationId xmlns:a16="http://schemas.microsoft.com/office/drawing/2014/main" id="{39D218D8-152B-4350-AB4A-670D19395FCC}"/>
+              </a:ext>
+            </a:extLst>
+          </p:cNvPr>
+          <p:cNvSpPr/>
+          <p:nvPr/>
+        </p:nvSpPr>
+        <p:spPr>
+          <a:xfrm>
+            <a:off x="3953301" y="2678372"/>
+            <a:ext cx="1692323" cy="1050878"/>
+          </a:xfrm>
+          <a:prstGeom prst="ellipse">
+            <a:avLst/>
+          </a:prstGeom>
+          <a:noFill/>
+        </p:spPr>
+        <p:style>
+          <a:lnRef idx="2">
+            <a:schemeClr val="accent6"/>
+          </a:lnRef>
+          <a:fillRef idx="1">
+            <a:schemeClr val="lt1"/>
+          </a:fillRef>
+          <a:effectRef idx="0">
+            <a:schemeClr val="accent6"/>
+          </a:effectRef>
+          <a:fontRef idx="minor">
+            <a:schemeClr val="dk1"/>
+          </a:fontRef>
+        </p:style>
+        <p:txBody>
+          <a:bodyPr rtlCol="0" anchor="ctr"/>
+          <a:lstStyle/>
+          <a:p>
+            <a:pPr algn="ctr"/>
+            <a:r>
+              <a:rPr lang="ko-KR" altLang="en-US"/>
+              <a:t>게시판</a:t>
+            </a:r>
+          </a:p>
+        </p:txBody>
+      </p:sp>
+      <p:sp>
+        <p:nvSpPr>
+          <p:cNvPr id="6" name="타원 5">
+            <a:extLst>
+              <a:ext uri="{FF2B5EF4-FFF2-40B4-BE49-F238E27FC236}">
+                <a16:creationId xmlns:a16="http://schemas.microsoft.com/office/drawing/2014/main" id="{560F9C2B-9E24-482A-98F0-234398C56D68}"/>
+              </a:ext>
+            </a:extLst>
+          </p:cNvPr>
+          <p:cNvSpPr/>
+          <p:nvPr/>
+        </p:nvSpPr>
+        <p:spPr>
+          <a:xfrm>
+            <a:off x="2809164" y="4468503"/>
+            <a:ext cx="1692323" cy="1050878"/>
+          </a:xfrm>
+          <a:prstGeom prst="ellipse">
+            <a:avLst/>
+          </a:prstGeom>
+          <a:noFill/>
+        </p:spPr>
+        <p:style>
+          <a:lnRef idx="2">
+            <a:schemeClr val="accent6"/>
+          </a:lnRef>
+          <a:fillRef idx="1">
+            <a:schemeClr val="lt1"/>
+          </a:fillRef>
+          <a:effectRef idx="0">
+            <a:schemeClr val="accent6"/>
+          </a:effectRef>
+          <a:fontRef idx="minor">
+            <a:schemeClr val="dk1"/>
+          </a:fontRef>
+        </p:style>
+        <p:txBody>
+          <a:bodyPr rtlCol="0" anchor="ctr"/>
+          <a:lstStyle/>
+          <a:p>
+            <a:pPr algn="ctr"/>
+            <a:r>
+              <a:rPr lang="ko-KR" altLang="en-US"/>
+              <a:t>로그인</a:t>
+            </a:r>
+          </a:p>
+        </p:txBody>
+      </p:sp>
+      <p:cxnSp>
+        <p:nvCxnSpPr>
+          <p:cNvPr id="8" name="직선 화살표 연결선 7">
+            <a:extLst>
+              <a:ext uri="{FF2B5EF4-FFF2-40B4-BE49-F238E27FC236}">
+                <a16:creationId xmlns:a16="http://schemas.microsoft.com/office/drawing/2014/main" id="{477B458C-DE9E-4549-A032-95E92BF12971}"/>
+              </a:ext>
+            </a:extLst>
+          </p:cNvPr>
+          <p:cNvCxnSpPr>
+            <a:cxnSpLocks/>
+          </p:cNvCxnSpPr>
+          <p:nvPr/>
+        </p:nvCxnSpPr>
+        <p:spPr>
+          <a:xfrm flipV="1">
+            <a:off x="2488441" y="1939119"/>
+            <a:ext cx="1355678" cy="739253"/>
+          </a:xfrm>
+          <a:prstGeom prst="straightConnector1">
+            <a:avLst/>
+          </a:prstGeom>
+          <a:ln>
+            <a:tailEnd type="triangle"/>
+          </a:ln>
+        </p:spPr>
+        <p:style>
+          <a:lnRef idx="1">
+            <a:schemeClr val="accent1"/>
+          </a:lnRef>
+          <a:fillRef idx="0">
             <a:schemeClr val="accent1"/>
           </a:fillRef>
           <a:effectRef idx="0">
             <a:schemeClr val="accent1"/>
           </a:effectRef>
           <a:fontRef idx="minor">
-            <a:schemeClr val="lt1"/>
+            <a:schemeClr val="tx1"/>
           </a:fontRef>
         </p:style>
-        <p:txBody>
-          <a:bodyPr rtlCol="0" anchor="ctr"/>
-          <a:lstStyle/>
-          <a:p>
-            <a:pPr algn="ctr"/>
-            <a:endParaRPr lang="ko-KR" altLang="en-US"/>
-          </a:p>
-        </p:txBody>
-      </p:sp>
-      <p:sp>
-        <p:nvSpPr>
-          <p:cNvPr id="4" name="직사각형 3">
-            <a:extLst>
-              <a:ext uri="{FF2B5EF4-FFF2-40B4-BE49-F238E27FC236}">
-                <a16:creationId xmlns:a16="http://schemas.microsoft.com/office/drawing/2014/main" id="{20019447-DCBB-4D37-9C13-D3292FEEE8B8}"/>
-              </a:ext>
-            </a:extLst>
-          </p:cNvPr>
-          <p:cNvSpPr/>
-          <p:nvPr/>
-        </p:nvSpPr>
-        <p:spPr>
-          <a:xfrm>
-            <a:off x="1297675" y="1310186"/>
-            <a:ext cx="7914564" cy="750626"/>
-          </a:xfrm>
-          <a:prstGeom prst="rect">
-            <a:avLst/>
-          </a:prstGeom>
-          <a:noFill/>
-          <a:ln w="57150">
-            <a:solidFill>
-              <a:srgbClr val="FF0000"/>
-            </a:solidFill>
+      </p:cxnSp>
+      <p:cxnSp>
+        <p:nvCxnSpPr>
+          <p:cNvPr id="10" name="직선 화살표 연결선 9">
+            <a:extLst>
+              <a:ext uri="{FF2B5EF4-FFF2-40B4-BE49-F238E27FC236}">
+                <a16:creationId xmlns:a16="http://schemas.microsoft.com/office/drawing/2014/main" id="{993DDCB4-C088-4953-B238-DCBE570C8EA5}"/>
+              </a:ext>
+            </a:extLst>
+          </p:cNvPr>
+          <p:cNvCxnSpPr>
+            <a:cxnSpLocks/>
+          </p:cNvCxnSpPr>
+          <p:nvPr/>
+        </p:nvCxnSpPr>
+        <p:spPr>
+          <a:xfrm flipV="1">
+            <a:off x="2707944" y="3214044"/>
+            <a:ext cx="1185079" cy="1"/>
+          </a:xfrm>
+          <a:prstGeom prst="straightConnector1">
+            <a:avLst/>
+          </a:prstGeom>
+          <a:ln>
+            <a:tailEnd type="triangle"/>
           </a:ln>
         </p:spPr>
         <p:style>
-          <a:lnRef idx="2">
-            <a:schemeClr val="accent1">
-              <a:shade val="50000"/>
-            </a:schemeClr>
+          <a:lnRef idx="1">
+            <a:schemeClr val="accent1"/>
           </a:lnRef>
-          <a:fillRef idx="1">
+          <a:fillRef idx="0">
             <a:schemeClr val="accent1"/>
           </a:fillRef>
           <a:effectRef idx="0">
             <a:schemeClr val="accent1"/>
           </a:effectRef>
           <a:fontRef idx="minor">
-            <a:schemeClr val="lt1"/>
+            <a:schemeClr val="tx1"/>
           </a:fontRef>
         </p:style>
-        <p:txBody>
-          <a:bodyPr rtlCol="0" anchor="ctr"/>
-          <a:lstStyle/>
-          <a:p>
-            <a:pPr algn="ctr"/>
-            <a:endParaRPr lang="ko-KR" altLang="en-US">
-              <a:solidFill>
-                <a:srgbClr val="FF0000"/>
-              </a:solidFill>
-            </a:endParaRPr>
-          </a:p>
-        </p:txBody>
-      </p:sp>
-      <p:sp>
-        <p:nvSpPr>
-          <p:cNvPr id="5" name="직사각형 4">
-            <a:extLst>
-              <a:ext uri="{FF2B5EF4-FFF2-40B4-BE49-F238E27FC236}">
-                <a16:creationId xmlns:a16="http://schemas.microsoft.com/office/drawing/2014/main" id="{5ACA4443-8ED9-4950-9962-248F88DDD786}"/>
-              </a:ext>
-            </a:extLst>
-          </p:cNvPr>
-          <p:cNvSpPr/>
-          <p:nvPr/>
-        </p:nvSpPr>
-        <p:spPr>
-          <a:xfrm>
-            <a:off x="1297675" y="5547814"/>
-            <a:ext cx="7914564" cy="750626"/>
-          </a:xfrm>
-          <a:prstGeom prst="rect">
-            <a:avLst/>
-          </a:prstGeom>
-          <a:noFill/>
-          <a:ln w="57150">
-            <a:solidFill>
-              <a:srgbClr val="FF0000"/>
-            </a:solidFill>
+      </p:cxnSp>
+      <p:cxnSp>
+        <p:nvCxnSpPr>
+          <p:cNvPr id="12" name="직선 화살표 연결선 11">
+            <a:extLst>
+              <a:ext uri="{FF2B5EF4-FFF2-40B4-BE49-F238E27FC236}">
+                <a16:creationId xmlns:a16="http://schemas.microsoft.com/office/drawing/2014/main" id="{2F6E81EB-EEFA-474C-AEA1-CB73682996BE}"/>
+              </a:ext>
+            </a:extLst>
+          </p:cNvPr>
+          <p:cNvCxnSpPr>
+            <a:cxnSpLocks/>
+          </p:cNvCxnSpPr>
+          <p:nvPr/>
+        </p:nvCxnSpPr>
+        <p:spPr>
+          <a:xfrm>
+            <a:off x="2347416" y="3729251"/>
+            <a:ext cx="559557" cy="842748"/>
+          </a:xfrm>
+          <a:prstGeom prst="straightConnector1">
+            <a:avLst/>
+          </a:prstGeom>
+          <a:ln>
+            <a:tailEnd type="triangle"/>
           </a:ln>
         </p:spPr>
         <p:style>
-          <a:lnRef idx="2">
-            <a:schemeClr val="accent1">
-              <a:shade val="50000"/>
-            </a:schemeClr>
+          <a:lnRef idx="1">
+            <a:schemeClr val="accent1"/>
           </a:lnRef>
-          <a:fillRef idx="1">
+          <a:fillRef idx="0">
             <a:schemeClr val="accent1"/>
           </a:fillRef>
           <a:effectRef idx="0">
             <a:schemeClr val="accent1"/>
           </a:effectRef>
           <a:fontRef idx="minor">
-            <a:schemeClr val="lt1"/>
+            <a:schemeClr val="tx1"/>
           </a:fontRef>
         </p:style>
-        <p:txBody>
-          <a:bodyPr rtlCol="0" anchor="ctr"/>
-          <a:lstStyle/>
-          <a:p>
-            <a:pPr algn="ctr"/>
-            <a:endParaRPr lang="ko-KR" altLang="en-US">
-              <a:solidFill>
-                <a:srgbClr val="FF0000"/>
-              </a:solidFill>
-            </a:endParaRPr>
-          </a:p>
-        </p:txBody>
-      </p:sp>
-      <p:sp>
-        <p:nvSpPr>
-          <p:cNvPr id="6" name="직사각형 5">
-            <a:extLst>
-              <a:ext uri="{FF2B5EF4-FFF2-40B4-BE49-F238E27FC236}">
-                <a16:creationId xmlns:a16="http://schemas.microsoft.com/office/drawing/2014/main" id="{729977FD-B4B5-4FEE-A45C-451EC4942D86}"/>
-              </a:ext>
-            </a:extLst>
-          </p:cNvPr>
-          <p:cNvSpPr/>
-          <p:nvPr/>
-        </p:nvSpPr>
-        <p:spPr>
-          <a:xfrm rot="5400000">
-            <a:off x="82598" y="3403837"/>
-            <a:ext cx="3180780" cy="750626"/>
-          </a:xfrm>
-          <a:prstGeom prst="rect">
-            <a:avLst/>
-          </a:prstGeom>
-          <a:noFill/>
-          <a:ln w="57150">
-            <a:solidFill>
-              <a:srgbClr val="FF0000"/>
-            </a:solidFill>
-          </a:ln>
-        </p:spPr>
-        <p:style>
-          <a:lnRef idx="2">
-            <a:schemeClr val="accent1">
-              <a:shade val="50000"/>
-            </a:schemeClr>
-          </a:lnRef>
-          <a:fillRef idx="1">
-            <a:schemeClr val="accent1"/>
-          </a:fillRef>
-          <a:effectRef idx="0">
-            <a:schemeClr val="accent1"/>
-          </a:effectRef>
-          <a:fontRef idx="minor">
-            <a:schemeClr val="lt1"/>
-          </a:fontRef>
-        </p:style>
-        <p:txBody>
-          <a:bodyPr rtlCol="0" anchor="ctr"/>
-          <a:lstStyle/>
-          <a:p>
-            <a:pPr algn="ctr"/>
-            <a:endParaRPr lang="ko-KR" altLang="en-US">
-              <a:solidFill>
-                <a:srgbClr val="FF0000"/>
-              </a:solidFill>
-            </a:endParaRPr>
-          </a:p>
-        </p:txBody>
-      </p:sp>
-      <p:sp>
-        <p:nvSpPr>
-          <p:cNvPr id="7" name="직사각형 6">
-            <a:extLst>
-              <a:ext uri="{FF2B5EF4-FFF2-40B4-BE49-F238E27FC236}">
-                <a16:creationId xmlns:a16="http://schemas.microsoft.com/office/drawing/2014/main" id="{08D40A02-1B4E-4111-B8F3-5DCF68397C41}"/>
-              </a:ext>
-            </a:extLst>
-          </p:cNvPr>
-          <p:cNvSpPr/>
-          <p:nvPr/>
-        </p:nvSpPr>
-        <p:spPr>
-          <a:xfrm rot="5400000">
-            <a:off x="7246536" y="3426017"/>
-            <a:ext cx="3180780" cy="750626"/>
-          </a:xfrm>
-          <a:prstGeom prst="rect">
-            <a:avLst/>
-          </a:prstGeom>
-          <a:noFill/>
-          <a:ln w="57150">
-            <a:solidFill>
-              <a:srgbClr val="FF0000"/>
-            </a:solidFill>
-          </a:ln>
-        </p:spPr>
-        <p:style>
-          <a:lnRef idx="2">
-            <a:schemeClr val="accent1">
-              <a:shade val="50000"/>
-            </a:schemeClr>
-          </a:lnRef>
-          <a:fillRef idx="1">
-            <a:schemeClr val="accent1"/>
-          </a:fillRef>
-          <a:effectRef idx="0">
-            <a:schemeClr val="accent1"/>
-          </a:effectRef>
-          <a:fontRef idx="minor">
-            <a:schemeClr val="lt1"/>
-          </a:fontRef>
-        </p:style>
-        <p:txBody>
-          <a:bodyPr rtlCol="0" anchor="ctr"/>
-          <a:lstStyle/>
-          <a:p>
-            <a:pPr algn="ctr"/>
-            <a:endParaRPr lang="ko-KR" altLang="en-US">
-              <a:solidFill>
-                <a:srgbClr val="FF0000"/>
-              </a:solidFill>
-            </a:endParaRPr>
-          </a:p>
-        </p:txBody>
-      </p:sp>
-      <p:sp>
-        <p:nvSpPr>
-          <p:cNvPr id="8" name="직사각형 7">
-            <a:extLst>
-              <a:ext uri="{FF2B5EF4-FFF2-40B4-BE49-F238E27FC236}">
-                <a16:creationId xmlns:a16="http://schemas.microsoft.com/office/drawing/2014/main" id="{4ECB4731-1105-4B96-9E25-A536FDEB9E69}"/>
-              </a:ext>
-            </a:extLst>
-          </p:cNvPr>
-          <p:cNvSpPr/>
-          <p:nvPr/>
-        </p:nvSpPr>
-        <p:spPr>
-          <a:xfrm>
-            <a:off x="2158622" y="2210940"/>
-            <a:ext cx="2719602" cy="478093"/>
-          </a:xfrm>
-          <a:prstGeom prst="rect">
-            <a:avLst/>
-          </a:prstGeom>
-          <a:noFill/>
-          <a:ln w="57150">
-            <a:solidFill>
-              <a:srgbClr val="FF0000"/>
-            </a:solidFill>
-          </a:ln>
-        </p:spPr>
-        <p:style>
-          <a:lnRef idx="2">
-            <a:schemeClr val="accent1">
-              <a:shade val="50000"/>
-            </a:schemeClr>
-          </a:lnRef>
-          <a:fillRef idx="1">
-            <a:schemeClr val="accent1"/>
-          </a:fillRef>
-          <a:effectRef idx="0">
-            <a:schemeClr val="accent1"/>
-          </a:effectRef>
-          <a:fontRef idx="minor">
-            <a:schemeClr val="lt1"/>
-          </a:fontRef>
-        </p:style>
-        <p:txBody>
-          <a:bodyPr rtlCol="0" anchor="ctr"/>
-          <a:lstStyle/>
-          <a:p>
-            <a:pPr algn="ctr"/>
-            <a:r>
-              <a:rPr lang="ko-KR" altLang="en-US">
-                <a:solidFill>
-                  <a:srgbClr val="FF0000"/>
-                </a:solidFill>
-              </a:rPr>
-              <a:t>숙소 검색 바</a:t>
-            </a:r>
-          </a:p>
-        </p:txBody>
-      </p:sp>
-      <p:sp>
-        <p:nvSpPr>
-          <p:cNvPr id="9" name="TextBox 8">
-            <a:extLst>
-              <a:ext uri="{FF2B5EF4-FFF2-40B4-BE49-F238E27FC236}">
-                <a16:creationId xmlns:a16="http://schemas.microsoft.com/office/drawing/2014/main" id="{FD96C749-5C77-46CB-AC12-0FB305FAF6D8}"/>
+      </p:cxnSp>
+      <p:sp>
+        <p:nvSpPr>
+          <p:cNvPr id="14" name="TextBox 13">
+            <a:extLst>
+              <a:ext uri="{FF2B5EF4-FFF2-40B4-BE49-F238E27FC236}">
+                <a16:creationId xmlns:a16="http://schemas.microsoft.com/office/drawing/2014/main" id="{05F35898-C4EB-469C-A4A4-C6B80EC2F727}"/>
               </a:ext>
             </a:extLst>
           </p:cNvPr>
@@ -5361,8 +5345,8 @@
         </p:nvSpPr>
         <p:spPr>
           <a:xfrm>
-            <a:off x="4012442" y="1496931"/>
-            <a:ext cx="2838734" cy="369332"/>
+            <a:off x="191070" y="70693"/>
+            <a:ext cx="3957850" cy="584775"/>
           </a:xfrm>
           <a:prstGeom prst="rect">
             <a:avLst/>
@@ -5376,282 +5360,8 @@
           <a:lstStyle/>
           <a:p>
             <a:r>
-              <a:rPr lang="ko-KR" altLang="en-US"/>
-              <a:t>사이트 이름</a:t>
-            </a:r>
-            <a:r>
-              <a:rPr lang="en-US" altLang="ko-KR"/>
-              <a:t>/</a:t>
-            </a:r>
-            <a:r>
-              <a:rPr lang="ko-KR" altLang="en-US"/>
-              <a:t>소개 등등</a:t>
-            </a:r>
-          </a:p>
-        </p:txBody>
-      </p:sp>
-      <p:sp>
-        <p:nvSpPr>
-          <p:cNvPr id="11" name="직사각형 10">
-            <a:extLst>
-              <a:ext uri="{FF2B5EF4-FFF2-40B4-BE49-F238E27FC236}">
-                <a16:creationId xmlns:a16="http://schemas.microsoft.com/office/drawing/2014/main" id="{C1E713E1-90FF-4C20-B01D-BD364982205D}"/>
-              </a:ext>
-            </a:extLst>
-          </p:cNvPr>
-          <p:cNvSpPr/>
-          <p:nvPr/>
-        </p:nvSpPr>
-        <p:spPr>
-          <a:xfrm>
-            <a:off x="4988545" y="2226441"/>
-            <a:ext cx="2040052" cy="478093"/>
-          </a:xfrm>
-          <a:prstGeom prst="rect">
-            <a:avLst/>
-          </a:prstGeom>
-          <a:noFill/>
-          <a:ln w="57150">
-            <a:solidFill>
-              <a:srgbClr val="FF0000"/>
-            </a:solidFill>
-          </a:ln>
-        </p:spPr>
-        <p:style>
-          <a:lnRef idx="2">
-            <a:schemeClr val="accent1">
-              <a:shade val="50000"/>
-            </a:schemeClr>
-          </a:lnRef>
-          <a:fillRef idx="1">
-            <a:schemeClr val="accent1"/>
-          </a:fillRef>
-          <a:effectRef idx="0">
-            <a:schemeClr val="accent1"/>
-          </a:effectRef>
-          <a:fontRef idx="minor">
-            <a:schemeClr val="lt1"/>
-          </a:fontRef>
-        </p:style>
-        <p:txBody>
-          <a:bodyPr rtlCol="0" anchor="ctr"/>
-          <a:lstStyle/>
-          <a:p>
-            <a:pPr algn="ctr"/>
-            <a:r>
-              <a:rPr lang="ko-KR" altLang="en-US">
-                <a:solidFill>
-                  <a:srgbClr val="FF0000"/>
-                </a:solidFill>
-              </a:rPr>
-              <a:t>로그인</a:t>
-            </a:r>
-            <a:r>
-              <a:rPr lang="en-US" altLang="ko-KR">
-                <a:solidFill>
-                  <a:srgbClr val="FF0000"/>
-                </a:solidFill>
-              </a:rPr>
-              <a:t>/</a:t>
-            </a:r>
-            <a:r>
-              <a:rPr lang="ko-KR" altLang="en-US">
-                <a:solidFill>
-                  <a:srgbClr val="FF0000"/>
-                </a:solidFill>
-              </a:rPr>
-              <a:t>로그아웃</a:t>
-            </a:r>
-          </a:p>
-        </p:txBody>
-      </p:sp>
-      <p:sp>
-        <p:nvSpPr>
-          <p:cNvPr id="12" name="직사각형 11">
-            <a:extLst>
-              <a:ext uri="{FF2B5EF4-FFF2-40B4-BE49-F238E27FC236}">
-                <a16:creationId xmlns:a16="http://schemas.microsoft.com/office/drawing/2014/main" id="{7086C816-9CCF-4DBA-9402-B8F812D14A9B}"/>
-              </a:ext>
-            </a:extLst>
-          </p:cNvPr>
-          <p:cNvSpPr/>
-          <p:nvPr/>
-        </p:nvSpPr>
-        <p:spPr>
-          <a:xfrm>
-            <a:off x="7111622" y="2231425"/>
-            <a:ext cx="1289426" cy="478093"/>
-          </a:xfrm>
-          <a:prstGeom prst="rect">
-            <a:avLst/>
-          </a:prstGeom>
-          <a:noFill/>
-          <a:ln w="57150">
-            <a:solidFill>
-              <a:srgbClr val="FF0000"/>
-            </a:solidFill>
-          </a:ln>
-        </p:spPr>
-        <p:style>
-          <a:lnRef idx="2">
-            <a:schemeClr val="accent1">
-              <a:shade val="50000"/>
-            </a:schemeClr>
-          </a:lnRef>
-          <a:fillRef idx="1">
-            <a:schemeClr val="accent1"/>
-          </a:fillRef>
-          <a:effectRef idx="0">
-            <a:schemeClr val="accent1"/>
-          </a:effectRef>
-          <a:fontRef idx="minor">
-            <a:schemeClr val="lt1"/>
-          </a:fontRef>
-        </p:style>
-        <p:txBody>
-          <a:bodyPr rtlCol="0" anchor="ctr"/>
-          <a:lstStyle/>
-          <a:p>
-            <a:pPr algn="ctr"/>
-            <a:r>
-              <a:rPr lang="ko-KR" altLang="en-US">
-                <a:solidFill>
-                  <a:srgbClr val="FF0000"/>
-                </a:solidFill>
-              </a:rPr>
-              <a:t>게시판</a:t>
-            </a:r>
-          </a:p>
-        </p:txBody>
-      </p:sp>
-      <p:sp>
-        <p:nvSpPr>
-          <p:cNvPr id="13" name="TextBox 12">
-            <a:extLst>
-              <a:ext uri="{FF2B5EF4-FFF2-40B4-BE49-F238E27FC236}">
-                <a16:creationId xmlns:a16="http://schemas.microsoft.com/office/drawing/2014/main" id="{3969ADFC-DF3F-4045-892A-EB5821BC7E1A}"/>
-              </a:ext>
-            </a:extLst>
-          </p:cNvPr>
-          <p:cNvSpPr txBox="1"/>
-          <p:nvPr/>
-        </p:nvSpPr>
-        <p:spPr>
-          <a:xfrm>
-            <a:off x="3729395" y="5760791"/>
-            <a:ext cx="2838734" cy="369332"/>
-          </a:xfrm>
-          <a:prstGeom prst="rect">
-            <a:avLst/>
-          </a:prstGeom>
-          <a:noFill/>
-        </p:spPr>
-        <p:txBody>
-          <a:bodyPr wrap="square" rtlCol="0">
-            <a:spAutoFit/>
-          </a:bodyPr>
-          <a:lstStyle/>
-          <a:p>
-            <a:r>
-              <a:rPr lang="ko-KR" altLang="en-US"/>
-              <a:t>대충 사진 </a:t>
-            </a:r>
-            <a:r>
-              <a:rPr lang="en-US" altLang="ko-KR"/>
-              <a:t>+ </a:t>
-            </a:r>
-            <a:r>
-              <a:rPr lang="ko-KR" altLang="en-US"/>
-              <a:t>저작권</a:t>
-            </a:r>
-            <a:r>
-              <a:rPr lang="en-US" altLang="ko-KR"/>
-              <a:t>? </a:t>
-            </a:r>
-            <a:endParaRPr lang="ko-KR" altLang="en-US"/>
-          </a:p>
-        </p:txBody>
-      </p:sp>
-      <p:sp>
-        <p:nvSpPr>
-          <p:cNvPr id="14" name="TextBox 13">
-            <a:extLst>
-              <a:ext uri="{FF2B5EF4-FFF2-40B4-BE49-F238E27FC236}">
-                <a16:creationId xmlns:a16="http://schemas.microsoft.com/office/drawing/2014/main" id="{91B4120A-E553-41E4-A085-84DE376E2932}"/>
-              </a:ext>
-            </a:extLst>
-          </p:cNvPr>
-          <p:cNvSpPr txBox="1"/>
-          <p:nvPr/>
-        </p:nvSpPr>
-        <p:spPr>
-          <a:xfrm>
-            <a:off x="1271239" y="3202844"/>
-            <a:ext cx="750626" cy="923330"/>
-          </a:xfrm>
-          <a:prstGeom prst="rect">
-            <a:avLst/>
-          </a:prstGeom>
-          <a:noFill/>
-        </p:spPr>
-        <p:txBody>
-          <a:bodyPr wrap="square" rtlCol="0">
-            <a:spAutoFit/>
-          </a:bodyPr>
-          <a:lstStyle/>
-          <a:p>
-            <a:r>
-              <a:rPr lang="ko-KR" altLang="en-US"/>
-              <a:t>대충 여백</a:t>
-            </a:r>
-            <a:endParaRPr lang="en-US" altLang="ko-KR"/>
-          </a:p>
-          <a:p>
-            <a:r>
-              <a:rPr lang="ko-KR" altLang="en-US"/>
-              <a:t>사진</a:t>
-            </a:r>
-          </a:p>
-        </p:txBody>
-      </p:sp>
-      <p:sp>
-        <p:nvSpPr>
-          <p:cNvPr id="15" name="TextBox 14">
-            <a:extLst>
-              <a:ext uri="{FF2B5EF4-FFF2-40B4-BE49-F238E27FC236}">
-                <a16:creationId xmlns:a16="http://schemas.microsoft.com/office/drawing/2014/main" id="{5B47A488-88B3-476D-81A3-F1F4E63EC72D}"/>
-              </a:ext>
-            </a:extLst>
-          </p:cNvPr>
-          <p:cNvSpPr txBox="1"/>
-          <p:nvPr/>
-        </p:nvSpPr>
-        <p:spPr>
-          <a:xfrm>
-            <a:off x="8482932" y="3202844"/>
-            <a:ext cx="750626" cy="923330"/>
-          </a:xfrm>
-          <a:prstGeom prst="rect">
-            <a:avLst/>
-          </a:prstGeom>
-          <a:noFill/>
-        </p:spPr>
-        <p:txBody>
-          <a:bodyPr wrap="square" rtlCol="0">
-            <a:spAutoFit/>
-          </a:bodyPr>
-          <a:lstStyle/>
-          <a:p>
-            <a:r>
-              <a:rPr lang="ko-KR" altLang="en-US"/>
-              <a:t>대충 여백</a:t>
-            </a:r>
-            <a:endParaRPr lang="en-US" altLang="ko-KR"/>
-          </a:p>
-          <a:p>
-            <a:r>
-              <a:rPr lang="ko-KR" altLang="en-US"/>
-              <a:t>사진</a:t>
+              <a:rPr lang="ko-KR" altLang="en-US" sz="3200" b="1"/>
+              <a:t>페이지 구조</a:t>
             </a:r>
           </a:p>
         </p:txBody>
@@ -5659,7 +5369,7 @@
     </p:spTree>
     <p:extLst>
       <p:ext uri="{BB962C8B-B14F-4D97-AF65-F5344CB8AC3E}">
-        <p14:creationId xmlns:p14="http://schemas.microsoft.com/office/powerpoint/2010/main" val="1094705444"/>
+        <p14:creationId xmlns:p14="http://schemas.microsoft.com/office/powerpoint/2010/main" val="3284561963"/>
       </p:ext>
     </p:extLst>
   </p:cSld>
@@ -5691,7 +5401,7 @@
           <p:cNvPr id="2" name="TextBox 1">
             <a:extLst>
               <a:ext uri="{FF2B5EF4-FFF2-40B4-BE49-F238E27FC236}">
-                <a16:creationId xmlns:a16="http://schemas.microsoft.com/office/drawing/2014/main" id="{1107FF34-34E0-495C-AD0D-97719755F3F8}"/>
+                <a16:creationId xmlns:a16="http://schemas.microsoft.com/office/drawing/2014/main" id="{D23897A6-EA55-4C8C-A9F4-F9A66FEDDF3B}"/>
               </a:ext>
             </a:extLst>
           </p:cNvPr>
@@ -5700,8 +5410,8 @@
         </p:nvSpPr>
         <p:spPr>
           <a:xfrm>
-            <a:off x="304801" y="309299"/>
-            <a:ext cx="4790364" cy="646331"/>
+            <a:off x="492457" y="3099836"/>
+            <a:ext cx="1801504" cy="646331"/>
           </a:xfrm>
           <a:prstGeom prst="rect">
             <a:avLst/>
@@ -5720,14 +5430,14 @@
             </a:r>
             <a:r>
               <a:rPr lang="ko-KR" altLang="en-US" b="1"/>
-              <a:t>메인 페이지</a:t>
+              <a:t>상속 템플릿</a:t>
             </a:r>
             <a:endParaRPr lang="en-US" altLang="ko-KR" b="1"/>
           </a:p>
           <a:p>
             <a:r>
               <a:rPr lang="en-US" altLang="ko-KR" b="1"/>
-              <a:t>Main.HTML</a:t>
+              <a:t>base.HTML</a:t>
             </a:r>
             <a:endParaRPr lang="ko-KR" altLang="en-US" b="1"/>
           </a:p>
@@ -5735,345 +5445,10 @@
       </p:sp>
       <p:sp>
         <p:nvSpPr>
-          <p:cNvPr id="3" name="직사각형 2">
-            <a:extLst>
-              <a:ext uri="{FF2B5EF4-FFF2-40B4-BE49-F238E27FC236}">
-                <a16:creationId xmlns:a16="http://schemas.microsoft.com/office/drawing/2014/main" id="{7506D7B3-6A94-4008-B5E3-D3DD9C0C0781}"/>
-              </a:ext>
-            </a:extLst>
-          </p:cNvPr>
-          <p:cNvSpPr/>
-          <p:nvPr/>
-        </p:nvSpPr>
-        <p:spPr>
-          <a:xfrm>
-            <a:off x="1187354" y="1160058"/>
-            <a:ext cx="8161362" cy="5274861"/>
-          </a:xfrm>
-          <a:prstGeom prst="rect">
-            <a:avLst/>
-          </a:prstGeom>
-          <a:noFill/>
-          <a:ln w="57150">
-            <a:solidFill>
-              <a:srgbClr val="92D050"/>
-            </a:solidFill>
-          </a:ln>
-        </p:spPr>
-        <p:style>
-          <a:lnRef idx="2">
-            <a:schemeClr val="accent1">
-              <a:shade val="50000"/>
-            </a:schemeClr>
-          </a:lnRef>
-          <a:fillRef idx="1">
-            <a:schemeClr val="accent1"/>
-          </a:fillRef>
-          <a:effectRef idx="0">
-            <a:schemeClr val="accent1"/>
-          </a:effectRef>
-          <a:fontRef idx="minor">
-            <a:schemeClr val="lt1"/>
-          </a:fontRef>
-        </p:style>
-        <p:txBody>
-          <a:bodyPr rtlCol="0" anchor="ctr"/>
-          <a:lstStyle/>
-          <a:p>
-            <a:pPr algn="ctr"/>
-            <a:endParaRPr lang="ko-KR" altLang="en-US"/>
-          </a:p>
-        </p:txBody>
-      </p:sp>
-      <p:sp>
-        <p:nvSpPr>
-          <p:cNvPr id="4" name="직사각형 3">
-            <a:extLst>
-              <a:ext uri="{FF2B5EF4-FFF2-40B4-BE49-F238E27FC236}">
-                <a16:creationId xmlns:a16="http://schemas.microsoft.com/office/drawing/2014/main" id="{5BBF4AE5-9EA5-4EE2-829D-0D8D30D05252}"/>
-              </a:ext>
-            </a:extLst>
-          </p:cNvPr>
-          <p:cNvSpPr/>
-          <p:nvPr/>
-        </p:nvSpPr>
-        <p:spPr>
-          <a:xfrm>
-            <a:off x="1297675" y="1310186"/>
-            <a:ext cx="7914564" cy="750626"/>
-          </a:xfrm>
-          <a:prstGeom prst="rect">
-            <a:avLst/>
-          </a:prstGeom>
-          <a:noFill/>
-          <a:ln w="57150">
-            <a:solidFill>
-              <a:srgbClr val="FF0000"/>
-            </a:solidFill>
-          </a:ln>
-        </p:spPr>
-        <p:style>
-          <a:lnRef idx="2">
-            <a:schemeClr val="accent1">
-              <a:shade val="50000"/>
-            </a:schemeClr>
-          </a:lnRef>
-          <a:fillRef idx="1">
-            <a:schemeClr val="accent1"/>
-          </a:fillRef>
-          <a:effectRef idx="0">
-            <a:schemeClr val="accent1"/>
-          </a:effectRef>
-          <a:fontRef idx="minor">
-            <a:schemeClr val="lt1"/>
-          </a:fontRef>
-        </p:style>
-        <p:txBody>
-          <a:bodyPr rtlCol="0" anchor="ctr"/>
-          <a:lstStyle/>
-          <a:p>
-            <a:pPr algn="ctr"/>
-            <a:endParaRPr lang="ko-KR" altLang="en-US">
-              <a:solidFill>
-                <a:srgbClr val="FF0000"/>
-              </a:solidFill>
-            </a:endParaRPr>
-          </a:p>
-        </p:txBody>
-      </p:sp>
-      <p:sp>
-        <p:nvSpPr>
-          <p:cNvPr id="5" name="직사각형 4">
-            <a:extLst>
-              <a:ext uri="{FF2B5EF4-FFF2-40B4-BE49-F238E27FC236}">
-                <a16:creationId xmlns:a16="http://schemas.microsoft.com/office/drawing/2014/main" id="{A5098081-B603-4CD1-B3F9-BDB6EDF06CD9}"/>
-              </a:ext>
-            </a:extLst>
-          </p:cNvPr>
-          <p:cNvSpPr/>
-          <p:nvPr/>
-        </p:nvSpPr>
-        <p:spPr>
-          <a:xfrm>
-            <a:off x="1297675" y="5547814"/>
-            <a:ext cx="7914564" cy="750626"/>
-          </a:xfrm>
-          <a:prstGeom prst="rect">
-            <a:avLst/>
-          </a:prstGeom>
-          <a:noFill/>
-          <a:ln w="57150">
-            <a:solidFill>
-              <a:srgbClr val="FF0000"/>
-            </a:solidFill>
-          </a:ln>
-        </p:spPr>
-        <p:style>
-          <a:lnRef idx="2">
-            <a:schemeClr val="accent1">
-              <a:shade val="50000"/>
-            </a:schemeClr>
-          </a:lnRef>
-          <a:fillRef idx="1">
-            <a:schemeClr val="accent1"/>
-          </a:fillRef>
-          <a:effectRef idx="0">
-            <a:schemeClr val="accent1"/>
-          </a:effectRef>
-          <a:fontRef idx="minor">
-            <a:schemeClr val="lt1"/>
-          </a:fontRef>
-        </p:style>
-        <p:txBody>
-          <a:bodyPr rtlCol="0" anchor="ctr"/>
-          <a:lstStyle/>
-          <a:p>
-            <a:pPr algn="ctr"/>
-            <a:endParaRPr lang="ko-KR" altLang="en-US">
-              <a:solidFill>
-                <a:srgbClr val="FF0000"/>
-              </a:solidFill>
-            </a:endParaRPr>
-          </a:p>
-        </p:txBody>
-      </p:sp>
-      <p:sp>
-        <p:nvSpPr>
-          <p:cNvPr id="6" name="직사각형 5">
-            <a:extLst>
-              <a:ext uri="{FF2B5EF4-FFF2-40B4-BE49-F238E27FC236}">
-                <a16:creationId xmlns:a16="http://schemas.microsoft.com/office/drawing/2014/main" id="{815B8FB3-2BE7-4455-9189-3CDD1AF6A086}"/>
-              </a:ext>
-            </a:extLst>
-          </p:cNvPr>
-          <p:cNvSpPr/>
-          <p:nvPr/>
-        </p:nvSpPr>
-        <p:spPr>
-          <a:xfrm rot="5400000">
-            <a:off x="82598" y="3403837"/>
-            <a:ext cx="3180780" cy="750626"/>
-          </a:xfrm>
-          <a:prstGeom prst="rect">
-            <a:avLst/>
-          </a:prstGeom>
-          <a:noFill/>
-          <a:ln w="57150">
-            <a:solidFill>
-              <a:srgbClr val="FF0000"/>
-            </a:solidFill>
-          </a:ln>
-        </p:spPr>
-        <p:style>
-          <a:lnRef idx="2">
-            <a:schemeClr val="accent1">
-              <a:shade val="50000"/>
-            </a:schemeClr>
-          </a:lnRef>
-          <a:fillRef idx="1">
-            <a:schemeClr val="accent1"/>
-          </a:fillRef>
-          <a:effectRef idx="0">
-            <a:schemeClr val="accent1"/>
-          </a:effectRef>
-          <a:fontRef idx="minor">
-            <a:schemeClr val="lt1"/>
-          </a:fontRef>
-        </p:style>
-        <p:txBody>
-          <a:bodyPr rtlCol="0" anchor="ctr"/>
-          <a:lstStyle/>
-          <a:p>
-            <a:pPr algn="ctr"/>
-            <a:endParaRPr lang="ko-KR" altLang="en-US">
-              <a:solidFill>
-                <a:srgbClr val="FF0000"/>
-              </a:solidFill>
-            </a:endParaRPr>
-          </a:p>
-        </p:txBody>
-      </p:sp>
-      <p:sp>
-        <p:nvSpPr>
-          <p:cNvPr id="7" name="직사각형 6">
-            <a:extLst>
-              <a:ext uri="{FF2B5EF4-FFF2-40B4-BE49-F238E27FC236}">
-                <a16:creationId xmlns:a16="http://schemas.microsoft.com/office/drawing/2014/main" id="{4D418622-AFEC-4A5E-B14C-6506FEB81937}"/>
-              </a:ext>
-            </a:extLst>
-          </p:cNvPr>
-          <p:cNvSpPr/>
-          <p:nvPr/>
-        </p:nvSpPr>
-        <p:spPr>
-          <a:xfrm rot="5400000">
-            <a:off x="7246536" y="3426017"/>
-            <a:ext cx="3180780" cy="750626"/>
-          </a:xfrm>
-          <a:prstGeom prst="rect">
-            <a:avLst/>
-          </a:prstGeom>
-          <a:noFill/>
-          <a:ln w="57150">
-            <a:solidFill>
-              <a:srgbClr val="FF0000"/>
-            </a:solidFill>
-          </a:ln>
-        </p:spPr>
-        <p:style>
-          <a:lnRef idx="2">
-            <a:schemeClr val="accent1">
-              <a:shade val="50000"/>
-            </a:schemeClr>
-          </a:lnRef>
-          <a:fillRef idx="1">
-            <a:schemeClr val="accent1"/>
-          </a:fillRef>
-          <a:effectRef idx="0">
-            <a:schemeClr val="accent1"/>
-          </a:effectRef>
-          <a:fontRef idx="minor">
-            <a:schemeClr val="lt1"/>
-          </a:fontRef>
-        </p:style>
-        <p:txBody>
-          <a:bodyPr rtlCol="0" anchor="ctr"/>
-          <a:lstStyle/>
-          <a:p>
-            <a:pPr algn="ctr"/>
-            <a:endParaRPr lang="ko-KR" altLang="en-US">
-              <a:solidFill>
-                <a:srgbClr val="FF0000"/>
-              </a:solidFill>
-            </a:endParaRPr>
-          </a:p>
-        </p:txBody>
-      </p:sp>
-      <p:sp>
-        <p:nvSpPr>
-          <p:cNvPr id="8" name="직사각형 7">
-            <a:extLst>
-              <a:ext uri="{FF2B5EF4-FFF2-40B4-BE49-F238E27FC236}">
-                <a16:creationId xmlns:a16="http://schemas.microsoft.com/office/drawing/2014/main" id="{13B05C0B-4DCC-41F5-AB41-1E68259AA40E}"/>
-              </a:ext>
-            </a:extLst>
-          </p:cNvPr>
-          <p:cNvSpPr/>
-          <p:nvPr/>
-        </p:nvSpPr>
-        <p:spPr>
-          <a:xfrm>
-            <a:off x="2158622" y="2210940"/>
-            <a:ext cx="2719602" cy="478093"/>
-          </a:xfrm>
-          <a:prstGeom prst="rect">
-            <a:avLst/>
-          </a:prstGeom>
-          <a:noFill/>
-          <a:ln w="57150">
-            <a:solidFill>
-              <a:srgbClr val="FF0000"/>
-            </a:solidFill>
-          </a:ln>
-        </p:spPr>
-        <p:style>
-          <a:lnRef idx="2">
-            <a:schemeClr val="accent1">
-              <a:shade val="50000"/>
-            </a:schemeClr>
-          </a:lnRef>
-          <a:fillRef idx="1">
-            <a:schemeClr val="accent1"/>
-          </a:fillRef>
-          <a:effectRef idx="0">
-            <a:schemeClr val="accent1"/>
-          </a:effectRef>
-          <a:fontRef idx="minor">
-            <a:schemeClr val="lt1"/>
-          </a:fontRef>
-        </p:style>
-        <p:txBody>
-          <a:bodyPr rtlCol="0" anchor="ctr"/>
-          <a:lstStyle/>
-          <a:p>
-            <a:pPr algn="ctr"/>
-            <a:r>
-              <a:rPr lang="ko-KR" altLang="en-US">
-                <a:solidFill>
-                  <a:srgbClr val="FF0000"/>
-                </a:solidFill>
-              </a:rPr>
-              <a:t>숙소 검색 바</a:t>
-            </a:r>
-          </a:p>
-        </p:txBody>
-      </p:sp>
-      <p:sp>
-        <p:nvSpPr>
-          <p:cNvPr id="9" name="TextBox 8">
-            <a:extLst>
-              <a:ext uri="{FF2B5EF4-FFF2-40B4-BE49-F238E27FC236}">
-                <a16:creationId xmlns:a16="http://schemas.microsoft.com/office/drawing/2014/main" id="{774DE57B-9DAC-47E1-AE7A-517BCD273455}"/>
+          <p:cNvPr id="3" name="TextBox 2">
+            <a:extLst>
+              <a:ext uri="{FF2B5EF4-FFF2-40B4-BE49-F238E27FC236}">
+                <a16:creationId xmlns:a16="http://schemas.microsoft.com/office/drawing/2014/main" id="{0248D0D0-8442-48B6-A1F7-6BC587B7DEEA}"/>
               </a:ext>
             </a:extLst>
           </p:cNvPr>
@@ -6082,8 +5457,8 @@
         </p:nvSpPr>
         <p:spPr>
           <a:xfrm>
-            <a:off x="4012442" y="1496931"/>
-            <a:ext cx="2838734" cy="369332"/>
+            <a:off x="2488442" y="3025203"/>
+            <a:ext cx="4790364" cy="646331"/>
           </a:xfrm>
           <a:prstGeom prst="rect">
             <a:avLst/>
@@ -6097,160 +5472,30 @@
           <a:lstStyle/>
           <a:p>
             <a:r>
-              <a:rPr lang="ko-KR" altLang="en-US"/>
-              <a:t>사이트 이름</a:t>
-            </a:r>
-            <a:r>
-              <a:rPr lang="en-US" altLang="ko-KR"/>
-              <a:t>/</a:t>
-            </a:r>
-            <a:r>
-              <a:rPr lang="ko-KR" altLang="en-US"/>
-              <a:t>소개 등등</a:t>
-            </a:r>
-          </a:p>
-        </p:txBody>
-      </p:sp>
-      <p:sp>
-        <p:nvSpPr>
-          <p:cNvPr id="10" name="직사각형 9">
-            <a:extLst>
-              <a:ext uri="{FF2B5EF4-FFF2-40B4-BE49-F238E27FC236}">
-                <a16:creationId xmlns:a16="http://schemas.microsoft.com/office/drawing/2014/main" id="{0CE691BC-9E88-49B7-8B20-AD6FC272223B}"/>
-              </a:ext>
-            </a:extLst>
-          </p:cNvPr>
-          <p:cNvSpPr/>
-          <p:nvPr/>
-        </p:nvSpPr>
-        <p:spPr>
-          <a:xfrm>
-            <a:off x="4988545" y="2226441"/>
-            <a:ext cx="2040052" cy="478093"/>
-          </a:xfrm>
-          <a:prstGeom prst="rect">
-            <a:avLst/>
-          </a:prstGeom>
-          <a:noFill/>
-          <a:ln w="57150">
-            <a:solidFill>
-              <a:srgbClr val="FF0000"/>
-            </a:solidFill>
-          </a:ln>
-        </p:spPr>
-        <p:style>
-          <a:lnRef idx="2">
-            <a:schemeClr val="accent1">
-              <a:shade val="50000"/>
-            </a:schemeClr>
-          </a:lnRef>
-          <a:fillRef idx="1">
-            <a:schemeClr val="accent1"/>
-          </a:fillRef>
-          <a:effectRef idx="0">
-            <a:schemeClr val="accent1"/>
-          </a:effectRef>
-          <a:fontRef idx="minor">
-            <a:schemeClr val="lt1"/>
-          </a:fontRef>
-        </p:style>
-        <p:txBody>
-          <a:bodyPr rtlCol="0" anchor="ctr"/>
-          <a:lstStyle/>
-          <a:p>
-            <a:pPr algn="ctr"/>
-            <a:r>
-              <a:rPr lang="ko-KR" altLang="en-US">
-                <a:solidFill>
-                  <a:srgbClr val="FF0000"/>
-                </a:solidFill>
-              </a:rPr>
-              <a:t>로그인</a:t>
-            </a:r>
-            <a:r>
-              <a:rPr lang="en-US" altLang="ko-KR">
-                <a:solidFill>
-                  <a:srgbClr val="FF0000"/>
-                </a:solidFill>
-              </a:rPr>
-              <a:t>/</a:t>
-            </a:r>
-            <a:r>
-              <a:rPr lang="ko-KR" altLang="en-US">
-                <a:solidFill>
-                  <a:srgbClr val="FF0000"/>
-                </a:solidFill>
-              </a:rPr>
-              <a:t>로그아웃</a:t>
-            </a:r>
-          </a:p>
-        </p:txBody>
-      </p:sp>
-      <p:sp>
-        <p:nvSpPr>
-          <p:cNvPr id="11" name="직사각형 10">
-            <a:extLst>
-              <a:ext uri="{FF2B5EF4-FFF2-40B4-BE49-F238E27FC236}">
-                <a16:creationId xmlns:a16="http://schemas.microsoft.com/office/drawing/2014/main" id="{07DA6C09-8D73-4E28-9324-98BC1180F25F}"/>
-              </a:ext>
-            </a:extLst>
-          </p:cNvPr>
-          <p:cNvSpPr/>
-          <p:nvPr/>
-        </p:nvSpPr>
-        <p:spPr>
-          <a:xfrm>
-            <a:off x="7111622" y="2231425"/>
-            <a:ext cx="1289426" cy="478093"/>
-          </a:xfrm>
-          <a:prstGeom prst="rect">
-            <a:avLst/>
-          </a:prstGeom>
-          <a:noFill/>
-          <a:ln w="57150">
-            <a:solidFill>
-              <a:srgbClr val="FF0000"/>
-            </a:solidFill>
-          </a:ln>
-        </p:spPr>
-        <p:style>
-          <a:lnRef idx="2">
-            <a:schemeClr val="accent1">
-              <a:shade val="50000"/>
-            </a:schemeClr>
-          </a:lnRef>
-          <a:fillRef idx="1">
-            <a:schemeClr val="accent1"/>
-          </a:fillRef>
-          <a:effectRef idx="0">
-            <a:schemeClr val="accent1"/>
-          </a:effectRef>
-          <a:fontRef idx="minor">
-            <a:schemeClr val="lt1"/>
-          </a:fontRef>
-        </p:style>
-        <p:txBody>
-          <a:bodyPr rtlCol="0" anchor="ctr"/>
-          <a:lstStyle/>
-          <a:p>
-            <a:pPr algn="ctr"/>
-            <a:r>
-              <a:rPr lang="ko-KR" altLang="en-US">
-                <a:solidFill>
-                  <a:srgbClr val="FF0000"/>
-                </a:solidFill>
-              </a:rPr>
-              <a:t>게시판</a:t>
-            </a:r>
-          </a:p>
-        </p:txBody>
-      </p:sp>
-      <p:sp>
-        <p:nvSpPr>
-          <p:cNvPr id="12" name="TextBox 11">
-            <a:extLst>
-              <a:ext uri="{FF2B5EF4-FFF2-40B4-BE49-F238E27FC236}">
-                <a16:creationId xmlns:a16="http://schemas.microsoft.com/office/drawing/2014/main" id="{5016E58D-C4C1-4F1C-8FD9-40B2E1A00BA7}"/>
+              <a:rPr lang="en-US" altLang="ko-KR" b="1"/>
+              <a:t>// </a:t>
+            </a:r>
+            <a:r>
+              <a:rPr lang="ko-KR" altLang="en-US" b="1"/>
+              <a:t>메인 페이지</a:t>
+            </a:r>
+            <a:endParaRPr lang="en-US" altLang="ko-KR" b="1"/>
+          </a:p>
+          <a:p>
+            <a:r>
+              <a:rPr lang="en-US" altLang="ko-KR" b="1"/>
+              <a:t>Main.HTML</a:t>
+            </a:r>
+            <a:endParaRPr lang="ko-KR" altLang="en-US" b="1"/>
+          </a:p>
+        </p:txBody>
+      </p:sp>
+      <p:sp>
+        <p:nvSpPr>
+          <p:cNvPr id="4" name="TextBox 3">
+            <a:extLst>
+              <a:ext uri="{FF2B5EF4-FFF2-40B4-BE49-F238E27FC236}">
+                <a16:creationId xmlns:a16="http://schemas.microsoft.com/office/drawing/2014/main" id="{6A994591-743A-426A-B2CE-23BA2AFB1DF4}"/>
               </a:ext>
             </a:extLst>
           </p:cNvPr>
@@ -6259,8 +5504,8 @@
         </p:nvSpPr>
         <p:spPr>
           <a:xfrm>
-            <a:off x="3729395" y="5760791"/>
-            <a:ext cx="2838734" cy="369332"/>
+            <a:off x="4212610" y="2099724"/>
+            <a:ext cx="4790364" cy="646331"/>
           </a:xfrm>
           <a:prstGeom prst="rect">
             <a:avLst/>
@@ -6274,31 +5519,30 @@
           <a:lstStyle/>
           <a:p>
             <a:r>
-              <a:rPr lang="ko-KR" altLang="en-US"/>
-              <a:t>대충 사진 </a:t>
-            </a:r>
-            <a:r>
-              <a:rPr lang="en-US" altLang="ko-KR"/>
-              <a:t>+ </a:t>
-            </a:r>
-            <a:r>
-              <a:rPr lang="ko-KR" altLang="en-US"/>
-              <a:t>저작권</a:t>
-            </a:r>
-            <a:r>
-              <a:rPr lang="en-US" altLang="ko-KR"/>
-              <a:t>? </a:t>
-            </a:r>
-            <a:endParaRPr lang="ko-KR" altLang="en-US"/>
-          </a:p>
-        </p:txBody>
-      </p:sp>
-      <p:sp>
-        <p:nvSpPr>
-          <p:cNvPr id="13" name="TextBox 12">
-            <a:extLst>
-              <a:ext uri="{FF2B5EF4-FFF2-40B4-BE49-F238E27FC236}">
-                <a16:creationId xmlns:a16="http://schemas.microsoft.com/office/drawing/2014/main" id="{B1120D06-F2BA-4487-B457-53A57CD6E78D}"/>
+              <a:rPr lang="en-US" altLang="ko-KR" b="1"/>
+              <a:t>// </a:t>
+            </a:r>
+            <a:r>
+              <a:rPr lang="ko-KR" altLang="en-US" b="1"/>
+              <a:t>숙소 검색</a:t>
+            </a:r>
+            <a:endParaRPr lang="en-US" altLang="ko-KR" b="1"/>
+          </a:p>
+          <a:p>
+            <a:r>
+              <a:rPr lang="en-US" altLang="ko-KR" b="1"/>
+              <a:t>Searching.HTML</a:t>
+            </a:r>
+            <a:endParaRPr lang="ko-KR" altLang="en-US" b="1"/>
+          </a:p>
+        </p:txBody>
+      </p:sp>
+      <p:sp>
+        <p:nvSpPr>
+          <p:cNvPr id="5" name="TextBox 4">
+            <a:extLst>
+              <a:ext uri="{FF2B5EF4-FFF2-40B4-BE49-F238E27FC236}">
+                <a16:creationId xmlns:a16="http://schemas.microsoft.com/office/drawing/2014/main" id="{54B09150-D9B5-4C12-84E6-C061664CFD6F}"/>
               </a:ext>
             </a:extLst>
           </p:cNvPr>
@@ -6307,8 +5551,8 @@
         </p:nvSpPr>
         <p:spPr>
           <a:xfrm>
-            <a:off x="1271239" y="3202844"/>
-            <a:ext cx="750626" cy="923330"/>
+            <a:off x="6412152" y="2081843"/>
+            <a:ext cx="4790364" cy="646331"/>
           </a:xfrm>
           <a:prstGeom prst="rect">
             <a:avLst/>
@@ -6322,25 +5566,30 @@
           <a:lstStyle/>
           <a:p>
             <a:r>
-              <a:rPr lang="ko-KR" altLang="en-US"/>
-              <a:t>대충 여백</a:t>
-            </a:r>
-            <a:endParaRPr lang="en-US" altLang="ko-KR"/>
-          </a:p>
-          <a:p>
-            <a:r>
-              <a:rPr lang="ko-KR" altLang="en-US"/>
-              <a:t>사진</a:t>
-            </a:r>
-          </a:p>
-        </p:txBody>
-      </p:sp>
-      <p:sp>
-        <p:nvSpPr>
-          <p:cNvPr id="14" name="TextBox 13">
-            <a:extLst>
-              <a:ext uri="{FF2B5EF4-FFF2-40B4-BE49-F238E27FC236}">
-                <a16:creationId xmlns:a16="http://schemas.microsoft.com/office/drawing/2014/main" id="{0033ED73-24DA-460D-8EFA-5468542D7F86}"/>
+              <a:rPr lang="en-US" altLang="ko-KR" b="1"/>
+              <a:t>// </a:t>
+            </a:r>
+            <a:r>
+              <a:rPr lang="ko-KR" altLang="en-US" b="1"/>
+              <a:t>숙소 상세보기</a:t>
+            </a:r>
+            <a:endParaRPr lang="en-US" altLang="ko-KR" b="1"/>
+          </a:p>
+          <a:p>
+            <a:r>
+              <a:rPr lang="en-US" altLang="ko-KR" b="1"/>
+              <a:t>Detail.HTML</a:t>
+            </a:r>
+            <a:endParaRPr lang="ko-KR" altLang="en-US" b="1"/>
+          </a:p>
+        </p:txBody>
+      </p:sp>
+      <p:sp>
+        <p:nvSpPr>
+          <p:cNvPr id="6" name="TextBox 5">
+            <a:extLst>
+              <a:ext uri="{FF2B5EF4-FFF2-40B4-BE49-F238E27FC236}">
+                <a16:creationId xmlns:a16="http://schemas.microsoft.com/office/drawing/2014/main" id="{A6E3DA47-92C9-41C6-86CC-B5FF85CCDA67}"/>
               </a:ext>
             </a:extLst>
           </p:cNvPr>
@@ -6349,8 +5598,8 @@
         </p:nvSpPr>
         <p:spPr>
           <a:xfrm>
-            <a:off x="8482932" y="3202844"/>
-            <a:ext cx="750626" cy="923330"/>
+            <a:off x="5162168" y="1065054"/>
+            <a:ext cx="4790364" cy="646331"/>
           </a:xfrm>
           <a:prstGeom prst="rect">
             <a:avLst/>
@@ -6364,81 +5613,30 @@
           <a:lstStyle/>
           <a:p>
             <a:r>
-              <a:rPr lang="ko-KR" altLang="en-US"/>
-              <a:t>대충 여백</a:t>
-            </a:r>
-            <a:endParaRPr lang="en-US" altLang="ko-KR"/>
-          </a:p>
-          <a:p>
-            <a:r>
-              <a:rPr lang="ko-KR" altLang="en-US"/>
-              <a:t>사진</a:t>
-            </a:r>
-          </a:p>
-        </p:txBody>
-      </p:sp>
-      <p:sp>
-        <p:nvSpPr>
-          <p:cNvPr id="15" name="직사각형 14">
-            <a:extLst>
-              <a:ext uri="{FF2B5EF4-FFF2-40B4-BE49-F238E27FC236}">
-                <a16:creationId xmlns:a16="http://schemas.microsoft.com/office/drawing/2014/main" id="{3B1134AC-E1AF-4B6F-8F30-9B4BC4CE04A2}"/>
-              </a:ext>
-            </a:extLst>
-          </p:cNvPr>
-          <p:cNvSpPr/>
-          <p:nvPr/>
-        </p:nvSpPr>
-        <p:spPr>
-          <a:xfrm>
-            <a:off x="2083005" y="2926995"/>
-            <a:ext cx="6281952" cy="1361537"/>
-          </a:xfrm>
-          <a:prstGeom prst="rect">
-            <a:avLst/>
-          </a:prstGeom>
-          <a:noFill/>
-          <a:ln w="57150">
-            <a:solidFill>
-              <a:schemeClr val="accent4"/>
-            </a:solidFill>
-          </a:ln>
-        </p:spPr>
-        <p:style>
-          <a:lnRef idx="2">
-            <a:schemeClr val="accent1">
-              <a:shade val="50000"/>
-            </a:schemeClr>
-          </a:lnRef>
-          <a:fillRef idx="1">
-            <a:schemeClr val="accent1"/>
-          </a:fillRef>
-          <a:effectRef idx="0">
-            <a:schemeClr val="accent1"/>
-          </a:effectRef>
-          <a:fontRef idx="minor">
-            <a:schemeClr val="lt1"/>
-          </a:fontRef>
-        </p:style>
-        <p:txBody>
-          <a:bodyPr rtlCol="0" anchor="ctr"/>
-          <a:lstStyle/>
-          <a:p>
-            <a:pPr algn="ctr"/>
-            <a:endParaRPr lang="ko-KR" altLang="en-US">
-              <a:solidFill>
-                <a:srgbClr val="FF0000"/>
-              </a:solidFill>
-            </a:endParaRPr>
-          </a:p>
-        </p:txBody>
-      </p:sp>
-      <p:sp>
-        <p:nvSpPr>
-          <p:cNvPr id="16" name="TextBox 15">
-            <a:extLst>
-              <a:ext uri="{FF2B5EF4-FFF2-40B4-BE49-F238E27FC236}">
-                <a16:creationId xmlns:a16="http://schemas.microsoft.com/office/drawing/2014/main" id="{C7779565-F379-4189-96C0-426DB9225016}"/>
+              <a:rPr lang="en-US" altLang="ko-KR" b="1"/>
+              <a:t>// </a:t>
+            </a:r>
+            <a:r>
+              <a:rPr lang="ko-KR" altLang="en-US" b="1"/>
+              <a:t>지도 리턴</a:t>
+            </a:r>
+            <a:endParaRPr lang="en-US" altLang="ko-KR" b="1"/>
+          </a:p>
+          <a:p>
+            <a:r>
+              <a:rPr lang="en-US" altLang="ko-KR" b="1"/>
+              <a:t>MAP.HTML</a:t>
+            </a:r>
+            <a:endParaRPr lang="ko-KR" altLang="en-US" b="1"/>
+          </a:p>
+        </p:txBody>
+      </p:sp>
+      <p:sp>
+        <p:nvSpPr>
+          <p:cNvPr id="7" name="TextBox 6">
+            <a:extLst>
+              <a:ext uri="{FF2B5EF4-FFF2-40B4-BE49-F238E27FC236}">
+                <a16:creationId xmlns:a16="http://schemas.microsoft.com/office/drawing/2014/main" id="{B3B96863-C01B-4900-BB6C-ECB6E8C56240}"/>
               </a:ext>
             </a:extLst>
           </p:cNvPr>
@@ -6447,8 +5645,8 @@
         </p:nvSpPr>
         <p:spPr>
           <a:xfrm>
-            <a:off x="3699111" y="3434981"/>
-            <a:ext cx="3329486" cy="369332"/>
+            <a:off x="191070" y="70693"/>
+            <a:ext cx="3957850" cy="584775"/>
           </a:xfrm>
           <a:prstGeom prst="rect">
             <a:avLst/>
@@ -6462,74 +5660,19 @@
           <a:lstStyle/>
           <a:p>
             <a:r>
-              <a:rPr lang="ko-KR" altLang="en-US"/>
-              <a:t>여행가고 싶게 만드는 사진</a:t>
-            </a:r>
-          </a:p>
-        </p:txBody>
-      </p:sp>
-      <p:sp>
-        <p:nvSpPr>
-          <p:cNvPr id="17" name="직사각형 16">
-            <a:extLst>
-              <a:ext uri="{FF2B5EF4-FFF2-40B4-BE49-F238E27FC236}">
-                <a16:creationId xmlns:a16="http://schemas.microsoft.com/office/drawing/2014/main" id="{D24CFF1E-80A6-41A4-ABB2-92230F5D29CF}"/>
-              </a:ext>
-            </a:extLst>
-          </p:cNvPr>
-          <p:cNvSpPr/>
-          <p:nvPr/>
-        </p:nvSpPr>
-        <p:spPr>
-          <a:xfrm>
-            <a:off x="2113981" y="4459577"/>
-            <a:ext cx="6281952" cy="901492"/>
-          </a:xfrm>
-          <a:prstGeom prst="rect">
-            <a:avLst/>
-          </a:prstGeom>
-          <a:noFill/>
-          <a:ln w="57150">
-            <a:solidFill>
-              <a:schemeClr val="accent4"/>
-            </a:solidFill>
-          </a:ln>
-        </p:spPr>
-        <p:style>
-          <a:lnRef idx="2">
-            <a:schemeClr val="accent1">
-              <a:shade val="50000"/>
-            </a:schemeClr>
-          </a:lnRef>
-          <a:fillRef idx="1">
-            <a:schemeClr val="accent1"/>
-          </a:fillRef>
-          <a:effectRef idx="0">
-            <a:schemeClr val="accent1"/>
-          </a:effectRef>
-          <a:fontRef idx="minor">
-            <a:schemeClr val="lt1"/>
-          </a:fontRef>
-        </p:style>
-        <p:txBody>
-          <a:bodyPr rtlCol="0" anchor="ctr"/>
-          <a:lstStyle/>
-          <a:p>
-            <a:pPr algn="ctr"/>
-            <a:endParaRPr lang="ko-KR" altLang="en-US">
-              <a:solidFill>
-                <a:srgbClr val="FF0000"/>
-              </a:solidFill>
-            </a:endParaRPr>
-          </a:p>
-        </p:txBody>
-      </p:sp>
-      <p:sp>
-        <p:nvSpPr>
-          <p:cNvPr id="18" name="TextBox 17">
-            <a:extLst>
-              <a:ext uri="{FF2B5EF4-FFF2-40B4-BE49-F238E27FC236}">
-                <a16:creationId xmlns:a16="http://schemas.microsoft.com/office/drawing/2014/main" id="{EF6E82A2-8627-4337-8F40-3570801CBF6F}"/>
+              <a:rPr lang="en-US" altLang="ko-KR" sz="3200" b="1"/>
+              <a:t>Templates</a:t>
+            </a:r>
+            <a:endParaRPr lang="ko-KR" altLang="en-US" sz="3200" b="1"/>
+          </a:p>
+        </p:txBody>
+      </p:sp>
+      <p:sp>
+        <p:nvSpPr>
+          <p:cNvPr id="16" name="TextBox 15">
+            <a:extLst>
+              <a:ext uri="{FF2B5EF4-FFF2-40B4-BE49-F238E27FC236}">
+                <a16:creationId xmlns:a16="http://schemas.microsoft.com/office/drawing/2014/main" id="{46368C03-0912-4E20-A320-F5FA346FD79B}"/>
               </a:ext>
             </a:extLst>
           </p:cNvPr>
@@ -6538,23 +5681,313 @@
         </p:nvSpPr>
         <p:spPr>
           <a:xfrm>
-            <a:off x="4442347" y="4673121"/>
-            <a:ext cx="3329486" cy="369332"/>
-          </a:xfrm>
-          <a:prstGeom prst="rect">
-            <a:avLst/>
-          </a:prstGeom>
-          <a:noFill/>
-        </p:spPr>
-        <p:txBody>
-          <a:bodyPr wrap="square" rtlCol="0">
+            <a:off x="3890410" y="4055601"/>
+            <a:ext cx="2521742" cy="646331"/>
+          </a:xfrm>
+          <a:prstGeom prst="rect">
+            <a:avLst/>
+          </a:prstGeom>
+          <a:noFill/>
+        </p:spPr>
+        <p:txBody>
+          <a:bodyPr wrap="square">
             <a:spAutoFit/>
           </a:bodyPr>
           <a:lstStyle/>
           <a:p>
             <a:r>
-              <a:rPr lang="ko-KR" altLang="en-US"/>
-              <a:t>빠른 검색</a:t>
+              <a:rPr lang="en-US" altLang="ko-KR" b="1"/>
+              <a:t>// </a:t>
+            </a:r>
+            <a:r>
+              <a:rPr lang="ko-KR" altLang="en-US" b="1"/>
+              <a:t>게시글 리스트 보기</a:t>
+            </a:r>
+            <a:endParaRPr lang="en-US" altLang="ko-KR" b="1"/>
+          </a:p>
+          <a:p>
+            <a:r>
+              <a:rPr lang="ko-KR" altLang="en-US" b="1"/>
+              <a:t>question_list.html</a:t>
+            </a:r>
+          </a:p>
+        </p:txBody>
+      </p:sp>
+      <p:sp>
+        <p:nvSpPr>
+          <p:cNvPr id="17" name="TextBox 16">
+            <a:extLst>
+              <a:ext uri="{FF2B5EF4-FFF2-40B4-BE49-F238E27FC236}">
+                <a16:creationId xmlns:a16="http://schemas.microsoft.com/office/drawing/2014/main" id="{1A134A27-7D1F-4240-8642-E79FAB0631DD}"/>
+              </a:ext>
+            </a:extLst>
+          </p:cNvPr>
+          <p:cNvSpPr txBox="1"/>
+          <p:nvPr/>
+        </p:nvSpPr>
+        <p:spPr>
+          <a:xfrm>
+            <a:off x="3890410" y="4837262"/>
+            <a:ext cx="5650436" cy="646331"/>
+          </a:xfrm>
+          <a:prstGeom prst="rect">
+            <a:avLst/>
+          </a:prstGeom>
+          <a:noFill/>
+        </p:spPr>
+        <p:txBody>
+          <a:bodyPr wrap="square">
+            <a:spAutoFit/>
+          </a:bodyPr>
+          <a:lstStyle/>
+          <a:p>
+            <a:r>
+              <a:rPr lang="en-US" altLang="ko-KR" b="1"/>
+              <a:t>// </a:t>
+            </a:r>
+            <a:r>
+              <a:rPr lang="ko-KR" altLang="en-US" b="1"/>
+              <a:t>게시글 등록하기</a:t>
+            </a:r>
+            <a:endParaRPr lang="en-US" altLang="ko-KR" b="1"/>
+          </a:p>
+          <a:p>
+            <a:r>
+              <a:rPr lang="ko-KR" altLang="en-US" b="1"/>
+              <a:t>question_form.html</a:t>
+            </a:r>
+          </a:p>
+        </p:txBody>
+      </p:sp>
+      <p:sp>
+        <p:nvSpPr>
+          <p:cNvPr id="18" name="TextBox 17">
+            <a:extLst>
+              <a:ext uri="{FF2B5EF4-FFF2-40B4-BE49-F238E27FC236}">
+                <a16:creationId xmlns:a16="http://schemas.microsoft.com/office/drawing/2014/main" id="{9ED2A8C6-EFF5-4CFF-8FD7-D5D20858DE0D}"/>
+              </a:ext>
+            </a:extLst>
+          </p:cNvPr>
+          <p:cNvSpPr txBox="1"/>
+          <p:nvPr/>
+        </p:nvSpPr>
+        <p:spPr>
+          <a:xfrm>
+            <a:off x="6461592" y="4016794"/>
+            <a:ext cx="2625648" cy="646331"/>
+          </a:xfrm>
+          <a:prstGeom prst="rect">
+            <a:avLst/>
+          </a:prstGeom>
+          <a:noFill/>
+        </p:spPr>
+        <p:txBody>
+          <a:bodyPr wrap="square">
+            <a:spAutoFit/>
+          </a:bodyPr>
+          <a:lstStyle/>
+          <a:p>
+            <a:r>
+              <a:rPr lang="en-US" altLang="ko-KR" b="1"/>
+              <a:t>// </a:t>
+            </a:r>
+            <a:r>
+              <a:rPr lang="ko-KR" altLang="en-US" b="1"/>
+              <a:t>게시글 상세보기</a:t>
+            </a:r>
+            <a:endParaRPr lang="en-US" altLang="ko-KR" b="1"/>
+          </a:p>
+          <a:p>
+            <a:r>
+              <a:rPr lang="ko-KR" altLang="en-US" b="1"/>
+              <a:t>question_detail.html</a:t>
+            </a:r>
+          </a:p>
+        </p:txBody>
+      </p:sp>
+      <p:sp>
+        <p:nvSpPr>
+          <p:cNvPr id="19" name="TextBox 18">
+            <a:extLst>
+              <a:ext uri="{FF2B5EF4-FFF2-40B4-BE49-F238E27FC236}">
+                <a16:creationId xmlns:a16="http://schemas.microsoft.com/office/drawing/2014/main" id="{A55C5D8C-3938-478B-BAE8-D41F659D6EEC}"/>
+              </a:ext>
+            </a:extLst>
+          </p:cNvPr>
+          <p:cNvSpPr txBox="1"/>
+          <p:nvPr/>
+        </p:nvSpPr>
+        <p:spPr>
+          <a:xfrm>
+            <a:off x="3890410" y="6399309"/>
+            <a:ext cx="1424195" cy="646331"/>
+          </a:xfrm>
+          <a:prstGeom prst="rect">
+            <a:avLst/>
+          </a:prstGeom>
+          <a:noFill/>
+        </p:spPr>
+        <p:txBody>
+          <a:bodyPr wrap="square">
+            <a:spAutoFit/>
+          </a:bodyPr>
+          <a:lstStyle/>
+          <a:p>
+            <a:r>
+              <a:rPr lang="en-US" altLang="ko-KR" b="1"/>
+              <a:t>// </a:t>
+            </a:r>
+            <a:r>
+              <a:rPr lang="ko-KR" altLang="en-US" b="1"/>
+              <a:t>로그인</a:t>
+            </a:r>
+            <a:endParaRPr lang="en-US" altLang="ko-KR" b="1"/>
+          </a:p>
+          <a:p>
+            <a:r>
+              <a:rPr lang="ko-KR" altLang="en-US" b="1"/>
+              <a:t>login.html</a:t>
+            </a:r>
+          </a:p>
+        </p:txBody>
+      </p:sp>
+      <p:sp>
+        <p:nvSpPr>
+          <p:cNvPr id="20" name="TextBox 19">
+            <a:extLst>
+              <a:ext uri="{FF2B5EF4-FFF2-40B4-BE49-F238E27FC236}">
+                <a16:creationId xmlns:a16="http://schemas.microsoft.com/office/drawing/2014/main" id="{D966605B-86ED-46D8-8341-F65D5C918D65}"/>
+              </a:ext>
+            </a:extLst>
+          </p:cNvPr>
+          <p:cNvSpPr txBox="1"/>
+          <p:nvPr/>
+        </p:nvSpPr>
+        <p:spPr>
+          <a:xfrm>
+            <a:off x="3890410" y="7159137"/>
+            <a:ext cx="5650436" cy="646331"/>
+          </a:xfrm>
+          <a:prstGeom prst="rect">
+            <a:avLst/>
+          </a:prstGeom>
+          <a:noFill/>
+        </p:spPr>
+        <p:txBody>
+          <a:bodyPr wrap="square">
+            <a:spAutoFit/>
+          </a:bodyPr>
+          <a:lstStyle/>
+          <a:p>
+            <a:r>
+              <a:rPr lang="en-US" altLang="ko-KR" b="1"/>
+              <a:t>// </a:t>
+            </a:r>
+            <a:r>
+              <a:rPr lang="ko-KR" altLang="en-US" b="1"/>
+              <a:t>카테고리 선택</a:t>
+            </a:r>
+            <a:endParaRPr lang="en-US" altLang="ko-KR" b="1"/>
+          </a:p>
+          <a:p>
+            <a:r>
+              <a:rPr lang="ko-KR" altLang="en-US" b="1"/>
+              <a:t>beerbnb.html</a:t>
+            </a:r>
+          </a:p>
+        </p:txBody>
+      </p:sp>
+      <p:sp>
+        <p:nvSpPr>
+          <p:cNvPr id="22" name="TextBox 21">
+            <a:extLst>
+              <a:ext uri="{FF2B5EF4-FFF2-40B4-BE49-F238E27FC236}">
+                <a16:creationId xmlns:a16="http://schemas.microsoft.com/office/drawing/2014/main" id="{2C5D6302-6B82-4E13-81FD-F7AD18A30891}"/>
+              </a:ext>
+            </a:extLst>
+          </p:cNvPr>
+          <p:cNvSpPr txBox="1"/>
+          <p:nvPr/>
+        </p:nvSpPr>
+        <p:spPr>
+          <a:xfrm>
+            <a:off x="9996673" y="3116021"/>
+            <a:ext cx="2082322" cy="646331"/>
+          </a:xfrm>
+          <a:prstGeom prst="rect">
+            <a:avLst/>
+          </a:prstGeom>
+          <a:noFill/>
+        </p:spPr>
+        <p:txBody>
+          <a:bodyPr wrap="square">
+            <a:spAutoFit/>
+          </a:bodyPr>
+          <a:lstStyle/>
+          <a:p>
+            <a:r>
+              <a:rPr lang="en-US" altLang="ko-KR" b="1"/>
+              <a:t>// </a:t>
+            </a:r>
+            <a:r>
+              <a:rPr lang="ko-KR" altLang="en-US" b="1"/>
+              <a:t>에러</a:t>
+            </a:r>
+            <a:endParaRPr lang="en-US" altLang="ko-KR" b="1"/>
+          </a:p>
+          <a:p>
+            <a:r>
+              <a:rPr lang="ko-KR" altLang="en-US" b="1"/>
+              <a:t>form_errors.html</a:t>
+            </a:r>
+          </a:p>
+        </p:txBody>
+      </p:sp>
+      <p:sp>
+        <p:nvSpPr>
+          <p:cNvPr id="23" name="TextBox 22">
+            <a:extLst>
+              <a:ext uri="{FF2B5EF4-FFF2-40B4-BE49-F238E27FC236}">
+                <a16:creationId xmlns:a16="http://schemas.microsoft.com/office/drawing/2014/main" id="{80B76547-0EAD-4D19-A011-AC78FC3351C4}"/>
+              </a:ext>
+            </a:extLst>
+          </p:cNvPr>
+          <p:cNvSpPr txBox="1"/>
+          <p:nvPr/>
+        </p:nvSpPr>
+        <p:spPr>
+          <a:xfrm>
+            <a:off x="3890410" y="5635605"/>
+            <a:ext cx="3110891" cy="646331"/>
+          </a:xfrm>
+          <a:prstGeom prst="rect">
+            <a:avLst/>
+          </a:prstGeom>
+          <a:noFill/>
+        </p:spPr>
+        <p:txBody>
+          <a:bodyPr wrap="square">
+            <a:spAutoFit/>
+          </a:bodyPr>
+          <a:lstStyle/>
+          <a:p>
+            <a:r>
+              <a:rPr lang="en-US" altLang="ko-KR" b="1"/>
+              <a:t>// </a:t>
+            </a:r>
+            <a:r>
+              <a:rPr lang="ko-KR" altLang="en-US" b="1"/>
+              <a:t>로그인</a:t>
+            </a:r>
+            <a:r>
+              <a:rPr lang="en-US" altLang="ko-KR" b="1"/>
+              <a:t>?</a:t>
+            </a:r>
+          </a:p>
+          <a:p>
+            <a:r>
+              <a:rPr lang="ko-KR" altLang="en-US" b="1"/>
+              <a:t>navbar.html</a:t>
             </a:r>
           </a:p>
         </p:txBody>
@@ -6562,7 +5995,7 @@
     </p:spTree>
     <p:extLst>
       <p:ext uri="{BB962C8B-B14F-4D97-AF65-F5344CB8AC3E}">
-        <p14:creationId xmlns:p14="http://schemas.microsoft.com/office/powerpoint/2010/main" val="619164710"/>
+        <p14:creationId xmlns:p14="http://schemas.microsoft.com/office/powerpoint/2010/main" val="3516476692"/>
       </p:ext>
     </p:extLst>
   </p:cSld>
@@ -6594,7 +6027,7 @@
           <p:cNvPr id="2" name="TextBox 1">
             <a:extLst>
               <a:ext uri="{FF2B5EF4-FFF2-40B4-BE49-F238E27FC236}">
-                <a16:creationId xmlns:a16="http://schemas.microsoft.com/office/drawing/2014/main" id="{1107FF34-34E0-495C-AD0D-97719755F3F8}"/>
+                <a16:creationId xmlns:a16="http://schemas.microsoft.com/office/drawing/2014/main" id="{36870A1B-092E-41FA-B39A-E0CE5058CACE}"/>
               </a:ext>
             </a:extLst>
           </p:cNvPr>
@@ -6603,8 +6036,8 @@
         </p:nvSpPr>
         <p:spPr>
           <a:xfrm>
-            <a:off x="304801" y="309299"/>
-            <a:ext cx="4790364" cy="646331"/>
+            <a:off x="396923" y="274749"/>
+            <a:ext cx="6181298" cy="646331"/>
           </a:xfrm>
           <a:prstGeom prst="rect">
             <a:avLst/>
@@ -6623,14 +6056,30 @@
             </a:r>
             <a:r>
               <a:rPr lang="ko-KR" altLang="en-US" b="1"/>
-              <a:t>메인 페이지</a:t>
+              <a:t>상속 템플릿 </a:t>
+            </a:r>
+            <a:r>
+              <a:rPr lang="en-US" altLang="ko-KR" b="1"/>
+              <a:t>- </a:t>
+            </a:r>
+            <a:r>
+              <a:rPr lang="ko-KR" altLang="en-US" b="1"/>
+              <a:t>어느 </a:t>
+            </a:r>
+            <a:r>
+              <a:rPr lang="en-US" altLang="ko-KR" b="1"/>
+              <a:t>url </a:t>
+            </a:r>
+            <a:r>
+              <a:rPr lang="ko-KR" altLang="en-US" b="1"/>
+              <a:t>이든 공통적으로 존재</a:t>
             </a:r>
             <a:endParaRPr lang="en-US" altLang="ko-KR" b="1"/>
           </a:p>
           <a:p>
             <a:r>
               <a:rPr lang="en-US" altLang="ko-KR" b="1"/>
-              <a:t>Main.HTML</a:t>
+              <a:t>base.HTML</a:t>
             </a:r>
             <a:endParaRPr lang="ko-KR" altLang="en-US" b="1"/>
           </a:p>
@@ -6641,7 +6090,7 @@
           <p:cNvPr id="3" name="직사각형 2">
             <a:extLst>
               <a:ext uri="{FF2B5EF4-FFF2-40B4-BE49-F238E27FC236}">
-                <a16:creationId xmlns:a16="http://schemas.microsoft.com/office/drawing/2014/main" id="{7506D7B3-6A94-4008-B5E3-D3DD9C0C0781}"/>
+                <a16:creationId xmlns:a16="http://schemas.microsoft.com/office/drawing/2014/main" id="{3CB6B74D-25D1-4D46-A1F8-DA7D17B6DB41}"/>
               </a:ext>
             </a:extLst>
           </p:cNvPr>
@@ -6693,7 +6142,7 @@
           <p:cNvPr id="4" name="직사각형 3">
             <a:extLst>
               <a:ext uri="{FF2B5EF4-FFF2-40B4-BE49-F238E27FC236}">
-                <a16:creationId xmlns:a16="http://schemas.microsoft.com/office/drawing/2014/main" id="{5BBF4AE5-9EA5-4EE2-829D-0D8D30D05252}"/>
+                <a16:creationId xmlns:a16="http://schemas.microsoft.com/office/drawing/2014/main" id="{20019447-DCBB-4D37-9C13-D3292FEEE8B8}"/>
               </a:ext>
             </a:extLst>
           </p:cNvPr>
@@ -6749,7 +6198,7 @@
           <p:cNvPr id="5" name="직사각형 4">
             <a:extLst>
               <a:ext uri="{FF2B5EF4-FFF2-40B4-BE49-F238E27FC236}">
-                <a16:creationId xmlns:a16="http://schemas.microsoft.com/office/drawing/2014/main" id="{A5098081-B603-4CD1-B3F9-BDB6EDF06CD9}"/>
+                <a16:creationId xmlns:a16="http://schemas.microsoft.com/office/drawing/2014/main" id="{5ACA4443-8ED9-4950-9962-248F88DDD786}"/>
               </a:ext>
             </a:extLst>
           </p:cNvPr>
@@ -6805,7 +6254,7 @@
           <p:cNvPr id="6" name="직사각형 5">
             <a:extLst>
               <a:ext uri="{FF2B5EF4-FFF2-40B4-BE49-F238E27FC236}">
-                <a16:creationId xmlns:a16="http://schemas.microsoft.com/office/drawing/2014/main" id="{815B8FB3-2BE7-4455-9189-3CDD1AF6A086}"/>
+                <a16:creationId xmlns:a16="http://schemas.microsoft.com/office/drawing/2014/main" id="{729977FD-B4B5-4FEE-A45C-451EC4942D86}"/>
               </a:ext>
             </a:extLst>
           </p:cNvPr>
@@ -6861,7 +6310,7 @@
           <p:cNvPr id="7" name="직사각형 6">
             <a:extLst>
               <a:ext uri="{FF2B5EF4-FFF2-40B4-BE49-F238E27FC236}">
-                <a16:creationId xmlns:a16="http://schemas.microsoft.com/office/drawing/2014/main" id="{4D418622-AFEC-4A5E-B14C-6506FEB81937}"/>
+                <a16:creationId xmlns:a16="http://schemas.microsoft.com/office/drawing/2014/main" id="{08D40A02-1B4E-4111-B8F3-5DCF68397C41}"/>
               </a:ext>
             </a:extLst>
           </p:cNvPr>
@@ -6917,7 +6366,7 @@
           <p:cNvPr id="8" name="직사각형 7">
             <a:extLst>
               <a:ext uri="{FF2B5EF4-FFF2-40B4-BE49-F238E27FC236}">
-                <a16:creationId xmlns:a16="http://schemas.microsoft.com/office/drawing/2014/main" id="{13B05C0B-4DCC-41F5-AB41-1E68259AA40E}"/>
+                <a16:creationId xmlns:a16="http://schemas.microsoft.com/office/drawing/2014/main" id="{4ECB4731-1105-4B96-9E25-A536FDEB9E69}"/>
               </a:ext>
             </a:extLst>
           </p:cNvPr>
@@ -6976,7 +6425,7 @@
           <p:cNvPr id="9" name="TextBox 8">
             <a:extLst>
               <a:ext uri="{FF2B5EF4-FFF2-40B4-BE49-F238E27FC236}">
-                <a16:creationId xmlns:a16="http://schemas.microsoft.com/office/drawing/2014/main" id="{774DE57B-9DAC-47E1-AE7A-517BCD273455}"/>
+                <a16:creationId xmlns:a16="http://schemas.microsoft.com/office/drawing/2014/main" id="{FD96C749-5C77-46CB-AC12-0FB305FAF6D8}"/>
               </a:ext>
             </a:extLst>
           </p:cNvPr>
@@ -7016,10 +6465,10 @@
       </p:sp>
       <p:sp>
         <p:nvSpPr>
-          <p:cNvPr id="10" name="직사각형 9">
-            <a:extLst>
-              <a:ext uri="{FF2B5EF4-FFF2-40B4-BE49-F238E27FC236}">
-                <a16:creationId xmlns:a16="http://schemas.microsoft.com/office/drawing/2014/main" id="{0CE691BC-9E88-49B7-8B20-AD6FC272223B}"/>
+          <p:cNvPr id="11" name="직사각형 10">
+            <a:extLst>
+              <a:ext uri="{FF2B5EF4-FFF2-40B4-BE49-F238E27FC236}">
+                <a16:creationId xmlns:a16="http://schemas.microsoft.com/office/drawing/2014/main" id="{C1E713E1-90FF-4C20-B01D-BD364982205D}"/>
               </a:ext>
             </a:extLst>
           </p:cNvPr>
@@ -7091,10 +6540,10 @@
       </p:sp>
       <p:sp>
         <p:nvSpPr>
-          <p:cNvPr id="11" name="직사각형 10">
-            <a:extLst>
-              <a:ext uri="{FF2B5EF4-FFF2-40B4-BE49-F238E27FC236}">
-                <a16:creationId xmlns:a16="http://schemas.microsoft.com/office/drawing/2014/main" id="{07DA6C09-8D73-4E28-9324-98BC1180F25F}"/>
+          <p:cNvPr id="12" name="직사각형 11">
+            <a:extLst>
+              <a:ext uri="{FF2B5EF4-FFF2-40B4-BE49-F238E27FC236}">
+                <a16:creationId xmlns:a16="http://schemas.microsoft.com/office/drawing/2014/main" id="{7086C816-9CCF-4DBA-9402-B8F812D14A9B}"/>
               </a:ext>
             </a:extLst>
           </p:cNvPr>
@@ -7150,10 +6599,10 @@
       </p:sp>
       <p:sp>
         <p:nvSpPr>
-          <p:cNvPr id="12" name="TextBox 11">
-            <a:extLst>
-              <a:ext uri="{FF2B5EF4-FFF2-40B4-BE49-F238E27FC236}">
-                <a16:creationId xmlns:a16="http://schemas.microsoft.com/office/drawing/2014/main" id="{5016E58D-C4C1-4F1C-8FD9-40B2E1A00BA7}"/>
+          <p:cNvPr id="13" name="TextBox 12">
+            <a:extLst>
+              <a:ext uri="{FF2B5EF4-FFF2-40B4-BE49-F238E27FC236}">
+                <a16:creationId xmlns:a16="http://schemas.microsoft.com/office/drawing/2014/main" id="{3969ADFC-DF3F-4045-892A-EB5821BC7E1A}"/>
               </a:ext>
             </a:extLst>
           </p:cNvPr>
@@ -7198,10 +6647,10 @@
       </p:sp>
       <p:sp>
         <p:nvSpPr>
-          <p:cNvPr id="13" name="TextBox 12">
-            <a:extLst>
-              <a:ext uri="{FF2B5EF4-FFF2-40B4-BE49-F238E27FC236}">
-                <a16:creationId xmlns:a16="http://schemas.microsoft.com/office/drawing/2014/main" id="{B1120D06-F2BA-4487-B457-53A57CD6E78D}"/>
+          <p:cNvPr id="14" name="TextBox 13">
+            <a:extLst>
+              <a:ext uri="{FF2B5EF4-FFF2-40B4-BE49-F238E27FC236}">
+                <a16:creationId xmlns:a16="http://schemas.microsoft.com/office/drawing/2014/main" id="{91B4120A-E553-41E4-A085-84DE376E2932}"/>
               </a:ext>
             </a:extLst>
           </p:cNvPr>
@@ -7240,10 +6689,10 @@
       </p:sp>
       <p:sp>
         <p:nvSpPr>
-          <p:cNvPr id="14" name="TextBox 13">
-            <a:extLst>
-              <a:ext uri="{FF2B5EF4-FFF2-40B4-BE49-F238E27FC236}">
-                <a16:creationId xmlns:a16="http://schemas.microsoft.com/office/drawing/2014/main" id="{0033ED73-24DA-460D-8EFA-5468542D7F86}"/>
+          <p:cNvPr id="15" name="TextBox 14">
+            <a:extLst>
+              <a:ext uri="{FF2B5EF4-FFF2-40B4-BE49-F238E27FC236}">
+                <a16:creationId xmlns:a16="http://schemas.microsoft.com/office/drawing/2014/main" id="{5B47A488-88B3-476D-81A3-F1F4E63EC72D}"/>
               </a:ext>
             </a:extLst>
           </p:cNvPr>
@@ -7280,192 +6729,10 @@
           </a:p>
         </p:txBody>
       </p:sp>
-      <p:sp>
-        <p:nvSpPr>
-          <p:cNvPr id="15" name="직사각형 14">
-            <a:extLst>
-              <a:ext uri="{FF2B5EF4-FFF2-40B4-BE49-F238E27FC236}">
-                <a16:creationId xmlns:a16="http://schemas.microsoft.com/office/drawing/2014/main" id="{3B1134AC-E1AF-4B6F-8F30-9B4BC4CE04A2}"/>
-              </a:ext>
-            </a:extLst>
-          </p:cNvPr>
-          <p:cNvSpPr/>
-          <p:nvPr/>
-        </p:nvSpPr>
-        <p:spPr>
-          <a:xfrm>
-            <a:off x="2083005" y="2926995"/>
-            <a:ext cx="6281952" cy="1361537"/>
-          </a:xfrm>
-          <a:prstGeom prst="rect">
-            <a:avLst/>
-          </a:prstGeom>
-          <a:noFill/>
-          <a:ln w="57150">
-            <a:solidFill>
-              <a:schemeClr val="accent4"/>
-            </a:solidFill>
-          </a:ln>
-        </p:spPr>
-        <p:style>
-          <a:lnRef idx="2">
-            <a:schemeClr val="accent1">
-              <a:shade val="50000"/>
-            </a:schemeClr>
-          </a:lnRef>
-          <a:fillRef idx="1">
-            <a:schemeClr val="accent1"/>
-          </a:fillRef>
-          <a:effectRef idx="0">
-            <a:schemeClr val="accent1"/>
-          </a:effectRef>
-          <a:fontRef idx="minor">
-            <a:schemeClr val="lt1"/>
-          </a:fontRef>
-        </p:style>
-        <p:txBody>
-          <a:bodyPr rtlCol="0" anchor="ctr"/>
-          <a:lstStyle/>
-          <a:p>
-            <a:pPr algn="ctr"/>
-            <a:endParaRPr lang="ko-KR" altLang="en-US">
-              <a:solidFill>
-                <a:srgbClr val="FF0000"/>
-              </a:solidFill>
-            </a:endParaRPr>
-          </a:p>
-        </p:txBody>
-      </p:sp>
-      <p:sp>
-        <p:nvSpPr>
-          <p:cNvPr id="16" name="TextBox 15">
-            <a:extLst>
-              <a:ext uri="{FF2B5EF4-FFF2-40B4-BE49-F238E27FC236}">
-                <a16:creationId xmlns:a16="http://schemas.microsoft.com/office/drawing/2014/main" id="{C7779565-F379-4189-96C0-426DB9225016}"/>
-              </a:ext>
-            </a:extLst>
-          </p:cNvPr>
-          <p:cNvSpPr txBox="1"/>
-          <p:nvPr/>
-        </p:nvSpPr>
-        <p:spPr>
-          <a:xfrm>
-            <a:off x="3699111" y="3434981"/>
-            <a:ext cx="3329486" cy="369332"/>
-          </a:xfrm>
-          <a:prstGeom prst="rect">
-            <a:avLst/>
-          </a:prstGeom>
-          <a:noFill/>
-        </p:spPr>
-        <p:txBody>
-          <a:bodyPr wrap="square" rtlCol="0">
-            <a:spAutoFit/>
-          </a:bodyPr>
-          <a:lstStyle/>
-          <a:p>
-            <a:r>
-              <a:rPr lang="ko-KR" altLang="en-US"/>
-              <a:t>여행가고 싶게 만드는 사진</a:t>
-            </a:r>
-          </a:p>
-        </p:txBody>
-      </p:sp>
-      <p:sp>
-        <p:nvSpPr>
-          <p:cNvPr id="17" name="직사각형 16">
-            <a:extLst>
-              <a:ext uri="{FF2B5EF4-FFF2-40B4-BE49-F238E27FC236}">
-                <a16:creationId xmlns:a16="http://schemas.microsoft.com/office/drawing/2014/main" id="{D24CFF1E-80A6-41A4-ABB2-92230F5D29CF}"/>
-              </a:ext>
-            </a:extLst>
-          </p:cNvPr>
-          <p:cNvSpPr/>
-          <p:nvPr/>
-        </p:nvSpPr>
-        <p:spPr>
-          <a:xfrm>
-            <a:off x="2113981" y="4459577"/>
-            <a:ext cx="6281952" cy="901492"/>
-          </a:xfrm>
-          <a:prstGeom prst="rect">
-            <a:avLst/>
-          </a:prstGeom>
-          <a:noFill/>
-          <a:ln w="57150">
-            <a:solidFill>
-              <a:schemeClr val="accent4"/>
-            </a:solidFill>
-          </a:ln>
-        </p:spPr>
-        <p:style>
-          <a:lnRef idx="2">
-            <a:schemeClr val="accent1">
-              <a:shade val="50000"/>
-            </a:schemeClr>
-          </a:lnRef>
-          <a:fillRef idx="1">
-            <a:schemeClr val="accent1"/>
-          </a:fillRef>
-          <a:effectRef idx="0">
-            <a:schemeClr val="accent1"/>
-          </a:effectRef>
-          <a:fontRef idx="minor">
-            <a:schemeClr val="lt1"/>
-          </a:fontRef>
-        </p:style>
-        <p:txBody>
-          <a:bodyPr rtlCol="0" anchor="ctr"/>
-          <a:lstStyle/>
-          <a:p>
-            <a:pPr algn="ctr"/>
-            <a:endParaRPr lang="ko-KR" altLang="en-US">
-              <a:solidFill>
-                <a:srgbClr val="FF0000"/>
-              </a:solidFill>
-            </a:endParaRPr>
-          </a:p>
-        </p:txBody>
-      </p:sp>
-      <p:sp>
-        <p:nvSpPr>
-          <p:cNvPr id="18" name="TextBox 17">
-            <a:extLst>
-              <a:ext uri="{FF2B5EF4-FFF2-40B4-BE49-F238E27FC236}">
-                <a16:creationId xmlns:a16="http://schemas.microsoft.com/office/drawing/2014/main" id="{EF6E82A2-8627-4337-8F40-3570801CBF6F}"/>
-              </a:ext>
-            </a:extLst>
-          </p:cNvPr>
-          <p:cNvSpPr txBox="1"/>
-          <p:nvPr/>
-        </p:nvSpPr>
-        <p:spPr>
-          <a:xfrm>
-            <a:off x="4442347" y="4673121"/>
-            <a:ext cx="3329486" cy="369332"/>
-          </a:xfrm>
-          <a:prstGeom prst="rect">
-            <a:avLst/>
-          </a:prstGeom>
-          <a:noFill/>
-        </p:spPr>
-        <p:txBody>
-          <a:bodyPr wrap="square" rtlCol="0">
-            <a:spAutoFit/>
-          </a:bodyPr>
-          <a:lstStyle/>
-          <a:p>
-            <a:r>
-              <a:rPr lang="ko-KR" altLang="en-US"/>
-              <a:t>빠른 검색</a:t>
-            </a:r>
-          </a:p>
-        </p:txBody>
-      </p:sp>
     </p:spTree>
     <p:extLst>
       <p:ext uri="{BB962C8B-B14F-4D97-AF65-F5344CB8AC3E}">
-        <p14:creationId xmlns:p14="http://schemas.microsoft.com/office/powerpoint/2010/main" val="2133621018"/>
+        <p14:creationId xmlns:p14="http://schemas.microsoft.com/office/powerpoint/2010/main" val="1094705444"/>
       </p:ext>
     </p:extLst>
   </p:cSld>
@@ -7494,6 +6761,1812 @@
       </p:grpSpPr>
       <p:sp>
         <p:nvSpPr>
+          <p:cNvPr id="2" name="TextBox 1">
+            <a:extLst>
+              <a:ext uri="{FF2B5EF4-FFF2-40B4-BE49-F238E27FC236}">
+                <a16:creationId xmlns:a16="http://schemas.microsoft.com/office/drawing/2014/main" id="{1107FF34-34E0-495C-AD0D-97719755F3F8}"/>
+              </a:ext>
+            </a:extLst>
+          </p:cNvPr>
+          <p:cNvSpPr txBox="1"/>
+          <p:nvPr/>
+        </p:nvSpPr>
+        <p:spPr>
+          <a:xfrm>
+            <a:off x="304801" y="309299"/>
+            <a:ext cx="4790364" cy="646331"/>
+          </a:xfrm>
+          <a:prstGeom prst="rect">
+            <a:avLst/>
+          </a:prstGeom>
+          <a:noFill/>
+        </p:spPr>
+        <p:txBody>
+          <a:bodyPr wrap="square" rtlCol="0">
+            <a:spAutoFit/>
+          </a:bodyPr>
+          <a:lstStyle/>
+          <a:p>
+            <a:r>
+              <a:rPr lang="en-US" altLang="ko-KR" b="1"/>
+              <a:t>// </a:t>
+            </a:r>
+            <a:r>
+              <a:rPr lang="ko-KR" altLang="en-US" b="1"/>
+              <a:t>메인 페이지</a:t>
+            </a:r>
+            <a:endParaRPr lang="en-US" altLang="ko-KR" b="1"/>
+          </a:p>
+          <a:p>
+            <a:r>
+              <a:rPr lang="en-US" altLang="ko-KR" b="1"/>
+              <a:t>Main.HTML</a:t>
+            </a:r>
+            <a:endParaRPr lang="ko-KR" altLang="en-US" b="1"/>
+          </a:p>
+        </p:txBody>
+      </p:sp>
+      <p:sp>
+        <p:nvSpPr>
+          <p:cNvPr id="3" name="직사각형 2">
+            <a:extLst>
+              <a:ext uri="{FF2B5EF4-FFF2-40B4-BE49-F238E27FC236}">
+                <a16:creationId xmlns:a16="http://schemas.microsoft.com/office/drawing/2014/main" id="{7506D7B3-6A94-4008-B5E3-D3DD9C0C0781}"/>
+              </a:ext>
+            </a:extLst>
+          </p:cNvPr>
+          <p:cNvSpPr/>
+          <p:nvPr/>
+        </p:nvSpPr>
+        <p:spPr>
+          <a:xfrm>
+            <a:off x="1187354" y="1160058"/>
+            <a:ext cx="8161362" cy="5274861"/>
+          </a:xfrm>
+          <a:prstGeom prst="rect">
+            <a:avLst/>
+          </a:prstGeom>
+          <a:noFill/>
+          <a:ln w="57150">
+            <a:solidFill>
+              <a:srgbClr val="92D050"/>
+            </a:solidFill>
+          </a:ln>
+        </p:spPr>
+        <p:style>
+          <a:lnRef idx="2">
+            <a:schemeClr val="accent1">
+              <a:shade val="50000"/>
+            </a:schemeClr>
+          </a:lnRef>
+          <a:fillRef idx="1">
+            <a:schemeClr val="accent1"/>
+          </a:fillRef>
+          <a:effectRef idx="0">
+            <a:schemeClr val="accent1"/>
+          </a:effectRef>
+          <a:fontRef idx="minor">
+            <a:schemeClr val="lt1"/>
+          </a:fontRef>
+        </p:style>
+        <p:txBody>
+          <a:bodyPr rtlCol="0" anchor="ctr"/>
+          <a:lstStyle/>
+          <a:p>
+            <a:pPr algn="ctr"/>
+            <a:endParaRPr lang="ko-KR" altLang="en-US"/>
+          </a:p>
+        </p:txBody>
+      </p:sp>
+      <p:sp>
+        <p:nvSpPr>
+          <p:cNvPr id="4" name="직사각형 3">
+            <a:extLst>
+              <a:ext uri="{FF2B5EF4-FFF2-40B4-BE49-F238E27FC236}">
+                <a16:creationId xmlns:a16="http://schemas.microsoft.com/office/drawing/2014/main" id="{5BBF4AE5-9EA5-4EE2-829D-0D8D30D05252}"/>
+              </a:ext>
+            </a:extLst>
+          </p:cNvPr>
+          <p:cNvSpPr/>
+          <p:nvPr/>
+        </p:nvSpPr>
+        <p:spPr>
+          <a:xfrm>
+            <a:off x="1297675" y="1310186"/>
+            <a:ext cx="7914564" cy="750626"/>
+          </a:xfrm>
+          <a:prstGeom prst="rect">
+            <a:avLst/>
+          </a:prstGeom>
+          <a:noFill/>
+          <a:ln w="57150">
+            <a:solidFill>
+              <a:srgbClr val="FF0000"/>
+            </a:solidFill>
+          </a:ln>
+        </p:spPr>
+        <p:style>
+          <a:lnRef idx="2">
+            <a:schemeClr val="accent1">
+              <a:shade val="50000"/>
+            </a:schemeClr>
+          </a:lnRef>
+          <a:fillRef idx="1">
+            <a:schemeClr val="accent1"/>
+          </a:fillRef>
+          <a:effectRef idx="0">
+            <a:schemeClr val="accent1"/>
+          </a:effectRef>
+          <a:fontRef idx="minor">
+            <a:schemeClr val="lt1"/>
+          </a:fontRef>
+        </p:style>
+        <p:txBody>
+          <a:bodyPr rtlCol="0" anchor="ctr"/>
+          <a:lstStyle/>
+          <a:p>
+            <a:pPr algn="ctr"/>
+            <a:endParaRPr lang="ko-KR" altLang="en-US">
+              <a:solidFill>
+                <a:srgbClr val="FF0000"/>
+              </a:solidFill>
+            </a:endParaRPr>
+          </a:p>
+        </p:txBody>
+      </p:sp>
+      <p:sp>
+        <p:nvSpPr>
+          <p:cNvPr id="5" name="직사각형 4">
+            <a:extLst>
+              <a:ext uri="{FF2B5EF4-FFF2-40B4-BE49-F238E27FC236}">
+                <a16:creationId xmlns:a16="http://schemas.microsoft.com/office/drawing/2014/main" id="{A5098081-B603-4CD1-B3F9-BDB6EDF06CD9}"/>
+              </a:ext>
+            </a:extLst>
+          </p:cNvPr>
+          <p:cNvSpPr/>
+          <p:nvPr/>
+        </p:nvSpPr>
+        <p:spPr>
+          <a:xfrm>
+            <a:off x="1297675" y="5547814"/>
+            <a:ext cx="7914564" cy="750626"/>
+          </a:xfrm>
+          <a:prstGeom prst="rect">
+            <a:avLst/>
+          </a:prstGeom>
+          <a:noFill/>
+          <a:ln w="57150">
+            <a:solidFill>
+              <a:srgbClr val="FF0000"/>
+            </a:solidFill>
+          </a:ln>
+        </p:spPr>
+        <p:style>
+          <a:lnRef idx="2">
+            <a:schemeClr val="accent1">
+              <a:shade val="50000"/>
+            </a:schemeClr>
+          </a:lnRef>
+          <a:fillRef idx="1">
+            <a:schemeClr val="accent1"/>
+          </a:fillRef>
+          <a:effectRef idx="0">
+            <a:schemeClr val="accent1"/>
+          </a:effectRef>
+          <a:fontRef idx="minor">
+            <a:schemeClr val="lt1"/>
+          </a:fontRef>
+        </p:style>
+        <p:txBody>
+          <a:bodyPr rtlCol="0" anchor="ctr"/>
+          <a:lstStyle/>
+          <a:p>
+            <a:pPr algn="ctr"/>
+            <a:endParaRPr lang="ko-KR" altLang="en-US">
+              <a:solidFill>
+                <a:srgbClr val="FF0000"/>
+              </a:solidFill>
+            </a:endParaRPr>
+          </a:p>
+        </p:txBody>
+      </p:sp>
+      <p:sp>
+        <p:nvSpPr>
+          <p:cNvPr id="6" name="직사각형 5">
+            <a:extLst>
+              <a:ext uri="{FF2B5EF4-FFF2-40B4-BE49-F238E27FC236}">
+                <a16:creationId xmlns:a16="http://schemas.microsoft.com/office/drawing/2014/main" id="{815B8FB3-2BE7-4455-9189-3CDD1AF6A086}"/>
+              </a:ext>
+            </a:extLst>
+          </p:cNvPr>
+          <p:cNvSpPr/>
+          <p:nvPr/>
+        </p:nvSpPr>
+        <p:spPr>
+          <a:xfrm rot="5400000">
+            <a:off x="82598" y="3403837"/>
+            <a:ext cx="3180780" cy="750626"/>
+          </a:xfrm>
+          <a:prstGeom prst="rect">
+            <a:avLst/>
+          </a:prstGeom>
+          <a:noFill/>
+          <a:ln w="57150">
+            <a:solidFill>
+              <a:srgbClr val="FF0000"/>
+            </a:solidFill>
+          </a:ln>
+        </p:spPr>
+        <p:style>
+          <a:lnRef idx="2">
+            <a:schemeClr val="accent1">
+              <a:shade val="50000"/>
+            </a:schemeClr>
+          </a:lnRef>
+          <a:fillRef idx="1">
+            <a:schemeClr val="accent1"/>
+          </a:fillRef>
+          <a:effectRef idx="0">
+            <a:schemeClr val="accent1"/>
+          </a:effectRef>
+          <a:fontRef idx="minor">
+            <a:schemeClr val="lt1"/>
+          </a:fontRef>
+        </p:style>
+        <p:txBody>
+          <a:bodyPr rtlCol="0" anchor="ctr"/>
+          <a:lstStyle/>
+          <a:p>
+            <a:pPr algn="ctr"/>
+            <a:endParaRPr lang="ko-KR" altLang="en-US">
+              <a:solidFill>
+                <a:srgbClr val="FF0000"/>
+              </a:solidFill>
+            </a:endParaRPr>
+          </a:p>
+        </p:txBody>
+      </p:sp>
+      <p:sp>
+        <p:nvSpPr>
+          <p:cNvPr id="7" name="직사각형 6">
+            <a:extLst>
+              <a:ext uri="{FF2B5EF4-FFF2-40B4-BE49-F238E27FC236}">
+                <a16:creationId xmlns:a16="http://schemas.microsoft.com/office/drawing/2014/main" id="{4D418622-AFEC-4A5E-B14C-6506FEB81937}"/>
+              </a:ext>
+            </a:extLst>
+          </p:cNvPr>
+          <p:cNvSpPr/>
+          <p:nvPr/>
+        </p:nvSpPr>
+        <p:spPr>
+          <a:xfrm rot="5400000">
+            <a:off x="7246536" y="3426017"/>
+            <a:ext cx="3180780" cy="750626"/>
+          </a:xfrm>
+          <a:prstGeom prst="rect">
+            <a:avLst/>
+          </a:prstGeom>
+          <a:noFill/>
+          <a:ln w="57150">
+            <a:solidFill>
+              <a:srgbClr val="FF0000"/>
+            </a:solidFill>
+          </a:ln>
+        </p:spPr>
+        <p:style>
+          <a:lnRef idx="2">
+            <a:schemeClr val="accent1">
+              <a:shade val="50000"/>
+            </a:schemeClr>
+          </a:lnRef>
+          <a:fillRef idx="1">
+            <a:schemeClr val="accent1"/>
+          </a:fillRef>
+          <a:effectRef idx="0">
+            <a:schemeClr val="accent1"/>
+          </a:effectRef>
+          <a:fontRef idx="minor">
+            <a:schemeClr val="lt1"/>
+          </a:fontRef>
+        </p:style>
+        <p:txBody>
+          <a:bodyPr rtlCol="0" anchor="ctr"/>
+          <a:lstStyle/>
+          <a:p>
+            <a:pPr algn="ctr"/>
+            <a:endParaRPr lang="ko-KR" altLang="en-US">
+              <a:solidFill>
+                <a:srgbClr val="FF0000"/>
+              </a:solidFill>
+            </a:endParaRPr>
+          </a:p>
+        </p:txBody>
+      </p:sp>
+      <p:sp>
+        <p:nvSpPr>
+          <p:cNvPr id="8" name="직사각형 7">
+            <a:extLst>
+              <a:ext uri="{FF2B5EF4-FFF2-40B4-BE49-F238E27FC236}">
+                <a16:creationId xmlns:a16="http://schemas.microsoft.com/office/drawing/2014/main" id="{13B05C0B-4DCC-41F5-AB41-1E68259AA40E}"/>
+              </a:ext>
+            </a:extLst>
+          </p:cNvPr>
+          <p:cNvSpPr/>
+          <p:nvPr/>
+        </p:nvSpPr>
+        <p:spPr>
+          <a:xfrm>
+            <a:off x="2158622" y="2210940"/>
+            <a:ext cx="2719602" cy="478093"/>
+          </a:xfrm>
+          <a:prstGeom prst="rect">
+            <a:avLst/>
+          </a:prstGeom>
+          <a:noFill/>
+          <a:ln w="57150">
+            <a:solidFill>
+              <a:srgbClr val="FF0000"/>
+            </a:solidFill>
+          </a:ln>
+        </p:spPr>
+        <p:style>
+          <a:lnRef idx="2">
+            <a:schemeClr val="accent1">
+              <a:shade val="50000"/>
+            </a:schemeClr>
+          </a:lnRef>
+          <a:fillRef idx="1">
+            <a:schemeClr val="accent1"/>
+          </a:fillRef>
+          <a:effectRef idx="0">
+            <a:schemeClr val="accent1"/>
+          </a:effectRef>
+          <a:fontRef idx="minor">
+            <a:schemeClr val="lt1"/>
+          </a:fontRef>
+        </p:style>
+        <p:txBody>
+          <a:bodyPr rtlCol="0" anchor="ctr"/>
+          <a:lstStyle/>
+          <a:p>
+            <a:pPr algn="ctr"/>
+            <a:r>
+              <a:rPr lang="ko-KR" altLang="en-US">
+                <a:solidFill>
+                  <a:srgbClr val="FF0000"/>
+                </a:solidFill>
+              </a:rPr>
+              <a:t>숙소 검색 바</a:t>
+            </a:r>
+          </a:p>
+        </p:txBody>
+      </p:sp>
+      <p:sp>
+        <p:nvSpPr>
+          <p:cNvPr id="9" name="TextBox 8">
+            <a:extLst>
+              <a:ext uri="{FF2B5EF4-FFF2-40B4-BE49-F238E27FC236}">
+                <a16:creationId xmlns:a16="http://schemas.microsoft.com/office/drawing/2014/main" id="{774DE57B-9DAC-47E1-AE7A-517BCD273455}"/>
+              </a:ext>
+            </a:extLst>
+          </p:cNvPr>
+          <p:cNvSpPr txBox="1"/>
+          <p:nvPr/>
+        </p:nvSpPr>
+        <p:spPr>
+          <a:xfrm>
+            <a:off x="4012442" y="1496931"/>
+            <a:ext cx="2838734" cy="369332"/>
+          </a:xfrm>
+          <a:prstGeom prst="rect">
+            <a:avLst/>
+          </a:prstGeom>
+          <a:noFill/>
+        </p:spPr>
+        <p:txBody>
+          <a:bodyPr wrap="square" rtlCol="0">
+            <a:spAutoFit/>
+          </a:bodyPr>
+          <a:lstStyle/>
+          <a:p>
+            <a:r>
+              <a:rPr lang="ko-KR" altLang="en-US"/>
+              <a:t>사이트 이름</a:t>
+            </a:r>
+            <a:r>
+              <a:rPr lang="en-US" altLang="ko-KR"/>
+              <a:t>/</a:t>
+            </a:r>
+            <a:r>
+              <a:rPr lang="ko-KR" altLang="en-US"/>
+              <a:t>소개 등등</a:t>
+            </a:r>
+          </a:p>
+        </p:txBody>
+      </p:sp>
+      <p:sp>
+        <p:nvSpPr>
+          <p:cNvPr id="10" name="직사각형 9">
+            <a:extLst>
+              <a:ext uri="{FF2B5EF4-FFF2-40B4-BE49-F238E27FC236}">
+                <a16:creationId xmlns:a16="http://schemas.microsoft.com/office/drawing/2014/main" id="{0CE691BC-9E88-49B7-8B20-AD6FC272223B}"/>
+              </a:ext>
+            </a:extLst>
+          </p:cNvPr>
+          <p:cNvSpPr/>
+          <p:nvPr/>
+        </p:nvSpPr>
+        <p:spPr>
+          <a:xfrm>
+            <a:off x="4988545" y="2226441"/>
+            <a:ext cx="2040052" cy="478093"/>
+          </a:xfrm>
+          <a:prstGeom prst="rect">
+            <a:avLst/>
+          </a:prstGeom>
+          <a:noFill/>
+          <a:ln w="57150">
+            <a:solidFill>
+              <a:srgbClr val="FF0000"/>
+            </a:solidFill>
+          </a:ln>
+        </p:spPr>
+        <p:style>
+          <a:lnRef idx="2">
+            <a:schemeClr val="accent1">
+              <a:shade val="50000"/>
+            </a:schemeClr>
+          </a:lnRef>
+          <a:fillRef idx="1">
+            <a:schemeClr val="accent1"/>
+          </a:fillRef>
+          <a:effectRef idx="0">
+            <a:schemeClr val="accent1"/>
+          </a:effectRef>
+          <a:fontRef idx="minor">
+            <a:schemeClr val="lt1"/>
+          </a:fontRef>
+        </p:style>
+        <p:txBody>
+          <a:bodyPr rtlCol="0" anchor="ctr"/>
+          <a:lstStyle/>
+          <a:p>
+            <a:pPr algn="ctr"/>
+            <a:r>
+              <a:rPr lang="ko-KR" altLang="en-US">
+                <a:solidFill>
+                  <a:srgbClr val="FF0000"/>
+                </a:solidFill>
+              </a:rPr>
+              <a:t>로그인</a:t>
+            </a:r>
+            <a:r>
+              <a:rPr lang="en-US" altLang="ko-KR">
+                <a:solidFill>
+                  <a:srgbClr val="FF0000"/>
+                </a:solidFill>
+              </a:rPr>
+              <a:t>/</a:t>
+            </a:r>
+            <a:r>
+              <a:rPr lang="ko-KR" altLang="en-US">
+                <a:solidFill>
+                  <a:srgbClr val="FF0000"/>
+                </a:solidFill>
+              </a:rPr>
+              <a:t>로그아웃</a:t>
+            </a:r>
+          </a:p>
+        </p:txBody>
+      </p:sp>
+      <p:sp>
+        <p:nvSpPr>
+          <p:cNvPr id="11" name="직사각형 10">
+            <a:extLst>
+              <a:ext uri="{FF2B5EF4-FFF2-40B4-BE49-F238E27FC236}">
+                <a16:creationId xmlns:a16="http://schemas.microsoft.com/office/drawing/2014/main" id="{07DA6C09-8D73-4E28-9324-98BC1180F25F}"/>
+              </a:ext>
+            </a:extLst>
+          </p:cNvPr>
+          <p:cNvSpPr/>
+          <p:nvPr/>
+        </p:nvSpPr>
+        <p:spPr>
+          <a:xfrm>
+            <a:off x="7111622" y="2231425"/>
+            <a:ext cx="1289426" cy="478093"/>
+          </a:xfrm>
+          <a:prstGeom prst="rect">
+            <a:avLst/>
+          </a:prstGeom>
+          <a:noFill/>
+          <a:ln w="57150">
+            <a:solidFill>
+              <a:srgbClr val="FF0000"/>
+            </a:solidFill>
+          </a:ln>
+        </p:spPr>
+        <p:style>
+          <a:lnRef idx="2">
+            <a:schemeClr val="accent1">
+              <a:shade val="50000"/>
+            </a:schemeClr>
+          </a:lnRef>
+          <a:fillRef idx="1">
+            <a:schemeClr val="accent1"/>
+          </a:fillRef>
+          <a:effectRef idx="0">
+            <a:schemeClr val="accent1"/>
+          </a:effectRef>
+          <a:fontRef idx="minor">
+            <a:schemeClr val="lt1"/>
+          </a:fontRef>
+        </p:style>
+        <p:txBody>
+          <a:bodyPr rtlCol="0" anchor="ctr"/>
+          <a:lstStyle/>
+          <a:p>
+            <a:pPr algn="ctr"/>
+            <a:r>
+              <a:rPr lang="ko-KR" altLang="en-US">
+                <a:solidFill>
+                  <a:srgbClr val="FF0000"/>
+                </a:solidFill>
+              </a:rPr>
+              <a:t>게시판</a:t>
+            </a:r>
+          </a:p>
+        </p:txBody>
+      </p:sp>
+      <p:sp>
+        <p:nvSpPr>
+          <p:cNvPr id="12" name="TextBox 11">
+            <a:extLst>
+              <a:ext uri="{FF2B5EF4-FFF2-40B4-BE49-F238E27FC236}">
+                <a16:creationId xmlns:a16="http://schemas.microsoft.com/office/drawing/2014/main" id="{5016E58D-C4C1-4F1C-8FD9-40B2E1A00BA7}"/>
+              </a:ext>
+            </a:extLst>
+          </p:cNvPr>
+          <p:cNvSpPr txBox="1"/>
+          <p:nvPr/>
+        </p:nvSpPr>
+        <p:spPr>
+          <a:xfrm>
+            <a:off x="3729395" y="5760791"/>
+            <a:ext cx="2838734" cy="369332"/>
+          </a:xfrm>
+          <a:prstGeom prst="rect">
+            <a:avLst/>
+          </a:prstGeom>
+          <a:noFill/>
+        </p:spPr>
+        <p:txBody>
+          <a:bodyPr wrap="square" rtlCol="0">
+            <a:spAutoFit/>
+          </a:bodyPr>
+          <a:lstStyle/>
+          <a:p>
+            <a:r>
+              <a:rPr lang="ko-KR" altLang="en-US"/>
+              <a:t>대충 사진 </a:t>
+            </a:r>
+            <a:r>
+              <a:rPr lang="en-US" altLang="ko-KR"/>
+              <a:t>+ </a:t>
+            </a:r>
+            <a:r>
+              <a:rPr lang="ko-KR" altLang="en-US"/>
+              <a:t>저작권</a:t>
+            </a:r>
+            <a:r>
+              <a:rPr lang="en-US" altLang="ko-KR"/>
+              <a:t>? </a:t>
+            </a:r>
+            <a:endParaRPr lang="ko-KR" altLang="en-US"/>
+          </a:p>
+        </p:txBody>
+      </p:sp>
+      <p:sp>
+        <p:nvSpPr>
+          <p:cNvPr id="13" name="TextBox 12">
+            <a:extLst>
+              <a:ext uri="{FF2B5EF4-FFF2-40B4-BE49-F238E27FC236}">
+                <a16:creationId xmlns:a16="http://schemas.microsoft.com/office/drawing/2014/main" id="{B1120D06-F2BA-4487-B457-53A57CD6E78D}"/>
+              </a:ext>
+            </a:extLst>
+          </p:cNvPr>
+          <p:cNvSpPr txBox="1"/>
+          <p:nvPr/>
+        </p:nvSpPr>
+        <p:spPr>
+          <a:xfrm>
+            <a:off x="1271239" y="3202844"/>
+            <a:ext cx="750626" cy="923330"/>
+          </a:xfrm>
+          <a:prstGeom prst="rect">
+            <a:avLst/>
+          </a:prstGeom>
+          <a:noFill/>
+        </p:spPr>
+        <p:txBody>
+          <a:bodyPr wrap="square" rtlCol="0">
+            <a:spAutoFit/>
+          </a:bodyPr>
+          <a:lstStyle/>
+          <a:p>
+            <a:r>
+              <a:rPr lang="ko-KR" altLang="en-US"/>
+              <a:t>대충 여백</a:t>
+            </a:r>
+            <a:endParaRPr lang="en-US" altLang="ko-KR"/>
+          </a:p>
+          <a:p>
+            <a:r>
+              <a:rPr lang="ko-KR" altLang="en-US"/>
+              <a:t>사진</a:t>
+            </a:r>
+          </a:p>
+        </p:txBody>
+      </p:sp>
+      <p:sp>
+        <p:nvSpPr>
+          <p:cNvPr id="14" name="TextBox 13">
+            <a:extLst>
+              <a:ext uri="{FF2B5EF4-FFF2-40B4-BE49-F238E27FC236}">
+                <a16:creationId xmlns:a16="http://schemas.microsoft.com/office/drawing/2014/main" id="{0033ED73-24DA-460D-8EFA-5468542D7F86}"/>
+              </a:ext>
+            </a:extLst>
+          </p:cNvPr>
+          <p:cNvSpPr txBox="1"/>
+          <p:nvPr/>
+        </p:nvSpPr>
+        <p:spPr>
+          <a:xfrm>
+            <a:off x="8482932" y="3202844"/>
+            <a:ext cx="750626" cy="923330"/>
+          </a:xfrm>
+          <a:prstGeom prst="rect">
+            <a:avLst/>
+          </a:prstGeom>
+          <a:noFill/>
+        </p:spPr>
+        <p:txBody>
+          <a:bodyPr wrap="square" rtlCol="0">
+            <a:spAutoFit/>
+          </a:bodyPr>
+          <a:lstStyle/>
+          <a:p>
+            <a:r>
+              <a:rPr lang="ko-KR" altLang="en-US"/>
+              <a:t>대충 여백</a:t>
+            </a:r>
+            <a:endParaRPr lang="en-US" altLang="ko-KR"/>
+          </a:p>
+          <a:p>
+            <a:r>
+              <a:rPr lang="ko-KR" altLang="en-US"/>
+              <a:t>사진</a:t>
+            </a:r>
+          </a:p>
+        </p:txBody>
+      </p:sp>
+      <p:sp>
+        <p:nvSpPr>
+          <p:cNvPr id="15" name="직사각형 14">
+            <a:extLst>
+              <a:ext uri="{FF2B5EF4-FFF2-40B4-BE49-F238E27FC236}">
+                <a16:creationId xmlns:a16="http://schemas.microsoft.com/office/drawing/2014/main" id="{3B1134AC-E1AF-4B6F-8F30-9B4BC4CE04A2}"/>
+              </a:ext>
+            </a:extLst>
+          </p:cNvPr>
+          <p:cNvSpPr/>
+          <p:nvPr/>
+        </p:nvSpPr>
+        <p:spPr>
+          <a:xfrm>
+            <a:off x="2083005" y="2926995"/>
+            <a:ext cx="6281952" cy="1361537"/>
+          </a:xfrm>
+          <a:prstGeom prst="rect">
+            <a:avLst/>
+          </a:prstGeom>
+          <a:noFill/>
+          <a:ln w="57150">
+            <a:solidFill>
+              <a:schemeClr val="accent4"/>
+            </a:solidFill>
+          </a:ln>
+        </p:spPr>
+        <p:style>
+          <a:lnRef idx="2">
+            <a:schemeClr val="accent1">
+              <a:shade val="50000"/>
+            </a:schemeClr>
+          </a:lnRef>
+          <a:fillRef idx="1">
+            <a:schemeClr val="accent1"/>
+          </a:fillRef>
+          <a:effectRef idx="0">
+            <a:schemeClr val="accent1"/>
+          </a:effectRef>
+          <a:fontRef idx="minor">
+            <a:schemeClr val="lt1"/>
+          </a:fontRef>
+        </p:style>
+        <p:txBody>
+          <a:bodyPr rtlCol="0" anchor="ctr"/>
+          <a:lstStyle/>
+          <a:p>
+            <a:pPr algn="ctr"/>
+            <a:endParaRPr lang="ko-KR" altLang="en-US">
+              <a:solidFill>
+                <a:srgbClr val="FF0000"/>
+              </a:solidFill>
+            </a:endParaRPr>
+          </a:p>
+        </p:txBody>
+      </p:sp>
+      <p:sp>
+        <p:nvSpPr>
+          <p:cNvPr id="16" name="TextBox 15">
+            <a:extLst>
+              <a:ext uri="{FF2B5EF4-FFF2-40B4-BE49-F238E27FC236}">
+                <a16:creationId xmlns:a16="http://schemas.microsoft.com/office/drawing/2014/main" id="{C7779565-F379-4189-96C0-426DB9225016}"/>
+              </a:ext>
+            </a:extLst>
+          </p:cNvPr>
+          <p:cNvSpPr txBox="1"/>
+          <p:nvPr/>
+        </p:nvSpPr>
+        <p:spPr>
+          <a:xfrm>
+            <a:off x="3699111" y="3434981"/>
+            <a:ext cx="3329486" cy="369332"/>
+          </a:xfrm>
+          <a:prstGeom prst="rect">
+            <a:avLst/>
+          </a:prstGeom>
+          <a:noFill/>
+        </p:spPr>
+        <p:txBody>
+          <a:bodyPr wrap="square" rtlCol="0">
+            <a:spAutoFit/>
+          </a:bodyPr>
+          <a:lstStyle/>
+          <a:p>
+            <a:r>
+              <a:rPr lang="ko-KR" altLang="en-US"/>
+              <a:t>여행가고 싶게 만드는 사진</a:t>
+            </a:r>
+          </a:p>
+        </p:txBody>
+      </p:sp>
+      <p:sp>
+        <p:nvSpPr>
+          <p:cNvPr id="17" name="직사각형 16">
+            <a:extLst>
+              <a:ext uri="{FF2B5EF4-FFF2-40B4-BE49-F238E27FC236}">
+                <a16:creationId xmlns:a16="http://schemas.microsoft.com/office/drawing/2014/main" id="{D24CFF1E-80A6-41A4-ABB2-92230F5D29CF}"/>
+              </a:ext>
+            </a:extLst>
+          </p:cNvPr>
+          <p:cNvSpPr/>
+          <p:nvPr/>
+        </p:nvSpPr>
+        <p:spPr>
+          <a:xfrm>
+            <a:off x="2113981" y="4459577"/>
+            <a:ext cx="6281952" cy="901492"/>
+          </a:xfrm>
+          <a:prstGeom prst="rect">
+            <a:avLst/>
+          </a:prstGeom>
+          <a:noFill/>
+          <a:ln w="57150">
+            <a:solidFill>
+              <a:schemeClr val="accent4"/>
+            </a:solidFill>
+          </a:ln>
+        </p:spPr>
+        <p:style>
+          <a:lnRef idx="2">
+            <a:schemeClr val="accent1">
+              <a:shade val="50000"/>
+            </a:schemeClr>
+          </a:lnRef>
+          <a:fillRef idx="1">
+            <a:schemeClr val="accent1"/>
+          </a:fillRef>
+          <a:effectRef idx="0">
+            <a:schemeClr val="accent1"/>
+          </a:effectRef>
+          <a:fontRef idx="minor">
+            <a:schemeClr val="lt1"/>
+          </a:fontRef>
+        </p:style>
+        <p:txBody>
+          <a:bodyPr rtlCol="0" anchor="ctr"/>
+          <a:lstStyle/>
+          <a:p>
+            <a:pPr algn="ctr"/>
+            <a:endParaRPr lang="ko-KR" altLang="en-US">
+              <a:solidFill>
+                <a:srgbClr val="FF0000"/>
+              </a:solidFill>
+            </a:endParaRPr>
+          </a:p>
+        </p:txBody>
+      </p:sp>
+      <p:sp>
+        <p:nvSpPr>
+          <p:cNvPr id="18" name="TextBox 17">
+            <a:extLst>
+              <a:ext uri="{FF2B5EF4-FFF2-40B4-BE49-F238E27FC236}">
+                <a16:creationId xmlns:a16="http://schemas.microsoft.com/office/drawing/2014/main" id="{EF6E82A2-8627-4337-8F40-3570801CBF6F}"/>
+              </a:ext>
+            </a:extLst>
+          </p:cNvPr>
+          <p:cNvSpPr txBox="1"/>
+          <p:nvPr/>
+        </p:nvSpPr>
+        <p:spPr>
+          <a:xfrm>
+            <a:off x="4442347" y="4673121"/>
+            <a:ext cx="3329486" cy="369332"/>
+          </a:xfrm>
+          <a:prstGeom prst="rect">
+            <a:avLst/>
+          </a:prstGeom>
+          <a:noFill/>
+        </p:spPr>
+        <p:txBody>
+          <a:bodyPr wrap="square" rtlCol="0">
+            <a:spAutoFit/>
+          </a:bodyPr>
+          <a:lstStyle/>
+          <a:p>
+            <a:r>
+              <a:rPr lang="ko-KR" altLang="en-US"/>
+              <a:t>빠른 검색</a:t>
+            </a:r>
+          </a:p>
+        </p:txBody>
+      </p:sp>
+    </p:spTree>
+    <p:extLst>
+      <p:ext uri="{BB962C8B-B14F-4D97-AF65-F5344CB8AC3E}">
+        <p14:creationId xmlns:p14="http://schemas.microsoft.com/office/powerpoint/2010/main" val="619164710"/>
+      </p:ext>
+    </p:extLst>
+  </p:cSld>
+  <p:clrMapOvr>
+    <a:masterClrMapping/>
+  </p:clrMapOvr>
+</p:sld>
+</file>
+
+<file path=ppt/slides/slide16.xml><?xml version="1.0" encoding="utf-8"?>
+<p:sld xmlns:a="http://schemas.openxmlformats.org/drawingml/2006/main" xmlns:r="http://schemas.openxmlformats.org/officeDocument/2006/relationships" xmlns:p="http://schemas.openxmlformats.org/presentationml/2006/main">
+  <p:cSld>
+    <p:spTree>
+      <p:nvGrpSpPr>
+        <p:cNvPr id="1" name=""/>
+        <p:cNvGrpSpPr/>
+        <p:nvPr/>
+      </p:nvGrpSpPr>
+      <p:grpSpPr>
+        <a:xfrm>
+          <a:off x="0" y="0"/>
+          <a:ext cx="0" cy="0"/>
+          <a:chOff x="0" y="0"/>
+          <a:chExt cx="0" cy="0"/>
+        </a:xfrm>
+      </p:grpSpPr>
+      <p:sp>
+        <p:nvSpPr>
+          <p:cNvPr id="2" name="TextBox 1">
+            <a:extLst>
+              <a:ext uri="{FF2B5EF4-FFF2-40B4-BE49-F238E27FC236}">
+                <a16:creationId xmlns:a16="http://schemas.microsoft.com/office/drawing/2014/main" id="{1107FF34-34E0-495C-AD0D-97719755F3F8}"/>
+              </a:ext>
+            </a:extLst>
+          </p:cNvPr>
+          <p:cNvSpPr txBox="1"/>
+          <p:nvPr/>
+        </p:nvSpPr>
+        <p:spPr>
+          <a:xfrm>
+            <a:off x="304801" y="309299"/>
+            <a:ext cx="4790364" cy="646331"/>
+          </a:xfrm>
+          <a:prstGeom prst="rect">
+            <a:avLst/>
+          </a:prstGeom>
+          <a:noFill/>
+        </p:spPr>
+        <p:txBody>
+          <a:bodyPr wrap="square" rtlCol="0">
+            <a:spAutoFit/>
+          </a:bodyPr>
+          <a:lstStyle/>
+          <a:p>
+            <a:r>
+              <a:rPr lang="en-US" altLang="ko-KR" b="1"/>
+              <a:t>// </a:t>
+            </a:r>
+            <a:r>
+              <a:rPr lang="ko-KR" altLang="en-US" b="1"/>
+              <a:t>메인 페이지</a:t>
+            </a:r>
+            <a:endParaRPr lang="en-US" altLang="ko-KR" b="1"/>
+          </a:p>
+          <a:p>
+            <a:r>
+              <a:rPr lang="en-US" altLang="ko-KR" b="1"/>
+              <a:t>Main.HTML</a:t>
+            </a:r>
+            <a:endParaRPr lang="ko-KR" altLang="en-US" b="1"/>
+          </a:p>
+        </p:txBody>
+      </p:sp>
+      <p:sp>
+        <p:nvSpPr>
+          <p:cNvPr id="3" name="직사각형 2">
+            <a:extLst>
+              <a:ext uri="{FF2B5EF4-FFF2-40B4-BE49-F238E27FC236}">
+                <a16:creationId xmlns:a16="http://schemas.microsoft.com/office/drawing/2014/main" id="{7506D7B3-6A94-4008-B5E3-D3DD9C0C0781}"/>
+              </a:ext>
+            </a:extLst>
+          </p:cNvPr>
+          <p:cNvSpPr/>
+          <p:nvPr/>
+        </p:nvSpPr>
+        <p:spPr>
+          <a:xfrm>
+            <a:off x="1187354" y="1160058"/>
+            <a:ext cx="8161362" cy="5274861"/>
+          </a:xfrm>
+          <a:prstGeom prst="rect">
+            <a:avLst/>
+          </a:prstGeom>
+          <a:noFill/>
+          <a:ln w="57150">
+            <a:solidFill>
+              <a:srgbClr val="92D050"/>
+            </a:solidFill>
+          </a:ln>
+        </p:spPr>
+        <p:style>
+          <a:lnRef idx="2">
+            <a:schemeClr val="accent1">
+              <a:shade val="50000"/>
+            </a:schemeClr>
+          </a:lnRef>
+          <a:fillRef idx="1">
+            <a:schemeClr val="accent1"/>
+          </a:fillRef>
+          <a:effectRef idx="0">
+            <a:schemeClr val="accent1"/>
+          </a:effectRef>
+          <a:fontRef idx="minor">
+            <a:schemeClr val="lt1"/>
+          </a:fontRef>
+        </p:style>
+        <p:txBody>
+          <a:bodyPr rtlCol="0" anchor="ctr"/>
+          <a:lstStyle/>
+          <a:p>
+            <a:pPr algn="ctr"/>
+            <a:endParaRPr lang="ko-KR" altLang="en-US"/>
+          </a:p>
+        </p:txBody>
+      </p:sp>
+      <p:sp>
+        <p:nvSpPr>
+          <p:cNvPr id="4" name="직사각형 3">
+            <a:extLst>
+              <a:ext uri="{FF2B5EF4-FFF2-40B4-BE49-F238E27FC236}">
+                <a16:creationId xmlns:a16="http://schemas.microsoft.com/office/drawing/2014/main" id="{5BBF4AE5-9EA5-4EE2-829D-0D8D30D05252}"/>
+              </a:ext>
+            </a:extLst>
+          </p:cNvPr>
+          <p:cNvSpPr/>
+          <p:nvPr/>
+        </p:nvSpPr>
+        <p:spPr>
+          <a:xfrm>
+            <a:off x="1297675" y="1310186"/>
+            <a:ext cx="7914564" cy="750626"/>
+          </a:xfrm>
+          <a:prstGeom prst="rect">
+            <a:avLst/>
+          </a:prstGeom>
+          <a:noFill/>
+          <a:ln w="57150">
+            <a:solidFill>
+              <a:srgbClr val="FF0000"/>
+            </a:solidFill>
+          </a:ln>
+        </p:spPr>
+        <p:style>
+          <a:lnRef idx="2">
+            <a:schemeClr val="accent1">
+              <a:shade val="50000"/>
+            </a:schemeClr>
+          </a:lnRef>
+          <a:fillRef idx="1">
+            <a:schemeClr val="accent1"/>
+          </a:fillRef>
+          <a:effectRef idx="0">
+            <a:schemeClr val="accent1"/>
+          </a:effectRef>
+          <a:fontRef idx="minor">
+            <a:schemeClr val="lt1"/>
+          </a:fontRef>
+        </p:style>
+        <p:txBody>
+          <a:bodyPr rtlCol="0" anchor="ctr"/>
+          <a:lstStyle/>
+          <a:p>
+            <a:pPr algn="ctr"/>
+            <a:endParaRPr lang="ko-KR" altLang="en-US">
+              <a:solidFill>
+                <a:srgbClr val="FF0000"/>
+              </a:solidFill>
+            </a:endParaRPr>
+          </a:p>
+        </p:txBody>
+      </p:sp>
+      <p:sp>
+        <p:nvSpPr>
+          <p:cNvPr id="5" name="직사각형 4">
+            <a:extLst>
+              <a:ext uri="{FF2B5EF4-FFF2-40B4-BE49-F238E27FC236}">
+                <a16:creationId xmlns:a16="http://schemas.microsoft.com/office/drawing/2014/main" id="{A5098081-B603-4CD1-B3F9-BDB6EDF06CD9}"/>
+              </a:ext>
+            </a:extLst>
+          </p:cNvPr>
+          <p:cNvSpPr/>
+          <p:nvPr/>
+        </p:nvSpPr>
+        <p:spPr>
+          <a:xfrm>
+            <a:off x="1297675" y="5547814"/>
+            <a:ext cx="7914564" cy="750626"/>
+          </a:xfrm>
+          <a:prstGeom prst="rect">
+            <a:avLst/>
+          </a:prstGeom>
+          <a:noFill/>
+          <a:ln w="57150">
+            <a:solidFill>
+              <a:srgbClr val="FF0000"/>
+            </a:solidFill>
+          </a:ln>
+        </p:spPr>
+        <p:style>
+          <a:lnRef idx="2">
+            <a:schemeClr val="accent1">
+              <a:shade val="50000"/>
+            </a:schemeClr>
+          </a:lnRef>
+          <a:fillRef idx="1">
+            <a:schemeClr val="accent1"/>
+          </a:fillRef>
+          <a:effectRef idx="0">
+            <a:schemeClr val="accent1"/>
+          </a:effectRef>
+          <a:fontRef idx="minor">
+            <a:schemeClr val="lt1"/>
+          </a:fontRef>
+        </p:style>
+        <p:txBody>
+          <a:bodyPr rtlCol="0" anchor="ctr"/>
+          <a:lstStyle/>
+          <a:p>
+            <a:pPr algn="ctr"/>
+            <a:endParaRPr lang="ko-KR" altLang="en-US">
+              <a:solidFill>
+                <a:srgbClr val="FF0000"/>
+              </a:solidFill>
+            </a:endParaRPr>
+          </a:p>
+        </p:txBody>
+      </p:sp>
+      <p:sp>
+        <p:nvSpPr>
+          <p:cNvPr id="6" name="직사각형 5">
+            <a:extLst>
+              <a:ext uri="{FF2B5EF4-FFF2-40B4-BE49-F238E27FC236}">
+                <a16:creationId xmlns:a16="http://schemas.microsoft.com/office/drawing/2014/main" id="{815B8FB3-2BE7-4455-9189-3CDD1AF6A086}"/>
+              </a:ext>
+            </a:extLst>
+          </p:cNvPr>
+          <p:cNvSpPr/>
+          <p:nvPr/>
+        </p:nvSpPr>
+        <p:spPr>
+          <a:xfrm rot="5400000">
+            <a:off x="82598" y="3403837"/>
+            <a:ext cx="3180780" cy="750626"/>
+          </a:xfrm>
+          <a:prstGeom prst="rect">
+            <a:avLst/>
+          </a:prstGeom>
+          <a:noFill/>
+          <a:ln w="57150">
+            <a:solidFill>
+              <a:srgbClr val="FF0000"/>
+            </a:solidFill>
+          </a:ln>
+        </p:spPr>
+        <p:style>
+          <a:lnRef idx="2">
+            <a:schemeClr val="accent1">
+              <a:shade val="50000"/>
+            </a:schemeClr>
+          </a:lnRef>
+          <a:fillRef idx="1">
+            <a:schemeClr val="accent1"/>
+          </a:fillRef>
+          <a:effectRef idx="0">
+            <a:schemeClr val="accent1"/>
+          </a:effectRef>
+          <a:fontRef idx="minor">
+            <a:schemeClr val="lt1"/>
+          </a:fontRef>
+        </p:style>
+        <p:txBody>
+          <a:bodyPr rtlCol="0" anchor="ctr"/>
+          <a:lstStyle/>
+          <a:p>
+            <a:pPr algn="ctr"/>
+            <a:endParaRPr lang="ko-KR" altLang="en-US">
+              <a:solidFill>
+                <a:srgbClr val="FF0000"/>
+              </a:solidFill>
+            </a:endParaRPr>
+          </a:p>
+        </p:txBody>
+      </p:sp>
+      <p:sp>
+        <p:nvSpPr>
+          <p:cNvPr id="7" name="직사각형 6">
+            <a:extLst>
+              <a:ext uri="{FF2B5EF4-FFF2-40B4-BE49-F238E27FC236}">
+                <a16:creationId xmlns:a16="http://schemas.microsoft.com/office/drawing/2014/main" id="{4D418622-AFEC-4A5E-B14C-6506FEB81937}"/>
+              </a:ext>
+            </a:extLst>
+          </p:cNvPr>
+          <p:cNvSpPr/>
+          <p:nvPr/>
+        </p:nvSpPr>
+        <p:spPr>
+          <a:xfrm rot="5400000">
+            <a:off x="7246536" y="3426017"/>
+            <a:ext cx="3180780" cy="750626"/>
+          </a:xfrm>
+          <a:prstGeom prst="rect">
+            <a:avLst/>
+          </a:prstGeom>
+          <a:noFill/>
+          <a:ln w="57150">
+            <a:solidFill>
+              <a:srgbClr val="FF0000"/>
+            </a:solidFill>
+          </a:ln>
+        </p:spPr>
+        <p:style>
+          <a:lnRef idx="2">
+            <a:schemeClr val="accent1">
+              <a:shade val="50000"/>
+            </a:schemeClr>
+          </a:lnRef>
+          <a:fillRef idx="1">
+            <a:schemeClr val="accent1"/>
+          </a:fillRef>
+          <a:effectRef idx="0">
+            <a:schemeClr val="accent1"/>
+          </a:effectRef>
+          <a:fontRef idx="minor">
+            <a:schemeClr val="lt1"/>
+          </a:fontRef>
+        </p:style>
+        <p:txBody>
+          <a:bodyPr rtlCol="0" anchor="ctr"/>
+          <a:lstStyle/>
+          <a:p>
+            <a:pPr algn="ctr"/>
+            <a:endParaRPr lang="ko-KR" altLang="en-US">
+              <a:solidFill>
+                <a:srgbClr val="FF0000"/>
+              </a:solidFill>
+            </a:endParaRPr>
+          </a:p>
+        </p:txBody>
+      </p:sp>
+      <p:sp>
+        <p:nvSpPr>
+          <p:cNvPr id="8" name="직사각형 7">
+            <a:extLst>
+              <a:ext uri="{FF2B5EF4-FFF2-40B4-BE49-F238E27FC236}">
+                <a16:creationId xmlns:a16="http://schemas.microsoft.com/office/drawing/2014/main" id="{13B05C0B-4DCC-41F5-AB41-1E68259AA40E}"/>
+              </a:ext>
+            </a:extLst>
+          </p:cNvPr>
+          <p:cNvSpPr/>
+          <p:nvPr/>
+        </p:nvSpPr>
+        <p:spPr>
+          <a:xfrm>
+            <a:off x="2158622" y="2210940"/>
+            <a:ext cx="2719602" cy="478093"/>
+          </a:xfrm>
+          <a:prstGeom prst="rect">
+            <a:avLst/>
+          </a:prstGeom>
+          <a:noFill/>
+          <a:ln w="57150">
+            <a:solidFill>
+              <a:srgbClr val="FF0000"/>
+            </a:solidFill>
+          </a:ln>
+        </p:spPr>
+        <p:style>
+          <a:lnRef idx="2">
+            <a:schemeClr val="accent1">
+              <a:shade val="50000"/>
+            </a:schemeClr>
+          </a:lnRef>
+          <a:fillRef idx="1">
+            <a:schemeClr val="accent1"/>
+          </a:fillRef>
+          <a:effectRef idx="0">
+            <a:schemeClr val="accent1"/>
+          </a:effectRef>
+          <a:fontRef idx="minor">
+            <a:schemeClr val="lt1"/>
+          </a:fontRef>
+        </p:style>
+        <p:txBody>
+          <a:bodyPr rtlCol="0" anchor="ctr"/>
+          <a:lstStyle/>
+          <a:p>
+            <a:pPr algn="ctr"/>
+            <a:r>
+              <a:rPr lang="ko-KR" altLang="en-US">
+                <a:solidFill>
+                  <a:srgbClr val="FF0000"/>
+                </a:solidFill>
+              </a:rPr>
+              <a:t>숙소 검색 바</a:t>
+            </a:r>
+          </a:p>
+        </p:txBody>
+      </p:sp>
+      <p:sp>
+        <p:nvSpPr>
+          <p:cNvPr id="9" name="TextBox 8">
+            <a:extLst>
+              <a:ext uri="{FF2B5EF4-FFF2-40B4-BE49-F238E27FC236}">
+                <a16:creationId xmlns:a16="http://schemas.microsoft.com/office/drawing/2014/main" id="{774DE57B-9DAC-47E1-AE7A-517BCD273455}"/>
+              </a:ext>
+            </a:extLst>
+          </p:cNvPr>
+          <p:cNvSpPr txBox="1"/>
+          <p:nvPr/>
+        </p:nvSpPr>
+        <p:spPr>
+          <a:xfrm>
+            <a:off x="4012442" y="1496931"/>
+            <a:ext cx="2838734" cy="369332"/>
+          </a:xfrm>
+          <a:prstGeom prst="rect">
+            <a:avLst/>
+          </a:prstGeom>
+          <a:noFill/>
+        </p:spPr>
+        <p:txBody>
+          <a:bodyPr wrap="square" rtlCol="0">
+            <a:spAutoFit/>
+          </a:bodyPr>
+          <a:lstStyle/>
+          <a:p>
+            <a:r>
+              <a:rPr lang="ko-KR" altLang="en-US"/>
+              <a:t>사이트 이름</a:t>
+            </a:r>
+            <a:r>
+              <a:rPr lang="en-US" altLang="ko-KR"/>
+              <a:t>/</a:t>
+            </a:r>
+            <a:r>
+              <a:rPr lang="ko-KR" altLang="en-US"/>
+              <a:t>소개 등등</a:t>
+            </a:r>
+          </a:p>
+        </p:txBody>
+      </p:sp>
+      <p:sp>
+        <p:nvSpPr>
+          <p:cNvPr id="10" name="직사각형 9">
+            <a:extLst>
+              <a:ext uri="{FF2B5EF4-FFF2-40B4-BE49-F238E27FC236}">
+                <a16:creationId xmlns:a16="http://schemas.microsoft.com/office/drawing/2014/main" id="{0CE691BC-9E88-49B7-8B20-AD6FC272223B}"/>
+              </a:ext>
+            </a:extLst>
+          </p:cNvPr>
+          <p:cNvSpPr/>
+          <p:nvPr/>
+        </p:nvSpPr>
+        <p:spPr>
+          <a:xfrm>
+            <a:off x="4988545" y="2226441"/>
+            <a:ext cx="2040052" cy="478093"/>
+          </a:xfrm>
+          <a:prstGeom prst="rect">
+            <a:avLst/>
+          </a:prstGeom>
+          <a:noFill/>
+          <a:ln w="57150">
+            <a:solidFill>
+              <a:srgbClr val="FF0000"/>
+            </a:solidFill>
+          </a:ln>
+        </p:spPr>
+        <p:style>
+          <a:lnRef idx="2">
+            <a:schemeClr val="accent1">
+              <a:shade val="50000"/>
+            </a:schemeClr>
+          </a:lnRef>
+          <a:fillRef idx="1">
+            <a:schemeClr val="accent1"/>
+          </a:fillRef>
+          <a:effectRef idx="0">
+            <a:schemeClr val="accent1"/>
+          </a:effectRef>
+          <a:fontRef idx="minor">
+            <a:schemeClr val="lt1"/>
+          </a:fontRef>
+        </p:style>
+        <p:txBody>
+          <a:bodyPr rtlCol="0" anchor="ctr"/>
+          <a:lstStyle/>
+          <a:p>
+            <a:pPr algn="ctr"/>
+            <a:r>
+              <a:rPr lang="ko-KR" altLang="en-US">
+                <a:solidFill>
+                  <a:srgbClr val="FF0000"/>
+                </a:solidFill>
+              </a:rPr>
+              <a:t>로그인</a:t>
+            </a:r>
+            <a:r>
+              <a:rPr lang="en-US" altLang="ko-KR">
+                <a:solidFill>
+                  <a:srgbClr val="FF0000"/>
+                </a:solidFill>
+              </a:rPr>
+              <a:t>/</a:t>
+            </a:r>
+            <a:r>
+              <a:rPr lang="ko-KR" altLang="en-US">
+                <a:solidFill>
+                  <a:srgbClr val="FF0000"/>
+                </a:solidFill>
+              </a:rPr>
+              <a:t>로그아웃</a:t>
+            </a:r>
+          </a:p>
+        </p:txBody>
+      </p:sp>
+      <p:sp>
+        <p:nvSpPr>
+          <p:cNvPr id="11" name="직사각형 10">
+            <a:extLst>
+              <a:ext uri="{FF2B5EF4-FFF2-40B4-BE49-F238E27FC236}">
+                <a16:creationId xmlns:a16="http://schemas.microsoft.com/office/drawing/2014/main" id="{07DA6C09-8D73-4E28-9324-98BC1180F25F}"/>
+              </a:ext>
+            </a:extLst>
+          </p:cNvPr>
+          <p:cNvSpPr/>
+          <p:nvPr/>
+        </p:nvSpPr>
+        <p:spPr>
+          <a:xfrm>
+            <a:off x="7111622" y="2231425"/>
+            <a:ext cx="1289426" cy="478093"/>
+          </a:xfrm>
+          <a:prstGeom prst="rect">
+            <a:avLst/>
+          </a:prstGeom>
+          <a:noFill/>
+          <a:ln w="57150">
+            <a:solidFill>
+              <a:srgbClr val="FF0000"/>
+            </a:solidFill>
+          </a:ln>
+        </p:spPr>
+        <p:style>
+          <a:lnRef idx="2">
+            <a:schemeClr val="accent1">
+              <a:shade val="50000"/>
+            </a:schemeClr>
+          </a:lnRef>
+          <a:fillRef idx="1">
+            <a:schemeClr val="accent1"/>
+          </a:fillRef>
+          <a:effectRef idx="0">
+            <a:schemeClr val="accent1"/>
+          </a:effectRef>
+          <a:fontRef idx="minor">
+            <a:schemeClr val="lt1"/>
+          </a:fontRef>
+        </p:style>
+        <p:txBody>
+          <a:bodyPr rtlCol="0" anchor="ctr"/>
+          <a:lstStyle/>
+          <a:p>
+            <a:pPr algn="ctr"/>
+            <a:r>
+              <a:rPr lang="ko-KR" altLang="en-US">
+                <a:solidFill>
+                  <a:srgbClr val="FF0000"/>
+                </a:solidFill>
+              </a:rPr>
+              <a:t>게시판</a:t>
+            </a:r>
+          </a:p>
+        </p:txBody>
+      </p:sp>
+      <p:sp>
+        <p:nvSpPr>
+          <p:cNvPr id="12" name="TextBox 11">
+            <a:extLst>
+              <a:ext uri="{FF2B5EF4-FFF2-40B4-BE49-F238E27FC236}">
+                <a16:creationId xmlns:a16="http://schemas.microsoft.com/office/drawing/2014/main" id="{5016E58D-C4C1-4F1C-8FD9-40B2E1A00BA7}"/>
+              </a:ext>
+            </a:extLst>
+          </p:cNvPr>
+          <p:cNvSpPr txBox="1"/>
+          <p:nvPr/>
+        </p:nvSpPr>
+        <p:spPr>
+          <a:xfrm>
+            <a:off x="3729395" y="5760791"/>
+            <a:ext cx="2838734" cy="369332"/>
+          </a:xfrm>
+          <a:prstGeom prst="rect">
+            <a:avLst/>
+          </a:prstGeom>
+          <a:noFill/>
+        </p:spPr>
+        <p:txBody>
+          <a:bodyPr wrap="square" rtlCol="0">
+            <a:spAutoFit/>
+          </a:bodyPr>
+          <a:lstStyle/>
+          <a:p>
+            <a:r>
+              <a:rPr lang="ko-KR" altLang="en-US"/>
+              <a:t>대충 사진 </a:t>
+            </a:r>
+            <a:r>
+              <a:rPr lang="en-US" altLang="ko-KR"/>
+              <a:t>+ </a:t>
+            </a:r>
+            <a:r>
+              <a:rPr lang="ko-KR" altLang="en-US"/>
+              <a:t>저작권</a:t>
+            </a:r>
+            <a:r>
+              <a:rPr lang="en-US" altLang="ko-KR"/>
+              <a:t>? </a:t>
+            </a:r>
+            <a:endParaRPr lang="ko-KR" altLang="en-US"/>
+          </a:p>
+        </p:txBody>
+      </p:sp>
+      <p:sp>
+        <p:nvSpPr>
+          <p:cNvPr id="13" name="TextBox 12">
+            <a:extLst>
+              <a:ext uri="{FF2B5EF4-FFF2-40B4-BE49-F238E27FC236}">
+                <a16:creationId xmlns:a16="http://schemas.microsoft.com/office/drawing/2014/main" id="{B1120D06-F2BA-4487-B457-53A57CD6E78D}"/>
+              </a:ext>
+            </a:extLst>
+          </p:cNvPr>
+          <p:cNvSpPr txBox="1"/>
+          <p:nvPr/>
+        </p:nvSpPr>
+        <p:spPr>
+          <a:xfrm>
+            <a:off x="1271239" y="3202844"/>
+            <a:ext cx="750626" cy="923330"/>
+          </a:xfrm>
+          <a:prstGeom prst="rect">
+            <a:avLst/>
+          </a:prstGeom>
+          <a:noFill/>
+        </p:spPr>
+        <p:txBody>
+          <a:bodyPr wrap="square" rtlCol="0">
+            <a:spAutoFit/>
+          </a:bodyPr>
+          <a:lstStyle/>
+          <a:p>
+            <a:r>
+              <a:rPr lang="ko-KR" altLang="en-US"/>
+              <a:t>대충 여백</a:t>
+            </a:r>
+            <a:endParaRPr lang="en-US" altLang="ko-KR"/>
+          </a:p>
+          <a:p>
+            <a:r>
+              <a:rPr lang="ko-KR" altLang="en-US"/>
+              <a:t>사진</a:t>
+            </a:r>
+          </a:p>
+        </p:txBody>
+      </p:sp>
+      <p:sp>
+        <p:nvSpPr>
+          <p:cNvPr id="14" name="TextBox 13">
+            <a:extLst>
+              <a:ext uri="{FF2B5EF4-FFF2-40B4-BE49-F238E27FC236}">
+                <a16:creationId xmlns:a16="http://schemas.microsoft.com/office/drawing/2014/main" id="{0033ED73-24DA-460D-8EFA-5468542D7F86}"/>
+              </a:ext>
+            </a:extLst>
+          </p:cNvPr>
+          <p:cNvSpPr txBox="1"/>
+          <p:nvPr/>
+        </p:nvSpPr>
+        <p:spPr>
+          <a:xfrm>
+            <a:off x="8482932" y="3202844"/>
+            <a:ext cx="750626" cy="923330"/>
+          </a:xfrm>
+          <a:prstGeom prst="rect">
+            <a:avLst/>
+          </a:prstGeom>
+          <a:noFill/>
+        </p:spPr>
+        <p:txBody>
+          <a:bodyPr wrap="square" rtlCol="0">
+            <a:spAutoFit/>
+          </a:bodyPr>
+          <a:lstStyle/>
+          <a:p>
+            <a:r>
+              <a:rPr lang="ko-KR" altLang="en-US"/>
+              <a:t>대충 여백</a:t>
+            </a:r>
+            <a:endParaRPr lang="en-US" altLang="ko-KR"/>
+          </a:p>
+          <a:p>
+            <a:r>
+              <a:rPr lang="ko-KR" altLang="en-US"/>
+              <a:t>사진</a:t>
+            </a:r>
+          </a:p>
+        </p:txBody>
+      </p:sp>
+      <p:sp>
+        <p:nvSpPr>
+          <p:cNvPr id="15" name="직사각형 14">
+            <a:extLst>
+              <a:ext uri="{FF2B5EF4-FFF2-40B4-BE49-F238E27FC236}">
+                <a16:creationId xmlns:a16="http://schemas.microsoft.com/office/drawing/2014/main" id="{3B1134AC-E1AF-4B6F-8F30-9B4BC4CE04A2}"/>
+              </a:ext>
+            </a:extLst>
+          </p:cNvPr>
+          <p:cNvSpPr/>
+          <p:nvPr/>
+        </p:nvSpPr>
+        <p:spPr>
+          <a:xfrm>
+            <a:off x="2083005" y="2926995"/>
+            <a:ext cx="6281952" cy="1361537"/>
+          </a:xfrm>
+          <a:prstGeom prst="rect">
+            <a:avLst/>
+          </a:prstGeom>
+          <a:noFill/>
+          <a:ln w="57150">
+            <a:solidFill>
+              <a:schemeClr val="accent4"/>
+            </a:solidFill>
+          </a:ln>
+        </p:spPr>
+        <p:style>
+          <a:lnRef idx="2">
+            <a:schemeClr val="accent1">
+              <a:shade val="50000"/>
+            </a:schemeClr>
+          </a:lnRef>
+          <a:fillRef idx="1">
+            <a:schemeClr val="accent1"/>
+          </a:fillRef>
+          <a:effectRef idx="0">
+            <a:schemeClr val="accent1"/>
+          </a:effectRef>
+          <a:fontRef idx="minor">
+            <a:schemeClr val="lt1"/>
+          </a:fontRef>
+        </p:style>
+        <p:txBody>
+          <a:bodyPr rtlCol="0" anchor="ctr"/>
+          <a:lstStyle/>
+          <a:p>
+            <a:pPr algn="ctr"/>
+            <a:endParaRPr lang="ko-KR" altLang="en-US">
+              <a:solidFill>
+                <a:srgbClr val="FF0000"/>
+              </a:solidFill>
+            </a:endParaRPr>
+          </a:p>
+        </p:txBody>
+      </p:sp>
+      <p:sp>
+        <p:nvSpPr>
+          <p:cNvPr id="16" name="TextBox 15">
+            <a:extLst>
+              <a:ext uri="{FF2B5EF4-FFF2-40B4-BE49-F238E27FC236}">
+                <a16:creationId xmlns:a16="http://schemas.microsoft.com/office/drawing/2014/main" id="{C7779565-F379-4189-96C0-426DB9225016}"/>
+              </a:ext>
+            </a:extLst>
+          </p:cNvPr>
+          <p:cNvSpPr txBox="1"/>
+          <p:nvPr/>
+        </p:nvSpPr>
+        <p:spPr>
+          <a:xfrm>
+            <a:off x="3699111" y="3434981"/>
+            <a:ext cx="3329486" cy="369332"/>
+          </a:xfrm>
+          <a:prstGeom prst="rect">
+            <a:avLst/>
+          </a:prstGeom>
+          <a:noFill/>
+        </p:spPr>
+        <p:txBody>
+          <a:bodyPr wrap="square" rtlCol="0">
+            <a:spAutoFit/>
+          </a:bodyPr>
+          <a:lstStyle/>
+          <a:p>
+            <a:r>
+              <a:rPr lang="ko-KR" altLang="en-US"/>
+              <a:t>여행가고 싶게 만드는 사진</a:t>
+            </a:r>
+          </a:p>
+        </p:txBody>
+      </p:sp>
+      <p:sp>
+        <p:nvSpPr>
+          <p:cNvPr id="17" name="직사각형 16">
+            <a:extLst>
+              <a:ext uri="{FF2B5EF4-FFF2-40B4-BE49-F238E27FC236}">
+                <a16:creationId xmlns:a16="http://schemas.microsoft.com/office/drawing/2014/main" id="{D24CFF1E-80A6-41A4-ABB2-92230F5D29CF}"/>
+              </a:ext>
+            </a:extLst>
+          </p:cNvPr>
+          <p:cNvSpPr/>
+          <p:nvPr/>
+        </p:nvSpPr>
+        <p:spPr>
+          <a:xfrm>
+            <a:off x="2113981" y="4459577"/>
+            <a:ext cx="6281952" cy="901492"/>
+          </a:xfrm>
+          <a:prstGeom prst="rect">
+            <a:avLst/>
+          </a:prstGeom>
+          <a:noFill/>
+          <a:ln w="57150">
+            <a:solidFill>
+              <a:schemeClr val="accent4"/>
+            </a:solidFill>
+          </a:ln>
+        </p:spPr>
+        <p:style>
+          <a:lnRef idx="2">
+            <a:schemeClr val="accent1">
+              <a:shade val="50000"/>
+            </a:schemeClr>
+          </a:lnRef>
+          <a:fillRef idx="1">
+            <a:schemeClr val="accent1"/>
+          </a:fillRef>
+          <a:effectRef idx="0">
+            <a:schemeClr val="accent1"/>
+          </a:effectRef>
+          <a:fontRef idx="minor">
+            <a:schemeClr val="lt1"/>
+          </a:fontRef>
+        </p:style>
+        <p:txBody>
+          <a:bodyPr rtlCol="0" anchor="ctr"/>
+          <a:lstStyle/>
+          <a:p>
+            <a:pPr algn="ctr"/>
+            <a:endParaRPr lang="ko-KR" altLang="en-US">
+              <a:solidFill>
+                <a:srgbClr val="FF0000"/>
+              </a:solidFill>
+            </a:endParaRPr>
+          </a:p>
+        </p:txBody>
+      </p:sp>
+      <p:sp>
+        <p:nvSpPr>
+          <p:cNvPr id="18" name="TextBox 17">
+            <a:extLst>
+              <a:ext uri="{FF2B5EF4-FFF2-40B4-BE49-F238E27FC236}">
+                <a16:creationId xmlns:a16="http://schemas.microsoft.com/office/drawing/2014/main" id="{EF6E82A2-8627-4337-8F40-3570801CBF6F}"/>
+              </a:ext>
+            </a:extLst>
+          </p:cNvPr>
+          <p:cNvSpPr txBox="1"/>
+          <p:nvPr/>
+        </p:nvSpPr>
+        <p:spPr>
+          <a:xfrm>
+            <a:off x="4442347" y="4673121"/>
+            <a:ext cx="3329486" cy="369332"/>
+          </a:xfrm>
+          <a:prstGeom prst="rect">
+            <a:avLst/>
+          </a:prstGeom>
+          <a:noFill/>
+        </p:spPr>
+        <p:txBody>
+          <a:bodyPr wrap="square" rtlCol="0">
+            <a:spAutoFit/>
+          </a:bodyPr>
+          <a:lstStyle/>
+          <a:p>
+            <a:r>
+              <a:rPr lang="ko-KR" altLang="en-US"/>
+              <a:t>빠른 검색</a:t>
+            </a:r>
+          </a:p>
+        </p:txBody>
+      </p:sp>
+    </p:spTree>
+    <p:extLst>
+      <p:ext uri="{BB962C8B-B14F-4D97-AF65-F5344CB8AC3E}">
+        <p14:creationId xmlns:p14="http://schemas.microsoft.com/office/powerpoint/2010/main" val="2133621018"/>
+      </p:ext>
+    </p:extLst>
+  </p:cSld>
+  <p:clrMapOvr>
+    <a:masterClrMapping/>
+  </p:clrMapOvr>
+</p:sld>
+</file>
+
+<file path=ppt/slides/slide17.xml><?xml version="1.0" encoding="utf-8"?>
+<p:sld xmlns:a="http://schemas.openxmlformats.org/drawingml/2006/main" xmlns:r="http://schemas.openxmlformats.org/officeDocument/2006/relationships" xmlns:p="http://schemas.openxmlformats.org/presentationml/2006/main">
+  <p:cSld>
+    <p:spTree>
+      <p:nvGrpSpPr>
+        <p:cNvPr id="1" name=""/>
+        <p:cNvGrpSpPr/>
+        <p:nvPr/>
+      </p:nvGrpSpPr>
+      <p:grpSpPr>
+        <a:xfrm>
+          <a:off x="0" y="0"/>
+          <a:ext cx="0" cy="0"/>
+          <a:chOff x="0" y="0"/>
+          <a:chExt cx="0" cy="0"/>
+        </a:xfrm>
+      </p:grpSpPr>
+      <p:sp>
+        <p:nvSpPr>
           <p:cNvPr id="3" name="TextBox 2">
             <a:extLst>
               <a:ext uri="{FF2B5EF4-FFF2-40B4-BE49-F238E27FC236}">
@@ -7920,7 +8993,7 @@
 </p:sld>
 </file>
 
-<file path=ppt/slides/slide16.xml><?xml version="1.0" encoding="utf-8"?>
+<file path=ppt/slides/slide18.xml><?xml version="1.0" encoding="utf-8"?>
 <p:sld xmlns:a="http://schemas.openxmlformats.org/drawingml/2006/main" xmlns:r="http://schemas.openxmlformats.org/officeDocument/2006/relationships" xmlns:p="http://schemas.openxmlformats.org/presentationml/2006/main">
   <p:cSld>
     <p:spTree>
@@ -7950,7 +9023,7 @@
 </p:sld>
 </file>
 
-<file path=ppt/slides/slide17.xml><?xml version="1.0" encoding="utf-8"?>
+<file path=ppt/slides/slide19.xml><?xml version="1.0" encoding="utf-8"?>
 <p:sld xmlns:a="http://schemas.openxmlformats.org/drawingml/2006/main" xmlns:r="http://schemas.openxmlformats.org/officeDocument/2006/relationships" xmlns:p="http://schemas.openxmlformats.org/presentationml/2006/main">
   <p:cSld>
     <p:spTree>
@@ -10313,7 +11386,7 @@
           <p:cNvPr id="2" name="TextBox 1">
             <a:extLst>
               <a:ext uri="{FF2B5EF4-FFF2-40B4-BE49-F238E27FC236}">
-                <a16:creationId xmlns:a16="http://schemas.microsoft.com/office/drawing/2014/main" id="{95A77225-3B67-4D07-A975-0918C3929710}"/>
+                <a16:creationId xmlns:a16="http://schemas.microsoft.com/office/drawing/2014/main" id="{3BADF7DA-D24E-47DE-9998-D1D933293C62}"/>
               </a:ext>
             </a:extLst>
           </p:cNvPr>
@@ -10322,8 +11395,8 @@
         </p:nvSpPr>
         <p:spPr>
           <a:xfrm>
-            <a:off x="2306471" y="1528550"/>
-            <a:ext cx="5349923" cy="2585323"/>
+            <a:off x="600723" y="527610"/>
+            <a:ext cx="5220070" cy="5632311"/>
           </a:xfrm>
           <a:prstGeom prst="rect">
             <a:avLst/>
@@ -10337,50 +11410,223 @@
           <a:lstStyle/>
           <a:p>
             <a:r>
+              <a:rPr lang="en-US" altLang="ko-KR" b="1"/>
+              <a:t>&gt; 1. </a:t>
+            </a:r>
+            <a:r>
+              <a:rPr lang="ko-KR" altLang="en-US" b="1"/>
+              <a:t>게시판 기능 확장</a:t>
+            </a:r>
+            <a:endParaRPr lang="en-US" altLang="ko-KR" b="1"/>
+          </a:p>
+          <a:p>
+            <a:r>
               <a:rPr lang="en-US" altLang="ko-KR"/>
-              <a:t>- models.py</a:t>
-            </a:r>
-          </a:p>
-          <a:p>
+              <a:t>	- </a:t>
+            </a:r>
+            <a:r>
+              <a:rPr lang="ko-KR" altLang="en-US"/>
+              <a:t>게시판 페이지</a:t>
+            </a:r>
             <a:endParaRPr lang="en-US" altLang="ko-KR"/>
           </a:p>
           <a:p>
             <a:r>
               <a:rPr lang="en-US" altLang="ko-KR"/>
-              <a:t>- </a:t>
-            </a:r>
-            <a:r>
-              <a:rPr lang="ko-KR" altLang="en-US"/>
-              <a:t>페이지 구조</a:t>
+              <a:t>	- </a:t>
+            </a:r>
+            <a:r>
+              <a:rPr lang="ko-KR" altLang="en-US"/>
+              <a:t>게시글 등록</a:t>
             </a:r>
             <a:endParaRPr lang="en-US" altLang="ko-KR"/>
           </a:p>
           <a:p>
+            <a:r>
+              <a:rPr lang="en-US" altLang="ko-KR"/>
+              <a:t>	- </a:t>
+            </a:r>
+            <a:r>
+              <a:rPr lang="ko-KR" altLang="en-US"/>
+              <a:t>댓글 등록</a:t>
+            </a:r>
             <a:endParaRPr lang="en-US" altLang="ko-KR"/>
           </a:p>
           <a:p>
+            <a:endParaRPr lang="en-US" altLang="ko-KR"/>
+          </a:p>
+          <a:p>
+            <a:r>
+              <a:rPr lang="en-US" altLang="ko-KR" b="1"/>
+              <a:t>&gt; 2. </a:t>
+            </a:r>
+            <a:r>
+              <a:rPr lang="ko-KR" altLang="en-US" b="1"/>
+              <a:t>회원가입</a:t>
+            </a:r>
+            <a:r>
+              <a:rPr lang="en-US" altLang="ko-KR" b="1"/>
+              <a:t>/</a:t>
+            </a:r>
+            <a:r>
+              <a:rPr lang="ko-KR" altLang="en-US" b="1"/>
+              <a:t>로그인 기능 추가</a:t>
+            </a:r>
+            <a:endParaRPr lang="en-US" altLang="ko-KR" b="1"/>
+          </a:p>
+          <a:p>
             <a:r>
               <a:rPr lang="en-US" altLang="ko-KR"/>
-              <a:t>- urls.py</a:t>
-            </a:r>
-          </a:p>
-          <a:p>
+              <a:t>	- </a:t>
+            </a:r>
+            <a:r>
+              <a:rPr lang="ko-KR" altLang="en-US"/>
+              <a:t>이메일 인증</a:t>
+            </a:r>
             <a:endParaRPr lang="en-US" altLang="ko-KR"/>
           </a:p>
           <a:p>
             <a:r>
               <a:rPr lang="en-US" altLang="ko-KR"/>
-              <a:t>- templates</a:t>
-            </a:r>
-          </a:p>
-          <a:p>
+              <a:t>	- </a:t>
+            </a:r>
+            <a:r>
+              <a:rPr lang="ko-KR" altLang="en-US"/>
+              <a:t>회원 정보 관리 페이지</a:t>
+            </a:r>
             <a:endParaRPr lang="en-US" altLang="ko-KR"/>
           </a:p>
           <a:p>
+            <a:endParaRPr lang="en-US" altLang="ko-KR"/>
+          </a:p>
+          <a:p>
+            <a:r>
+              <a:rPr lang="en-US" altLang="ko-KR" b="1"/>
+              <a:t>&gt; 3. </a:t>
+            </a:r>
+            <a:r>
+              <a:rPr lang="ko-KR" altLang="en-US" b="1"/>
+              <a:t>게시판 스크래핑</a:t>
+            </a:r>
+            <a:endParaRPr lang="en-US" altLang="ko-KR" b="1"/>
+          </a:p>
+          <a:p>
             <a:r>
               <a:rPr lang="en-US" altLang="ko-KR"/>
-              <a:t>- view.py</a:t>
-            </a:r>
+              <a:t>	- </a:t>
+            </a:r>
+            <a:r>
+              <a:rPr lang="ko-KR" altLang="en-US"/>
+              <a:t>여행 관련 정보들 있는 곳으로</a:t>
+            </a:r>
+            <a:endParaRPr lang="en-US" altLang="ko-KR"/>
+          </a:p>
+          <a:p>
+            <a:endParaRPr lang="en-US" altLang="ko-KR"/>
+          </a:p>
+          <a:p>
+            <a:r>
+              <a:rPr lang="en-US" altLang="ko-KR" b="1"/>
+              <a:t>&gt; 4. UI </a:t>
+            </a:r>
+            <a:r>
+              <a:rPr lang="ko-KR" altLang="en-US" b="1"/>
+              <a:t>손보기</a:t>
+            </a:r>
+            <a:endParaRPr lang="en-US" altLang="ko-KR" b="1"/>
+          </a:p>
+          <a:p>
+            <a:r>
+              <a:rPr lang="en-US" altLang="ko-KR"/>
+              <a:t>	- </a:t>
+            </a:r>
+            <a:r>
+              <a:rPr lang="ko-KR" altLang="en-US"/>
+              <a:t>부트스트랩</a:t>
+            </a:r>
+            <a:r>
+              <a:rPr lang="en-US" altLang="ko-KR"/>
+              <a:t>? CSS?</a:t>
+            </a:r>
+          </a:p>
+          <a:p>
+            <a:endParaRPr lang="en-US" altLang="ko-KR"/>
+          </a:p>
+          <a:p>
+            <a:r>
+              <a:rPr lang="en-US" altLang="ko-KR" b="1"/>
+              <a:t>&gt; 5. </a:t>
+            </a:r>
+            <a:r>
+              <a:rPr lang="ko-KR" altLang="en-US" b="1"/>
+              <a:t>빠른 검색 기능</a:t>
+            </a:r>
+            <a:r>
+              <a:rPr lang="en-US" altLang="ko-KR" b="1"/>
+              <a:t>?</a:t>
+            </a:r>
+          </a:p>
+          <a:p>
+            <a:r>
+              <a:rPr lang="en-US" altLang="ko-KR"/>
+              <a:t>	- 1). </a:t>
+            </a:r>
+            <a:r>
+              <a:rPr lang="ko-KR" altLang="en-US"/>
+              <a:t>지역 크게 구분해서 보여주기</a:t>
+            </a:r>
+            <a:endParaRPr lang="en-US" altLang="ko-KR"/>
+          </a:p>
+          <a:p>
+            <a:r>
+              <a:rPr lang="en-US" altLang="ko-KR"/>
+              <a:t>		- </a:t>
+            </a:r>
+            <a:r>
+              <a:rPr lang="ko-KR" altLang="en-US"/>
+              <a:t>서울</a:t>
+            </a:r>
+            <a:r>
+              <a:rPr lang="en-US" altLang="ko-KR"/>
+              <a:t>/</a:t>
+            </a:r>
+            <a:r>
+              <a:rPr lang="ko-KR" altLang="en-US"/>
+              <a:t>경기</a:t>
+            </a:r>
+            <a:r>
+              <a:rPr lang="en-US" altLang="ko-KR"/>
+              <a:t>/</a:t>
+            </a:r>
+            <a:r>
+              <a:rPr lang="ko-KR" altLang="en-US"/>
+              <a:t>충북</a:t>
+            </a:r>
+            <a:r>
+              <a:rPr lang="en-US" altLang="ko-KR"/>
+              <a:t>/......</a:t>
+            </a:r>
+          </a:p>
+          <a:p>
+            <a:r>
+              <a:rPr lang="en-US" altLang="ko-KR"/>
+              <a:t>	- 2). </a:t>
+            </a:r>
+            <a:r>
+              <a:rPr lang="ko-KR" altLang="en-US"/>
+              <a:t>지도 </a:t>
+            </a:r>
+            <a:r>
+              <a:rPr lang="en-US" altLang="ko-KR"/>
+              <a:t>+ </a:t>
+            </a:r>
+            <a:r>
+              <a:rPr lang="ko-KR" altLang="en-US"/>
+              <a:t>체크박스로 고르기</a:t>
+            </a:r>
+            <a:endParaRPr lang="en-US" altLang="ko-KR"/>
+          </a:p>
+          <a:p>
             <a:endParaRPr lang="ko-KR" altLang="en-US"/>
           </a:p>
         </p:txBody>
@@ -10388,7 +11634,7 @@
     </p:spTree>
     <p:extLst>
       <p:ext uri="{BB962C8B-B14F-4D97-AF65-F5344CB8AC3E}">
-        <p14:creationId xmlns:p14="http://schemas.microsoft.com/office/powerpoint/2010/main" val="2909733363"/>
+        <p14:creationId xmlns:p14="http://schemas.microsoft.com/office/powerpoint/2010/main" val="210059677"/>
       </p:ext>
     </p:extLst>
   </p:cSld>

--- a/웹사이트.pptx
+++ b/웹사이트.pptx
@@ -21,9 +21,10 @@
     <p:sldId id="269" r:id="rId15"/>
     <p:sldId id="270" r:id="rId16"/>
     <p:sldId id="271" r:id="rId17"/>
-    <p:sldId id="261" r:id="rId18"/>
-    <p:sldId id="267" r:id="rId19"/>
-    <p:sldId id="262" r:id="rId20"/>
+    <p:sldId id="277" r:id="rId18"/>
+    <p:sldId id="261" r:id="rId19"/>
+    <p:sldId id="267" r:id="rId20"/>
+    <p:sldId id="262" r:id="rId21"/>
   </p:sldIdLst>
   <p:sldSz cx="12192000" cy="6858000"/>
   <p:notesSz cx="6858000" cy="9144000"/>
@@ -8567,6 +8568,678 @@
       </p:grpSpPr>
       <p:sp>
         <p:nvSpPr>
+          <p:cNvPr id="2" name="직사각형 1">
+            <a:extLst>
+              <a:ext uri="{FF2B5EF4-FFF2-40B4-BE49-F238E27FC236}">
+                <a16:creationId xmlns:a16="http://schemas.microsoft.com/office/drawing/2014/main" id="{7CB8B9A9-1151-4B86-8C69-3D9B07CEEEDA}"/>
+              </a:ext>
+            </a:extLst>
+          </p:cNvPr>
+          <p:cNvSpPr/>
+          <p:nvPr/>
+        </p:nvSpPr>
+        <p:spPr>
+          <a:xfrm>
+            <a:off x="2003105" y="1774500"/>
+            <a:ext cx="3634215" cy="3818432"/>
+          </a:xfrm>
+          <a:prstGeom prst="rect">
+            <a:avLst/>
+          </a:prstGeom>
+          <a:noFill/>
+          <a:ln w="57150">
+            <a:solidFill>
+              <a:schemeClr val="accent4"/>
+            </a:solidFill>
+          </a:ln>
+        </p:spPr>
+        <p:style>
+          <a:lnRef idx="2">
+            <a:schemeClr val="accent1">
+              <a:shade val="50000"/>
+            </a:schemeClr>
+          </a:lnRef>
+          <a:fillRef idx="1">
+            <a:schemeClr val="accent1"/>
+          </a:fillRef>
+          <a:effectRef idx="0">
+            <a:schemeClr val="accent1"/>
+          </a:effectRef>
+          <a:fontRef idx="minor">
+            <a:schemeClr val="lt1"/>
+          </a:fontRef>
+        </p:style>
+        <p:txBody>
+          <a:bodyPr rtlCol="0" anchor="ctr"/>
+          <a:lstStyle/>
+          <a:p>
+            <a:pPr algn="ctr"/>
+            <a:endParaRPr lang="ko-KR" altLang="en-US">
+              <a:solidFill>
+                <a:srgbClr val="FF0000"/>
+              </a:solidFill>
+            </a:endParaRPr>
+          </a:p>
+        </p:txBody>
+      </p:sp>
+      <p:sp>
+        <p:nvSpPr>
+          <p:cNvPr id="3" name="직사각형 2">
+            <a:extLst>
+              <a:ext uri="{FF2B5EF4-FFF2-40B4-BE49-F238E27FC236}">
+                <a16:creationId xmlns:a16="http://schemas.microsoft.com/office/drawing/2014/main" id="{BF214960-39C4-477F-91DB-477EED54FFF1}"/>
+              </a:ext>
+            </a:extLst>
+          </p:cNvPr>
+          <p:cNvSpPr/>
+          <p:nvPr/>
+        </p:nvSpPr>
+        <p:spPr>
+          <a:xfrm>
+            <a:off x="2003105" y="1774500"/>
+            <a:ext cx="3634215" cy="1654500"/>
+          </a:xfrm>
+          <a:prstGeom prst="rect">
+            <a:avLst/>
+          </a:prstGeom>
+          <a:noFill/>
+          <a:ln w="57150">
+            <a:solidFill>
+              <a:srgbClr val="92D050"/>
+            </a:solidFill>
+          </a:ln>
+        </p:spPr>
+        <p:style>
+          <a:lnRef idx="2">
+            <a:schemeClr val="accent1">
+              <a:shade val="50000"/>
+            </a:schemeClr>
+          </a:lnRef>
+          <a:fillRef idx="1">
+            <a:schemeClr val="accent1"/>
+          </a:fillRef>
+          <a:effectRef idx="0">
+            <a:schemeClr val="accent1"/>
+          </a:effectRef>
+          <a:fontRef idx="minor">
+            <a:schemeClr val="lt1"/>
+          </a:fontRef>
+        </p:style>
+        <p:txBody>
+          <a:bodyPr rtlCol="0" anchor="ctr"/>
+          <a:lstStyle/>
+          <a:p>
+            <a:pPr algn="ctr"/>
+            <a:endParaRPr lang="ko-KR" altLang="en-US"/>
+          </a:p>
+        </p:txBody>
+      </p:sp>
+      <p:sp>
+        <p:nvSpPr>
+          <p:cNvPr id="4" name="직사각형 3">
+            <a:extLst>
+              <a:ext uri="{FF2B5EF4-FFF2-40B4-BE49-F238E27FC236}">
+                <a16:creationId xmlns:a16="http://schemas.microsoft.com/office/drawing/2014/main" id="{A51377EA-E87E-43AC-A63E-C59039AC8B67}"/>
+              </a:ext>
+            </a:extLst>
+          </p:cNvPr>
+          <p:cNvSpPr/>
+          <p:nvPr/>
+        </p:nvSpPr>
+        <p:spPr>
+          <a:xfrm>
+            <a:off x="2074126" y="3509344"/>
+            <a:ext cx="1965213" cy="529995"/>
+          </a:xfrm>
+          <a:prstGeom prst="rect">
+            <a:avLst/>
+          </a:prstGeom>
+          <a:noFill/>
+          <a:ln w="57150">
+            <a:solidFill>
+              <a:srgbClr val="92D050"/>
+            </a:solidFill>
+          </a:ln>
+        </p:spPr>
+        <p:style>
+          <a:lnRef idx="2">
+            <a:schemeClr val="accent1">
+              <a:shade val="50000"/>
+            </a:schemeClr>
+          </a:lnRef>
+          <a:fillRef idx="1">
+            <a:schemeClr val="accent1"/>
+          </a:fillRef>
+          <a:effectRef idx="0">
+            <a:schemeClr val="accent1"/>
+          </a:effectRef>
+          <a:fontRef idx="minor">
+            <a:schemeClr val="lt1"/>
+          </a:fontRef>
+        </p:style>
+        <p:txBody>
+          <a:bodyPr rtlCol="0" anchor="ctr"/>
+          <a:lstStyle/>
+          <a:p>
+            <a:pPr algn="ctr"/>
+            <a:endParaRPr lang="ko-KR" altLang="en-US"/>
+          </a:p>
+        </p:txBody>
+      </p:sp>
+      <p:sp>
+        <p:nvSpPr>
+          <p:cNvPr id="5" name="직사각형 4">
+            <a:extLst>
+              <a:ext uri="{FF2B5EF4-FFF2-40B4-BE49-F238E27FC236}">
+                <a16:creationId xmlns:a16="http://schemas.microsoft.com/office/drawing/2014/main" id="{39A6E8F8-51A9-473E-AD2B-E7EA2A77DF2D}"/>
+              </a:ext>
+            </a:extLst>
+          </p:cNvPr>
+          <p:cNvSpPr/>
+          <p:nvPr/>
+        </p:nvSpPr>
+        <p:spPr>
+          <a:xfrm>
+            <a:off x="4206247" y="3751667"/>
+            <a:ext cx="441211" cy="157195"/>
+          </a:xfrm>
+          <a:prstGeom prst="rect">
+            <a:avLst/>
+          </a:prstGeom>
+          <a:noFill/>
+          <a:ln w="57150">
+            <a:solidFill>
+              <a:srgbClr val="92D050"/>
+            </a:solidFill>
+          </a:ln>
+        </p:spPr>
+        <p:style>
+          <a:lnRef idx="2">
+            <a:schemeClr val="accent1">
+              <a:shade val="50000"/>
+            </a:schemeClr>
+          </a:lnRef>
+          <a:fillRef idx="1">
+            <a:schemeClr val="accent1"/>
+          </a:fillRef>
+          <a:effectRef idx="0">
+            <a:schemeClr val="accent1"/>
+          </a:effectRef>
+          <a:fontRef idx="minor">
+            <a:schemeClr val="lt1"/>
+          </a:fontRef>
+        </p:style>
+        <p:txBody>
+          <a:bodyPr rtlCol="0" anchor="ctr"/>
+          <a:lstStyle/>
+          <a:p>
+            <a:pPr algn="ctr"/>
+            <a:endParaRPr lang="ko-KR" altLang="en-US"/>
+          </a:p>
+        </p:txBody>
+      </p:sp>
+      <p:sp>
+        <p:nvSpPr>
+          <p:cNvPr id="6" name="직사각형 5">
+            <a:extLst>
+              <a:ext uri="{FF2B5EF4-FFF2-40B4-BE49-F238E27FC236}">
+                <a16:creationId xmlns:a16="http://schemas.microsoft.com/office/drawing/2014/main" id="{76DA751A-5A64-47E3-A34F-9189AFDD295E}"/>
+              </a:ext>
+            </a:extLst>
+          </p:cNvPr>
+          <p:cNvSpPr/>
+          <p:nvPr/>
+        </p:nvSpPr>
+        <p:spPr>
+          <a:xfrm>
+            <a:off x="2074126" y="4154678"/>
+            <a:ext cx="3057167" cy="230892"/>
+          </a:xfrm>
+          <a:prstGeom prst="rect">
+            <a:avLst/>
+          </a:prstGeom>
+          <a:noFill/>
+          <a:ln w="57150">
+            <a:solidFill>
+              <a:srgbClr val="92D050"/>
+            </a:solidFill>
+          </a:ln>
+        </p:spPr>
+        <p:style>
+          <a:lnRef idx="2">
+            <a:schemeClr val="accent1">
+              <a:shade val="50000"/>
+            </a:schemeClr>
+          </a:lnRef>
+          <a:fillRef idx="1">
+            <a:schemeClr val="accent1"/>
+          </a:fillRef>
+          <a:effectRef idx="0">
+            <a:schemeClr val="accent1"/>
+          </a:effectRef>
+          <a:fontRef idx="minor">
+            <a:schemeClr val="lt1"/>
+          </a:fontRef>
+        </p:style>
+        <p:txBody>
+          <a:bodyPr rtlCol="0" anchor="ctr"/>
+          <a:lstStyle/>
+          <a:p>
+            <a:pPr algn="ctr"/>
+            <a:endParaRPr lang="ko-KR" altLang="en-US"/>
+          </a:p>
+        </p:txBody>
+      </p:sp>
+      <p:sp>
+        <p:nvSpPr>
+          <p:cNvPr id="7" name="직사각형 6">
+            <a:extLst>
+              <a:ext uri="{FF2B5EF4-FFF2-40B4-BE49-F238E27FC236}">
+                <a16:creationId xmlns:a16="http://schemas.microsoft.com/office/drawing/2014/main" id="{5EED6FF2-0D0F-4DAD-8AA7-2EA320C33C4C}"/>
+              </a:ext>
+            </a:extLst>
+          </p:cNvPr>
+          <p:cNvSpPr/>
+          <p:nvPr/>
+        </p:nvSpPr>
+        <p:spPr>
+          <a:xfrm>
+            <a:off x="2074126" y="4473180"/>
+            <a:ext cx="3403396" cy="583674"/>
+          </a:xfrm>
+          <a:prstGeom prst="rect">
+            <a:avLst/>
+          </a:prstGeom>
+          <a:noFill/>
+          <a:ln w="57150">
+            <a:solidFill>
+              <a:srgbClr val="92D050"/>
+            </a:solidFill>
+          </a:ln>
+        </p:spPr>
+        <p:style>
+          <a:lnRef idx="2">
+            <a:schemeClr val="accent1">
+              <a:shade val="50000"/>
+            </a:schemeClr>
+          </a:lnRef>
+          <a:fillRef idx="1">
+            <a:schemeClr val="accent1"/>
+          </a:fillRef>
+          <a:effectRef idx="0">
+            <a:schemeClr val="accent1"/>
+          </a:effectRef>
+          <a:fontRef idx="minor">
+            <a:schemeClr val="lt1"/>
+          </a:fontRef>
+        </p:style>
+        <p:txBody>
+          <a:bodyPr rtlCol="0" anchor="ctr"/>
+          <a:lstStyle/>
+          <a:p>
+            <a:pPr algn="ctr"/>
+            <a:endParaRPr lang="ko-KR" altLang="en-US"/>
+          </a:p>
+        </p:txBody>
+      </p:sp>
+      <p:sp>
+        <p:nvSpPr>
+          <p:cNvPr id="8" name="직사각형 7">
+            <a:extLst>
+              <a:ext uri="{FF2B5EF4-FFF2-40B4-BE49-F238E27FC236}">
+                <a16:creationId xmlns:a16="http://schemas.microsoft.com/office/drawing/2014/main" id="{D675CDD7-02BC-41DB-9230-C822395D2EA0}"/>
+              </a:ext>
+            </a:extLst>
+          </p:cNvPr>
+          <p:cNvSpPr/>
+          <p:nvPr/>
+        </p:nvSpPr>
+        <p:spPr>
+          <a:xfrm>
+            <a:off x="4978603" y="4834427"/>
+            <a:ext cx="436775" cy="152400"/>
+          </a:xfrm>
+          <a:prstGeom prst="rect">
+            <a:avLst/>
+          </a:prstGeom>
+          <a:noFill/>
+          <a:ln w="57150">
+            <a:solidFill>
+              <a:srgbClr val="92D050"/>
+            </a:solidFill>
+          </a:ln>
+        </p:spPr>
+        <p:style>
+          <a:lnRef idx="2">
+            <a:schemeClr val="accent1">
+              <a:shade val="50000"/>
+            </a:schemeClr>
+          </a:lnRef>
+          <a:fillRef idx="1">
+            <a:schemeClr val="accent1"/>
+          </a:fillRef>
+          <a:effectRef idx="0">
+            <a:schemeClr val="accent1"/>
+          </a:effectRef>
+          <a:fontRef idx="minor">
+            <a:schemeClr val="lt1"/>
+          </a:fontRef>
+        </p:style>
+        <p:txBody>
+          <a:bodyPr rtlCol="0" anchor="ctr"/>
+          <a:lstStyle/>
+          <a:p>
+            <a:pPr algn="ctr"/>
+            <a:endParaRPr lang="ko-KR" altLang="en-US"/>
+          </a:p>
+        </p:txBody>
+      </p:sp>
+      <p:sp>
+        <p:nvSpPr>
+          <p:cNvPr id="9" name="직사각형 8">
+            <a:extLst>
+              <a:ext uri="{FF2B5EF4-FFF2-40B4-BE49-F238E27FC236}">
+                <a16:creationId xmlns:a16="http://schemas.microsoft.com/office/drawing/2014/main" id="{D03B7043-5C2F-4B11-956F-642CDDAF6685}"/>
+              </a:ext>
+            </a:extLst>
+          </p:cNvPr>
+          <p:cNvSpPr/>
+          <p:nvPr/>
+        </p:nvSpPr>
+        <p:spPr>
+          <a:xfrm>
+            <a:off x="2074126" y="5136616"/>
+            <a:ext cx="1485820" cy="376417"/>
+          </a:xfrm>
+          <a:prstGeom prst="rect">
+            <a:avLst/>
+          </a:prstGeom>
+          <a:noFill/>
+          <a:ln w="57150">
+            <a:solidFill>
+              <a:srgbClr val="92D050"/>
+            </a:solidFill>
+          </a:ln>
+        </p:spPr>
+        <p:style>
+          <a:lnRef idx="2">
+            <a:schemeClr val="accent1">
+              <a:shade val="50000"/>
+            </a:schemeClr>
+          </a:lnRef>
+          <a:fillRef idx="1">
+            <a:schemeClr val="accent1"/>
+          </a:fillRef>
+          <a:effectRef idx="0">
+            <a:schemeClr val="accent1"/>
+          </a:effectRef>
+          <a:fontRef idx="minor">
+            <a:schemeClr val="lt1"/>
+          </a:fontRef>
+        </p:style>
+        <p:txBody>
+          <a:bodyPr rtlCol="0" anchor="ctr"/>
+          <a:lstStyle/>
+          <a:p>
+            <a:pPr algn="ctr"/>
+            <a:endParaRPr lang="ko-KR" altLang="en-US"/>
+          </a:p>
+        </p:txBody>
+      </p:sp>
+      <p:sp>
+        <p:nvSpPr>
+          <p:cNvPr id="10" name="직사각형 9">
+            <a:extLst>
+              <a:ext uri="{FF2B5EF4-FFF2-40B4-BE49-F238E27FC236}">
+                <a16:creationId xmlns:a16="http://schemas.microsoft.com/office/drawing/2014/main" id="{3CCF043D-4D51-4F2C-B025-604BB5DD94AF}"/>
+              </a:ext>
+            </a:extLst>
+          </p:cNvPr>
+          <p:cNvSpPr/>
+          <p:nvPr/>
+        </p:nvSpPr>
+        <p:spPr>
+          <a:xfrm>
+            <a:off x="3698738" y="5136616"/>
+            <a:ext cx="1716639" cy="376417"/>
+          </a:xfrm>
+          <a:prstGeom prst="rect">
+            <a:avLst/>
+          </a:prstGeom>
+          <a:noFill/>
+          <a:ln w="57150">
+            <a:solidFill>
+              <a:srgbClr val="92D050"/>
+            </a:solidFill>
+          </a:ln>
+        </p:spPr>
+        <p:style>
+          <a:lnRef idx="2">
+            <a:schemeClr val="accent1">
+              <a:shade val="50000"/>
+            </a:schemeClr>
+          </a:lnRef>
+          <a:fillRef idx="1">
+            <a:schemeClr val="accent1"/>
+          </a:fillRef>
+          <a:effectRef idx="0">
+            <a:schemeClr val="accent1"/>
+          </a:effectRef>
+          <a:fontRef idx="minor">
+            <a:schemeClr val="lt1"/>
+          </a:fontRef>
+        </p:style>
+        <p:txBody>
+          <a:bodyPr rtlCol="0" anchor="ctr"/>
+          <a:lstStyle/>
+          <a:p>
+            <a:pPr algn="ctr"/>
+            <a:endParaRPr lang="ko-KR" altLang="en-US"/>
+          </a:p>
+        </p:txBody>
+      </p:sp>
+      <p:sp>
+        <p:nvSpPr>
+          <p:cNvPr id="11" name="TextBox 10">
+            <a:extLst>
+              <a:ext uri="{FF2B5EF4-FFF2-40B4-BE49-F238E27FC236}">
+                <a16:creationId xmlns:a16="http://schemas.microsoft.com/office/drawing/2014/main" id="{302226AB-EB04-40DD-AC3B-AEFE60688F0A}"/>
+              </a:ext>
+            </a:extLst>
+          </p:cNvPr>
+          <p:cNvSpPr txBox="1"/>
+          <p:nvPr/>
+        </p:nvSpPr>
+        <p:spPr>
+          <a:xfrm>
+            <a:off x="2947386" y="2406623"/>
+            <a:ext cx="2689934" cy="369332"/>
+          </a:xfrm>
+          <a:prstGeom prst="rect">
+            <a:avLst/>
+          </a:prstGeom>
+          <a:noFill/>
+        </p:spPr>
+        <p:txBody>
+          <a:bodyPr wrap="square" rtlCol="0">
+            <a:spAutoFit/>
+          </a:bodyPr>
+          <a:lstStyle/>
+          <a:p>
+            <a:r>
+              <a:rPr lang="ko-KR" altLang="en-US" b="1"/>
+              <a:t>숙소 대표 사진</a:t>
+            </a:r>
+          </a:p>
+        </p:txBody>
+      </p:sp>
+      <p:sp>
+        <p:nvSpPr>
+          <p:cNvPr id="12" name="TextBox 11">
+            <a:extLst>
+              <a:ext uri="{FF2B5EF4-FFF2-40B4-BE49-F238E27FC236}">
+                <a16:creationId xmlns:a16="http://schemas.microsoft.com/office/drawing/2014/main" id="{C42DF960-5CC6-4AB4-9795-7B729333F611}"/>
+              </a:ext>
+            </a:extLst>
+          </p:cNvPr>
+          <p:cNvSpPr txBox="1"/>
+          <p:nvPr/>
+        </p:nvSpPr>
+        <p:spPr>
+          <a:xfrm>
+            <a:off x="2148396" y="3578246"/>
+            <a:ext cx="2689934" cy="369332"/>
+          </a:xfrm>
+          <a:prstGeom prst="rect">
+            <a:avLst/>
+          </a:prstGeom>
+          <a:noFill/>
+        </p:spPr>
+        <p:txBody>
+          <a:bodyPr wrap="square" rtlCol="0">
+            <a:spAutoFit/>
+          </a:bodyPr>
+          <a:lstStyle/>
+          <a:p>
+            <a:r>
+              <a:rPr lang="ko-KR" altLang="en-US" b="1"/>
+              <a:t>숙소 이름</a:t>
+            </a:r>
+          </a:p>
+        </p:txBody>
+      </p:sp>
+      <p:sp>
+        <p:nvSpPr>
+          <p:cNvPr id="13" name="TextBox 12">
+            <a:extLst>
+              <a:ext uri="{FF2B5EF4-FFF2-40B4-BE49-F238E27FC236}">
+                <a16:creationId xmlns:a16="http://schemas.microsoft.com/office/drawing/2014/main" id="{56929BD4-53A2-407A-AD19-D8BFD9E7AD33}"/>
+              </a:ext>
+            </a:extLst>
+          </p:cNvPr>
+          <p:cNvSpPr txBox="1"/>
+          <p:nvPr/>
+        </p:nvSpPr>
+        <p:spPr>
+          <a:xfrm>
+            <a:off x="6853560" y="3425835"/>
+            <a:ext cx="1566910" cy="276999"/>
+          </a:xfrm>
+          <a:prstGeom prst="rect">
+            <a:avLst/>
+          </a:prstGeom>
+          <a:noFill/>
+        </p:spPr>
+        <p:txBody>
+          <a:bodyPr wrap="square" rtlCol="0">
+            <a:spAutoFit/>
+          </a:bodyPr>
+          <a:lstStyle/>
+          <a:p>
+            <a:r>
+              <a:rPr lang="ko-KR" altLang="en-US" sz="1200" b="1"/>
+              <a:t>숙소 평점 </a:t>
+            </a:r>
+            <a:r>
+              <a:rPr lang="en-US" altLang="ko-KR" sz="1200" b="1"/>
+              <a:t>(</a:t>
+            </a:r>
+            <a:r>
+              <a:rPr lang="ko-KR" altLang="en-US" sz="1200" b="1"/>
+              <a:t>평점수</a:t>
+            </a:r>
+            <a:r>
+              <a:rPr lang="en-US" altLang="ko-KR" sz="1200" b="1"/>
+              <a:t>)</a:t>
+            </a:r>
+            <a:endParaRPr lang="ko-KR" altLang="en-US" sz="1200" b="1"/>
+          </a:p>
+        </p:txBody>
+      </p:sp>
+      <p:sp>
+        <p:nvSpPr>
+          <p:cNvPr id="16" name="직사각형 15">
+            <a:extLst>
+              <a:ext uri="{FF2B5EF4-FFF2-40B4-BE49-F238E27FC236}">
+                <a16:creationId xmlns:a16="http://schemas.microsoft.com/office/drawing/2014/main" id="{539343DC-9887-424A-AFE0-7696718DBFB8}"/>
+              </a:ext>
+            </a:extLst>
+          </p:cNvPr>
+          <p:cNvSpPr/>
+          <p:nvPr/>
+        </p:nvSpPr>
+        <p:spPr>
+          <a:xfrm>
+            <a:off x="4796613" y="3751667"/>
+            <a:ext cx="441211" cy="157195"/>
+          </a:xfrm>
+          <a:prstGeom prst="rect">
+            <a:avLst/>
+          </a:prstGeom>
+          <a:noFill/>
+          <a:ln w="57150">
+            <a:solidFill>
+              <a:srgbClr val="92D050"/>
+            </a:solidFill>
+          </a:ln>
+        </p:spPr>
+        <p:style>
+          <a:lnRef idx="2">
+            <a:schemeClr val="accent1">
+              <a:shade val="50000"/>
+            </a:schemeClr>
+          </a:lnRef>
+          <a:fillRef idx="1">
+            <a:schemeClr val="accent1"/>
+          </a:fillRef>
+          <a:effectRef idx="0">
+            <a:schemeClr val="accent1"/>
+          </a:effectRef>
+          <a:fontRef idx="minor">
+            <a:schemeClr val="lt1"/>
+          </a:fontRef>
+        </p:style>
+        <p:txBody>
+          <a:bodyPr rtlCol="0" anchor="ctr"/>
+          <a:lstStyle/>
+          <a:p>
+            <a:pPr algn="ctr"/>
+            <a:endParaRPr lang="ko-KR" altLang="en-US"/>
+          </a:p>
+        </p:txBody>
+      </p:sp>
+    </p:spTree>
+    <p:extLst>
+      <p:ext uri="{BB962C8B-B14F-4D97-AF65-F5344CB8AC3E}">
+        <p14:creationId xmlns:p14="http://schemas.microsoft.com/office/powerpoint/2010/main" val="924155980"/>
+      </p:ext>
+    </p:extLst>
+  </p:cSld>
+  <p:clrMapOvr>
+    <a:masterClrMapping/>
+  </p:clrMapOvr>
+</p:sld>
+</file>
+
+<file path=ppt/slides/slide18.xml><?xml version="1.0" encoding="utf-8"?>
+<p:sld xmlns:a="http://schemas.openxmlformats.org/drawingml/2006/main" xmlns:r="http://schemas.openxmlformats.org/officeDocument/2006/relationships" xmlns:p="http://schemas.openxmlformats.org/presentationml/2006/main">
+  <p:cSld>
+    <p:spTree>
+      <p:nvGrpSpPr>
+        <p:cNvPr id="1" name=""/>
+        <p:cNvGrpSpPr/>
+        <p:nvPr/>
+      </p:nvGrpSpPr>
+      <p:grpSpPr>
+        <a:xfrm>
+          <a:off x="0" y="0"/>
+          <a:ext cx="0" cy="0"/>
+          <a:chOff x="0" y="0"/>
+          <a:chExt cx="0" cy="0"/>
+        </a:xfrm>
+      </p:grpSpPr>
+      <p:sp>
+        <p:nvSpPr>
           <p:cNvPr id="3" name="TextBox 2">
             <a:extLst>
               <a:ext uri="{FF2B5EF4-FFF2-40B4-BE49-F238E27FC236}">
@@ -8993,7 +9666,7 @@
 </p:sld>
 </file>
 
-<file path=ppt/slides/slide18.xml><?xml version="1.0" encoding="utf-8"?>
+<file path=ppt/slides/slide19.xml><?xml version="1.0" encoding="utf-8"?>
 <p:sld xmlns:a="http://schemas.openxmlformats.org/drawingml/2006/main" xmlns:r="http://schemas.openxmlformats.org/officeDocument/2006/relationships" xmlns:p="http://schemas.openxmlformats.org/presentationml/2006/main">
   <p:cSld>
     <p:spTree>
@@ -9023,289 +9696,6 @@
 </p:sld>
 </file>
 
-<file path=ppt/slides/slide19.xml><?xml version="1.0" encoding="utf-8"?>
-<p:sld xmlns:a="http://schemas.openxmlformats.org/drawingml/2006/main" xmlns:r="http://schemas.openxmlformats.org/officeDocument/2006/relationships" xmlns:p="http://schemas.openxmlformats.org/presentationml/2006/main">
-  <p:cSld>
-    <p:spTree>
-      <p:nvGrpSpPr>
-        <p:cNvPr id="1" name=""/>
-        <p:cNvGrpSpPr/>
-        <p:nvPr/>
-      </p:nvGrpSpPr>
-      <p:grpSpPr>
-        <a:xfrm>
-          <a:off x="0" y="0"/>
-          <a:ext cx="0" cy="0"/>
-          <a:chOff x="0" y="0"/>
-          <a:chExt cx="0" cy="0"/>
-        </a:xfrm>
-      </p:grpSpPr>
-      <p:sp>
-        <p:nvSpPr>
-          <p:cNvPr id="2" name="TextBox 1">
-            <a:extLst>
-              <a:ext uri="{FF2B5EF4-FFF2-40B4-BE49-F238E27FC236}">
-                <a16:creationId xmlns:a16="http://schemas.microsoft.com/office/drawing/2014/main" id="{9A3DD8B1-9F45-4E6B-9A45-4194DB5459A8}"/>
-              </a:ext>
-            </a:extLst>
-          </p:cNvPr>
-          <p:cNvSpPr txBox="1"/>
-          <p:nvPr/>
-        </p:nvSpPr>
-        <p:spPr>
-          <a:xfrm>
-            <a:off x="380196" y="202019"/>
-            <a:ext cx="8083320" cy="707886"/>
-          </a:xfrm>
-          <a:prstGeom prst="rect">
-            <a:avLst/>
-          </a:prstGeom>
-          <a:noFill/>
-        </p:spPr>
-        <p:txBody>
-          <a:bodyPr wrap="square" rtlCol="0">
-            <a:spAutoFit/>
-          </a:bodyPr>
-          <a:lstStyle/>
-          <a:p>
-            <a:r>
-              <a:rPr lang="en-US" altLang="ko-KR" sz="4000" b="1">
-                <a:solidFill>
-                  <a:schemeClr val="accent6"/>
-                </a:solidFill>
-              </a:rPr>
-              <a:t>VIEW</a:t>
-            </a:r>
-            <a:endParaRPr lang="ko-KR" altLang="en-US" sz="4000" b="1">
-              <a:solidFill>
-                <a:schemeClr val="accent6"/>
-              </a:solidFill>
-            </a:endParaRPr>
-          </a:p>
-        </p:txBody>
-      </p:sp>
-      <p:sp>
-        <p:nvSpPr>
-          <p:cNvPr id="3" name="TextBox 2">
-            <a:extLst>
-              <a:ext uri="{FF2B5EF4-FFF2-40B4-BE49-F238E27FC236}">
-                <a16:creationId xmlns:a16="http://schemas.microsoft.com/office/drawing/2014/main" id="{E5BFE24D-6DBA-4AB9-BF9D-6133E1020883}"/>
-              </a:ext>
-            </a:extLst>
-          </p:cNvPr>
-          <p:cNvSpPr txBox="1"/>
-          <p:nvPr/>
-        </p:nvSpPr>
-        <p:spPr>
-          <a:xfrm>
-            <a:off x="721552" y="1584580"/>
-            <a:ext cx="6094268" cy="923330"/>
-          </a:xfrm>
-          <a:prstGeom prst="rect">
-            <a:avLst/>
-          </a:prstGeom>
-          <a:noFill/>
-        </p:spPr>
-        <p:txBody>
-          <a:bodyPr wrap="square">
-            <a:spAutoFit/>
-          </a:bodyPr>
-          <a:lstStyle/>
-          <a:p>
-            <a:endParaRPr lang="en-US" altLang="ko-KR" b="1"/>
-          </a:p>
-          <a:p>
-            <a:r>
-              <a:rPr lang="en-US" altLang="ko-KR" b="1"/>
-              <a:t>i</a:t>
-            </a:r>
-            <a:r>
-              <a:rPr lang="en-US" altLang="ko-KR" b="1">
-                <a:solidFill>
-                  <a:schemeClr val="accent1"/>
-                </a:solidFill>
-              </a:rPr>
-              <a:t>ndex</a:t>
-            </a:r>
-            <a:r>
-              <a:rPr lang="en-US" altLang="ko-KR" b="1"/>
-              <a:t>	// </a:t>
-            </a:r>
-            <a:r>
-              <a:rPr lang="ko-KR" altLang="en-US" b="1"/>
-              <a:t>페이지 읽기 관련</a:t>
-            </a:r>
-            <a:endParaRPr lang="en-US" altLang="ko-KR" b="1"/>
-          </a:p>
-          <a:p>
-            <a:r>
-              <a:rPr lang="en-US" altLang="ko-KR" b="1"/>
-              <a:t>-&gt; question_list.html</a:t>
-            </a:r>
-          </a:p>
-        </p:txBody>
-      </p:sp>
-      <p:sp>
-        <p:nvSpPr>
-          <p:cNvPr id="4" name="TextBox 3">
-            <a:extLst>
-              <a:ext uri="{FF2B5EF4-FFF2-40B4-BE49-F238E27FC236}">
-                <a16:creationId xmlns:a16="http://schemas.microsoft.com/office/drawing/2014/main" id="{12002A29-14B2-45B1-B287-4B803DEBA7DF}"/>
-              </a:ext>
-            </a:extLst>
-          </p:cNvPr>
-          <p:cNvSpPr txBox="1"/>
-          <p:nvPr/>
-        </p:nvSpPr>
-        <p:spPr>
-          <a:xfrm>
-            <a:off x="721552" y="2505670"/>
-            <a:ext cx="6094268" cy="923330"/>
-          </a:xfrm>
-          <a:prstGeom prst="rect">
-            <a:avLst/>
-          </a:prstGeom>
-          <a:noFill/>
-        </p:spPr>
-        <p:txBody>
-          <a:bodyPr wrap="square">
-            <a:spAutoFit/>
-          </a:bodyPr>
-          <a:lstStyle/>
-          <a:p>
-            <a:endParaRPr lang="en-US" altLang="ko-KR" b="1"/>
-          </a:p>
-          <a:p>
-            <a:r>
-              <a:rPr lang="en-US" altLang="ko-KR" b="1">
-                <a:solidFill>
-                  <a:schemeClr val="accent1"/>
-                </a:solidFill>
-              </a:rPr>
-              <a:t>detail(Question , pk=question_id)</a:t>
-            </a:r>
-          </a:p>
-          <a:p>
-            <a:r>
-              <a:rPr lang="en-US" altLang="ko-KR" b="1"/>
-              <a:t>-&gt; question_detail.html / context = question</a:t>
-            </a:r>
-          </a:p>
-        </p:txBody>
-      </p:sp>
-      <p:sp>
-        <p:nvSpPr>
-          <p:cNvPr id="7" name="TextBox 6">
-            <a:extLst>
-              <a:ext uri="{FF2B5EF4-FFF2-40B4-BE49-F238E27FC236}">
-                <a16:creationId xmlns:a16="http://schemas.microsoft.com/office/drawing/2014/main" id="{60F32D13-FF41-49A6-AB15-6AFB2CB7E80B}"/>
-              </a:ext>
-            </a:extLst>
-          </p:cNvPr>
-          <p:cNvSpPr txBox="1"/>
-          <p:nvPr/>
-        </p:nvSpPr>
-        <p:spPr>
-          <a:xfrm>
-            <a:off x="721552" y="3804482"/>
-            <a:ext cx="6094268" cy="923330"/>
-          </a:xfrm>
-          <a:prstGeom prst="rect">
-            <a:avLst/>
-          </a:prstGeom>
-          <a:noFill/>
-        </p:spPr>
-        <p:txBody>
-          <a:bodyPr wrap="square">
-            <a:spAutoFit/>
-          </a:bodyPr>
-          <a:lstStyle/>
-          <a:p>
-            <a:endParaRPr lang="en-US" altLang="ko-KR" b="1"/>
-          </a:p>
-          <a:p>
-            <a:r>
-              <a:rPr lang="en-US" altLang="ko-KR" b="1">
-                <a:solidFill>
-                  <a:schemeClr val="accent1"/>
-                </a:solidFill>
-              </a:rPr>
-              <a:t>answer_create(question_id)</a:t>
-            </a:r>
-          </a:p>
-          <a:p>
-            <a:r>
-              <a:rPr lang="en-US" altLang="ko-KR" b="1"/>
-              <a:t>-&gt; question_detail.html / question_id = question_id</a:t>
-            </a:r>
-          </a:p>
-        </p:txBody>
-      </p:sp>
-      <p:sp>
-        <p:nvSpPr>
-          <p:cNvPr id="8" name="TextBox 7">
-            <a:extLst>
-              <a:ext uri="{FF2B5EF4-FFF2-40B4-BE49-F238E27FC236}">
-                <a16:creationId xmlns:a16="http://schemas.microsoft.com/office/drawing/2014/main" id="{58C7FA27-7186-422A-B0FD-DAF56645BA13}"/>
-              </a:ext>
-            </a:extLst>
-          </p:cNvPr>
-          <p:cNvSpPr txBox="1"/>
-          <p:nvPr/>
-        </p:nvSpPr>
-        <p:spPr>
-          <a:xfrm>
-            <a:off x="583152" y="4745680"/>
-            <a:ext cx="6094268" cy="923330"/>
-          </a:xfrm>
-          <a:prstGeom prst="rect">
-            <a:avLst/>
-          </a:prstGeom>
-          <a:noFill/>
-        </p:spPr>
-        <p:txBody>
-          <a:bodyPr wrap="square">
-            <a:spAutoFit/>
-          </a:bodyPr>
-          <a:lstStyle/>
-          <a:p>
-            <a:endParaRPr lang="en-US" altLang="ko-KR" b="1">
-              <a:solidFill>
-                <a:schemeClr val="accent1"/>
-              </a:solidFill>
-            </a:endParaRPr>
-          </a:p>
-          <a:p>
-            <a:r>
-              <a:rPr lang="en-US" altLang="ko-KR" b="1">
-                <a:solidFill>
-                  <a:schemeClr val="accent1"/>
-                </a:solidFill>
-              </a:rPr>
-              <a:t>question_create()</a:t>
-            </a:r>
-          </a:p>
-          <a:p>
-            <a:r>
-              <a:rPr lang="en-US" altLang="ko-KR" b="1"/>
-              <a:t>-&gt; question_form.html / context = form</a:t>
-            </a:r>
-          </a:p>
-        </p:txBody>
-      </p:sp>
-    </p:spTree>
-    <p:extLst>
-      <p:ext uri="{BB962C8B-B14F-4D97-AF65-F5344CB8AC3E}">
-        <p14:creationId xmlns:p14="http://schemas.microsoft.com/office/powerpoint/2010/main" val="3755364104"/>
-      </p:ext>
-    </p:extLst>
-  </p:cSld>
-  <p:clrMapOvr>
-    <a:masterClrMapping/>
-  </p:clrMapOvr>
-</p:sld>
-</file>
-
 <file path=ppt/slides/slide2.xml><?xml version="1.0" encoding="utf-8"?>
 <p:sld xmlns:a="http://schemas.openxmlformats.org/drawingml/2006/main" xmlns:r="http://schemas.openxmlformats.org/officeDocument/2006/relationships" xmlns:p="http://schemas.openxmlformats.org/presentationml/2006/main">
   <p:cSld>
@@ -10104,6 +10494,289 @@
     <p:extLst>
       <p:ext uri="{BB962C8B-B14F-4D97-AF65-F5344CB8AC3E}">
         <p14:creationId xmlns:p14="http://schemas.microsoft.com/office/powerpoint/2010/main" val="427777064"/>
+      </p:ext>
+    </p:extLst>
+  </p:cSld>
+  <p:clrMapOvr>
+    <a:masterClrMapping/>
+  </p:clrMapOvr>
+</p:sld>
+</file>
+
+<file path=ppt/slides/slide20.xml><?xml version="1.0" encoding="utf-8"?>
+<p:sld xmlns:a="http://schemas.openxmlformats.org/drawingml/2006/main" xmlns:r="http://schemas.openxmlformats.org/officeDocument/2006/relationships" xmlns:p="http://schemas.openxmlformats.org/presentationml/2006/main">
+  <p:cSld>
+    <p:spTree>
+      <p:nvGrpSpPr>
+        <p:cNvPr id="1" name=""/>
+        <p:cNvGrpSpPr/>
+        <p:nvPr/>
+      </p:nvGrpSpPr>
+      <p:grpSpPr>
+        <a:xfrm>
+          <a:off x="0" y="0"/>
+          <a:ext cx="0" cy="0"/>
+          <a:chOff x="0" y="0"/>
+          <a:chExt cx="0" cy="0"/>
+        </a:xfrm>
+      </p:grpSpPr>
+      <p:sp>
+        <p:nvSpPr>
+          <p:cNvPr id="2" name="TextBox 1">
+            <a:extLst>
+              <a:ext uri="{FF2B5EF4-FFF2-40B4-BE49-F238E27FC236}">
+                <a16:creationId xmlns:a16="http://schemas.microsoft.com/office/drawing/2014/main" id="{9A3DD8B1-9F45-4E6B-9A45-4194DB5459A8}"/>
+              </a:ext>
+            </a:extLst>
+          </p:cNvPr>
+          <p:cNvSpPr txBox="1"/>
+          <p:nvPr/>
+        </p:nvSpPr>
+        <p:spPr>
+          <a:xfrm>
+            <a:off x="380196" y="202019"/>
+            <a:ext cx="8083320" cy="707886"/>
+          </a:xfrm>
+          <a:prstGeom prst="rect">
+            <a:avLst/>
+          </a:prstGeom>
+          <a:noFill/>
+        </p:spPr>
+        <p:txBody>
+          <a:bodyPr wrap="square" rtlCol="0">
+            <a:spAutoFit/>
+          </a:bodyPr>
+          <a:lstStyle/>
+          <a:p>
+            <a:r>
+              <a:rPr lang="en-US" altLang="ko-KR" sz="4000" b="1">
+                <a:solidFill>
+                  <a:schemeClr val="accent6"/>
+                </a:solidFill>
+              </a:rPr>
+              <a:t>VIEW</a:t>
+            </a:r>
+            <a:endParaRPr lang="ko-KR" altLang="en-US" sz="4000" b="1">
+              <a:solidFill>
+                <a:schemeClr val="accent6"/>
+              </a:solidFill>
+            </a:endParaRPr>
+          </a:p>
+        </p:txBody>
+      </p:sp>
+      <p:sp>
+        <p:nvSpPr>
+          <p:cNvPr id="3" name="TextBox 2">
+            <a:extLst>
+              <a:ext uri="{FF2B5EF4-FFF2-40B4-BE49-F238E27FC236}">
+                <a16:creationId xmlns:a16="http://schemas.microsoft.com/office/drawing/2014/main" id="{E5BFE24D-6DBA-4AB9-BF9D-6133E1020883}"/>
+              </a:ext>
+            </a:extLst>
+          </p:cNvPr>
+          <p:cNvSpPr txBox="1"/>
+          <p:nvPr/>
+        </p:nvSpPr>
+        <p:spPr>
+          <a:xfrm>
+            <a:off x="721552" y="1584580"/>
+            <a:ext cx="6094268" cy="923330"/>
+          </a:xfrm>
+          <a:prstGeom prst="rect">
+            <a:avLst/>
+          </a:prstGeom>
+          <a:noFill/>
+        </p:spPr>
+        <p:txBody>
+          <a:bodyPr wrap="square">
+            <a:spAutoFit/>
+          </a:bodyPr>
+          <a:lstStyle/>
+          <a:p>
+            <a:endParaRPr lang="en-US" altLang="ko-KR" b="1"/>
+          </a:p>
+          <a:p>
+            <a:r>
+              <a:rPr lang="en-US" altLang="ko-KR" b="1"/>
+              <a:t>i</a:t>
+            </a:r>
+            <a:r>
+              <a:rPr lang="en-US" altLang="ko-KR" b="1">
+                <a:solidFill>
+                  <a:schemeClr val="accent1"/>
+                </a:solidFill>
+              </a:rPr>
+              <a:t>ndex</a:t>
+            </a:r>
+            <a:r>
+              <a:rPr lang="en-US" altLang="ko-KR" b="1"/>
+              <a:t>	// </a:t>
+            </a:r>
+            <a:r>
+              <a:rPr lang="ko-KR" altLang="en-US" b="1"/>
+              <a:t>페이지 읽기 관련</a:t>
+            </a:r>
+            <a:endParaRPr lang="en-US" altLang="ko-KR" b="1"/>
+          </a:p>
+          <a:p>
+            <a:r>
+              <a:rPr lang="en-US" altLang="ko-KR" b="1"/>
+              <a:t>-&gt; question_list.html</a:t>
+            </a:r>
+          </a:p>
+        </p:txBody>
+      </p:sp>
+      <p:sp>
+        <p:nvSpPr>
+          <p:cNvPr id="4" name="TextBox 3">
+            <a:extLst>
+              <a:ext uri="{FF2B5EF4-FFF2-40B4-BE49-F238E27FC236}">
+                <a16:creationId xmlns:a16="http://schemas.microsoft.com/office/drawing/2014/main" id="{12002A29-14B2-45B1-B287-4B803DEBA7DF}"/>
+              </a:ext>
+            </a:extLst>
+          </p:cNvPr>
+          <p:cNvSpPr txBox="1"/>
+          <p:nvPr/>
+        </p:nvSpPr>
+        <p:spPr>
+          <a:xfrm>
+            <a:off x="721552" y="2505670"/>
+            <a:ext cx="6094268" cy="923330"/>
+          </a:xfrm>
+          <a:prstGeom prst="rect">
+            <a:avLst/>
+          </a:prstGeom>
+          <a:noFill/>
+        </p:spPr>
+        <p:txBody>
+          <a:bodyPr wrap="square">
+            <a:spAutoFit/>
+          </a:bodyPr>
+          <a:lstStyle/>
+          <a:p>
+            <a:endParaRPr lang="en-US" altLang="ko-KR" b="1"/>
+          </a:p>
+          <a:p>
+            <a:r>
+              <a:rPr lang="en-US" altLang="ko-KR" b="1">
+                <a:solidFill>
+                  <a:schemeClr val="accent1"/>
+                </a:solidFill>
+              </a:rPr>
+              <a:t>detail(Question , pk=question_id)</a:t>
+            </a:r>
+          </a:p>
+          <a:p>
+            <a:r>
+              <a:rPr lang="en-US" altLang="ko-KR" b="1"/>
+              <a:t>-&gt; question_detail.html / context = question</a:t>
+            </a:r>
+          </a:p>
+        </p:txBody>
+      </p:sp>
+      <p:sp>
+        <p:nvSpPr>
+          <p:cNvPr id="7" name="TextBox 6">
+            <a:extLst>
+              <a:ext uri="{FF2B5EF4-FFF2-40B4-BE49-F238E27FC236}">
+                <a16:creationId xmlns:a16="http://schemas.microsoft.com/office/drawing/2014/main" id="{60F32D13-FF41-49A6-AB15-6AFB2CB7E80B}"/>
+              </a:ext>
+            </a:extLst>
+          </p:cNvPr>
+          <p:cNvSpPr txBox="1"/>
+          <p:nvPr/>
+        </p:nvSpPr>
+        <p:spPr>
+          <a:xfrm>
+            <a:off x="721552" y="3804482"/>
+            <a:ext cx="6094268" cy="923330"/>
+          </a:xfrm>
+          <a:prstGeom prst="rect">
+            <a:avLst/>
+          </a:prstGeom>
+          <a:noFill/>
+        </p:spPr>
+        <p:txBody>
+          <a:bodyPr wrap="square">
+            <a:spAutoFit/>
+          </a:bodyPr>
+          <a:lstStyle/>
+          <a:p>
+            <a:endParaRPr lang="en-US" altLang="ko-KR" b="1"/>
+          </a:p>
+          <a:p>
+            <a:r>
+              <a:rPr lang="en-US" altLang="ko-KR" b="1">
+                <a:solidFill>
+                  <a:schemeClr val="accent1"/>
+                </a:solidFill>
+              </a:rPr>
+              <a:t>answer_create(question_id)</a:t>
+            </a:r>
+          </a:p>
+          <a:p>
+            <a:r>
+              <a:rPr lang="en-US" altLang="ko-KR" b="1"/>
+              <a:t>-&gt; question_detail.html / question_id = question_id</a:t>
+            </a:r>
+          </a:p>
+        </p:txBody>
+      </p:sp>
+      <p:sp>
+        <p:nvSpPr>
+          <p:cNvPr id="8" name="TextBox 7">
+            <a:extLst>
+              <a:ext uri="{FF2B5EF4-FFF2-40B4-BE49-F238E27FC236}">
+                <a16:creationId xmlns:a16="http://schemas.microsoft.com/office/drawing/2014/main" id="{58C7FA27-7186-422A-B0FD-DAF56645BA13}"/>
+              </a:ext>
+            </a:extLst>
+          </p:cNvPr>
+          <p:cNvSpPr txBox="1"/>
+          <p:nvPr/>
+        </p:nvSpPr>
+        <p:spPr>
+          <a:xfrm>
+            <a:off x="583152" y="4745680"/>
+            <a:ext cx="6094268" cy="923330"/>
+          </a:xfrm>
+          <a:prstGeom prst="rect">
+            <a:avLst/>
+          </a:prstGeom>
+          <a:noFill/>
+        </p:spPr>
+        <p:txBody>
+          <a:bodyPr wrap="square">
+            <a:spAutoFit/>
+          </a:bodyPr>
+          <a:lstStyle/>
+          <a:p>
+            <a:endParaRPr lang="en-US" altLang="ko-KR" b="1">
+              <a:solidFill>
+                <a:schemeClr val="accent1"/>
+              </a:solidFill>
+            </a:endParaRPr>
+          </a:p>
+          <a:p>
+            <a:r>
+              <a:rPr lang="en-US" altLang="ko-KR" b="1">
+                <a:solidFill>
+                  <a:schemeClr val="accent1"/>
+                </a:solidFill>
+              </a:rPr>
+              <a:t>question_create()</a:t>
+            </a:r>
+          </a:p>
+          <a:p>
+            <a:r>
+              <a:rPr lang="en-US" altLang="ko-KR" b="1"/>
+              <a:t>-&gt; question_form.html / context = form</a:t>
+            </a:r>
+          </a:p>
+        </p:txBody>
+      </p:sp>
+    </p:spTree>
+    <p:extLst>
+      <p:ext uri="{BB962C8B-B14F-4D97-AF65-F5344CB8AC3E}">
+        <p14:creationId xmlns:p14="http://schemas.microsoft.com/office/powerpoint/2010/main" val="3755364104"/>
       </p:ext>
     </p:extLst>
   </p:cSld>
